--- a/GUI_Python/Create_GUI_with_Python.pptx
+++ b/GUI_Python/Create_GUI_with_Python.pptx
@@ -5,15 +5,14 @@
     <p:sldMasterId id="2147483648" r:id="rId1"/>
   </p:sldMasterIdLst>
   <p:notesMasterIdLst>
-    <p:notesMasterId r:id="rId5"/>
+    <p:notesMasterId r:id="rId4"/>
   </p:notesMasterIdLst>
   <p:handoutMasterIdLst>
-    <p:handoutMasterId r:id="rId6"/>
+    <p:handoutMasterId r:id="rId5"/>
   </p:handoutMasterIdLst>
   <p:sldIdLst>
     <p:sldId id="256" r:id="rId2"/>
     <p:sldId id="257" r:id="rId3"/>
-    <p:sldId id="258" r:id="rId4"/>
   </p:sldIdLst>
   <p:sldSz cx="12192000" cy="6858000"/>
   <p:notesSz cx="6858000" cy="9144000"/>
@@ -4353,7 +4352,7 @@
         </p:blipFill>
         <p:spPr>
           <a:xfrm>
-            <a:off x="0" y="0"/>
+            <a:off x="119268" y="59634"/>
             <a:ext cx="611187" cy="671551"/>
           </a:xfrm>
           <a:prstGeom prst="rect">
@@ -4433,7 +4432,7 @@
         </p:blipFill>
         <p:spPr>
           <a:xfrm>
-            <a:off x="0" y="804263"/>
+            <a:off x="119268" y="863897"/>
             <a:ext cx="1374374" cy="2071274"/>
           </a:xfrm>
           <a:prstGeom prst="rect">
@@ -4708,8 +4707,88 @@
         </p:blipFill>
         <p:spPr>
           <a:xfrm>
-            <a:off x="4931834" y="2089150"/>
+            <a:off x="2208213" y="1954306"/>
             <a:ext cx="3925357" cy="3625850"/>
+          </a:xfrm>
+          <a:prstGeom prst="rect">
+            <a:avLst/>
+          </a:prstGeom>
+          <a:ln>
+            <a:noFill/>
+          </a:ln>
+          <a:effectLst>
+            <a:outerShdw blurRad="292100" dist="139700" dir="2700000" algn="tl" rotWithShape="0">
+              <a:srgbClr val="333333">
+                <a:alpha val="65000"/>
+              </a:srgbClr>
+            </a:outerShdw>
+          </a:effectLst>
+        </p:spPr>
+      </p:pic>
+      <p:pic>
+        <p:nvPicPr>
+          <p:cNvPr id="12" name="Picture 11">
+            <a:extLst>
+              <a:ext uri="{FF2B5EF4-FFF2-40B4-BE49-F238E27FC236}">
+                <a16:creationId xmlns:a16="http://schemas.microsoft.com/office/drawing/2014/main" id="{8E3CEAC5-BF73-4AB7-310A-510E8C96CBFD}"/>
+              </a:ext>
+            </a:extLst>
+          </p:cNvPr>
+          <p:cNvPicPr>
+            <a:picLocks noChangeAspect="1"/>
+          </p:cNvPicPr>
+          <p:nvPr/>
+        </p:nvPicPr>
+        <p:blipFill>
+          <a:blip r:embed="rId7"/>
+          <a:stretch>
+            <a:fillRect/>
+          </a:stretch>
+        </p:blipFill>
+        <p:spPr>
+          <a:xfrm>
+            <a:off x="6704541" y="1954306"/>
+            <a:ext cx="4305300" cy="2209800"/>
+          </a:xfrm>
+          <a:prstGeom prst="rect">
+            <a:avLst/>
+          </a:prstGeom>
+          <a:ln>
+            <a:noFill/>
+          </a:ln>
+          <a:effectLst>
+            <a:outerShdw blurRad="292100" dist="139700" dir="2700000" algn="tl" rotWithShape="0">
+              <a:srgbClr val="333333">
+                <a:alpha val="65000"/>
+              </a:srgbClr>
+            </a:outerShdw>
+          </a:effectLst>
+        </p:spPr>
+      </p:pic>
+      <p:pic>
+        <p:nvPicPr>
+          <p:cNvPr id="14" name="Picture 13">
+            <a:extLst>
+              <a:ext uri="{FF2B5EF4-FFF2-40B4-BE49-F238E27FC236}">
+                <a16:creationId xmlns:a16="http://schemas.microsoft.com/office/drawing/2014/main" id="{A0E9B3FC-1608-0491-943B-AE56CC42FF7E}"/>
+              </a:ext>
+            </a:extLst>
+          </p:cNvPr>
+          <p:cNvPicPr>
+            <a:picLocks noChangeAspect="1"/>
+          </p:cNvPicPr>
+          <p:nvPr/>
+        </p:nvPicPr>
+        <p:blipFill>
+          <a:blip r:embed="rId8"/>
+          <a:stretch>
+            <a:fillRect/>
+          </a:stretch>
+        </p:blipFill>
+        <p:spPr>
+          <a:xfrm>
+            <a:off x="8047566" y="4261764"/>
+            <a:ext cx="2962275" cy="1333500"/>
           </a:xfrm>
           <a:prstGeom prst="rect">
             <a:avLst/>
@@ -4730,468 +4809,6 @@
     <p:extLst>
       <p:ext uri="{BB962C8B-B14F-4D97-AF65-F5344CB8AC3E}">
         <p14:creationId xmlns:p14="http://schemas.microsoft.com/office/powerpoint/2010/main" val="3572012654"/>
-      </p:ext>
-    </p:extLst>
-  </p:cSld>
-  <p:clrMapOvr>
-    <a:masterClrMapping/>
-  </p:clrMapOvr>
-</p:sld>
-</file>
-
-<file path=ppt/slides/slide3.xml><?xml version="1.0" encoding="utf-8"?>
-<p:sld xmlns:a="http://schemas.openxmlformats.org/drawingml/2006/main" xmlns:r="http://schemas.openxmlformats.org/officeDocument/2006/relationships" xmlns:p="http://schemas.openxmlformats.org/presentationml/2006/main">
-  <p:cSld>
-    <p:spTree>
-      <p:nvGrpSpPr>
-        <p:cNvPr id="1" name=""/>
-        <p:cNvGrpSpPr/>
-        <p:nvPr/>
-      </p:nvGrpSpPr>
-      <p:grpSpPr>
-        <a:xfrm>
-          <a:off x="0" y="0"/>
-          <a:ext cx="0" cy="0"/>
-          <a:chOff x="0" y="0"/>
-          <a:chExt cx="0" cy="0"/>
-        </a:xfrm>
-      </p:grpSpPr>
-      <p:sp>
-        <p:nvSpPr>
-          <p:cNvPr id="2" name="Title 1">
-            <a:extLst>
-              <a:ext uri="{FF2B5EF4-FFF2-40B4-BE49-F238E27FC236}">
-                <a16:creationId xmlns:a16="http://schemas.microsoft.com/office/drawing/2014/main" id="{60BDC9E0-4942-655E-4150-9691AA9C765B}"/>
-              </a:ext>
-            </a:extLst>
-          </p:cNvPr>
-          <p:cNvSpPr>
-            <a:spLocks noGrp="1"/>
-          </p:cNvSpPr>
-          <p:nvPr>
-            <p:ph type="title"/>
-          </p:nvPr>
-        </p:nvSpPr>
-        <p:spPr>
-          <a:xfrm>
-            <a:off x="2208213" y="304799"/>
-            <a:ext cx="9372600" cy="1649507"/>
-          </a:xfrm>
-        </p:spPr>
-        <p:txBody>
-          <a:bodyPr anchor="ctr"/>
-          <a:lstStyle/>
-          <a:p>
-            <a:r>
-              <a:rPr lang="en-US" sz="4000" dirty="0">
-                <a:latin typeface="HarmonyOS Sans Black" panose="00000A00000000000000" pitchFamily="2" charset="0"/>
-              </a:rPr>
-              <a:t>Create GUI with Python</a:t>
-            </a:r>
-            <a:br>
-              <a:rPr lang="en-US" dirty="0">
-                <a:latin typeface="HarmonyOS Sans" panose="00000500000000000000" pitchFamily="2" charset="0"/>
-              </a:rPr>
-            </a:br>
-            <a:r>
-              <a:rPr lang="en-US" sz="5400" dirty="0">
-                <a:latin typeface="HarmonyOS Sans" panose="00000500000000000000" pitchFamily="2" charset="0"/>
-              </a:rPr>
-              <a:t>002 Wanted Poster</a:t>
-            </a:r>
-            <a:endParaRPr lang="en-US" dirty="0">
-              <a:latin typeface="HarmonyOS Sans" panose="00000500000000000000" pitchFamily="2" charset="0"/>
-            </a:endParaRPr>
-          </a:p>
-        </p:txBody>
-      </p:sp>
-      <p:sp>
-        <p:nvSpPr>
-          <p:cNvPr id="3" name="Content Placeholder 2">
-            <a:extLst>
-              <a:ext uri="{FF2B5EF4-FFF2-40B4-BE49-F238E27FC236}">
-                <a16:creationId xmlns:a16="http://schemas.microsoft.com/office/drawing/2014/main" id="{23E1EB2B-FC90-CE2F-FCC6-4356443773A0}"/>
-              </a:ext>
-            </a:extLst>
-          </p:cNvPr>
-          <p:cNvSpPr>
-            <a:spLocks noGrp="1"/>
-          </p:cNvSpPr>
-          <p:nvPr>
-            <p:ph idx="1"/>
-          </p:nvPr>
-        </p:nvSpPr>
-        <p:spPr>
-          <a:xfrm>
-            <a:off x="2208213" y="2088776"/>
-            <a:ext cx="9372600" cy="3626224"/>
-          </a:xfrm>
-        </p:spPr>
-        <p:txBody>
-          <a:bodyPr/>
-          <a:lstStyle/>
-          <a:p>
-            <a:endParaRPr lang="en-US"/>
-          </a:p>
-        </p:txBody>
-      </p:sp>
-      <p:pic>
-        <p:nvPicPr>
-          <p:cNvPr id="6" name="Picture 5">
-            <a:extLst>
-              <a:ext uri="{FF2B5EF4-FFF2-40B4-BE49-F238E27FC236}">
-                <a16:creationId xmlns:a16="http://schemas.microsoft.com/office/drawing/2014/main" id="{28525CF1-7DD8-7F22-12CB-14807078F0D7}"/>
-              </a:ext>
-            </a:extLst>
-          </p:cNvPr>
-          <p:cNvPicPr>
-            <a:picLocks noChangeAspect="1"/>
-          </p:cNvPicPr>
-          <p:nvPr/>
-        </p:nvPicPr>
-        <p:blipFill>
-          <a:blip r:embed="rId2"/>
-          <a:stretch>
-            <a:fillRect/>
-          </a:stretch>
-        </p:blipFill>
-        <p:spPr>
-          <a:xfrm>
-            <a:off x="0" y="0"/>
-            <a:ext cx="611187" cy="671551"/>
-          </a:xfrm>
-          <a:prstGeom prst="rect">
-            <a:avLst/>
-          </a:prstGeom>
-          <a:ln>
-            <a:noFill/>
-          </a:ln>
-          <a:effectLst>
-            <a:outerShdw blurRad="292100" dist="139700" dir="2700000" algn="tl" rotWithShape="0">
-              <a:srgbClr val="333333">
-                <a:alpha val="65000"/>
-              </a:srgbClr>
-            </a:outerShdw>
-          </a:effectLst>
-        </p:spPr>
-      </p:pic>
-      <p:pic>
-        <p:nvPicPr>
-          <p:cNvPr id="7" name="Picture 6">
-            <a:extLst>
-              <a:ext uri="{FF2B5EF4-FFF2-40B4-BE49-F238E27FC236}">
-                <a16:creationId xmlns:a16="http://schemas.microsoft.com/office/drawing/2014/main" id="{ACE06191-4455-E539-6992-17D338C10648}"/>
-              </a:ext>
-            </a:extLst>
-          </p:cNvPr>
-          <p:cNvPicPr>
-            <a:picLocks noChangeAspect="1"/>
-          </p:cNvPicPr>
-          <p:nvPr/>
-        </p:nvPicPr>
-        <p:blipFill>
-          <a:blip r:embed="rId3"/>
-          <a:stretch>
-            <a:fillRect/>
-          </a:stretch>
-        </p:blipFill>
-        <p:spPr>
-          <a:xfrm>
-            <a:off x="0" y="6471564"/>
-            <a:ext cx="1855694" cy="386435"/>
-          </a:xfrm>
-          <a:prstGeom prst="rect">
-            <a:avLst/>
-          </a:prstGeom>
-          <a:ln>
-            <a:noFill/>
-          </a:ln>
-          <a:effectLst>
-            <a:outerShdw blurRad="292100" dist="139700" dir="2700000" algn="tl" rotWithShape="0">
-              <a:srgbClr val="333333">
-                <a:alpha val="65000"/>
-              </a:srgbClr>
-            </a:outerShdw>
-          </a:effectLst>
-        </p:spPr>
-      </p:pic>
-      <p:pic>
-        <p:nvPicPr>
-          <p:cNvPr id="8" name="Picture 7">
-            <a:extLst>
-              <a:ext uri="{FF2B5EF4-FFF2-40B4-BE49-F238E27FC236}">
-                <a16:creationId xmlns:a16="http://schemas.microsoft.com/office/drawing/2014/main" id="{E815D6CC-086C-CEEA-B605-CC7A17A0C652}"/>
-              </a:ext>
-            </a:extLst>
-          </p:cNvPr>
-          <p:cNvPicPr>
-            <a:picLocks noChangeAspect="1"/>
-          </p:cNvPicPr>
-          <p:nvPr/>
-        </p:nvPicPr>
-        <p:blipFill>
-          <a:blip r:embed="rId4"/>
-          <a:stretch>
-            <a:fillRect/>
-          </a:stretch>
-        </p:blipFill>
-        <p:spPr>
-          <a:xfrm>
-            <a:off x="0" y="804263"/>
-            <a:ext cx="1374374" cy="2071274"/>
-          </a:xfrm>
-          <a:prstGeom prst="rect">
-            <a:avLst/>
-          </a:prstGeom>
-          <a:ln>
-            <a:noFill/>
-          </a:ln>
-          <a:effectLst>
-            <a:outerShdw blurRad="292100" dist="139700" dir="2700000" algn="tl" rotWithShape="0">
-              <a:srgbClr val="333333">
-                <a:alpha val="65000"/>
-              </a:srgbClr>
-            </a:outerShdw>
-          </a:effectLst>
-        </p:spPr>
-      </p:pic>
-      <p:sp>
-        <p:nvSpPr>
-          <p:cNvPr id="9" name="Subtitle 5">
-            <a:extLst>
-              <a:ext uri="{FF2B5EF4-FFF2-40B4-BE49-F238E27FC236}">
-                <a16:creationId xmlns:a16="http://schemas.microsoft.com/office/drawing/2014/main" id="{B98C3EDB-7ABC-5858-0198-A6F89107DC04}"/>
-              </a:ext>
-            </a:extLst>
-          </p:cNvPr>
-          <p:cNvSpPr txBox="1">
-            <a:spLocks/>
-          </p:cNvSpPr>
-          <p:nvPr/>
-        </p:nvSpPr>
-        <p:spPr>
-          <a:xfrm>
-            <a:off x="2747347" y="6471564"/>
-            <a:ext cx="7704856" cy="367591"/>
-          </a:xfrm>
-          <a:prstGeom prst="rect">
-            <a:avLst/>
-          </a:prstGeom>
-        </p:spPr>
-        <p:txBody>
-          <a:bodyPr vert="horz" lIns="91440" tIns="45720" rIns="91440" bIns="45720" rtlCol="0">
-            <a:normAutofit lnSpcReduction="10000"/>
-          </a:bodyPr>
-          <a:lstStyle>
-            <a:lvl1pPr marL="0" indent="0" algn="l" defTabSz="914400" rtl="0" eaLnBrk="1" latinLnBrk="0" hangingPunct="1">
-              <a:lnSpc>
-                <a:spcPct val="90000"/>
-              </a:lnSpc>
-              <a:spcBef>
-                <a:spcPts val="0"/>
-              </a:spcBef>
-              <a:buSzPct val="80000"/>
-              <a:buFont typeface="Wingdings" panose="05000000000000000000" pitchFamily="2" charset="2"/>
-              <a:buNone/>
-              <a:defRPr sz="2400" kern="1200">
-                <a:solidFill>
-                  <a:schemeClr val="accent2"/>
-                </a:solidFill>
-                <a:latin typeface="+mn-lt"/>
-                <a:ea typeface="+mn-ea"/>
-                <a:cs typeface="+mn-cs"/>
-              </a:defRPr>
-            </a:lvl1pPr>
-            <a:lvl2pPr marL="457200" indent="0" algn="ctr" defTabSz="914400" rtl="0" eaLnBrk="1" latinLnBrk="0" hangingPunct="1">
-              <a:lnSpc>
-                <a:spcPct val="90000"/>
-              </a:lnSpc>
-              <a:spcBef>
-                <a:spcPts val="1000"/>
-              </a:spcBef>
-              <a:buSzPct val="80000"/>
-              <a:buFont typeface="Wingdings" panose="05000000000000000000" pitchFamily="2" charset="2"/>
-              <a:buNone/>
-              <a:defRPr sz="2000" kern="1200">
-                <a:solidFill>
-                  <a:schemeClr val="tx1"/>
-                </a:solidFill>
-                <a:latin typeface="+mn-lt"/>
-                <a:ea typeface="+mn-ea"/>
-                <a:cs typeface="+mn-cs"/>
-              </a:defRPr>
-            </a:lvl2pPr>
-            <a:lvl3pPr marL="914400" indent="0" algn="ctr" defTabSz="914400" rtl="0" eaLnBrk="1" latinLnBrk="0" hangingPunct="1">
-              <a:lnSpc>
-                <a:spcPct val="90000"/>
-              </a:lnSpc>
-              <a:spcBef>
-                <a:spcPts val="800"/>
-              </a:spcBef>
-              <a:buSzPct val="80000"/>
-              <a:buFont typeface="Wingdings" panose="05000000000000000000" pitchFamily="2" charset="2"/>
-              <a:buNone/>
-              <a:defRPr sz="1800" kern="1200">
-                <a:solidFill>
-                  <a:schemeClr val="tx1"/>
-                </a:solidFill>
-                <a:latin typeface="+mn-lt"/>
-                <a:ea typeface="+mn-ea"/>
-                <a:cs typeface="+mn-cs"/>
-              </a:defRPr>
-            </a:lvl3pPr>
-            <a:lvl4pPr marL="1371600" indent="0" algn="ctr" defTabSz="914400" rtl="0" eaLnBrk="1" latinLnBrk="0" hangingPunct="1">
-              <a:lnSpc>
-                <a:spcPct val="90000"/>
-              </a:lnSpc>
-              <a:spcBef>
-                <a:spcPts val="800"/>
-              </a:spcBef>
-              <a:buSzPct val="80000"/>
-              <a:buFont typeface="Wingdings" panose="05000000000000000000" pitchFamily="2" charset="2"/>
-              <a:buNone/>
-              <a:defRPr sz="1600" kern="1200">
-                <a:solidFill>
-                  <a:schemeClr val="tx1"/>
-                </a:solidFill>
-                <a:latin typeface="+mn-lt"/>
-                <a:ea typeface="+mn-ea"/>
-                <a:cs typeface="+mn-cs"/>
-              </a:defRPr>
-            </a:lvl4pPr>
-            <a:lvl5pPr marL="1828800" indent="0" algn="ctr" defTabSz="914400" rtl="0" eaLnBrk="1" latinLnBrk="0" hangingPunct="1">
-              <a:lnSpc>
-                <a:spcPct val="90000"/>
-              </a:lnSpc>
-              <a:spcBef>
-                <a:spcPts val="800"/>
-              </a:spcBef>
-              <a:buSzPct val="80000"/>
-              <a:buFont typeface="Wingdings" panose="05000000000000000000" pitchFamily="2" charset="2"/>
-              <a:buNone/>
-              <a:defRPr sz="1600" kern="1200">
-                <a:solidFill>
-                  <a:schemeClr val="tx1"/>
-                </a:solidFill>
-                <a:latin typeface="+mn-lt"/>
-                <a:ea typeface="+mn-ea"/>
-                <a:cs typeface="+mn-cs"/>
-              </a:defRPr>
-            </a:lvl5pPr>
-            <a:lvl6pPr marL="2286000" indent="0" algn="ctr" defTabSz="914400" rtl="0" eaLnBrk="1" latinLnBrk="0" hangingPunct="1">
-              <a:lnSpc>
-                <a:spcPct val="90000"/>
-              </a:lnSpc>
-              <a:spcBef>
-                <a:spcPts val="800"/>
-              </a:spcBef>
-              <a:buSzPct val="80000"/>
-              <a:buFont typeface="Wingdings" panose="05000000000000000000" pitchFamily="2" charset="2"/>
-              <a:buNone/>
-              <a:defRPr sz="1600" kern="1200">
-                <a:solidFill>
-                  <a:schemeClr val="tx1"/>
-                </a:solidFill>
-                <a:latin typeface="+mn-lt"/>
-                <a:ea typeface="+mn-ea"/>
-                <a:cs typeface="+mn-cs"/>
-              </a:defRPr>
-            </a:lvl6pPr>
-            <a:lvl7pPr marL="2743200" indent="0" algn="ctr" defTabSz="914400" rtl="0" eaLnBrk="1" latinLnBrk="0" hangingPunct="1">
-              <a:lnSpc>
-                <a:spcPct val="90000"/>
-              </a:lnSpc>
-              <a:spcBef>
-                <a:spcPts val="800"/>
-              </a:spcBef>
-              <a:buSzPct val="80000"/>
-              <a:buFont typeface="Wingdings" panose="05000000000000000000" pitchFamily="2" charset="2"/>
-              <a:buNone/>
-              <a:defRPr sz="1600" kern="1200">
-                <a:solidFill>
-                  <a:schemeClr val="tx1"/>
-                </a:solidFill>
-                <a:latin typeface="+mn-lt"/>
-                <a:ea typeface="+mn-ea"/>
-                <a:cs typeface="+mn-cs"/>
-              </a:defRPr>
-            </a:lvl7pPr>
-            <a:lvl8pPr marL="3200400" indent="0" algn="ctr" defTabSz="914400" rtl="0" eaLnBrk="1" latinLnBrk="0" hangingPunct="1">
-              <a:lnSpc>
-                <a:spcPct val="90000"/>
-              </a:lnSpc>
-              <a:spcBef>
-                <a:spcPts val="800"/>
-              </a:spcBef>
-              <a:buSzPct val="80000"/>
-              <a:buFont typeface="Wingdings" panose="05000000000000000000" pitchFamily="2" charset="2"/>
-              <a:buNone/>
-              <a:defRPr sz="1600" kern="1200">
-                <a:solidFill>
-                  <a:schemeClr val="tx1"/>
-                </a:solidFill>
-                <a:latin typeface="+mn-lt"/>
-                <a:ea typeface="+mn-ea"/>
-                <a:cs typeface="+mn-cs"/>
-              </a:defRPr>
-            </a:lvl8pPr>
-            <a:lvl9pPr marL="3657600" indent="0" algn="ctr" defTabSz="914400" rtl="0" eaLnBrk="1" latinLnBrk="0" hangingPunct="1">
-              <a:lnSpc>
-                <a:spcPct val="90000"/>
-              </a:lnSpc>
-              <a:spcBef>
-                <a:spcPts val="800"/>
-              </a:spcBef>
-              <a:buSzPct val="80000"/>
-              <a:buFont typeface="Wingdings" panose="05000000000000000000" pitchFamily="2" charset="2"/>
-              <a:buNone/>
-              <a:defRPr sz="1600" kern="1200">
-                <a:solidFill>
-                  <a:schemeClr val="tx1"/>
-                </a:solidFill>
-                <a:latin typeface="+mn-lt"/>
-                <a:ea typeface="+mn-ea"/>
-                <a:cs typeface="+mn-cs"/>
-              </a:defRPr>
-            </a:lvl9pPr>
-          </a:lstStyle>
-          <a:p>
-            <a:pPr>
-              <a:lnSpc>
-                <a:spcPct val="120000"/>
-              </a:lnSpc>
-            </a:pPr>
-            <a:r>
-              <a:rPr lang="en-US" sz="1800" b="1" dirty="0">
-                <a:solidFill>
-                  <a:schemeClr val="accent2">
-                    <a:lumMod val="75000"/>
-                  </a:schemeClr>
-                </a:solidFill>
-                <a:hlinkClick r:id="rId5">
-                  <a:extLst>
-                    <a:ext uri="{A12FA001-AC4F-418D-AE19-62706E023703}">
-                      <ahyp:hlinkClr xmlns:ahyp="http://schemas.microsoft.com/office/drawing/2018/hyperlinkcolor" val="tx"/>
-                    </a:ext>
-                  </a:extLst>
-                </a:hlinkClick>
-              </a:rPr>
-              <a:t>https://github.com/yasenstar/python/tree/master/GUI_Python</a:t>
-            </a:r>
-            <a:endParaRPr lang="en-US" sz="1800" b="1" dirty="0">
-              <a:solidFill>
-                <a:schemeClr val="accent2">
-                  <a:lumMod val="75000"/>
-                </a:schemeClr>
-              </a:solidFill>
-            </a:endParaRPr>
-          </a:p>
-        </p:txBody>
-      </p:sp>
-    </p:spTree>
-    <p:extLst>
-      <p:ext uri="{BB962C8B-B14F-4D97-AF65-F5344CB8AC3E}">
-        <p14:creationId xmlns:p14="http://schemas.microsoft.com/office/powerpoint/2010/main" val="4096413041"/>
       </p:ext>
     </p:extLst>
   </p:cSld>

--- a/GUI_Python/Create_GUI_with_Python.pptx
+++ b/GUI_Python/Create_GUI_with_Python.pptx
@@ -5,14 +5,16 @@
     <p:sldMasterId id="2147483648" r:id="rId1"/>
   </p:sldMasterIdLst>
   <p:notesMasterIdLst>
-    <p:notesMasterId r:id="rId4"/>
+    <p:notesMasterId r:id="rId6"/>
   </p:notesMasterIdLst>
   <p:handoutMasterIdLst>
-    <p:handoutMasterId r:id="rId5"/>
+    <p:handoutMasterId r:id="rId7"/>
   </p:handoutMasterIdLst>
   <p:sldIdLst>
     <p:sldId id="256" r:id="rId2"/>
     <p:sldId id="257" r:id="rId3"/>
+    <p:sldId id="258" r:id="rId4"/>
+    <p:sldId id="259" r:id="rId5"/>
   </p:sldIdLst>
   <p:sldSz cx="12192000" cy="6858000"/>
   <p:notesSz cx="6858000" cy="9144000"/>
@@ -4304,7 +4306,9 @@
           </a:xfrm>
         </p:spPr>
         <p:txBody>
-          <a:bodyPr anchor="ctr"/>
+          <a:bodyPr anchor="ctr">
+            <a:normAutofit/>
+          </a:bodyPr>
           <a:lstStyle/>
           <a:p>
             <a:r>
@@ -4322,7 +4326,7 @@
               <a:rPr lang="en-US" sz="5400" dirty="0">
                 <a:latin typeface="HarmonyOS Sans" panose="00000500000000000000" pitchFamily="2" charset="0"/>
               </a:rPr>
-              <a:t>001 Ch01 Hello World in GUI</a:t>
+              <a:t>002 Ch01 Hello World in GUI</a:t>
             </a:r>
             <a:endParaRPr lang="en-US" dirty="0">
               <a:latin typeface="HarmonyOS Sans" panose="00000500000000000000" pitchFamily="2" charset="0"/>
@@ -4809,6 +4813,983 @@
     <p:extLst>
       <p:ext uri="{BB962C8B-B14F-4D97-AF65-F5344CB8AC3E}">
         <p14:creationId xmlns:p14="http://schemas.microsoft.com/office/powerpoint/2010/main" val="3572012654"/>
+      </p:ext>
+    </p:extLst>
+  </p:cSld>
+  <p:clrMapOvr>
+    <a:masterClrMapping/>
+  </p:clrMapOvr>
+</p:sld>
+</file>
+
+<file path=ppt/slides/slide3.xml><?xml version="1.0" encoding="utf-8"?>
+<p:sld xmlns:a="http://schemas.openxmlformats.org/drawingml/2006/main" xmlns:r="http://schemas.openxmlformats.org/officeDocument/2006/relationships" xmlns:p="http://schemas.openxmlformats.org/presentationml/2006/main">
+  <p:cSld>
+    <p:spTree>
+      <p:nvGrpSpPr>
+        <p:cNvPr id="1" name=""/>
+        <p:cNvGrpSpPr/>
+        <p:nvPr/>
+      </p:nvGrpSpPr>
+      <p:grpSpPr>
+        <a:xfrm>
+          <a:off x="0" y="0"/>
+          <a:ext cx="0" cy="0"/>
+          <a:chOff x="0" y="0"/>
+          <a:chExt cx="0" cy="0"/>
+        </a:xfrm>
+      </p:grpSpPr>
+      <p:sp>
+        <p:nvSpPr>
+          <p:cNvPr id="2" name="Title 1">
+            <a:extLst>
+              <a:ext uri="{FF2B5EF4-FFF2-40B4-BE49-F238E27FC236}">
+                <a16:creationId xmlns:a16="http://schemas.microsoft.com/office/drawing/2014/main" id="{60BDC9E0-4942-655E-4150-9691AA9C765B}"/>
+              </a:ext>
+            </a:extLst>
+          </p:cNvPr>
+          <p:cNvSpPr>
+            <a:spLocks noGrp="1"/>
+          </p:cNvSpPr>
+          <p:nvPr>
+            <p:ph type="title"/>
+          </p:nvPr>
+        </p:nvSpPr>
+        <p:spPr>
+          <a:xfrm>
+            <a:off x="2208213" y="304799"/>
+            <a:ext cx="9372600" cy="1649507"/>
+          </a:xfrm>
+        </p:spPr>
+        <p:txBody>
+          <a:bodyPr anchor="ctr">
+            <a:normAutofit/>
+          </a:bodyPr>
+          <a:lstStyle/>
+          <a:p>
+            <a:r>
+              <a:rPr lang="en-US" sz="4000" dirty="0">
+                <a:latin typeface="HarmonyOS Sans Black" panose="00000A00000000000000" pitchFamily="2" charset="0"/>
+              </a:rPr>
+              <a:t>Create GUI with Python</a:t>
+            </a:r>
+            <a:br>
+              <a:rPr lang="en-US" dirty="0">
+                <a:latin typeface="HarmonyOS Sans" panose="00000500000000000000" pitchFamily="2" charset="0"/>
+              </a:rPr>
+            </a:br>
+            <a:r>
+              <a:rPr lang="en-US" sz="5400" dirty="0">
+                <a:latin typeface="HarmonyOS Sans" panose="00000500000000000000" pitchFamily="2" charset="0"/>
+              </a:rPr>
+              <a:t>003 Ch02 Wanted Poster</a:t>
+            </a:r>
+            <a:endParaRPr lang="en-US" dirty="0">
+              <a:latin typeface="HarmonyOS Sans" panose="00000500000000000000" pitchFamily="2" charset="0"/>
+            </a:endParaRPr>
+          </a:p>
+        </p:txBody>
+      </p:sp>
+      <p:pic>
+        <p:nvPicPr>
+          <p:cNvPr id="6" name="Picture 5">
+            <a:extLst>
+              <a:ext uri="{FF2B5EF4-FFF2-40B4-BE49-F238E27FC236}">
+                <a16:creationId xmlns:a16="http://schemas.microsoft.com/office/drawing/2014/main" id="{28525CF1-7DD8-7F22-12CB-14807078F0D7}"/>
+              </a:ext>
+            </a:extLst>
+          </p:cNvPr>
+          <p:cNvPicPr>
+            <a:picLocks noChangeAspect="1"/>
+          </p:cNvPicPr>
+          <p:nvPr/>
+        </p:nvPicPr>
+        <p:blipFill>
+          <a:blip r:embed="rId2"/>
+          <a:stretch>
+            <a:fillRect/>
+          </a:stretch>
+        </p:blipFill>
+        <p:spPr>
+          <a:xfrm>
+            <a:off x="119268" y="59634"/>
+            <a:ext cx="611187" cy="671551"/>
+          </a:xfrm>
+          <a:prstGeom prst="rect">
+            <a:avLst/>
+          </a:prstGeom>
+          <a:ln>
+            <a:noFill/>
+          </a:ln>
+          <a:effectLst>
+            <a:outerShdw blurRad="292100" dist="139700" dir="2700000" algn="tl" rotWithShape="0">
+              <a:srgbClr val="333333">
+                <a:alpha val="65000"/>
+              </a:srgbClr>
+            </a:outerShdw>
+          </a:effectLst>
+        </p:spPr>
+      </p:pic>
+      <p:pic>
+        <p:nvPicPr>
+          <p:cNvPr id="7" name="Picture 6">
+            <a:extLst>
+              <a:ext uri="{FF2B5EF4-FFF2-40B4-BE49-F238E27FC236}">
+                <a16:creationId xmlns:a16="http://schemas.microsoft.com/office/drawing/2014/main" id="{ACE06191-4455-E539-6992-17D338C10648}"/>
+              </a:ext>
+            </a:extLst>
+          </p:cNvPr>
+          <p:cNvPicPr>
+            <a:picLocks noChangeAspect="1"/>
+          </p:cNvPicPr>
+          <p:nvPr/>
+        </p:nvPicPr>
+        <p:blipFill>
+          <a:blip r:embed="rId3"/>
+          <a:stretch>
+            <a:fillRect/>
+          </a:stretch>
+        </p:blipFill>
+        <p:spPr>
+          <a:xfrm>
+            <a:off x="0" y="6471564"/>
+            <a:ext cx="1855694" cy="386435"/>
+          </a:xfrm>
+          <a:prstGeom prst="rect">
+            <a:avLst/>
+          </a:prstGeom>
+          <a:ln>
+            <a:noFill/>
+          </a:ln>
+          <a:effectLst>
+            <a:outerShdw blurRad="292100" dist="139700" dir="2700000" algn="tl" rotWithShape="0">
+              <a:srgbClr val="333333">
+                <a:alpha val="65000"/>
+              </a:srgbClr>
+            </a:outerShdw>
+          </a:effectLst>
+        </p:spPr>
+      </p:pic>
+      <p:pic>
+        <p:nvPicPr>
+          <p:cNvPr id="8" name="Picture 7">
+            <a:extLst>
+              <a:ext uri="{FF2B5EF4-FFF2-40B4-BE49-F238E27FC236}">
+                <a16:creationId xmlns:a16="http://schemas.microsoft.com/office/drawing/2014/main" id="{E815D6CC-086C-CEEA-B605-CC7A17A0C652}"/>
+              </a:ext>
+            </a:extLst>
+          </p:cNvPr>
+          <p:cNvPicPr>
+            <a:picLocks noChangeAspect="1"/>
+          </p:cNvPicPr>
+          <p:nvPr/>
+        </p:nvPicPr>
+        <p:blipFill>
+          <a:blip r:embed="rId4"/>
+          <a:stretch>
+            <a:fillRect/>
+          </a:stretch>
+        </p:blipFill>
+        <p:spPr>
+          <a:xfrm>
+            <a:off x="119268" y="863897"/>
+            <a:ext cx="1374374" cy="2071274"/>
+          </a:xfrm>
+          <a:prstGeom prst="rect">
+            <a:avLst/>
+          </a:prstGeom>
+          <a:ln>
+            <a:noFill/>
+          </a:ln>
+          <a:effectLst>
+            <a:outerShdw blurRad="292100" dist="139700" dir="2700000" algn="tl" rotWithShape="0">
+              <a:srgbClr val="333333">
+                <a:alpha val="65000"/>
+              </a:srgbClr>
+            </a:outerShdw>
+          </a:effectLst>
+        </p:spPr>
+      </p:pic>
+      <p:sp>
+        <p:nvSpPr>
+          <p:cNvPr id="9" name="Subtitle 5">
+            <a:extLst>
+              <a:ext uri="{FF2B5EF4-FFF2-40B4-BE49-F238E27FC236}">
+                <a16:creationId xmlns:a16="http://schemas.microsoft.com/office/drawing/2014/main" id="{B98C3EDB-7ABC-5858-0198-A6F89107DC04}"/>
+              </a:ext>
+            </a:extLst>
+          </p:cNvPr>
+          <p:cNvSpPr txBox="1">
+            <a:spLocks/>
+          </p:cNvSpPr>
+          <p:nvPr/>
+        </p:nvSpPr>
+        <p:spPr>
+          <a:xfrm>
+            <a:off x="2747347" y="6471564"/>
+            <a:ext cx="7704856" cy="367591"/>
+          </a:xfrm>
+          <a:prstGeom prst="rect">
+            <a:avLst/>
+          </a:prstGeom>
+        </p:spPr>
+        <p:txBody>
+          <a:bodyPr vert="horz" lIns="91440" tIns="45720" rIns="91440" bIns="45720" rtlCol="0">
+            <a:normAutofit lnSpcReduction="10000"/>
+          </a:bodyPr>
+          <a:lstStyle>
+            <a:lvl1pPr marL="0" indent="0" algn="l" defTabSz="914400" rtl="0" eaLnBrk="1" latinLnBrk="0" hangingPunct="1">
+              <a:lnSpc>
+                <a:spcPct val="90000"/>
+              </a:lnSpc>
+              <a:spcBef>
+                <a:spcPts val="0"/>
+              </a:spcBef>
+              <a:buSzPct val="80000"/>
+              <a:buFont typeface="Wingdings" panose="05000000000000000000" pitchFamily="2" charset="2"/>
+              <a:buNone/>
+              <a:defRPr sz="2400" kern="1200">
+                <a:solidFill>
+                  <a:schemeClr val="accent2"/>
+                </a:solidFill>
+                <a:latin typeface="+mn-lt"/>
+                <a:ea typeface="+mn-ea"/>
+                <a:cs typeface="+mn-cs"/>
+              </a:defRPr>
+            </a:lvl1pPr>
+            <a:lvl2pPr marL="457200" indent="0" algn="ctr" defTabSz="914400" rtl="0" eaLnBrk="1" latinLnBrk="0" hangingPunct="1">
+              <a:lnSpc>
+                <a:spcPct val="90000"/>
+              </a:lnSpc>
+              <a:spcBef>
+                <a:spcPts val="1000"/>
+              </a:spcBef>
+              <a:buSzPct val="80000"/>
+              <a:buFont typeface="Wingdings" panose="05000000000000000000" pitchFamily="2" charset="2"/>
+              <a:buNone/>
+              <a:defRPr sz="2000" kern="1200">
+                <a:solidFill>
+                  <a:schemeClr val="tx1"/>
+                </a:solidFill>
+                <a:latin typeface="+mn-lt"/>
+                <a:ea typeface="+mn-ea"/>
+                <a:cs typeface="+mn-cs"/>
+              </a:defRPr>
+            </a:lvl2pPr>
+            <a:lvl3pPr marL="914400" indent="0" algn="ctr" defTabSz="914400" rtl="0" eaLnBrk="1" latinLnBrk="0" hangingPunct="1">
+              <a:lnSpc>
+                <a:spcPct val="90000"/>
+              </a:lnSpc>
+              <a:spcBef>
+                <a:spcPts val="800"/>
+              </a:spcBef>
+              <a:buSzPct val="80000"/>
+              <a:buFont typeface="Wingdings" panose="05000000000000000000" pitchFamily="2" charset="2"/>
+              <a:buNone/>
+              <a:defRPr sz="1800" kern="1200">
+                <a:solidFill>
+                  <a:schemeClr val="tx1"/>
+                </a:solidFill>
+                <a:latin typeface="+mn-lt"/>
+                <a:ea typeface="+mn-ea"/>
+                <a:cs typeface="+mn-cs"/>
+              </a:defRPr>
+            </a:lvl3pPr>
+            <a:lvl4pPr marL="1371600" indent="0" algn="ctr" defTabSz="914400" rtl="0" eaLnBrk="1" latinLnBrk="0" hangingPunct="1">
+              <a:lnSpc>
+                <a:spcPct val="90000"/>
+              </a:lnSpc>
+              <a:spcBef>
+                <a:spcPts val="800"/>
+              </a:spcBef>
+              <a:buSzPct val="80000"/>
+              <a:buFont typeface="Wingdings" panose="05000000000000000000" pitchFamily="2" charset="2"/>
+              <a:buNone/>
+              <a:defRPr sz="1600" kern="1200">
+                <a:solidFill>
+                  <a:schemeClr val="tx1"/>
+                </a:solidFill>
+                <a:latin typeface="+mn-lt"/>
+                <a:ea typeface="+mn-ea"/>
+                <a:cs typeface="+mn-cs"/>
+              </a:defRPr>
+            </a:lvl4pPr>
+            <a:lvl5pPr marL="1828800" indent="0" algn="ctr" defTabSz="914400" rtl="0" eaLnBrk="1" latinLnBrk="0" hangingPunct="1">
+              <a:lnSpc>
+                <a:spcPct val="90000"/>
+              </a:lnSpc>
+              <a:spcBef>
+                <a:spcPts val="800"/>
+              </a:spcBef>
+              <a:buSzPct val="80000"/>
+              <a:buFont typeface="Wingdings" panose="05000000000000000000" pitchFamily="2" charset="2"/>
+              <a:buNone/>
+              <a:defRPr sz="1600" kern="1200">
+                <a:solidFill>
+                  <a:schemeClr val="tx1"/>
+                </a:solidFill>
+                <a:latin typeface="+mn-lt"/>
+                <a:ea typeface="+mn-ea"/>
+                <a:cs typeface="+mn-cs"/>
+              </a:defRPr>
+            </a:lvl5pPr>
+            <a:lvl6pPr marL="2286000" indent="0" algn="ctr" defTabSz="914400" rtl="0" eaLnBrk="1" latinLnBrk="0" hangingPunct="1">
+              <a:lnSpc>
+                <a:spcPct val="90000"/>
+              </a:lnSpc>
+              <a:spcBef>
+                <a:spcPts val="800"/>
+              </a:spcBef>
+              <a:buSzPct val="80000"/>
+              <a:buFont typeface="Wingdings" panose="05000000000000000000" pitchFamily="2" charset="2"/>
+              <a:buNone/>
+              <a:defRPr sz="1600" kern="1200">
+                <a:solidFill>
+                  <a:schemeClr val="tx1"/>
+                </a:solidFill>
+                <a:latin typeface="+mn-lt"/>
+                <a:ea typeface="+mn-ea"/>
+                <a:cs typeface="+mn-cs"/>
+              </a:defRPr>
+            </a:lvl6pPr>
+            <a:lvl7pPr marL="2743200" indent="0" algn="ctr" defTabSz="914400" rtl="0" eaLnBrk="1" latinLnBrk="0" hangingPunct="1">
+              <a:lnSpc>
+                <a:spcPct val="90000"/>
+              </a:lnSpc>
+              <a:spcBef>
+                <a:spcPts val="800"/>
+              </a:spcBef>
+              <a:buSzPct val="80000"/>
+              <a:buFont typeface="Wingdings" panose="05000000000000000000" pitchFamily="2" charset="2"/>
+              <a:buNone/>
+              <a:defRPr sz="1600" kern="1200">
+                <a:solidFill>
+                  <a:schemeClr val="tx1"/>
+                </a:solidFill>
+                <a:latin typeface="+mn-lt"/>
+                <a:ea typeface="+mn-ea"/>
+                <a:cs typeface="+mn-cs"/>
+              </a:defRPr>
+            </a:lvl7pPr>
+            <a:lvl8pPr marL="3200400" indent="0" algn="ctr" defTabSz="914400" rtl="0" eaLnBrk="1" latinLnBrk="0" hangingPunct="1">
+              <a:lnSpc>
+                <a:spcPct val="90000"/>
+              </a:lnSpc>
+              <a:spcBef>
+                <a:spcPts val="800"/>
+              </a:spcBef>
+              <a:buSzPct val="80000"/>
+              <a:buFont typeface="Wingdings" panose="05000000000000000000" pitchFamily="2" charset="2"/>
+              <a:buNone/>
+              <a:defRPr sz="1600" kern="1200">
+                <a:solidFill>
+                  <a:schemeClr val="tx1"/>
+                </a:solidFill>
+                <a:latin typeface="+mn-lt"/>
+                <a:ea typeface="+mn-ea"/>
+                <a:cs typeface="+mn-cs"/>
+              </a:defRPr>
+            </a:lvl8pPr>
+            <a:lvl9pPr marL="3657600" indent="0" algn="ctr" defTabSz="914400" rtl="0" eaLnBrk="1" latinLnBrk="0" hangingPunct="1">
+              <a:lnSpc>
+                <a:spcPct val="90000"/>
+              </a:lnSpc>
+              <a:spcBef>
+                <a:spcPts val="800"/>
+              </a:spcBef>
+              <a:buSzPct val="80000"/>
+              <a:buFont typeface="Wingdings" panose="05000000000000000000" pitchFamily="2" charset="2"/>
+              <a:buNone/>
+              <a:defRPr sz="1600" kern="1200">
+                <a:solidFill>
+                  <a:schemeClr val="tx1"/>
+                </a:solidFill>
+                <a:latin typeface="+mn-lt"/>
+                <a:ea typeface="+mn-ea"/>
+                <a:cs typeface="+mn-cs"/>
+              </a:defRPr>
+            </a:lvl9pPr>
+          </a:lstStyle>
+          <a:p>
+            <a:pPr>
+              <a:lnSpc>
+                <a:spcPct val="120000"/>
+              </a:lnSpc>
+            </a:pPr>
+            <a:r>
+              <a:rPr lang="en-US" sz="1800" b="1" dirty="0">
+                <a:solidFill>
+                  <a:schemeClr val="accent2">
+                    <a:lumMod val="75000"/>
+                  </a:schemeClr>
+                </a:solidFill>
+                <a:hlinkClick r:id="rId5">
+                  <a:extLst>
+                    <a:ext uri="{A12FA001-AC4F-418D-AE19-62706E023703}">
+                      <ahyp:hlinkClr xmlns:ahyp="http://schemas.microsoft.com/office/drawing/2018/hyperlinkcolor" val="tx"/>
+                    </a:ext>
+                  </a:extLst>
+                </a:hlinkClick>
+              </a:rPr>
+              <a:t>https://github.com/yasenstar/python/tree/master/GUI_Python</a:t>
+            </a:r>
+            <a:endParaRPr lang="en-US" sz="1800" b="1" dirty="0">
+              <a:solidFill>
+                <a:schemeClr val="accent2">
+                  <a:lumMod val="75000"/>
+                </a:schemeClr>
+              </a:solidFill>
+            </a:endParaRPr>
+          </a:p>
+        </p:txBody>
+      </p:sp>
+      <p:pic>
+        <p:nvPicPr>
+          <p:cNvPr id="15" name="Content Placeholder 14">
+            <a:extLst>
+              <a:ext uri="{FF2B5EF4-FFF2-40B4-BE49-F238E27FC236}">
+                <a16:creationId xmlns:a16="http://schemas.microsoft.com/office/drawing/2014/main" id="{B971ABF1-80FF-2A98-5651-D1074D9FE508}"/>
+              </a:ext>
+            </a:extLst>
+          </p:cNvPr>
+          <p:cNvPicPr>
+            <a:picLocks noGrp="1" noChangeAspect="1"/>
+          </p:cNvPicPr>
+          <p:nvPr>
+            <p:ph idx="1"/>
+          </p:nvPr>
+        </p:nvPicPr>
+        <p:blipFill>
+          <a:blip r:embed="rId6">
+            <a:alphaModFix/>
+          </a:blip>
+          <a:stretch>
+            <a:fillRect/>
+          </a:stretch>
+        </p:blipFill>
+        <p:spPr>
+          <a:xfrm>
+            <a:off x="1643502" y="1836170"/>
+            <a:ext cx="6381984" cy="3352046"/>
+          </a:xfrm>
+          <a:prstGeom prst="rect">
+            <a:avLst/>
+          </a:prstGeom>
+          <a:ln>
+            <a:noFill/>
+          </a:ln>
+          <a:effectLst>
+            <a:outerShdw blurRad="292100" dist="139700" dir="2700000" algn="tl" rotWithShape="0">
+              <a:srgbClr val="333333">
+                <a:alpha val="65000"/>
+              </a:srgbClr>
+            </a:outerShdw>
+          </a:effectLst>
+        </p:spPr>
+      </p:pic>
+      <p:pic>
+        <p:nvPicPr>
+          <p:cNvPr id="11" name="Picture 10">
+            <a:extLst>
+              <a:ext uri="{FF2B5EF4-FFF2-40B4-BE49-F238E27FC236}">
+                <a16:creationId xmlns:a16="http://schemas.microsoft.com/office/drawing/2014/main" id="{643B93C9-23B4-0910-4C3D-5D73C85194E7}"/>
+              </a:ext>
+            </a:extLst>
+          </p:cNvPr>
+          <p:cNvPicPr>
+            <a:picLocks noChangeAspect="1"/>
+          </p:cNvPicPr>
+          <p:nvPr/>
+        </p:nvPicPr>
+        <p:blipFill>
+          <a:blip r:embed="rId7"/>
+          <a:stretch>
+            <a:fillRect/>
+          </a:stretch>
+        </p:blipFill>
+        <p:spPr>
+          <a:xfrm>
+            <a:off x="8175347" y="2545931"/>
+            <a:ext cx="3801945" cy="1932524"/>
+          </a:xfrm>
+          <a:prstGeom prst="rect">
+            <a:avLst/>
+          </a:prstGeom>
+          <a:ln>
+            <a:noFill/>
+          </a:ln>
+          <a:effectLst>
+            <a:outerShdw blurRad="292100" dist="139700" dir="2700000" algn="tl" rotWithShape="0">
+              <a:srgbClr val="333333">
+                <a:alpha val="65000"/>
+              </a:srgbClr>
+            </a:outerShdw>
+          </a:effectLst>
+        </p:spPr>
+      </p:pic>
+    </p:spTree>
+    <p:extLst>
+      <p:ext uri="{BB962C8B-B14F-4D97-AF65-F5344CB8AC3E}">
+        <p14:creationId xmlns:p14="http://schemas.microsoft.com/office/powerpoint/2010/main" val="203248221"/>
+      </p:ext>
+    </p:extLst>
+  </p:cSld>
+  <p:clrMapOvr>
+    <a:masterClrMapping/>
+  </p:clrMapOvr>
+</p:sld>
+</file>
+
+<file path=ppt/slides/slide4.xml><?xml version="1.0" encoding="utf-8"?>
+<p:sld xmlns:a="http://schemas.openxmlformats.org/drawingml/2006/main" xmlns:r="http://schemas.openxmlformats.org/officeDocument/2006/relationships" xmlns:p="http://schemas.openxmlformats.org/presentationml/2006/main">
+  <p:cSld>
+    <p:spTree>
+      <p:nvGrpSpPr>
+        <p:cNvPr id="1" name=""/>
+        <p:cNvGrpSpPr/>
+        <p:nvPr/>
+      </p:nvGrpSpPr>
+      <p:grpSpPr>
+        <a:xfrm>
+          <a:off x="0" y="0"/>
+          <a:ext cx="0" cy="0"/>
+          <a:chOff x="0" y="0"/>
+          <a:chExt cx="0" cy="0"/>
+        </a:xfrm>
+      </p:grpSpPr>
+      <p:sp>
+        <p:nvSpPr>
+          <p:cNvPr id="2" name="Title 1">
+            <a:extLst>
+              <a:ext uri="{FF2B5EF4-FFF2-40B4-BE49-F238E27FC236}">
+                <a16:creationId xmlns:a16="http://schemas.microsoft.com/office/drawing/2014/main" id="{60BDC9E0-4942-655E-4150-9691AA9C765B}"/>
+              </a:ext>
+            </a:extLst>
+          </p:cNvPr>
+          <p:cNvSpPr>
+            <a:spLocks noGrp="1"/>
+          </p:cNvSpPr>
+          <p:nvPr>
+            <p:ph type="title"/>
+          </p:nvPr>
+        </p:nvSpPr>
+        <p:spPr>
+          <a:xfrm>
+            <a:off x="2208213" y="304799"/>
+            <a:ext cx="9372600" cy="1649507"/>
+          </a:xfrm>
+        </p:spPr>
+        <p:txBody>
+          <a:bodyPr anchor="ctr">
+            <a:normAutofit/>
+          </a:bodyPr>
+          <a:lstStyle/>
+          <a:p>
+            <a:r>
+              <a:rPr lang="en-US" sz="4000" dirty="0">
+                <a:latin typeface="HarmonyOS Sans Black" panose="00000A00000000000000" pitchFamily="2" charset="0"/>
+              </a:rPr>
+              <a:t>Create GUI with Python</a:t>
+            </a:r>
+            <a:br>
+              <a:rPr lang="en-US" dirty="0">
+                <a:latin typeface="HarmonyOS Sans" panose="00000500000000000000" pitchFamily="2" charset="0"/>
+              </a:rPr>
+            </a:br>
+            <a:r>
+              <a:rPr lang="en-US" sz="5400" dirty="0">
+                <a:latin typeface="HarmonyOS Sans" panose="00000500000000000000" pitchFamily="2" charset="0"/>
+              </a:rPr>
+              <a:t>004 Ch03</a:t>
+            </a:r>
+            <a:endParaRPr lang="en-US" dirty="0">
+              <a:latin typeface="HarmonyOS Sans" panose="00000500000000000000" pitchFamily="2" charset="0"/>
+            </a:endParaRPr>
+          </a:p>
+        </p:txBody>
+      </p:sp>
+      <p:pic>
+        <p:nvPicPr>
+          <p:cNvPr id="6" name="Picture 5">
+            <a:extLst>
+              <a:ext uri="{FF2B5EF4-FFF2-40B4-BE49-F238E27FC236}">
+                <a16:creationId xmlns:a16="http://schemas.microsoft.com/office/drawing/2014/main" id="{28525CF1-7DD8-7F22-12CB-14807078F0D7}"/>
+              </a:ext>
+            </a:extLst>
+          </p:cNvPr>
+          <p:cNvPicPr>
+            <a:picLocks noChangeAspect="1"/>
+          </p:cNvPicPr>
+          <p:nvPr/>
+        </p:nvPicPr>
+        <p:blipFill>
+          <a:blip r:embed="rId2"/>
+          <a:stretch>
+            <a:fillRect/>
+          </a:stretch>
+        </p:blipFill>
+        <p:spPr>
+          <a:xfrm>
+            <a:off x="119268" y="59634"/>
+            <a:ext cx="611187" cy="671551"/>
+          </a:xfrm>
+          <a:prstGeom prst="rect">
+            <a:avLst/>
+          </a:prstGeom>
+          <a:ln>
+            <a:noFill/>
+          </a:ln>
+          <a:effectLst>
+            <a:outerShdw blurRad="292100" dist="139700" dir="2700000" algn="tl" rotWithShape="0">
+              <a:srgbClr val="333333">
+                <a:alpha val="65000"/>
+              </a:srgbClr>
+            </a:outerShdw>
+          </a:effectLst>
+        </p:spPr>
+      </p:pic>
+      <p:pic>
+        <p:nvPicPr>
+          <p:cNvPr id="7" name="Picture 6">
+            <a:extLst>
+              <a:ext uri="{FF2B5EF4-FFF2-40B4-BE49-F238E27FC236}">
+                <a16:creationId xmlns:a16="http://schemas.microsoft.com/office/drawing/2014/main" id="{ACE06191-4455-E539-6992-17D338C10648}"/>
+              </a:ext>
+            </a:extLst>
+          </p:cNvPr>
+          <p:cNvPicPr>
+            <a:picLocks noChangeAspect="1"/>
+          </p:cNvPicPr>
+          <p:nvPr/>
+        </p:nvPicPr>
+        <p:blipFill>
+          <a:blip r:embed="rId3"/>
+          <a:stretch>
+            <a:fillRect/>
+          </a:stretch>
+        </p:blipFill>
+        <p:spPr>
+          <a:xfrm>
+            <a:off x="0" y="6471564"/>
+            <a:ext cx="1855694" cy="386435"/>
+          </a:xfrm>
+          <a:prstGeom prst="rect">
+            <a:avLst/>
+          </a:prstGeom>
+          <a:ln>
+            <a:noFill/>
+          </a:ln>
+          <a:effectLst>
+            <a:outerShdw blurRad="292100" dist="139700" dir="2700000" algn="tl" rotWithShape="0">
+              <a:srgbClr val="333333">
+                <a:alpha val="65000"/>
+              </a:srgbClr>
+            </a:outerShdw>
+          </a:effectLst>
+        </p:spPr>
+      </p:pic>
+      <p:pic>
+        <p:nvPicPr>
+          <p:cNvPr id="8" name="Picture 7">
+            <a:extLst>
+              <a:ext uri="{FF2B5EF4-FFF2-40B4-BE49-F238E27FC236}">
+                <a16:creationId xmlns:a16="http://schemas.microsoft.com/office/drawing/2014/main" id="{E815D6CC-086C-CEEA-B605-CC7A17A0C652}"/>
+              </a:ext>
+            </a:extLst>
+          </p:cNvPr>
+          <p:cNvPicPr>
+            <a:picLocks noChangeAspect="1"/>
+          </p:cNvPicPr>
+          <p:nvPr/>
+        </p:nvPicPr>
+        <p:blipFill>
+          <a:blip r:embed="rId4"/>
+          <a:stretch>
+            <a:fillRect/>
+          </a:stretch>
+        </p:blipFill>
+        <p:spPr>
+          <a:xfrm>
+            <a:off x="119268" y="863897"/>
+            <a:ext cx="1374374" cy="2071274"/>
+          </a:xfrm>
+          <a:prstGeom prst="rect">
+            <a:avLst/>
+          </a:prstGeom>
+          <a:ln>
+            <a:noFill/>
+          </a:ln>
+          <a:effectLst>
+            <a:outerShdw blurRad="292100" dist="139700" dir="2700000" algn="tl" rotWithShape="0">
+              <a:srgbClr val="333333">
+                <a:alpha val="65000"/>
+              </a:srgbClr>
+            </a:outerShdw>
+          </a:effectLst>
+        </p:spPr>
+      </p:pic>
+      <p:sp>
+        <p:nvSpPr>
+          <p:cNvPr id="9" name="Subtitle 5">
+            <a:extLst>
+              <a:ext uri="{FF2B5EF4-FFF2-40B4-BE49-F238E27FC236}">
+                <a16:creationId xmlns:a16="http://schemas.microsoft.com/office/drawing/2014/main" id="{B98C3EDB-7ABC-5858-0198-A6F89107DC04}"/>
+              </a:ext>
+            </a:extLst>
+          </p:cNvPr>
+          <p:cNvSpPr txBox="1">
+            <a:spLocks/>
+          </p:cNvSpPr>
+          <p:nvPr/>
+        </p:nvSpPr>
+        <p:spPr>
+          <a:xfrm>
+            <a:off x="2747347" y="6471564"/>
+            <a:ext cx="7704856" cy="367591"/>
+          </a:xfrm>
+          <a:prstGeom prst="rect">
+            <a:avLst/>
+          </a:prstGeom>
+        </p:spPr>
+        <p:txBody>
+          <a:bodyPr vert="horz" lIns="91440" tIns="45720" rIns="91440" bIns="45720" rtlCol="0">
+            <a:normAutofit lnSpcReduction="10000"/>
+          </a:bodyPr>
+          <a:lstStyle>
+            <a:lvl1pPr marL="0" indent="0" algn="l" defTabSz="914400" rtl="0" eaLnBrk="1" latinLnBrk="0" hangingPunct="1">
+              <a:lnSpc>
+                <a:spcPct val="90000"/>
+              </a:lnSpc>
+              <a:spcBef>
+                <a:spcPts val="0"/>
+              </a:spcBef>
+              <a:buSzPct val="80000"/>
+              <a:buFont typeface="Wingdings" panose="05000000000000000000" pitchFamily="2" charset="2"/>
+              <a:buNone/>
+              <a:defRPr sz="2400" kern="1200">
+                <a:solidFill>
+                  <a:schemeClr val="accent2"/>
+                </a:solidFill>
+                <a:latin typeface="+mn-lt"/>
+                <a:ea typeface="+mn-ea"/>
+                <a:cs typeface="+mn-cs"/>
+              </a:defRPr>
+            </a:lvl1pPr>
+            <a:lvl2pPr marL="457200" indent="0" algn="ctr" defTabSz="914400" rtl="0" eaLnBrk="1" latinLnBrk="0" hangingPunct="1">
+              <a:lnSpc>
+                <a:spcPct val="90000"/>
+              </a:lnSpc>
+              <a:spcBef>
+                <a:spcPts val="1000"/>
+              </a:spcBef>
+              <a:buSzPct val="80000"/>
+              <a:buFont typeface="Wingdings" panose="05000000000000000000" pitchFamily="2" charset="2"/>
+              <a:buNone/>
+              <a:defRPr sz="2000" kern="1200">
+                <a:solidFill>
+                  <a:schemeClr val="tx1"/>
+                </a:solidFill>
+                <a:latin typeface="+mn-lt"/>
+                <a:ea typeface="+mn-ea"/>
+                <a:cs typeface="+mn-cs"/>
+              </a:defRPr>
+            </a:lvl2pPr>
+            <a:lvl3pPr marL="914400" indent="0" algn="ctr" defTabSz="914400" rtl="0" eaLnBrk="1" latinLnBrk="0" hangingPunct="1">
+              <a:lnSpc>
+                <a:spcPct val="90000"/>
+              </a:lnSpc>
+              <a:spcBef>
+                <a:spcPts val="800"/>
+              </a:spcBef>
+              <a:buSzPct val="80000"/>
+              <a:buFont typeface="Wingdings" panose="05000000000000000000" pitchFamily="2" charset="2"/>
+              <a:buNone/>
+              <a:defRPr sz="1800" kern="1200">
+                <a:solidFill>
+                  <a:schemeClr val="tx1"/>
+                </a:solidFill>
+                <a:latin typeface="+mn-lt"/>
+                <a:ea typeface="+mn-ea"/>
+                <a:cs typeface="+mn-cs"/>
+              </a:defRPr>
+            </a:lvl3pPr>
+            <a:lvl4pPr marL="1371600" indent="0" algn="ctr" defTabSz="914400" rtl="0" eaLnBrk="1" latinLnBrk="0" hangingPunct="1">
+              <a:lnSpc>
+                <a:spcPct val="90000"/>
+              </a:lnSpc>
+              <a:spcBef>
+                <a:spcPts val="800"/>
+              </a:spcBef>
+              <a:buSzPct val="80000"/>
+              <a:buFont typeface="Wingdings" panose="05000000000000000000" pitchFamily="2" charset="2"/>
+              <a:buNone/>
+              <a:defRPr sz="1600" kern="1200">
+                <a:solidFill>
+                  <a:schemeClr val="tx1"/>
+                </a:solidFill>
+                <a:latin typeface="+mn-lt"/>
+                <a:ea typeface="+mn-ea"/>
+                <a:cs typeface="+mn-cs"/>
+              </a:defRPr>
+            </a:lvl4pPr>
+            <a:lvl5pPr marL="1828800" indent="0" algn="ctr" defTabSz="914400" rtl="0" eaLnBrk="1" latinLnBrk="0" hangingPunct="1">
+              <a:lnSpc>
+                <a:spcPct val="90000"/>
+              </a:lnSpc>
+              <a:spcBef>
+                <a:spcPts val="800"/>
+              </a:spcBef>
+              <a:buSzPct val="80000"/>
+              <a:buFont typeface="Wingdings" panose="05000000000000000000" pitchFamily="2" charset="2"/>
+              <a:buNone/>
+              <a:defRPr sz="1600" kern="1200">
+                <a:solidFill>
+                  <a:schemeClr val="tx1"/>
+                </a:solidFill>
+                <a:latin typeface="+mn-lt"/>
+                <a:ea typeface="+mn-ea"/>
+                <a:cs typeface="+mn-cs"/>
+              </a:defRPr>
+            </a:lvl5pPr>
+            <a:lvl6pPr marL="2286000" indent="0" algn="ctr" defTabSz="914400" rtl="0" eaLnBrk="1" latinLnBrk="0" hangingPunct="1">
+              <a:lnSpc>
+                <a:spcPct val="90000"/>
+              </a:lnSpc>
+              <a:spcBef>
+                <a:spcPts val="800"/>
+              </a:spcBef>
+              <a:buSzPct val="80000"/>
+              <a:buFont typeface="Wingdings" panose="05000000000000000000" pitchFamily="2" charset="2"/>
+              <a:buNone/>
+              <a:defRPr sz="1600" kern="1200">
+                <a:solidFill>
+                  <a:schemeClr val="tx1"/>
+                </a:solidFill>
+                <a:latin typeface="+mn-lt"/>
+                <a:ea typeface="+mn-ea"/>
+                <a:cs typeface="+mn-cs"/>
+              </a:defRPr>
+            </a:lvl6pPr>
+            <a:lvl7pPr marL="2743200" indent="0" algn="ctr" defTabSz="914400" rtl="0" eaLnBrk="1" latinLnBrk="0" hangingPunct="1">
+              <a:lnSpc>
+                <a:spcPct val="90000"/>
+              </a:lnSpc>
+              <a:spcBef>
+                <a:spcPts val="800"/>
+              </a:spcBef>
+              <a:buSzPct val="80000"/>
+              <a:buFont typeface="Wingdings" panose="05000000000000000000" pitchFamily="2" charset="2"/>
+              <a:buNone/>
+              <a:defRPr sz="1600" kern="1200">
+                <a:solidFill>
+                  <a:schemeClr val="tx1"/>
+                </a:solidFill>
+                <a:latin typeface="+mn-lt"/>
+                <a:ea typeface="+mn-ea"/>
+                <a:cs typeface="+mn-cs"/>
+              </a:defRPr>
+            </a:lvl7pPr>
+            <a:lvl8pPr marL="3200400" indent="0" algn="ctr" defTabSz="914400" rtl="0" eaLnBrk="1" latinLnBrk="0" hangingPunct="1">
+              <a:lnSpc>
+                <a:spcPct val="90000"/>
+              </a:lnSpc>
+              <a:spcBef>
+                <a:spcPts val="800"/>
+              </a:spcBef>
+              <a:buSzPct val="80000"/>
+              <a:buFont typeface="Wingdings" panose="05000000000000000000" pitchFamily="2" charset="2"/>
+              <a:buNone/>
+              <a:defRPr sz="1600" kern="1200">
+                <a:solidFill>
+                  <a:schemeClr val="tx1"/>
+                </a:solidFill>
+                <a:latin typeface="+mn-lt"/>
+                <a:ea typeface="+mn-ea"/>
+                <a:cs typeface="+mn-cs"/>
+              </a:defRPr>
+            </a:lvl8pPr>
+            <a:lvl9pPr marL="3657600" indent="0" algn="ctr" defTabSz="914400" rtl="0" eaLnBrk="1" latinLnBrk="0" hangingPunct="1">
+              <a:lnSpc>
+                <a:spcPct val="90000"/>
+              </a:lnSpc>
+              <a:spcBef>
+                <a:spcPts val="800"/>
+              </a:spcBef>
+              <a:buSzPct val="80000"/>
+              <a:buFont typeface="Wingdings" panose="05000000000000000000" pitchFamily="2" charset="2"/>
+              <a:buNone/>
+              <a:defRPr sz="1600" kern="1200">
+                <a:solidFill>
+                  <a:schemeClr val="tx1"/>
+                </a:solidFill>
+                <a:latin typeface="+mn-lt"/>
+                <a:ea typeface="+mn-ea"/>
+                <a:cs typeface="+mn-cs"/>
+              </a:defRPr>
+            </a:lvl9pPr>
+          </a:lstStyle>
+          <a:p>
+            <a:pPr>
+              <a:lnSpc>
+                <a:spcPct val="120000"/>
+              </a:lnSpc>
+            </a:pPr>
+            <a:r>
+              <a:rPr lang="en-US" sz="1800" b="1" dirty="0">
+                <a:solidFill>
+                  <a:schemeClr val="accent2">
+                    <a:lumMod val="75000"/>
+                  </a:schemeClr>
+                </a:solidFill>
+                <a:hlinkClick r:id="rId5">
+                  <a:extLst>
+                    <a:ext uri="{A12FA001-AC4F-418D-AE19-62706E023703}">
+                      <ahyp:hlinkClr xmlns:ahyp="http://schemas.microsoft.com/office/drawing/2018/hyperlinkcolor" val="tx"/>
+                    </a:ext>
+                  </a:extLst>
+                </a:hlinkClick>
+              </a:rPr>
+              <a:t>https://github.com/yasenstar/python/tree/master/GUI_Python</a:t>
+            </a:r>
+            <a:endParaRPr lang="en-US" sz="1800" b="1" dirty="0">
+              <a:solidFill>
+                <a:schemeClr val="accent2">
+                  <a:lumMod val="75000"/>
+                </a:schemeClr>
+              </a:solidFill>
+            </a:endParaRPr>
+          </a:p>
+        </p:txBody>
+      </p:sp>
+      <p:sp>
+        <p:nvSpPr>
+          <p:cNvPr id="4" name="Content Placeholder 3">
+            <a:extLst>
+              <a:ext uri="{FF2B5EF4-FFF2-40B4-BE49-F238E27FC236}">
+                <a16:creationId xmlns:a16="http://schemas.microsoft.com/office/drawing/2014/main" id="{4825453B-CB5C-6371-1E6A-222690B860E9}"/>
+              </a:ext>
+            </a:extLst>
+          </p:cNvPr>
+          <p:cNvSpPr>
+            <a:spLocks noGrp="1"/>
+          </p:cNvSpPr>
+          <p:nvPr>
+            <p:ph idx="1"/>
+          </p:nvPr>
+        </p:nvSpPr>
+        <p:spPr/>
+        <p:txBody>
+          <a:bodyPr/>
+          <a:lstStyle/>
+          <a:p>
+            <a:endParaRPr lang="en-US" dirty="0"/>
+          </a:p>
+        </p:txBody>
+      </p:sp>
+    </p:spTree>
+    <p:extLst>
+      <p:ext uri="{BB962C8B-B14F-4D97-AF65-F5344CB8AC3E}">
+        <p14:creationId xmlns:p14="http://schemas.microsoft.com/office/powerpoint/2010/main" val="3231435790"/>
       </p:ext>
     </p:extLst>
   </p:cSld>

--- a/GUI_Python/Create_GUI_with_Python.pptx
+++ b/GUI_Python/Create_GUI_with_Python.pptx
@@ -5400,7 +5400,7 @@
               <a:rPr lang="en-US" sz="5400" dirty="0">
                 <a:latin typeface="HarmonyOS Sans" panose="00000500000000000000" pitchFamily="2" charset="0"/>
               </a:rPr>
-              <a:t>004 Ch03</a:t>
+              <a:t>004 Ch03 Spy Name Chooser</a:t>
             </a:r>
             <a:endParaRPr lang="en-US" dirty="0">
               <a:latin typeface="HarmonyOS Sans" panose="00000500000000000000" pitchFamily="2" charset="0"/>
@@ -5761,31 +5761,88 @@
           </a:p>
         </p:txBody>
       </p:sp>
-      <p:sp>
-        <p:nvSpPr>
-          <p:cNvPr id="4" name="Content Placeholder 3">
+      <p:pic>
+        <p:nvPicPr>
+          <p:cNvPr id="13" name="Content Placeholder 12">
             <a:extLst>
               <a:ext uri="{FF2B5EF4-FFF2-40B4-BE49-F238E27FC236}">
-                <a16:creationId xmlns:a16="http://schemas.microsoft.com/office/drawing/2014/main" id="{4825453B-CB5C-6371-1E6A-222690B860E9}"/>
+                <a16:creationId xmlns:a16="http://schemas.microsoft.com/office/drawing/2014/main" id="{61CE23D5-81B1-20F1-E2BC-4C6589C428E9}"/>
               </a:ext>
             </a:extLst>
           </p:cNvPr>
-          <p:cNvSpPr>
-            <a:spLocks noGrp="1"/>
-          </p:cNvSpPr>
+          <p:cNvPicPr>
+            <a:picLocks noGrp="1" noChangeAspect="1"/>
+          </p:cNvPicPr>
           <p:nvPr>
             <p:ph idx="1"/>
           </p:nvPr>
-        </p:nvSpPr>
-        <p:spPr/>
-        <p:txBody>
-          <a:bodyPr/>
-          <a:lstStyle/>
-          <a:p>
-            <a:endParaRPr lang="en-US" dirty="0"/>
-          </a:p>
-        </p:txBody>
-      </p:sp>
+        </p:nvPicPr>
+        <p:blipFill>
+          <a:blip r:embed="rId6"/>
+          <a:stretch>
+            <a:fillRect/>
+          </a:stretch>
+        </p:blipFill>
+        <p:spPr>
+          <a:xfrm>
+            <a:off x="2039693" y="1713322"/>
+            <a:ext cx="5411017" cy="4114800"/>
+          </a:xfrm>
+          <a:prstGeom prst="rect">
+            <a:avLst/>
+          </a:prstGeom>
+          <a:ln>
+            <a:noFill/>
+          </a:ln>
+          <a:effectLst>
+            <a:outerShdw blurRad="292100" dist="139700" dir="2700000" algn="tl" rotWithShape="0">
+              <a:srgbClr val="333333">
+                <a:alpha val="65000"/>
+              </a:srgbClr>
+            </a:outerShdw>
+          </a:effectLst>
+        </p:spPr>
+      </p:pic>
+      <p:pic>
+        <p:nvPicPr>
+          <p:cNvPr id="10" name="Picture 9">
+            <a:extLst>
+              <a:ext uri="{FF2B5EF4-FFF2-40B4-BE49-F238E27FC236}">
+                <a16:creationId xmlns:a16="http://schemas.microsoft.com/office/drawing/2014/main" id="{793055B9-A429-295A-C017-DFBEBAAF842A}"/>
+              </a:ext>
+            </a:extLst>
+          </p:cNvPr>
+          <p:cNvPicPr>
+            <a:picLocks noChangeAspect="1"/>
+          </p:cNvPicPr>
+          <p:nvPr/>
+        </p:nvPicPr>
+        <p:blipFill>
+          <a:blip r:embed="rId7"/>
+          <a:stretch>
+            <a:fillRect/>
+          </a:stretch>
+        </p:blipFill>
+        <p:spPr>
+          <a:xfrm>
+            <a:off x="7577417" y="2335368"/>
+            <a:ext cx="4387357" cy="2187264"/>
+          </a:xfrm>
+          <a:prstGeom prst="rect">
+            <a:avLst/>
+          </a:prstGeom>
+          <a:ln>
+            <a:noFill/>
+          </a:ln>
+          <a:effectLst>
+            <a:outerShdw blurRad="292100" dist="139700" dir="2700000" algn="tl" rotWithShape="0">
+              <a:srgbClr val="333333">
+                <a:alpha val="65000"/>
+              </a:srgbClr>
+            </a:outerShdw>
+          </a:effectLst>
+        </p:spPr>
+      </p:pic>
     </p:spTree>
     <p:extLst>
       <p:ext uri="{BB962C8B-B14F-4D97-AF65-F5344CB8AC3E}">

--- a/GUI_Python/Create_GUI_with_Python.pptx
+++ b/GUI_Python/Create_GUI_with_Python.pptx
@@ -5,16 +5,18 @@
     <p:sldMasterId id="2147483648" r:id="rId1"/>
   </p:sldMasterIdLst>
   <p:notesMasterIdLst>
-    <p:notesMasterId r:id="rId6"/>
+    <p:notesMasterId r:id="rId8"/>
   </p:notesMasterIdLst>
   <p:handoutMasterIdLst>
-    <p:handoutMasterId r:id="rId7"/>
+    <p:handoutMasterId r:id="rId9"/>
   </p:handoutMasterIdLst>
   <p:sldIdLst>
     <p:sldId id="256" r:id="rId2"/>
     <p:sldId id="257" r:id="rId3"/>
     <p:sldId id="258" r:id="rId4"/>
     <p:sldId id="259" r:id="rId5"/>
+    <p:sldId id="261" r:id="rId6"/>
+    <p:sldId id="260" r:id="rId7"/>
   </p:sldIdLst>
   <p:sldSz cx="12192000" cy="6858000"/>
   <p:notesSz cx="6858000" cy="9144000"/>
@@ -708,6 +710,90 @@
     <p:extLst>
       <p:ext uri="{BB962C8B-B14F-4D97-AF65-F5344CB8AC3E}">
         <p14:creationId xmlns:p14="http://schemas.microsoft.com/office/powerpoint/2010/main" val="306991595"/>
+      </p:ext>
+    </p:extLst>
+  </p:cSld>
+  <p:clrMapOvr>
+    <a:masterClrMapping/>
+  </p:clrMapOvr>
+</p:notes>
+</file>
+
+<file path=ppt/notesSlides/notesSlide2.xml><?xml version="1.0" encoding="utf-8"?>
+<p:notes xmlns:a="http://schemas.openxmlformats.org/drawingml/2006/main" xmlns:r="http://schemas.openxmlformats.org/officeDocument/2006/relationships" xmlns:p="http://schemas.openxmlformats.org/presentationml/2006/main">
+  <p:cSld>
+    <p:spTree>
+      <p:nvGrpSpPr>
+        <p:cNvPr id="1" name=""/>
+        <p:cNvGrpSpPr/>
+        <p:nvPr/>
+      </p:nvGrpSpPr>
+      <p:grpSpPr>
+        <a:xfrm>
+          <a:off x="0" y="0"/>
+          <a:ext cx="0" cy="0"/>
+          <a:chOff x="0" y="0"/>
+          <a:chExt cx="0" cy="0"/>
+        </a:xfrm>
+      </p:grpSpPr>
+      <p:sp>
+        <p:nvSpPr>
+          <p:cNvPr id="2" name="Slide Image Placeholder 1"/>
+          <p:cNvSpPr>
+            <a:spLocks noGrp="1" noRot="1" noChangeAspect="1"/>
+          </p:cNvSpPr>
+          <p:nvPr>
+            <p:ph type="sldImg"/>
+          </p:nvPr>
+        </p:nvSpPr>
+        <p:spPr/>
+      </p:sp>
+      <p:sp>
+        <p:nvSpPr>
+          <p:cNvPr id="3" name="Notes Placeholder 2"/>
+          <p:cNvSpPr>
+            <a:spLocks noGrp="1"/>
+          </p:cNvSpPr>
+          <p:nvPr>
+            <p:ph type="body" idx="1"/>
+          </p:nvPr>
+        </p:nvSpPr>
+        <p:spPr/>
+        <p:txBody>
+          <a:bodyPr/>
+          <a:lstStyle/>
+          <a:p>
+            <a:endParaRPr lang="en-US"/>
+          </a:p>
+        </p:txBody>
+      </p:sp>
+      <p:sp>
+        <p:nvSpPr>
+          <p:cNvPr id="4" name="Slide Number Placeholder 3"/>
+          <p:cNvSpPr>
+            <a:spLocks noGrp="1"/>
+          </p:cNvSpPr>
+          <p:nvPr>
+            <p:ph type="sldNum" sz="quarter" idx="10"/>
+          </p:nvPr>
+        </p:nvSpPr>
+        <p:spPr/>
+        <p:txBody>
+          <a:bodyPr/>
+          <a:lstStyle/>
+          <a:p>
+            <a:fld id="{935E2820-AFE1-45FA-949E-17BDB534E1DC}" type="slidenum">
+              <a:rPr lang="en-US" smtClean="0"/>
+              <a:t>6</a:t>
+            </a:fld>
+            <a:endParaRPr lang="en-US"/>
+          </a:p>
+        </p:txBody>
+      </p:sp>
+    </p:spTree>
+    <p:extLst>
+      <p:ext uri="{BB962C8B-B14F-4D97-AF65-F5344CB8AC3E}">
+        <p14:creationId xmlns:p14="http://schemas.microsoft.com/office/powerpoint/2010/main" val="3563879378"/>
       </p:ext>
     </p:extLst>
   </p:cSld>
@@ -5847,6 +5933,622 @@
     <p:extLst>
       <p:ext uri="{BB962C8B-B14F-4D97-AF65-F5344CB8AC3E}">
         <p14:creationId xmlns:p14="http://schemas.microsoft.com/office/powerpoint/2010/main" val="3231435790"/>
+      </p:ext>
+    </p:extLst>
+  </p:cSld>
+  <p:clrMapOvr>
+    <a:masterClrMapping/>
+  </p:clrMapOvr>
+</p:sld>
+</file>
+
+<file path=ppt/slides/slide5.xml><?xml version="1.0" encoding="utf-8"?>
+<p:sld xmlns:a="http://schemas.openxmlformats.org/drawingml/2006/main" xmlns:r="http://schemas.openxmlformats.org/officeDocument/2006/relationships" xmlns:p="http://schemas.openxmlformats.org/presentationml/2006/main">
+  <p:cSld>
+    <p:spTree>
+      <p:nvGrpSpPr>
+        <p:cNvPr id="1" name=""/>
+        <p:cNvGrpSpPr/>
+        <p:nvPr/>
+      </p:nvGrpSpPr>
+      <p:grpSpPr>
+        <a:xfrm>
+          <a:off x="0" y="0"/>
+          <a:ext cx="0" cy="0"/>
+          <a:chOff x="0" y="0"/>
+          <a:chExt cx="0" cy="0"/>
+        </a:xfrm>
+      </p:grpSpPr>
+      <p:sp>
+        <p:nvSpPr>
+          <p:cNvPr id="2" name="Title 1">
+            <a:extLst>
+              <a:ext uri="{FF2B5EF4-FFF2-40B4-BE49-F238E27FC236}">
+                <a16:creationId xmlns:a16="http://schemas.microsoft.com/office/drawing/2014/main" id="{60BDC9E0-4942-655E-4150-9691AA9C765B}"/>
+              </a:ext>
+            </a:extLst>
+          </p:cNvPr>
+          <p:cNvSpPr>
+            <a:spLocks noGrp="1"/>
+          </p:cNvSpPr>
+          <p:nvPr>
+            <p:ph type="title"/>
+          </p:nvPr>
+        </p:nvSpPr>
+        <p:spPr>
+          <a:xfrm>
+            <a:off x="2208213" y="304799"/>
+            <a:ext cx="9372600" cy="1649507"/>
+          </a:xfrm>
+        </p:spPr>
+        <p:txBody>
+          <a:bodyPr anchor="ctr">
+            <a:normAutofit/>
+          </a:bodyPr>
+          <a:lstStyle/>
+          <a:p>
+            <a:r>
+              <a:rPr lang="en-US" sz="4000" dirty="0">
+                <a:latin typeface="HarmonyOS Sans Black" panose="00000A00000000000000" pitchFamily="2" charset="0"/>
+              </a:rPr>
+              <a:t>Create GUI with Python</a:t>
+            </a:r>
+            <a:br>
+              <a:rPr lang="en-US">
+                <a:latin typeface="HarmonyOS Sans" panose="00000500000000000000" pitchFamily="2" charset="0"/>
+              </a:rPr>
+            </a:br>
+            <a:r>
+              <a:rPr lang="en-US" sz="5400">
+                <a:latin typeface="HarmonyOS Sans" panose="00000500000000000000" pitchFamily="2" charset="0"/>
+              </a:rPr>
+              <a:t>005 Ch04</a:t>
+            </a:r>
+            <a:endParaRPr lang="en-US" dirty="0">
+              <a:latin typeface="HarmonyOS Sans" panose="00000500000000000000" pitchFamily="2" charset="0"/>
+            </a:endParaRPr>
+          </a:p>
+        </p:txBody>
+      </p:sp>
+      <p:pic>
+        <p:nvPicPr>
+          <p:cNvPr id="6" name="Picture 5">
+            <a:extLst>
+              <a:ext uri="{FF2B5EF4-FFF2-40B4-BE49-F238E27FC236}">
+                <a16:creationId xmlns:a16="http://schemas.microsoft.com/office/drawing/2014/main" id="{28525CF1-7DD8-7F22-12CB-14807078F0D7}"/>
+              </a:ext>
+            </a:extLst>
+          </p:cNvPr>
+          <p:cNvPicPr>
+            <a:picLocks noChangeAspect="1"/>
+          </p:cNvPicPr>
+          <p:nvPr/>
+        </p:nvPicPr>
+        <p:blipFill>
+          <a:blip r:embed="rId2"/>
+          <a:stretch>
+            <a:fillRect/>
+          </a:stretch>
+        </p:blipFill>
+        <p:spPr>
+          <a:xfrm>
+            <a:off x="119268" y="59634"/>
+            <a:ext cx="611187" cy="671551"/>
+          </a:xfrm>
+          <a:prstGeom prst="rect">
+            <a:avLst/>
+          </a:prstGeom>
+          <a:ln>
+            <a:noFill/>
+          </a:ln>
+          <a:effectLst>
+            <a:outerShdw blurRad="292100" dist="139700" dir="2700000" algn="tl" rotWithShape="0">
+              <a:srgbClr val="333333">
+                <a:alpha val="65000"/>
+              </a:srgbClr>
+            </a:outerShdw>
+          </a:effectLst>
+        </p:spPr>
+      </p:pic>
+      <p:pic>
+        <p:nvPicPr>
+          <p:cNvPr id="7" name="Picture 6">
+            <a:extLst>
+              <a:ext uri="{FF2B5EF4-FFF2-40B4-BE49-F238E27FC236}">
+                <a16:creationId xmlns:a16="http://schemas.microsoft.com/office/drawing/2014/main" id="{ACE06191-4455-E539-6992-17D338C10648}"/>
+              </a:ext>
+            </a:extLst>
+          </p:cNvPr>
+          <p:cNvPicPr>
+            <a:picLocks noChangeAspect="1"/>
+          </p:cNvPicPr>
+          <p:nvPr/>
+        </p:nvPicPr>
+        <p:blipFill>
+          <a:blip r:embed="rId3"/>
+          <a:stretch>
+            <a:fillRect/>
+          </a:stretch>
+        </p:blipFill>
+        <p:spPr>
+          <a:xfrm>
+            <a:off x="0" y="6471564"/>
+            <a:ext cx="1855694" cy="386435"/>
+          </a:xfrm>
+          <a:prstGeom prst="rect">
+            <a:avLst/>
+          </a:prstGeom>
+          <a:ln>
+            <a:noFill/>
+          </a:ln>
+          <a:effectLst>
+            <a:outerShdw blurRad="292100" dist="139700" dir="2700000" algn="tl" rotWithShape="0">
+              <a:srgbClr val="333333">
+                <a:alpha val="65000"/>
+              </a:srgbClr>
+            </a:outerShdw>
+          </a:effectLst>
+        </p:spPr>
+      </p:pic>
+      <p:pic>
+        <p:nvPicPr>
+          <p:cNvPr id="8" name="Picture 7">
+            <a:extLst>
+              <a:ext uri="{FF2B5EF4-FFF2-40B4-BE49-F238E27FC236}">
+                <a16:creationId xmlns:a16="http://schemas.microsoft.com/office/drawing/2014/main" id="{E815D6CC-086C-CEEA-B605-CC7A17A0C652}"/>
+              </a:ext>
+            </a:extLst>
+          </p:cNvPr>
+          <p:cNvPicPr>
+            <a:picLocks noChangeAspect="1"/>
+          </p:cNvPicPr>
+          <p:nvPr/>
+        </p:nvPicPr>
+        <p:blipFill>
+          <a:blip r:embed="rId4"/>
+          <a:stretch>
+            <a:fillRect/>
+          </a:stretch>
+        </p:blipFill>
+        <p:spPr>
+          <a:xfrm>
+            <a:off x="119268" y="863897"/>
+            <a:ext cx="1374374" cy="2071274"/>
+          </a:xfrm>
+          <a:prstGeom prst="rect">
+            <a:avLst/>
+          </a:prstGeom>
+          <a:ln>
+            <a:noFill/>
+          </a:ln>
+          <a:effectLst>
+            <a:outerShdw blurRad="292100" dist="139700" dir="2700000" algn="tl" rotWithShape="0">
+              <a:srgbClr val="333333">
+                <a:alpha val="65000"/>
+              </a:srgbClr>
+            </a:outerShdw>
+          </a:effectLst>
+        </p:spPr>
+      </p:pic>
+      <p:sp>
+        <p:nvSpPr>
+          <p:cNvPr id="9" name="Subtitle 5">
+            <a:extLst>
+              <a:ext uri="{FF2B5EF4-FFF2-40B4-BE49-F238E27FC236}">
+                <a16:creationId xmlns:a16="http://schemas.microsoft.com/office/drawing/2014/main" id="{B98C3EDB-7ABC-5858-0198-A6F89107DC04}"/>
+              </a:ext>
+            </a:extLst>
+          </p:cNvPr>
+          <p:cNvSpPr txBox="1">
+            <a:spLocks/>
+          </p:cNvSpPr>
+          <p:nvPr/>
+        </p:nvSpPr>
+        <p:spPr>
+          <a:xfrm>
+            <a:off x="2747347" y="6471564"/>
+            <a:ext cx="7704856" cy="367591"/>
+          </a:xfrm>
+          <a:prstGeom prst="rect">
+            <a:avLst/>
+          </a:prstGeom>
+        </p:spPr>
+        <p:txBody>
+          <a:bodyPr vert="horz" lIns="91440" tIns="45720" rIns="91440" bIns="45720" rtlCol="0">
+            <a:normAutofit lnSpcReduction="10000"/>
+          </a:bodyPr>
+          <a:lstStyle>
+            <a:lvl1pPr marL="0" indent="0" algn="l" defTabSz="914400" rtl="0" eaLnBrk="1" latinLnBrk="0" hangingPunct="1">
+              <a:lnSpc>
+                <a:spcPct val="90000"/>
+              </a:lnSpc>
+              <a:spcBef>
+                <a:spcPts val="0"/>
+              </a:spcBef>
+              <a:buSzPct val="80000"/>
+              <a:buFont typeface="Wingdings" panose="05000000000000000000" pitchFamily="2" charset="2"/>
+              <a:buNone/>
+              <a:defRPr sz="2400" kern="1200">
+                <a:solidFill>
+                  <a:schemeClr val="accent2"/>
+                </a:solidFill>
+                <a:latin typeface="+mn-lt"/>
+                <a:ea typeface="+mn-ea"/>
+                <a:cs typeface="+mn-cs"/>
+              </a:defRPr>
+            </a:lvl1pPr>
+            <a:lvl2pPr marL="457200" indent="0" algn="ctr" defTabSz="914400" rtl="0" eaLnBrk="1" latinLnBrk="0" hangingPunct="1">
+              <a:lnSpc>
+                <a:spcPct val="90000"/>
+              </a:lnSpc>
+              <a:spcBef>
+                <a:spcPts val="1000"/>
+              </a:spcBef>
+              <a:buSzPct val="80000"/>
+              <a:buFont typeface="Wingdings" panose="05000000000000000000" pitchFamily="2" charset="2"/>
+              <a:buNone/>
+              <a:defRPr sz="2000" kern="1200">
+                <a:solidFill>
+                  <a:schemeClr val="tx1"/>
+                </a:solidFill>
+                <a:latin typeface="+mn-lt"/>
+                <a:ea typeface="+mn-ea"/>
+                <a:cs typeface="+mn-cs"/>
+              </a:defRPr>
+            </a:lvl2pPr>
+            <a:lvl3pPr marL="914400" indent="0" algn="ctr" defTabSz="914400" rtl="0" eaLnBrk="1" latinLnBrk="0" hangingPunct="1">
+              <a:lnSpc>
+                <a:spcPct val="90000"/>
+              </a:lnSpc>
+              <a:spcBef>
+                <a:spcPts val="800"/>
+              </a:spcBef>
+              <a:buSzPct val="80000"/>
+              <a:buFont typeface="Wingdings" panose="05000000000000000000" pitchFamily="2" charset="2"/>
+              <a:buNone/>
+              <a:defRPr sz="1800" kern="1200">
+                <a:solidFill>
+                  <a:schemeClr val="tx1"/>
+                </a:solidFill>
+                <a:latin typeface="+mn-lt"/>
+                <a:ea typeface="+mn-ea"/>
+                <a:cs typeface="+mn-cs"/>
+              </a:defRPr>
+            </a:lvl3pPr>
+            <a:lvl4pPr marL="1371600" indent="0" algn="ctr" defTabSz="914400" rtl="0" eaLnBrk="1" latinLnBrk="0" hangingPunct="1">
+              <a:lnSpc>
+                <a:spcPct val="90000"/>
+              </a:lnSpc>
+              <a:spcBef>
+                <a:spcPts val="800"/>
+              </a:spcBef>
+              <a:buSzPct val="80000"/>
+              <a:buFont typeface="Wingdings" panose="05000000000000000000" pitchFamily="2" charset="2"/>
+              <a:buNone/>
+              <a:defRPr sz="1600" kern="1200">
+                <a:solidFill>
+                  <a:schemeClr val="tx1"/>
+                </a:solidFill>
+                <a:latin typeface="+mn-lt"/>
+                <a:ea typeface="+mn-ea"/>
+                <a:cs typeface="+mn-cs"/>
+              </a:defRPr>
+            </a:lvl4pPr>
+            <a:lvl5pPr marL="1828800" indent="0" algn="ctr" defTabSz="914400" rtl="0" eaLnBrk="1" latinLnBrk="0" hangingPunct="1">
+              <a:lnSpc>
+                <a:spcPct val="90000"/>
+              </a:lnSpc>
+              <a:spcBef>
+                <a:spcPts val="800"/>
+              </a:spcBef>
+              <a:buSzPct val="80000"/>
+              <a:buFont typeface="Wingdings" panose="05000000000000000000" pitchFamily="2" charset="2"/>
+              <a:buNone/>
+              <a:defRPr sz="1600" kern="1200">
+                <a:solidFill>
+                  <a:schemeClr val="tx1"/>
+                </a:solidFill>
+                <a:latin typeface="+mn-lt"/>
+                <a:ea typeface="+mn-ea"/>
+                <a:cs typeface="+mn-cs"/>
+              </a:defRPr>
+            </a:lvl5pPr>
+            <a:lvl6pPr marL="2286000" indent="0" algn="ctr" defTabSz="914400" rtl="0" eaLnBrk="1" latinLnBrk="0" hangingPunct="1">
+              <a:lnSpc>
+                <a:spcPct val="90000"/>
+              </a:lnSpc>
+              <a:spcBef>
+                <a:spcPts val="800"/>
+              </a:spcBef>
+              <a:buSzPct val="80000"/>
+              <a:buFont typeface="Wingdings" panose="05000000000000000000" pitchFamily="2" charset="2"/>
+              <a:buNone/>
+              <a:defRPr sz="1600" kern="1200">
+                <a:solidFill>
+                  <a:schemeClr val="tx1"/>
+                </a:solidFill>
+                <a:latin typeface="+mn-lt"/>
+                <a:ea typeface="+mn-ea"/>
+                <a:cs typeface="+mn-cs"/>
+              </a:defRPr>
+            </a:lvl6pPr>
+            <a:lvl7pPr marL="2743200" indent="0" algn="ctr" defTabSz="914400" rtl="0" eaLnBrk="1" latinLnBrk="0" hangingPunct="1">
+              <a:lnSpc>
+                <a:spcPct val="90000"/>
+              </a:lnSpc>
+              <a:spcBef>
+                <a:spcPts val="800"/>
+              </a:spcBef>
+              <a:buSzPct val="80000"/>
+              <a:buFont typeface="Wingdings" panose="05000000000000000000" pitchFamily="2" charset="2"/>
+              <a:buNone/>
+              <a:defRPr sz="1600" kern="1200">
+                <a:solidFill>
+                  <a:schemeClr val="tx1"/>
+                </a:solidFill>
+                <a:latin typeface="+mn-lt"/>
+                <a:ea typeface="+mn-ea"/>
+                <a:cs typeface="+mn-cs"/>
+              </a:defRPr>
+            </a:lvl7pPr>
+            <a:lvl8pPr marL="3200400" indent="0" algn="ctr" defTabSz="914400" rtl="0" eaLnBrk="1" latinLnBrk="0" hangingPunct="1">
+              <a:lnSpc>
+                <a:spcPct val="90000"/>
+              </a:lnSpc>
+              <a:spcBef>
+                <a:spcPts val="800"/>
+              </a:spcBef>
+              <a:buSzPct val="80000"/>
+              <a:buFont typeface="Wingdings" panose="05000000000000000000" pitchFamily="2" charset="2"/>
+              <a:buNone/>
+              <a:defRPr sz="1600" kern="1200">
+                <a:solidFill>
+                  <a:schemeClr val="tx1"/>
+                </a:solidFill>
+                <a:latin typeface="+mn-lt"/>
+                <a:ea typeface="+mn-ea"/>
+                <a:cs typeface="+mn-cs"/>
+              </a:defRPr>
+            </a:lvl8pPr>
+            <a:lvl9pPr marL="3657600" indent="0" algn="ctr" defTabSz="914400" rtl="0" eaLnBrk="1" latinLnBrk="0" hangingPunct="1">
+              <a:lnSpc>
+                <a:spcPct val="90000"/>
+              </a:lnSpc>
+              <a:spcBef>
+                <a:spcPts val="800"/>
+              </a:spcBef>
+              <a:buSzPct val="80000"/>
+              <a:buFont typeface="Wingdings" panose="05000000000000000000" pitchFamily="2" charset="2"/>
+              <a:buNone/>
+              <a:defRPr sz="1600" kern="1200">
+                <a:solidFill>
+                  <a:schemeClr val="tx1"/>
+                </a:solidFill>
+                <a:latin typeface="+mn-lt"/>
+                <a:ea typeface="+mn-ea"/>
+                <a:cs typeface="+mn-cs"/>
+              </a:defRPr>
+            </a:lvl9pPr>
+          </a:lstStyle>
+          <a:p>
+            <a:pPr>
+              <a:lnSpc>
+                <a:spcPct val="120000"/>
+              </a:lnSpc>
+            </a:pPr>
+            <a:r>
+              <a:rPr lang="en-US" sz="1800" b="1" dirty="0">
+                <a:solidFill>
+                  <a:schemeClr val="accent2">
+                    <a:lumMod val="75000"/>
+                  </a:schemeClr>
+                </a:solidFill>
+                <a:hlinkClick r:id="rId5">
+                  <a:extLst>
+                    <a:ext uri="{A12FA001-AC4F-418D-AE19-62706E023703}">
+                      <ahyp:hlinkClr xmlns:ahyp="http://schemas.microsoft.com/office/drawing/2018/hyperlinkcolor" val="tx"/>
+                    </a:ext>
+                  </a:extLst>
+                </a:hlinkClick>
+              </a:rPr>
+              <a:t>https://github.com/yasenstar/python/tree/master/GUI_Python</a:t>
+            </a:r>
+            <a:endParaRPr lang="en-US" sz="1800" b="1" dirty="0">
+              <a:solidFill>
+                <a:schemeClr val="accent2">
+                  <a:lumMod val="75000"/>
+                </a:schemeClr>
+              </a:solidFill>
+            </a:endParaRPr>
+          </a:p>
+        </p:txBody>
+      </p:sp>
+      <p:pic>
+        <p:nvPicPr>
+          <p:cNvPr id="13" name="Content Placeholder 12">
+            <a:extLst>
+              <a:ext uri="{FF2B5EF4-FFF2-40B4-BE49-F238E27FC236}">
+                <a16:creationId xmlns:a16="http://schemas.microsoft.com/office/drawing/2014/main" id="{61CE23D5-81B1-20F1-E2BC-4C6589C428E9}"/>
+              </a:ext>
+            </a:extLst>
+          </p:cNvPr>
+          <p:cNvPicPr>
+            <a:picLocks noGrp="1" noChangeAspect="1"/>
+          </p:cNvPicPr>
+          <p:nvPr>
+            <p:ph idx="1"/>
+          </p:nvPr>
+        </p:nvPicPr>
+        <p:blipFill>
+          <a:blip r:embed="rId6"/>
+          <a:stretch>
+            <a:fillRect/>
+          </a:stretch>
+        </p:blipFill>
+        <p:spPr>
+          <a:xfrm>
+            <a:off x="2039693" y="1713322"/>
+            <a:ext cx="5411017" cy="4114800"/>
+          </a:xfrm>
+          <a:prstGeom prst="rect">
+            <a:avLst/>
+          </a:prstGeom>
+          <a:ln>
+            <a:noFill/>
+          </a:ln>
+          <a:effectLst>
+            <a:outerShdw blurRad="292100" dist="139700" dir="2700000" algn="tl" rotWithShape="0">
+              <a:srgbClr val="333333">
+                <a:alpha val="65000"/>
+              </a:srgbClr>
+            </a:outerShdw>
+          </a:effectLst>
+        </p:spPr>
+      </p:pic>
+      <p:pic>
+        <p:nvPicPr>
+          <p:cNvPr id="10" name="Picture 9">
+            <a:extLst>
+              <a:ext uri="{FF2B5EF4-FFF2-40B4-BE49-F238E27FC236}">
+                <a16:creationId xmlns:a16="http://schemas.microsoft.com/office/drawing/2014/main" id="{793055B9-A429-295A-C017-DFBEBAAF842A}"/>
+              </a:ext>
+            </a:extLst>
+          </p:cNvPr>
+          <p:cNvPicPr>
+            <a:picLocks noChangeAspect="1"/>
+          </p:cNvPicPr>
+          <p:nvPr/>
+        </p:nvPicPr>
+        <p:blipFill>
+          <a:blip r:embed="rId7"/>
+          <a:stretch>
+            <a:fillRect/>
+          </a:stretch>
+        </p:blipFill>
+        <p:spPr>
+          <a:xfrm>
+            <a:off x="7577417" y="2335368"/>
+            <a:ext cx="4387357" cy="2187264"/>
+          </a:xfrm>
+          <a:prstGeom prst="rect">
+            <a:avLst/>
+          </a:prstGeom>
+          <a:ln>
+            <a:noFill/>
+          </a:ln>
+          <a:effectLst>
+            <a:outerShdw blurRad="292100" dist="139700" dir="2700000" algn="tl" rotWithShape="0">
+              <a:srgbClr val="333333">
+                <a:alpha val="65000"/>
+              </a:srgbClr>
+            </a:outerShdw>
+          </a:effectLst>
+        </p:spPr>
+      </p:pic>
+    </p:spTree>
+    <p:extLst>
+      <p:ext uri="{BB962C8B-B14F-4D97-AF65-F5344CB8AC3E}">
+        <p14:creationId xmlns:p14="http://schemas.microsoft.com/office/powerpoint/2010/main" val="2057097921"/>
+      </p:ext>
+    </p:extLst>
+  </p:cSld>
+  <p:clrMapOvr>
+    <a:masterClrMapping/>
+  </p:clrMapOvr>
+</p:sld>
+</file>
+
+<file path=ppt/slides/slide6.xml><?xml version="1.0" encoding="utf-8"?>
+<p:sld xmlns:a="http://schemas.openxmlformats.org/drawingml/2006/main" xmlns:r="http://schemas.openxmlformats.org/officeDocument/2006/relationships" xmlns:p="http://schemas.openxmlformats.org/presentationml/2006/main">
+  <p:cSld>
+    <p:spTree>
+      <p:nvGrpSpPr>
+        <p:cNvPr id="1" name=""/>
+        <p:cNvGrpSpPr/>
+        <p:nvPr/>
+      </p:nvGrpSpPr>
+      <p:grpSpPr>
+        <a:xfrm>
+          <a:off x="0" y="0"/>
+          <a:ext cx="0" cy="0"/>
+          <a:chOff x="0" y="0"/>
+          <a:chExt cx="0" cy="0"/>
+        </a:xfrm>
+      </p:grpSpPr>
+      <p:pic>
+        <p:nvPicPr>
+          <p:cNvPr id="11" name="Picture 10">
+            <a:extLst>
+              <a:ext uri="{FF2B5EF4-FFF2-40B4-BE49-F238E27FC236}">
+                <a16:creationId xmlns:a16="http://schemas.microsoft.com/office/drawing/2014/main" id="{BF4DE56A-A05C-7309-2D6F-330E857B24E5}"/>
+              </a:ext>
+            </a:extLst>
+          </p:cNvPr>
+          <p:cNvPicPr>
+            <a:picLocks noChangeAspect="1"/>
+          </p:cNvPicPr>
+          <p:nvPr/>
+        </p:nvPicPr>
+        <p:blipFill>
+          <a:blip r:embed="rId3"/>
+          <a:stretch>
+            <a:fillRect/>
+          </a:stretch>
+        </p:blipFill>
+        <p:spPr>
+          <a:xfrm>
+            <a:off x="8088198" y="2149311"/>
+            <a:ext cx="840047" cy="923015"/>
+          </a:xfrm>
+          <a:prstGeom prst="rect">
+            <a:avLst/>
+          </a:prstGeom>
+          <a:ln>
+            <a:noFill/>
+          </a:ln>
+          <a:effectLst>
+            <a:outerShdw blurRad="292100" dist="139700" dir="2700000" algn="tl" rotWithShape="0">
+              <a:srgbClr val="333333">
+                <a:alpha val="65000"/>
+              </a:srgbClr>
+            </a:outerShdw>
+          </a:effectLst>
+        </p:spPr>
+      </p:pic>
+      <p:pic>
+        <p:nvPicPr>
+          <p:cNvPr id="14" name="Picture 13">
+            <a:extLst>
+              <a:ext uri="{FF2B5EF4-FFF2-40B4-BE49-F238E27FC236}">
+                <a16:creationId xmlns:a16="http://schemas.microsoft.com/office/drawing/2014/main" id="{D3D28456-A684-E69E-6EE3-D2884B45CC44}"/>
+              </a:ext>
+            </a:extLst>
+          </p:cNvPr>
+          <p:cNvPicPr>
+            <a:picLocks noChangeAspect="1"/>
+          </p:cNvPicPr>
+          <p:nvPr/>
+        </p:nvPicPr>
+        <p:blipFill>
+          <a:blip r:embed="rId4"/>
+          <a:stretch>
+            <a:fillRect/>
+          </a:stretch>
+        </p:blipFill>
+        <p:spPr>
+          <a:xfrm>
+            <a:off x="3345680" y="1186304"/>
+            <a:ext cx="4124325" cy="3486150"/>
+          </a:xfrm>
+          <a:prstGeom prst="rect">
+            <a:avLst/>
+          </a:prstGeom>
+        </p:spPr>
+      </p:pic>
+    </p:spTree>
+    <p:extLst>
+      <p:ext uri="{BB962C8B-B14F-4D97-AF65-F5344CB8AC3E}">
+        <p14:creationId xmlns:p14="http://schemas.microsoft.com/office/powerpoint/2010/main" val="1950194442"/>
       </p:ext>
     </p:extLst>
   </p:cSld>

--- a/GUI_Python/Create_GUI_with_Python.pptx
+++ b/GUI_Python/Create_GUI_with_Python.pptx
@@ -5,18 +5,19 @@
     <p:sldMasterId id="2147483648" r:id="rId1"/>
   </p:sldMasterIdLst>
   <p:notesMasterIdLst>
-    <p:notesMasterId r:id="rId8"/>
+    <p:notesMasterId r:id="rId9"/>
   </p:notesMasterIdLst>
   <p:handoutMasterIdLst>
-    <p:handoutMasterId r:id="rId9"/>
+    <p:handoutMasterId r:id="rId10"/>
   </p:handoutMasterIdLst>
   <p:sldIdLst>
     <p:sldId id="256" r:id="rId2"/>
     <p:sldId id="257" r:id="rId3"/>
     <p:sldId id="258" r:id="rId4"/>
     <p:sldId id="259" r:id="rId5"/>
-    <p:sldId id="261" r:id="rId6"/>
-    <p:sldId id="260" r:id="rId7"/>
+    <p:sldId id="262" r:id="rId6"/>
+    <p:sldId id="261" r:id="rId7"/>
+    <p:sldId id="260" r:id="rId8"/>
   </p:sldIdLst>
   <p:sldSz cx="12192000" cy="6858000"/>
   <p:notesSz cx="6858000" cy="9144000"/>
@@ -784,7 +785,7 @@
           <a:p>
             <a:fld id="{935E2820-AFE1-45FA-949E-17BDB534E1DC}" type="slidenum">
               <a:rPr lang="en-US" smtClean="0"/>
-              <a:t>6</a:t>
+              <a:t>7</a:t>
             </a:fld>
             <a:endParaRPr lang="en-US"/>
           </a:p>
@@ -5978,33 +5979,49 @@
         <p:spPr>
           <a:xfrm>
             <a:off x="2208213" y="304799"/>
-            <a:ext cx="9372600" cy="1649507"/>
+            <a:ext cx="9372600" cy="2384613"/>
           </a:xfrm>
         </p:spPr>
         <p:txBody>
           <a:bodyPr anchor="ctr">
-            <a:normAutofit/>
+            <a:noAutofit/>
           </a:bodyPr>
           <a:lstStyle/>
           <a:p>
             <a:r>
-              <a:rPr lang="en-US" sz="4000" dirty="0">
+              <a:rPr lang="en-US" sz="3200" dirty="0">
                 <a:latin typeface="HarmonyOS Sans Black" panose="00000A00000000000000" pitchFamily="2" charset="0"/>
               </a:rPr>
               <a:t>Create GUI with Python</a:t>
             </a:r>
             <a:br>
-              <a:rPr lang="en-US">
+              <a:rPr lang="en-US" sz="2800" dirty="0">
                 <a:latin typeface="HarmonyOS Sans" panose="00000500000000000000" pitchFamily="2" charset="0"/>
               </a:rPr>
             </a:br>
             <a:r>
-              <a:rPr lang="en-US" sz="5400">
+              <a:rPr lang="en-US" sz="4800" dirty="0">
                 <a:latin typeface="HarmonyOS Sans" panose="00000500000000000000" pitchFamily="2" charset="0"/>
               </a:rPr>
-              <a:t>005 Ch04</a:t>
-            </a:r>
-            <a:endParaRPr lang="en-US" dirty="0">
+              <a:t>005 Ch03 Spy Name Chooser</a:t>
+            </a:r>
+            <a:br>
+              <a:rPr lang="en-US" sz="4800" dirty="0">
+                <a:latin typeface="HarmonyOS Sans" panose="00000500000000000000" pitchFamily="2" charset="0"/>
+              </a:rPr>
+            </a:br>
+            <a:br>
+              <a:rPr lang="en-US" sz="3600" dirty="0">
+                <a:latin typeface="HarmonyOS Sans" panose="00000500000000000000" pitchFamily="2" charset="0"/>
+              </a:rPr>
+            </a:br>
+            <a:r>
+              <a:rPr lang="en-US" sz="3600" dirty="0">
+                <a:latin typeface="HarmonyOS Sans" panose="00000500000000000000" pitchFamily="2" charset="0"/>
+              </a:rPr>
+              <a:t>Addition: use Lambda to transfer argument to function</a:t>
+            </a:r>
+            <a:endParaRPr lang="en-US" sz="2800" dirty="0">
               <a:latin typeface="HarmonyOS Sans" panose="00000500000000000000" pitchFamily="2" charset="0"/>
             </a:endParaRPr>
           </a:p>
@@ -6365,6 +6382,522 @@
       </p:sp>
       <p:pic>
         <p:nvPicPr>
+          <p:cNvPr id="10" name="Picture 9">
+            <a:extLst>
+              <a:ext uri="{FF2B5EF4-FFF2-40B4-BE49-F238E27FC236}">
+                <a16:creationId xmlns:a16="http://schemas.microsoft.com/office/drawing/2014/main" id="{793055B9-A429-295A-C017-DFBEBAAF842A}"/>
+              </a:ext>
+            </a:extLst>
+          </p:cNvPr>
+          <p:cNvPicPr>
+            <a:picLocks noChangeAspect="1"/>
+          </p:cNvPicPr>
+          <p:nvPr/>
+        </p:nvPicPr>
+        <p:blipFill>
+          <a:blip r:embed="rId6"/>
+          <a:stretch>
+            <a:fillRect/>
+          </a:stretch>
+        </p:blipFill>
+        <p:spPr>
+          <a:xfrm>
+            <a:off x="9242612" y="3165530"/>
+            <a:ext cx="2722162" cy="1357101"/>
+          </a:xfrm>
+          <a:prstGeom prst="rect">
+            <a:avLst/>
+          </a:prstGeom>
+          <a:ln>
+            <a:noFill/>
+          </a:ln>
+          <a:effectLst>
+            <a:outerShdw blurRad="292100" dist="139700" dir="2700000" algn="tl" rotWithShape="0">
+              <a:srgbClr val="333333">
+                <a:alpha val="65000"/>
+              </a:srgbClr>
+            </a:outerShdw>
+          </a:effectLst>
+        </p:spPr>
+      </p:pic>
+      <p:pic>
+        <p:nvPicPr>
+          <p:cNvPr id="11" name="Content Placeholder 10">
+            <a:extLst>
+              <a:ext uri="{FF2B5EF4-FFF2-40B4-BE49-F238E27FC236}">
+                <a16:creationId xmlns:a16="http://schemas.microsoft.com/office/drawing/2014/main" id="{83F97D53-343B-B8B7-CE50-6CD803C7620F}"/>
+              </a:ext>
+            </a:extLst>
+          </p:cNvPr>
+          <p:cNvPicPr>
+            <a:picLocks noGrp="1" noChangeAspect="1"/>
+          </p:cNvPicPr>
+          <p:nvPr>
+            <p:ph idx="1"/>
+          </p:nvPr>
+        </p:nvPicPr>
+        <p:blipFill>
+          <a:blip r:embed="rId7"/>
+          <a:stretch>
+            <a:fillRect/>
+          </a:stretch>
+        </p:blipFill>
+        <p:spPr>
+          <a:xfrm>
+            <a:off x="2214787" y="3021106"/>
+            <a:ext cx="6127484" cy="2693894"/>
+          </a:xfrm>
+          <a:prstGeom prst="rect">
+            <a:avLst/>
+          </a:prstGeom>
+          <a:ln>
+            <a:noFill/>
+          </a:ln>
+          <a:effectLst>
+            <a:outerShdw blurRad="292100" dist="139700" dir="2700000" algn="tl" rotWithShape="0">
+              <a:srgbClr val="333333">
+                <a:alpha val="65000"/>
+              </a:srgbClr>
+            </a:outerShdw>
+          </a:effectLst>
+        </p:spPr>
+      </p:pic>
+    </p:spTree>
+    <p:extLst>
+      <p:ext uri="{BB962C8B-B14F-4D97-AF65-F5344CB8AC3E}">
+        <p14:creationId xmlns:p14="http://schemas.microsoft.com/office/powerpoint/2010/main" val="3403620366"/>
+      </p:ext>
+    </p:extLst>
+  </p:cSld>
+  <p:clrMapOvr>
+    <a:masterClrMapping/>
+  </p:clrMapOvr>
+</p:sld>
+</file>
+
+<file path=ppt/slides/slide6.xml><?xml version="1.0" encoding="utf-8"?>
+<p:sld xmlns:a="http://schemas.openxmlformats.org/drawingml/2006/main" xmlns:r="http://schemas.openxmlformats.org/officeDocument/2006/relationships" xmlns:p="http://schemas.openxmlformats.org/presentationml/2006/main">
+  <p:cSld>
+    <p:spTree>
+      <p:nvGrpSpPr>
+        <p:cNvPr id="1" name=""/>
+        <p:cNvGrpSpPr/>
+        <p:nvPr/>
+      </p:nvGrpSpPr>
+      <p:grpSpPr>
+        <a:xfrm>
+          <a:off x="0" y="0"/>
+          <a:ext cx="0" cy="0"/>
+          <a:chOff x="0" y="0"/>
+          <a:chExt cx="0" cy="0"/>
+        </a:xfrm>
+      </p:grpSpPr>
+      <p:sp>
+        <p:nvSpPr>
+          <p:cNvPr id="2" name="Title 1">
+            <a:extLst>
+              <a:ext uri="{FF2B5EF4-FFF2-40B4-BE49-F238E27FC236}">
+                <a16:creationId xmlns:a16="http://schemas.microsoft.com/office/drawing/2014/main" id="{60BDC9E0-4942-655E-4150-9691AA9C765B}"/>
+              </a:ext>
+            </a:extLst>
+          </p:cNvPr>
+          <p:cNvSpPr>
+            <a:spLocks noGrp="1"/>
+          </p:cNvSpPr>
+          <p:nvPr>
+            <p:ph type="title"/>
+          </p:nvPr>
+        </p:nvSpPr>
+        <p:spPr>
+          <a:xfrm>
+            <a:off x="2208213" y="304799"/>
+            <a:ext cx="9372600" cy="1649507"/>
+          </a:xfrm>
+        </p:spPr>
+        <p:txBody>
+          <a:bodyPr anchor="ctr">
+            <a:normAutofit/>
+          </a:bodyPr>
+          <a:lstStyle/>
+          <a:p>
+            <a:r>
+              <a:rPr lang="en-US" sz="4000" dirty="0">
+                <a:latin typeface="HarmonyOS Sans Black" panose="00000A00000000000000" pitchFamily="2" charset="0"/>
+              </a:rPr>
+              <a:t>Create GUI with Python</a:t>
+            </a:r>
+            <a:br>
+              <a:rPr lang="en-US" dirty="0">
+                <a:latin typeface="HarmonyOS Sans" panose="00000500000000000000" pitchFamily="2" charset="0"/>
+              </a:rPr>
+            </a:br>
+            <a:r>
+              <a:rPr lang="en-US" sz="5400" dirty="0">
+                <a:latin typeface="HarmonyOS Sans" panose="00000500000000000000" pitchFamily="2" charset="0"/>
+              </a:rPr>
+              <a:t>006 Ch04 Meme Generator</a:t>
+            </a:r>
+            <a:endParaRPr lang="en-US" dirty="0">
+              <a:latin typeface="HarmonyOS Sans" panose="00000500000000000000" pitchFamily="2" charset="0"/>
+            </a:endParaRPr>
+          </a:p>
+        </p:txBody>
+      </p:sp>
+      <p:pic>
+        <p:nvPicPr>
+          <p:cNvPr id="6" name="Picture 5">
+            <a:extLst>
+              <a:ext uri="{FF2B5EF4-FFF2-40B4-BE49-F238E27FC236}">
+                <a16:creationId xmlns:a16="http://schemas.microsoft.com/office/drawing/2014/main" id="{28525CF1-7DD8-7F22-12CB-14807078F0D7}"/>
+              </a:ext>
+            </a:extLst>
+          </p:cNvPr>
+          <p:cNvPicPr>
+            <a:picLocks noChangeAspect="1"/>
+          </p:cNvPicPr>
+          <p:nvPr/>
+        </p:nvPicPr>
+        <p:blipFill>
+          <a:blip r:embed="rId2"/>
+          <a:stretch>
+            <a:fillRect/>
+          </a:stretch>
+        </p:blipFill>
+        <p:spPr>
+          <a:xfrm>
+            <a:off x="119268" y="59634"/>
+            <a:ext cx="611187" cy="671551"/>
+          </a:xfrm>
+          <a:prstGeom prst="rect">
+            <a:avLst/>
+          </a:prstGeom>
+          <a:ln>
+            <a:noFill/>
+          </a:ln>
+          <a:effectLst>
+            <a:outerShdw blurRad="292100" dist="139700" dir="2700000" algn="tl" rotWithShape="0">
+              <a:srgbClr val="333333">
+                <a:alpha val="65000"/>
+              </a:srgbClr>
+            </a:outerShdw>
+          </a:effectLst>
+        </p:spPr>
+      </p:pic>
+      <p:pic>
+        <p:nvPicPr>
+          <p:cNvPr id="7" name="Picture 6">
+            <a:extLst>
+              <a:ext uri="{FF2B5EF4-FFF2-40B4-BE49-F238E27FC236}">
+                <a16:creationId xmlns:a16="http://schemas.microsoft.com/office/drawing/2014/main" id="{ACE06191-4455-E539-6992-17D338C10648}"/>
+              </a:ext>
+            </a:extLst>
+          </p:cNvPr>
+          <p:cNvPicPr>
+            <a:picLocks noChangeAspect="1"/>
+          </p:cNvPicPr>
+          <p:nvPr/>
+        </p:nvPicPr>
+        <p:blipFill>
+          <a:blip r:embed="rId3"/>
+          <a:stretch>
+            <a:fillRect/>
+          </a:stretch>
+        </p:blipFill>
+        <p:spPr>
+          <a:xfrm>
+            <a:off x="0" y="6471564"/>
+            <a:ext cx="1855694" cy="386435"/>
+          </a:xfrm>
+          <a:prstGeom prst="rect">
+            <a:avLst/>
+          </a:prstGeom>
+          <a:ln>
+            <a:noFill/>
+          </a:ln>
+          <a:effectLst>
+            <a:outerShdw blurRad="292100" dist="139700" dir="2700000" algn="tl" rotWithShape="0">
+              <a:srgbClr val="333333">
+                <a:alpha val="65000"/>
+              </a:srgbClr>
+            </a:outerShdw>
+          </a:effectLst>
+        </p:spPr>
+      </p:pic>
+      <p:pic>
+        <p:nvPicPr>
+          <p:cNvPr id="8" name="Picture 7">
+            <a:extLst>
+              <a:ext uri="{FF2B5EF4-FFF2-40B4-BE49-F238E27FC236}">
+                <a16:creationId xmlns:a16="http://schemas.microsoft.com/office/drawing/2014/main" id="{E815D6CC-086C-CEEA-B605-CC7A17A0C652}"/>
+              </a:ext>
+            </a:extLst>
+          </p:cNvPr>
+          <p:cNvPicPr>
+            <a:picLocks noChangeAspect="1"/>
+          </p:cNvPicPr>
+          <p:nvPr/>
+        </p:nvPicPr>
+        <p:blipFill>
+          <a:blip r:embed="rId4"/>
+          <a:stretch>
+            <a:fillRect/>
+          </a:stretch>
+        </p:blipFill>
+        <p:spPr>
+          <a:xfrm>
+            <a:off x="119268" y="863897"/>
+            <a:ext cx="1374374" cy="2071274"/>
+          </a:xfrm>
+          <a:prstGeom prst="rect">
+            <a:avLst/>
+          </a:prstGeom>
+          <a:ln>
+            <a:noFill/>
+          </a:ln>
+          <a:effectLst>
+            <a:outerShdw blurRad="292100" dist="139700" dir="2700000" algn="tl" rotWithShape="0">
+              <a:srgbClr val="333333">
+                <a:alpha val="65000"/>
+              </a:srgbClr>
+            </a:outerShdw>
+          </a:effectLst>
+        </p:spPr>
+      </p:pic>
+      <p:sp>
+        <p:nvSpPr>
+          <p:cNvPr id="9" name="Subtitle 5">
+            <a:extLst>
+              <a:ext uri="{FF2B5EF4-FFF2-40B4-BE49-F238E27FC236}">
+                <a16:creationId xmlns:a16="http://schemas.microsoft.com/office/drawing/2014/main" id="{B98C3EDB-7ABC-5858-0198-A6F89107DC04}"/>
+              </a:ext>
+            </a:extLst>
+          </p:cNvPr>
+          <p:cNvSpPr txBox="1">
+            <a:spLocks/>
+          </p:cNvSpPr>
+          <p:nvPr/>
+        </p:nvSpPr>
+        <p:spPr>
+          <a:xfrm>
+            <a:off x="2747347" y="6471564"/>
+            <a:ext cx="7704856" cy="367591"/>
+          </a:xfrm>
+          <a:prstGeom prst="rect">
+            <a:avLst/>
+          </a:prstGeom>
+        </p:spPr>
+        <p:txBody>
+          <a:bodyPr vert="horz" lIns="91440" tIns="45720" rIns="91440" bIns="45720" rtlCol="0">
+            <a:normAutofit lnSpcReduction="10000"/>
+          </a:bodyPr>
+          <a:lstStyle>
+            <a:lvl1pPr marL="0" indent="0" algn="l" defTabSz="914400" rtl="0" eaLnBrk="1" latinLnBrk="0" hangingPunct="1">
+              <a:lnSpc>
+                <a:spcPct val="90000"/>
+              </a:lnSpc>
+              <a:spcBef>
+                <a:spcPts val="0"/>
+              </a:spcBef>
+              <a:buSzPct val="80000"/>
+              <a:buFont typeface="Wingdings" panose="05000000000000000000" pitchFamily="2" charset="2"/>
+              <a:buNone/>
+              <a:defRPr sz="2400" kern="1200">
+                <a:solidFill>
+                  <a:schemeClr val="accent2"/>
+                </a:solidFill>
+                <a:latin typeface="+mn-lt"/>
+                <a:ea typeface="+mn-ea"/>
+                <a:cs typeface="+mn-cs"/>
+              </a:defRPr>
+            </a:lvl1pPr>
+            <a:lvl2pPr marL="457200" indent="0" algn="ctr" defTabSz="914400" rtl="0" eaLnBrk="1" latinLnBrk="0" hangingPunct="1">
+              <a:lnSpc>
+                <a:spcPct val="90000"/>
+              </a:lnSpc>
+              <a:spcBef>
+                <a:spcPts val="1000"/>
+              </a:spcBef>
+              <a:buSzPct val="80000"/>
+              <a:buFont typeface="Wingdings" panose="05000000000000000000" pitchFamily="2" charset="2"/>
+              <a:buNone/>
+              <a:defRPr sz="2000" kern="1200">
+                <a:solidFill>
+                  <a:schemeClr val="tx1"/>
+                </a:solidFill>
+                <a:latin typeface="+mn-lt"/>
+                <a:ea typeface="+mn-ea"/>
+                <a:cs typeface="+mn-cs"/>
+              </a:defRPr>
+            </a:lvl2pPr>
+            <a:lvl3pPr marL="914400" indent="0" algn="ctr" defTabSz="914400" rtl="0" eaLnBrk="1" latinLnBrk="0" hangingPunct="1">
+              <a:lnSpc>
+                <a:spcPct val="90000"/>
+              </a:lnSpc>
+              <a:spcBef>
+                <a:spcPts val="800"/>
+              </a:spcBef>
+              <a:buSzPct val="80000"/>
+              <a:buFont typeface="Wingdings" panose="05000000000000000000" pitchFamily="2" charset="2"/>
+              <a:buNone/>
+              <a:defRPr sz="1800" kern="1200">
+                <a:solidFill>
+                  <a:schemeClr val="tx1"/>
+                </a:solidFill>
+                <a:latin typeface="+mn-lt"/>
+                <a:ea typeface="+mn-ea"/>
+                <a:cs typeface="+mn-cs"/>
+              </a:defRPr>
+            </a:lvl3pPr>
+            <a:lvl4pPr marL="1371600" indent="0" algn="ctr" defTabSz="914400" rtl="0" eaLnBrk="1" latinLnBrk="0" hangingPunct="1">
+              <a:lnSpc>
+                <a:spcPct val="90000"/>
+              </a:lnSpc>
+              <a:spcBef>
+                <a:spcPts val="800"/>
+              </a:spcBef>
+              <a:buSzPct val="80000"/>
+              <a:buFont typeface="Wingdings" panose="05000000000000000000" pitchFamily="2" charset="2"/>
+              <a:buNone/>
+              <a:defRPr sz="1600" kern="1200">
+                <a:solidFill>
+                  <a:schemeClr val="tx1"/>
+                </a:solidFill>
+                <a:latin typeface="+mn-lt"/>
+                <a:ea typeface="+mn-ea"/>
+                <a:cs typeface="+mn-cs"/>
+              </a:defRPr>
+            </a:lvl4pPr>
+            <a:lvl5pPr marL="1828800" indent="0" algn="ctr" defTabSz="914400" rtl="0" eaLnBrk="1" latinLnBrk="0" hangingPunct="1">
+              <a:lnSpc>
+                <a:spcPct val="90000"/>
+              </a:lnSpc>
+              <a:spcBef>
+                <a:spcPts val="800"/>
+              </a:spcBef>
+              <a:buSzPct val="80000"/>
+              <a:buFont typeface="Wingdings" panose="05000000000000000000" pitchFamily="2" charset="2"/>
+              <a:buNone/>
+              <a:defRPr sz="1600" kern="1200">
+                <a:solidFill>
+                  <a:schemeClr val="tx1"/>
+                </a:solidFill>
+                <a:latin typeface="+mn-lt"/>
+                <a:ea typeface="+mn-ea"/>
+                <a:cs typeface="+mn-cs"/>
+              </a:defRPr>
+            </a:lvl5pPr>
+            <a:lvl6pPr marL="2286000" indent="0" algn="ctr" defTabSz="914400" rtl="0" eaLnBrk="1" latinLnBrk="0" hangingPunct="1">
+              <a:lnSpc>
+                <a:spcPct val="90000"/>
+              </a:lnSpc>
+              <a:spcBef>
+                <a:spcPts val="800"/>
+              </a:spcBef>
+              <a:buSzPct val="80000"/>
+              <a:buFont typeface="Wingdings" panose="05000000000000000000" pitchFamily="2" charset="2"/>
+              <a:buNone/>
+              <a:defRPr sz="1600" kern="1200">
+                <a:solidFill>
+                  <a:schemeClr val="tx1"/>
+                </a:solidFill>
+                <a:latin typeface="+mn-lt"/>
+                <a:ea typeface="+mn-ea"/>
+                <a:cs typeface="+mn-cs"/>
+              </a:defRPr>
+            </a:lvl6pPr>
+            <a:lvl7pPr marL="2743200" indent="0" algn="ctr" defTabSz="914400" rtl="0" eaLnBrk="1" latinLnBrk="0" hangingPunct="1">
+              <a:lnSpc>
+                <a:spcPct val="90000"/>
+              </a:lnSpc>
+              <a:spcBef>
+                <a:spcPts val="800"/>
+              </a:spcBef>
+              <a:buSzPct val="80000"/>
+              <a:buFont typeface="Wingdings" panose="05000000000000000000" pitchFamily="2" charset="2"/>
+              <a:buNone/>
+              <a:defRPr sz="1600" kern="1200">
+                <a:solidFill>
+                  <a:schemeClr val="tx1"/>
+                </a:solidFill>
+                <a:latin typeface="+mn-lt"/>
+                <a:ea typeface="+mn-ea"/>
+                <a:cs typeface="+mn-cs"/>
+              </a:defRPr>
+            </a:lvl7pPr>
+            <a:lvl8pPr marL="3200400" indent="0" algn="ctr" defTabSz="914400" rtl="0" eaLnBrk="1" latinLnBrk="0" hangingPunct="1">
+              <a:lnSpc>
+                <a:spcPct val="90000"/>
+              </a:lnSpc>
+              <a:spcBef>
+                <a:spcPts val="800"/>
+              </a:spcBef>
+              <a:buSzPct val="80000"/>
+              <a:buFont typeface="Wingdings" panose="05000000000000000000" pitchFamily="2" charset="2"/>
+              <a:buNone/>
+              <a:defRPr sz="1600" kern="1200">
+                <a:solidFill>
+                  <a:schemeClr val="tx1"/>
+                </a:solidFill>
+                <a:latin typeface="+mn-lt"/>
+                <a:ea typeface="+mn-ea"/>
+                <a:cs typeface="+mn-cs"/>
+              </a:defRPr>
+            </a:lvl8pPr>
+            <a:lvl9pPr marL="3657600" indent="0" algn="ctr" defTabSz="914400" rtl="0" eaLnBrk="1" latinLnBrk="0" hangingPunct="1">
+              <a:lnSpc>
+                <a:spcPct val="90000"/>
+              </a:lnSpc>
+              <a:spcBef>
+                <a:spcPts val="800"/>
+              </a:spcBef>
+              <a:buSzPct val="80000"/>
+              <a:buFont typeface="Wingdings" panose="05000000000000000000" pitchFamily="2" charset="2"/>
+              <a:buNone/>
+              <a:defRPr sz="1600" kern="1200">
+                <a:solidFill>
+                  <a:schemeClr val="tx1"/>
+                </a:solidFill>
+                <a:latin typeface="+mn-lt"/>
+                <a:ea typeface="+mn-ea"/>
+                <a:cs typeface="+mn-cs"/>
+              </a:defRPr>
+            </a:lvl9pPr>
+          </a:lstStyle>
+          <a:p>
+            <a:pPr>
+              <a:lnSpc>
+                <a:spcPct val="120000"/>
+              </a:lnSpc>
+            </a:pPr>
+            <a:r>
+              <a:rPr lang="en-US" sz="1800" b="1" dirty="0">
+                <a:solidFill>
+                  <a:schemeClr val="accent2">
+                    <a:lumMod val="75000"/>
+                  </a:schemeClr>
+                </a:solidFill>
+                <a:hlinkClick r:id="rId5">
+                  <a:extLst>
+                    <a:ext uri="{A12FA001-AC4F-418D-AE19-62706E023703}">
+                      <ahyp:hlinkClr xmlns:ahyp="http://schemas.microsoft.com/office/drawing/2018/hyperlinkcolor" val="tx"/>
+                    </a:ext>
+                  </a:extLst>
+                </a:hlinkClick>
+              </a:rPr>
+              <a:t>https://github.com/yasenstar/python/tree/master/GUI_Python</a:t>
+            </a:r>
+            <a:endParaRPr lang="en-US" sz="1800" b="1" dirty="0">
+              <a:solidFill>
+                <a:schemeClr val="accent2">
+                  <a:lumMod val="75000"/>
+                </a:schemeClr>
+              </a:solidFill>
+            </a:endParaRPr>
+          </a:p>
+        </p:txBody>
+      </p:sp>
+      <p:pic>
+        <p:nvPicPr>
           <p:cNvPr id="13" name="Content Placeholder 12">
             <a:extLst>
               <a:ext uri="{FF2B5EF4-FFF2-40B4-BE49-F238E27FC236}">
@@ -6458,7 +6991,7 @@
 </p:sld>
 </file>
 
-<file path=ppt/slides/slide6.xml><?xml version="1.0" encoding="utf-8"?>
+<file path=ppt/slides/slide7.xml><?xml version="1.0" encoding="utf-8"?>
 <p:sld xmlns:a="http://schemas.openxmlformats.org/drawingml/2006/main" xmlns:r="http://schemas.openxmlformats.org/officeDocument/2006/relationships" xmlns:p="http://schemas.openxmlformats.org/presentationml/2006/main">
   <p:cSld>
     <p:spTree>

--- a/GUI_Python/Create_GUI_with_Python.pptx
+++ b/GUI_Python/Create_GUI_with_Python.pptx
@@ -5,10 +5,10 @@
     <p:sldMasterId id="2147483648" r:id="rId1"/>
   </p:sldMasterIdLst>
   <p:notesMasterIdLst>
-    <p:notesMasterId r:id="rId9"/>
+    <p:notesMasterId r:id="rId10"/>
   </p:notesMasterIdLst>
   <p:handoutMasterIdLst>
-    <p:handoutMasterId r:id="rId10"/>
+    <p:handoutMasterId r:id="rId11"/>
   </p:handoutMasterIdLst>
   <p:sldIdLst>
     <p:sldId id="256" r:id="rId2"/>
@@ -16,8 +16,9 @@
     <p:sldId id="258" r:id="rId4"/>
     <p:sldId id="259" r:id="rId5"/>
     <p:sldId id="262" r:id="rId6"/>
-    <p:sldId id="261" r:id="rId7"/>
-    <p:sldId id="260" r:id="rId8"/>
+    <p:sldId id="263" r:id="rId7"/>
+    <p:sldId id="261" r:id="rId8"/>
+    <p:sldId id="260" r:id="rId9"/>
   </p:sldIdLst>
   <p:sldSz cx="12192000" cy="6858000"/>
   <p:notesSz cx="6858000" cy="9144000"/>
@@ -785,7 +786,7 @@
           <a:p>
             <a:fld id="{935E2820-AFE1-45FA-949E-17BDB534E1DC}" type="slidenum">
               <a:rPr lang="en-US" smtClean="0"/>
-              <a:t>7</a:t>
+              <a:t>8</a:t>
             </a:fld>
             <a:endParaRPr lang="en-US"/>
           </a:p>
@@ -6019,7 +6020,7 @@
               <a:rPr lang="en-US" sz="3600" dirty="0">
                 <a:latin typeface="HarmonyOS Sans" panose="00000500000000000000" pitchFamily="2" charset="0"/>
               </a:rPr>
-              <a:t>Addition: use Lambda to transfer argument to function</a:t>
+              <a:t>Addition 1: use Lambda to transfer argument to function</a:t>
             </a:r>
             <a:endParaRPr lang="en-US" sz="2800" dirty="0">
               <a:latin typeface="HarmonyOS Sans" panose="00000500000000000000" pitchFamily="2" charset="0"/>
@@ -6511,33 +6512,49 @@
         <p:spPr>
           <a:xfrm>
             <a:off x="2208213" y="304799"/>
-            <a:ext cx="9372600" cy="1649507"/>
+            <a:ext cx="9372600" cy="2384613"/>
           </a:xfrm>
         </p:spPr>
         <p:txBody>
           <a:bodyPr anchor="ctr">
-            <a:normAutofit/>
+            <a:noAutofit/>
           </a:bodyPr>
           <a:lstStyle/>
           <a:p>
             <a:r>
-              <a:rPr lang="en-US" sz="4000" dirty="0">
+              <a:rPr lang="en-US" sz="3200" dirty="0">
                 <a:latin typeface="HarmonyOS Sans Black" panose="00000A00000000000000" pitchFamily="2" charset="0"/>
               </a:rPr>
               <a:t>Create GUI with Python</a:t>
             </a:r>
             <a:br>
-              <a:rPr lang="en-US" dirty="0">
+              <a:rPr lang="en-US" sz="2800" dirty="0">
                 <a:latin typeface="HarmonyOS Sans" panose="00000500000000000000" pitchFamily="2" charset="0"/>
               </a:rPr>
             </a:br>
             <a:r>
-              <a:rPr lang="en-US" sz="5400" dirty="0">
+              <a:rPr lang="en-US" sz="4800" dirty="0">
                 <a:latin typeface="HarmonyOS Sans" panose="00000500000000000000" pitchFamily="2" charset="0"/>
               </a:rPr>
-              <a:t>006 Ch04 Meme Generator</a:t>
-            </a:r>
-            <a:endParaRPr lang="en-US" dirty="0">
+              <a:t>006 Ch03 Spy Name Chooser</a:t>
+            </a:r>
+            <a:br>
+              <a:rPr lang="en-US" sz="4800" dirty="0">
+                <a:latin typeface="HarmonyOS Sans" panose="00000500000000000000" pitchFamily="2" charset="0"/>
+              </a:rPr>
+            </a:br>
+            <a:br>
+              <a:rPr lang="en-US" sz="3600" dirty="0">
+                <a:latin typeface="HarmonyOS Sans" panose="00000500000000000000" pitchFamily="2" charset="0"/>
+              </a:rPr>
+            </a:br>
+            <a:r>
+              <a:rPr lang="en-US" sz="3600" dirty="0">
+                <a:latin typeface="HarmonyOS Sans" panose="00000500000000000000" pitchFamily="2" charset="0"/>
+              </a:rPr>
+              <a:t>Addition 2: More Investigation on “Commands”</a:t>
+            </a:r>
+            <a:endParaRPr lang="en-US" sz="2800" dirty="0">
               <a:latin typeface="HarmonyOS Sans" panose="00000500000000000000" pitchFamily="2" charset="0"/>
             </a:endParaRPr>
           </a:p>
@@ -6898,19 +6915,17 @@
       </p:sp>
       <p:pic>
         <p:nvPicPr>
-          <p:cNvPr id="13" name="Content Placeholder 12">
+          <p:cNvPr id="10" name="Picture 9">
             <a:extLst>
               <a:ext uri="{FF2B5EF4-FFF2-40B4-BE49-F238E27FC236}">
-                <a16:creationId xmlns:a16="http://schemas.microsoft.com/office/drawing/2014/main" id="{61CE23D5-81B1-20F1-E2BC-4C6589C428E9}"/>
+                <a16:creationId xmlns:a16="http://schemas.microsoft.com/office/drawing/2014/main" id="{793055B9-A429-295A-C017-DFBEBAAF842A}"/>
               </a:ext>
             </a:extLst>
           </p:cNvPr>
           <p:cNvPicPr>
-            <a:picLocks noGrp="1" noChangeAspect="1"/>
+            <a:picLocks noChangeAspect="1"/>
           </p:cNvPicPr>
-          <p:nvPr>
-            <p:ph idx="1"/>
-          </p:nvPr>
+          <p:nvPr/>
         </p:nvPicPr>
         <p:blipFill>
           <a:blip r:embed="rId6"/>
@@ -6920,8 +6935,8 @@
         </p:blipFill>
         <p:spPr>
           <a:xfrm>
-            <a:off x="2039693" y="1713322"/>
-            <a:ext cx="5411017" cy="4114800"/>
+            <a:off x="9242612" y="3165530"/>
+            <a:ext cx="2722162" cy="1357101"/>
           </a:xfrm>
           <a:prstGeom prst="rect">
             <a:avLst/>
@@ -6940,17 +6955,19 @@
       </p:pic>
       <p:pic>
         <p:nvPicPr>
-          <p:cNvPr id="10" name="Picture 9">
+          <p:cNvPr id="12" name="Content Placeholder 11">
             <a:extLst>
               <a:ext uri="{FF2B5EF4-FFF2-40B4-BE49-F238E27FC236}">
-                <a16:creationId xmlns:a16="http://schemas.microsoft.com/office/drawing/2014/main" id="{793055B9-A429-295A-C017-DFBEBAAF842A}"/>
+                <a16:creationId xmlns:a16="http://schemas.microsoft.com/office/drawing/2014/main" id="{BC9DEB89-DB11-AD10-11CB-DA18273674ED}"/>
               </a:ext>
             </a:extLst>
           </p:cNvPr>
           <p:cNvPicPr>
-            <a:picLocks noChangeAspect="1"/>
+            <a:picLocks noGrp="1" noChangeAspect="1"/>
           </p:cNvPicPr>
-          <p:nvPr/>
+          <p:nvPr>
+            <p:ph idx="1"/>
+          </p:nvPr>
         </p:nvPicPr>
         <p:blipFill>
           <a:blip r:embed="rId7"/>
@@ -6960,8 +6977,8 @@
         </p:blipFill>
         <p:spPr>
           <a:xfrm>
-            <a:off x="7577417" y="2335368"/>
-            <a:ext cx="4387357" cy="2187264"/>
+            <a:off x="2687831" y="2894411"/>
+            <a:ext cx="4996863" cy="2926976"/>
           </a:xfrm>
           <a:prstGeom prst="rect">
             <a:avLst/>
@@ -6981,6 +6998,523 @@
     </p:spTree>
     <p:extLst>
       <p:ext uri="{BB962C8B-B14F-4D97-AF65-F5344CB8AC3E}">
+        <p14:creationId xmlns:p14="http://schemas.microsoft.com/office/powerpoint/2010/main" val="519624687"/>
+      </p:ext>
+    </p:extLst>
+  </p:cSld>
+  <p:clrMapOvr>
+    <a:masterClrMapping/>
+  </p:clrMapOvr>
+</p:sld>
+</file>
+
+<file path=ppt/slides/slide7.xml><?xml version="1.0" encoding="utf-8"?>
+<p:sld xmlns:a="http://schemas.openxmlformats.org/drawingml/2006/main" xmlns:r="http://schemas.openxmlformats.org/officeDocument/2006/relationships" xmlns:p="http://schemas.openxmlformats.org/presentationml/2006/main">
+  <p:cSld>
+    <p:spTree>
+      <p:nvGrpSpPr>
+        <p:cNvPr id="1" name=""/>
+        <p:cNvGrpSpPr/>
+        <p:nvPr/>
+      </p:nvGrpSpPr>
+      <p:grpSpPr>
+        <a:xfrm>
+          <a:off x="0" y="0"/>
+          <a:ext cx="0" cy="0"/>
+          <a:chOff x="0" y="0"/>
+          <a:chExt cx="0" cy="0"/>
+        </a:xfrm>
+      </p:grpSpPr>
+      <p:sp>
+        <p:nvSpPr>
+          <p:cNvPr id="2" name="Title 1">
+            <a:extLst>
+              <a:ext uri="{FF2B5EF4-FFF2-40B4-BE49-F238E27FC236}">
+                <a16:creationId xmlns:a16="http://schemas.microsoft.com/office/drawing/2014/main" id="{60BDC9E0-4942-655E-4150-9691AA9C765B}"/>
+              </a:ext>
+            </a:extLst>
+          </p:cNvPr>
+          <p:cNvSpPr>
+            <a:spLocks noGrp="1"/>
+          </p:cNvSpPr>
+          <p:nvPr>
+            <p:ph type="title"/>
+          </p:nvPr>
+        </p:nvSpPr>
+        <p:spPr>
+          <a:xfrm>
+            <a:off x="2208213" y="304799"/>
+            <a:ext cx="9372600" cy="1649507"/>
+          </a:xfrm>
+        </p:spPr>
+        <p:txBody>
+          <a:bodyPr anchor="ctr">
+            <a:normAutofit/>
+          </a:bodyPr>
+          <a:lstStyle/>
+          <a:p>
+            <a:r>
+              <a:rPr lang="en-US" sz="4000" dirty="0">
+                <a:latin typeface="HarmonyOS Sans Black" panose="00000A00000000000000" pitchFamily="2" charset="0"/>
+              </a:rPr>
+              <a:t>Create GUI with Python</a:t>
+            </a:r>
+            <a:br>
+              <a:rPr lang="en-US">
+                <a:latin typeface="HarmonyOS Sans" panose="00000500000000000000" pitchFamily="2" charset="0"/>
+              </a:rPr>
+            </a:br>
+            <a:r>
+              <a:rPr lang="en-US" sz="5400">
+                <a:latin typeface="HarmonyOS Sans" panose="00000500000000000000" pitchFamily="2" charset="0"/>
+              </a:rPr>
+              <a:t>00</a:t>
+            </a:r>
+            <a:r>
+              <a:rPr lang="en-US" sz="5400" dirty="0">
+                <a:latin typeface="HarmonyOS Sans" panose="00000500000000000000" pitchFamily="2" charset="0"/>
+              </a:rPr>
+              <a:t>7</a:t>
+            </a:r>
+            <a:r>
+              <a:rPr lang="en-US" sz="5400">
+                <a:latin typeface="HarmonyOS Sans" panose="00000500000000000000" pitchFamily="2" charset="0"/>
+              </a:rPr>
+              <a:t> </a:t>
+            </a:r>
+            <a:r>
+              <a:rPr lang="en-US" sz="5400" dirty="0">
+                <a:latin typeface="HarmonyOS Sans" panose="00000500000000000000" pitchFamily="2" charset="0"/>
+              </a:rPr>
+              <a:t>Ch04 Meme Generator</a:t>
+            </a:r>
+            <a:endParaRPr lang="en-US" dirty="0">
+              <a:latin typeface="HarmonyOS Sans" panose="00000500000000000000" pitchFamily="2" charset="0"/>
+            </a:endParaRPr>
+          </a:p>
+        </p:txBody>
+      </p:sp>
+      <p:pic>
+        <p:nvPicPr>
+          <p:cNvPr id="6" name="Picture 5">
+            <a:extLst>
+              <a:ext uri="{FF2B5EF4-FFF2-40B4-BE49-F238E27FC236}">
+                <a16:creationId xmlns:a16="http://schemas.microsoft.com/office/drawing/2014/main" id="{28525CF1-7DD8-7F22-12CB-14807078F0D7}"/>
+              </a:ext>
+            </a:extLst>
+          </p:cNvPr>
+          <p:cNvPicPr>
+            <a:picLocks noChangeAspect="1"/>
+          </p:cNvPicPr>
+          <p:nvPr/>
+        </p:nvPicPr>
+        <p:blipFill>
+          <a:blip r:embed="rId2"/>
+          <a:stretch>
+            <a:fillRect/>
+          </a:stretch>
+        </p:blipFill>
+        <p:spPr>
+          <a:xfrm>
+            <a:off x="119268" y="59634"/>
+            <a:ext cx="611187" cy="671551"/>
+          </a:xfrm>
+          <a:prstGeom prst="rect">
+            <a:avLst/>
+          </a:prstGeom>
+          <a:ln>
+            <a:noFill/>
+          </a:ln>
+          <a:effectLst>
+            <a:outerShdw blurRad="292100" dist="139700" dir="2700000" algn="tl" rotWithShape="0">
+              <a:srgbClr val="333333">
+                <a:alpha val="65000"/>
+              </a:srgbClr>
+            </a:outerShdw>
+          </a:effectLst>
+        </p:spPr>
+      </p:pic>
+      <p:pic>
+        <p:nvPicPr>
+          <p:cNvPr id="7" name="Picture 6">
+            <a:extLst>
+              <a:ext uri="{FF2B5EF4-FFF2-40B4-BE49-F238E27FC236}">
+                <a16:creationId xmlns:a16="http://schemas.microsoft.com/office/drawing/2014/main" id="{ACE06191-4455-E539-6992-17D338C10648}"/>
+              </a:ext>
+            </a:extLst>
+          </p:cNvPr>
+          <p:cNvPicPr>
+            <a:picLocks noChangeAspect="1"/>
+          </p:cNvPicPr>
+          <p:nvPr/>
+        </p:nvPicPr>
+        <p:blipFill>
+          <a:blip r:embed="rId3"/>
+          <a:stretch>
+            <a:fillRect/>
+          </a:stretch>
+        </p:blipFill>
+        <p:spPr>
+          <a:xfrm>
+            <a:off x="0" y="6471564"/>
+            <a:ext cx="1855694" cy="386435"/>
+          </a:xfrm>
+          <a:prstGeom prst="rect">
+            <a:avLst/>
+          </a:prstGeom>
+          <a:ln>
+            <a:noFill/>
+          </a:ln>
+          <a:effectLst>
+            <a:outerShdw blurRad="292100" dist="139700" dir="2700000" algn="tl" rotWithShape="0">
+              <a:srgbClr val="333333">
+                <a:alpha val="65000"/>
+              </a:srgbClr>
+            </a:outerShdw>
+          </a:effectLst>
+        </p:spPr>
+      </p:pic>
+      <p:pic>
+        <p:nvPicPr>
+          <p:cNvPr id="8" name="Picture 7">
+            <a:extLst>
+              <a:ext uri="{FF2B5EF4-FFF2-40B4-BE49-F238E27FC236}">
+                <a16:creationId xmlns:a16="http://schemas.microsoft.com/office/drawing/2014/main" id="{E815D6CC-086C-CEEA-B605-CC7A17A0C652}"/>
+              </a:ext>
+            </a:extLst>
+          </p:cNvPr>
+          <p:cNvPicPr>
+            <a:picLocks noChangeAspect="1"/>
+          </p:cNvPicPr>
+          <p:nvPr/>
+        </p:nvPicPr>
+        <p:blipFill>
+          <a:blip r:embed="rId4"/>
+          <a:stretch>
+            <a:fillRect/>
+          </a:stretch>
+        </p:blipFill>
+        <p:spPr>
+          <a:xfrm>
+            <a:off x="119268" y="863897"/>
+            <a:ext cx="1374374" cy="2071274"/>
+          </a:xfrm>
+          <a:prstGeom prst="rect">
+            <a:avLst/>
+          </a:prstGeom>
+          <a:ln>
+            <a:noFill/>
+          </a:ln>
+          <a:effectLst>
+            <a:outerShdw blurRad="292100" dist="139700" dir="2700000" algn="tl" rotWithShape="0">
+              <a:srgbClr val="333333">
+                <a:alpha val="65000"/>
+              </a:srgbClr>
+            </a:outerShdw>
+          </a:effectLst>
+        </p:spPr>
+      </p:pic>
+      <p:sp>
+        <p:nvSpPr>
+          <p:cNvPr id="9" name="Subtitle 5">
+            <a:extLst>
+              <a:ext uri="{FF2B5EF4-FFF2-40B4-BE49-F238E27FC236}">
+                <a16:creationId xmlns:a16="http://schemas.microsoft.com/office/drawing/2014/main" id="{B98C3EDB-7ABC-5858-0198-A6F89107DC04}"/>
+              </a:ext>
+            </a:extLst>
+          </p:cNvPr>
+          <p:cNvSpPr txBox="1">
+            <a:spLocks/>
+          </p:cNvSpPr>
+          <p:nvPr/>
+        </p:nvSpPr>
+        <p:spPr>
+          <a:xfrm>
+            <a:off x="2747347" y="6471564"/>
+            <a:ext cx="7704856" cy="367591"/>
+          </a:xfrm>
+          <a:prstGeom prst="rect">
+            <a:avLst/>
+          </a:prstGeom>
+        </p:spPr>
+        <p:txBody>
+          <a:bodyPr vert="horz" lIns="91440" tIns="45720" rIns="91440" bIns="45720" rtlCol="0">
+            <a:normAutofit lnSpcReduction="10000"/>
+          </a:bodyPr>
+          <a:lstStyle>
+            <a:lvl1pPr marL="0" indent="0" algn="l" defTabSz="914400" rtl="0" eaLnBrk="1" latinLnBrk="0" hangingPunct="1">
+              <a:lnSpc>
+                <a:spcPct val="90000"/>
+              </a:lnSpc>
+              <a:spcBef>
+                <a:spcPts val="0"/>
+              </a:spcBef>
+              <a:buSzPct val="80000"/>
+              <a:buFont typeface="Wingdings" panose="05000000000000000000" pitchFamily="2" charset="2"/>
+              <a:buNone/>
+              <a:defRPr sz="2400" kern="1200">
+                <a:solidFill>
+                  <a:schemeClr val="accent2"/>
+                </a:solidFill>
+                <a:latin typeface="+mn-lt"/>
+                <a:ea typeface="+mn-ea"/>
+                <a:cs typeface="+mn-cs"/>
+              </a:defRPr>
+            </a:lvl1pPr>
+            <a:lvl2pPr marL="457200" indent="0" algn="ctr" defTabSz="914400" rtl="0" eaLnBrk="1" latinLnBrk="0" hangingPunct="1">
+              <a:lnSpc>
+                <a:spcPct val="90000"/>
+              </a:lnSpc>
+              <a:spcBef>
+                <a:spcPts val="1000"/>
+              </a:spcBef>
+              <a:buSzPct val="80000"/>
+              <a:buFont typeface="Wingdings" panose="05000000000000000000" pitchFamily="2" charset="2"/>
+              <a:buNone/>
+              <a:defRPr sz="2000" kern="1200">
+                <a:solidFill>
+                  <a:schemeClr val="tx1"/>
+                </a:solidFill>
+                <a:latin typeface="+mn-lt"/>
+                <a:ea typeface="+mn-ea"/>
+                <a:cs typeface="+mn-cs"/>
+              </a:defRPr>
+            </a:lvl2pPr>
+            <a:lvl3pPr marL="914400" indent="0" algn="ctr" defTabSz="914400" rtl="0" eaLnBrk="1" latinLnBrk="0" hangingPunct="1">
+              <a:lnSpc>
+                <a:spcPct val="90000"/>
+              </a:lnSpc>
+              <a:spcBef>
+                <a:spcPts val="800"/>
+              </a:spcBef>
+              <a:buSzPct val="80000"/>
+              <a:buFont typeface="Wingdings" panose="05000000000000000000" pitchFamily="2" charset="2"/>
+              <a:buNone/>
+              <a:defRPr sz="1800" kern="1200">
+                <a:solidFill>
+                  <a:schemeClr val="tx1"/>
+                </a:solidFill>
+                <a:latin typeface="+mn-lt"/>
+                <a:ea typeface="+mn-ea"/>
+                <a:cs typeface="+mn-cs"/>
+              </a:defRPr>
+            </a:lvl3pPr>
+            <a:lvl4pPr marL="1371600" indent="0" algn="ctr" defTabSz="914400" rtl="0" eaLnBrk="1" latinLnBrk="0" hangingPunct="1">
+              <a:lnSpc>
+                <a:spcPct val="90000"/>
+              </a:lnSpc>
+              <a:spcBef>
+                <a:spcPts val="800"/>
+              </a:spcBef>
+              <a:buSzPct val="80000"/>
+              <a:buFont typeface="Wingdings" panose="05000000000000000000" pitchFamily="2" charset="2"/>
+              <a:buNone/>
+              <a:defRPr sz="1600" kern="1200">
+                <a:solidFill>
+                  <a:schemeClr val="tx1"/>
+                </a:solidFill>
+                <a:latin typeface="+mn-lt"/>
+                <a:ea typeface="+mn-ea"/>
+                <a:cs typeface="+mn-cs"/>
+              </a:defRPr>
+            </a:lvl4pPr>
+            <a:lvl5pPr marL="1828800" indent="0" algn="ctr" defTabSz="914400" rtl="0" eaLnBrk="1" latinLnBrk="0" hangingPunct="1">
+              <a:lnSpc>
+                <a:spcPct val="90000"/>
+              </a:lnSpc>
+              <a:spcBef>
+                <a:spcPts val="800"/>
+              </a:spcBef>
+              <a:buSzPct val="80000"/>
+              <a:buFont typeface="Wingdings" panose="05000000000000000000" pitchFamily="2" charset="2"/>
+              <a:buNone/>
+              <a:defRPr sz="1600" kern="1200">
+                <a:solidFill>
+                  <a:schemeClr val="tx1"/>
+                </a:solidFill>
+                <a:latin typeface="+mn-lt"/>
+                <a:ea typeface="+mn-ea"/>
+                <a:cs typeface="+mn-cs"/>
+              </a:defRPr>
+            </a:lvl5pPr>
+            <a:lvl6pPr marL="2286000" indent="0" algn="ctr" defTabSz="914400" rtl="0" eaLnBrk="1" latinLnBrk="0" hangingPunct="1">
+              <a:lnSpc>
+                <a:spcPct val="90000"/>
+              </a:lnSpc>
+              <a:spcBef>
+                <a:spcPts val="800"/>
+              </a:spcBef>
+              <a:buSzPct val="80000"/>
+              <a:buFont typeface="Wingdings" panose="05000000000000000000" pitchFamily="2" charset="2"/>
+              <a:buNone/>
+              <a:defRPr sz="1600" kern="1200">
+                <a:solidFill>
+                  <a:schemeClr val="tx1"/>
+                </a:solidFill>
+                <a:latin typeface="+mn-lt"/>
+                <a:ea typeface="+mn-ea"/>
+                <a:cs typeface="+mn-cs"/>
+              </a:defRPr>
+            </a:lvl6pPr>
+            <a:lvl7pPr marL="2743200" indent="0" algn="ctr" defTabSz="914400" rtl="0" eaLnBrk="1" latinLnBrk="0" hangingPunct="1">
+              <a:lnSpc>
+                <a:spcPct val="90000"/>
+              </a:lnSpc>
+              <a:spcBef>
+                <a:spcPts val="800"/>
+              </a:spcBef>
+              <a:buSzPct val="80000"/>
+              <a:buFont typeface="Wingdings" panose="05000000000000000000" pitchFamily="2" charset="2"/>
+              <a:buNone/>
+              <a:defRPr sz="1600" kern="1200">
+                <a:solidFill>
+                  <a:schemeClr val="tx1"/>
+                </a:solidFill>
+                <a:latin typeface="+mn-lt"/>
+                <a:ea typeface="+mn-ea"/>
+                <a:cs typeface="+mn-cs"/>
+              </a:defRPr>
+            </a:lvl7pPr>
+            <a:lvl8pPr marL="3200400" indent="0" algn="ctr" defTabSz="914400" rtl="0" eaLnBrk="1" latinLnBrk="0" hangingPunct="1">
+              <a:lnSpc>
+                <a:spcPct val="90000"/>
+              </a:lnSpc>
+              <a:spcBef>
+                <a:spcPts val="800"/>
+              </a:spcBef>
+              <a:buSzPct val="80000"/>
+              <a:buFont typeface="Wingdings" panose="05000000000000000000" pitchFamily="2" charset="2"/>
+              <a:buNone/>
+              <a:defRPr sz="1600" kern="1200">
+                <a:solidFill>
+                  <a:schemeClr val="tx1"/>
+                </a:solidFill>
+                <a:latin typeface="+mn-lt"/>
+                <a:ea typeface="+mn-ea"/>
+                <a:cs typeface="+mn-cs"/>
+              </a:defRPr>
+            </a:lvl8pPr>
+            <a:lvl9pPr marL="3657600" indent="0" algn="ctr" defTabSz="914400" rtl="0" eaLnBrk="1" latinLnBrk="0" hangingPunct="1">
+              <a:lnSpc>
+                <a:spcPct val="90000"/>
+              </a:lnSpc>
+              <a:spcBef>
+                <a:spcPts val="800"/>
+              </a:spcBef>
+              <a:buSzPct val="80000"/>
+              <a:buFont typeface="Wingdings" panose="05000000000000000000" pitchFamily="2" charset="2"/>
+              <a:buNone/>
+              <a:defRPr sz="1600" kern="1200">
+                <a:solidFill>
+                  <a:schemeClr val="tx1"/>
+                </a:solidFill>
+                <a:latin typeface="+mn-lt"/>
+                <a:ea typeface="+mn-ea"/>
+                <a:cs typeface="+mn-cs"/>
+              </a:defRPr>
+            </a:lvl9pPr>
+          </a:lstStyle>
+          <a:p>
+            <a:pPr>
+              <a:lnSpc>
+                <a:spcPct val="120000"/>
+              </a:lnSpc>
+            </a:pPr>
+            <a:r>
+              <a:rPr lang="en-US" sz="1800" b="1" dirty="0">
+                <a:solidFill>
+                  <a:schemeClr val="accent2">
+                    <a:lumMod val="75000"/>
+                  </a:schemeClr>
+                </a:solidFill>
+                <a:hlinkClick r:id="rId5">
+                  <a:extLst>
+                    <a:ext uri="{A12FA001-AC4F-418D-AE19-62706E023703}">
+                      <ahyp:hlinkClr xmlns:ahyp="http://schemas.microsoft.com/office/drawing/2018/hyperlinkcolor" val="tx"/>
+                    </a:ext>
+                  </a:extLst>
+                </a:hlinkClick>
+              </a:rPr>
+              <a:t>https://github.com/yasenstar/python/tree/master/GUI_Python</a:t>
+            </a:r>
+            <a:endParaRPr lang="en-US" sz="1800" b="1" dirty="0">
+              <a:solidFill>
+                <a:schemeClr val="accent2">
+                  <a:lumMod val="75000"/>
+                </a:schemeClr>
+              </a:solidFill>
+            </a:endParaRPr>
+          </a:p>
+        </p:txBody>
+      </p:sp>
+      <p:pic>
+        <p:nvPicPr>
+          <p:cNvPr id="4" name="Picture 3">
+            <a:extLst>
+              <a:ext uri="{FF2B5EF4-FFF2-40B4-BE49-F238E27FC236}">
+                <a16:creationId xmlns:a16="http://schemas.microsoft.com/office/drawing/2014/main" id="{D0D3F459-3FCE-3C25-CBDA-EF7090AED6C5}"/>
+              </a:ext>
+            </a:extLst>
+          </p:cNvPr>
+          <p:cNvPicPr>
+            <a:picLocks noChangeAspect="1"/>
+          </p:cNvPicPr>
+          <p:nvPr/>
+        </p:nvPicPr>
+        <p:blipFill>
+          <a:blip r:embed="rId6"/>
+          <a:stretch>
+            <a:fillRect/>
+          </a:stretch>
+        </p:blipFill>
+        <p:spPr>
+          <a:xfrm>
+            <a:off x="7676094" y="2747345"/>
+            <a:ext cx="4081677" cy="2046754"/>
+          </a:xfrm>
+          <a:prstGeom prst="rect">
+            <a:avLst/>
+          </a:prstGeom>
+          <a:ln>
+            <a:noFill/>
+          </a:ln>
+          <a:effectLst>
+            <a:outerShdw blurRad="292100" dist="139700" dir="2700000" algn="tl" rotWithShape="0">
+              <a:srgbClr val="333333">
+                <a:alpha val="65000"/>
+              </a:srgbClr>
+            </a:outerShdw>
+          </a:effectLst>
+        </p:spPr>
+      </p:pic>
+      <p:sp>
+        <p:nvSpPr>
+          <p:cNvPr id="11" name="Content Placeholder 10">
+            <a:extLst>
+              <a:ext uri="{FF2B5EF4-FFF2-40B4-BE49-F238E27FC236}">
+                <a16:creationId xmlns:a16="http://schemas.microsoft.com/office/drawing/2014/main" id="{7C3450C3-30E6-D77B-39BD-B3E071FCC692}"/>
+              </a:ext>
+            </a:extLst>
+          </p:cNvPr>
+          <p:cNvSpPr>
+            <a:spLocks noGrp="1"/>
+          </p:cNvSpPr>
+          <p:nvPr>
+            <p:ph idx="1"/>
+          </p:nvPr>
+        </p:nvSpPr>
+        <p:spPr/>
+        <p:txBody>
+          <a:bodyPr/>
+          <a:lstStyle/>
+          <a:p>
+            <a:endParaRPr lang="en-US"/>
+          </a:p>
+        </p:txBody>
+      </p:sp>
+    </p:spTree>
+    <p:extLst>
+      <p:ext uri="{BB962C8B-B14F-4D97-AF65-F5344CB8AC3E}">
         <p14:creationId xmlns:p14="http://schemas.microsoft.com/office/powerpoint/2010/main" val="2057097921"/>
       </p:ext>
     </p:extLst>
@@ -6991,7 +7525,7 @@
 </p:sld>
 </file>
 
-<file path=ppt/slides/slide7.xml><?xml version="1.0" encoding="utf-8"?>
+<file path=ppt/slides/slide8.xml><?xml version="1.0" encoding="utf-8"?>
 <p:sld xmlns:a="http://schemas.openxmlformats.org/drawingml/2006/main" xmlns:r="http://schemas.openxmlformats.org/officeDocument/2006/relationships" xmlns:p="http://schemas.openxmlformats.org/presentationml/2006/main">
   <p:cSld>
     <p:spTree>

--- a/GUI_Python/Create_GUI_with_Python.pptx
+++ b/GUI_Python/Create_GUI_with_Python.pptx
@@ -5,10 +5,10 @@
     <p:sldMasterId id="2147483648" r:id="rId1"/>
   </p:sldMasterIdLst>
   <p:notesMasterIdLst>
-    <p:notesMasterId r:id="rId10"/>
+    <p:notesMasterId r:id="rId11"/>
   </p:notesMasterIdLst>
   <p:handoutMasterIdLst>
-    <p:handoutMasterId r:id="rId11"/>
+    <p:handoutMasterId r:id="rId12"/>
   </p:handoutMasterIdLst>
   <p:sldIdLst>
     <p:sldId id="256" r:id="rId2"/>
@@ -18,7 +18,8 @@
     <p:sldId id="262" r:id="rId6"/>
     <p:sldId id="263" r:id="rId7"/>
     <p:sldId id="261" r:id="rId8"/>
-    <p:sldId id="260" r:id="rId9"/>
+    <p:sldId id="264" r:id="rId9"/>
+    <p:sldId id="260" r:id="rId10"/>
   </p:sldIdLst>
   <p:sldSz cx="12192000" cy="6858000"/>
   <p:notesSz cx="6858000" cy="9144000"/>
@@ -786,7 +787,7 @@
           <a:p>
             <a:fld id="{935E2820-AFE1-45FA-949E-17BDB534E1DC}" type="slidenum">
               <a:rPr lang="en-US" smtClean="0"/>
-              <a:t>8</a:t>
+              <a:t>9</a:t>
             </a:fld>
             <a:endParaRPr lang="en-US"/>
           </a:p>
@@ -7060,33 +7061,15 @@
               <a:t>Create GUI with Python</a:t>
             </a:r>
             <a:br>
-              <a:rPr lang="en-US">
+              <a:rPr lang="en-US" dirty="0">
                 <a:latin typeface="HarmonyOS Sans" panose="00000500000000000000" pitchFamily="2" charset="0"/>
               </a:rPr>
             </a:br>
             <a:r>
-              <a:rPr lang="en-US" sz="5400">
-                <a:latin typeface="HarmonyOS Sans" panose="00000500000000000000" pitchFamily="2" charset="0"/>
-              </a:rPr>
-              <a:t>00</a:t>
-            </a:r>
-            <a:r>
               <a:rPr lang="en-US" sz="5400" dirty="0">
                 <a:latin typeface="HarmonyOS Sans" panose="00000500000000000000" pitchFamily="2" charset="0"/>
               </a:rPr>
-              <a:t>7</a:t>
-            </a:r>
-            <a:r>
-              <a:rPr lang="en-US" sz="5400">
-                <a:latin typeface="HarmonyOS Sans" panose="00000500000000000000" pitchFamily="2" charset="0"/>
-              </a:rPr>
-              <a:t> </a:t>
-            </a:r>
-            <a:r>
-              <a:rPr lang="en-US" sz="5400" dirty="0">
-                <a:latin typeface="HarmonyOS Sans" panose="00000500000000000000" pitchFamily="2" charset="0"/>
-              </a:rPr>
-              <a:t>Ch04 Meme Generator</a:t>
+              <a:t>007 Ch04 Meme Generator</a:t>
             </a:r>
             <a:endParaRPr lang="en-US" dirty="0">
               <a:latin typeface="HarmonyOS Sans" panose="00000500000000000000" pitchFamily="2" charset="0"/>
@@ -7469,8 +7452,8 @@
         </p:blipFill>
         <p:spPr>
           <a:xfrm>
-            <a:off x="7676094" y="2747345"/>
-            <a:ext cx="4081677" cy="2046754"/>
+            <a:off x="7809704" y="2555368"/>
+            <a:ext cx="4164627" cy="2088349"/>
           </a:xfrm>
           <a:prstGeom prst="rect">
             <a:avLst/>
@@ -7487,31 +7470,48 @@
           </a:effectLst>
         </p:spPr>
       </p:pic>
-      <p:sp>
-        <p:nvSpPr>
-          <p:cNvPr id="11" name="Content Placeholder 10">
+      <p:pic>
+        <p:nvPicPr>
+          <p:cNvPr id="14" name="Content Placeholder 13">
             <a:extLst>
               <a:ext uri="{FF2B5EF4-FFF2-40B4-BE49-F238E27FC236}">
-                <a16:creationId xmlns:a16="http://schemas.microsoft.com/office/drawing/2014/main" id="{7C3450C3-30E6-D77B-39BD-B3E071FCC692}"/>
+                <a16:creationId xmlns:a16="http://schemas.microsoft.com/office/drawing/2014/main" id="{D8C92E77-7D66-7570-3101-8E77AB21E668}"/>
               </a:ext>
             </a:extLst>
           </p:cNvPr>
-          <p:cNvSpPr>
-            <a:spLocks noGrp="1"/>
-          </p:cNvSpPr>
+          <p:cNvPicPr>
+            <a:picLocks noGrp="1" noChangeAspect="1"/>
+          </p:cNvPicPr>
           <p:nvPr>
             <p:ph idx="1"/>
           </p:nvPr>
-        </p:nvSpPr>
-        <p:spPr/>
-        <p:txBody>
-          <a:bodyPr/>
-          <a:lstStyle/>
-          <a:p>
-            <a:endParaRPr lang="en-US"/>
-          </a:p>
-        </p:txBody>
-      </p:sp>
+        </p:nvPicPr>
+        <p:blipFill>
+          <a:blip r:embed="rId7"/>
+          <a:stretch>
+            <a:fillRect/>
+          </a:stretch>
+        </p:blipFill>
+        <p:spPr>
+          <a:xfrm>
+            <a:off x="1734829" y="2091831"/>
+            <a:ext cx="5941265" cy="3019087"/>
+          </a:xfrm>
+          <a:prstGeom prst="rect">
+            <a:avLst/>
+          </a:prstGeom>
+          <a:ln>
+            <a:noFill/>
+          </a:ln>
+          <a:effectLst>
+            <a:outerShdw blurRad="292100" dist="139700" dir="2700000" algn="tl" rotWithShape="0">
+              <a:srgbClr val="333333">
+                <a:alpha val="65000"/>
+              </a:srgbClr>
+            </a:outerShdw>
+          </a:effectLst>
+        </p:spPr>
+      </p:pic>
     </p:spTree>
     <p:extLst>
       <p:ext uri="{BB962C8B-B14F-4D97-AF65-F5344CB8AC3E}">
@@ -7526,6 +7526,505 @@
 </file>
 
 <file path=ppt/slides/slide8.xml><?xml version="1.0" encoding="utf-8"?>
+<p:sld xmlns:a="http://schemas.openxmlformats.org/drawingml/2006/main" xmlns:r="http://schemas.openxmlformats.org/officeDocument/2006/relationships" xmlns:p="http://schemas.openxmlformats.org/presentationml/2006/main">
+  <p:cSld>
+    <p:spTree>
+      <p:nvGrpSpPr>
+        <p:cNvPr id="1" name=""/>
+        <p:cNvGrpSpPr/>
+        <p:nvPr/>
+      </p:nvGrpSpPr>
+      <p:grpSpPr>
+        <a:xfrm>
+          <a:off x="0" y="0"/>
+          <a:ext cx="0" cy="0"/>
+          <a:chOff x="0" y="0"/>
+          <a:chExt cx="0" cy="0"/>
+        </a:xfrm>
+      </p:grpSpPr>
+      <p:sp>
+        <p:nvSpPr>
+          <p:cNvPr id="2" name="Title 1">
+            <a:extLst>
+              <a:ext uri="{FF2B5EF4-FFF2-40B4-BE49-F238E27FC236}">
+                <a16:creationId xmlns:a16="http://schemas.microsoft.com/office/drawing/2014/main" id="{60BDC9E0-4942-655E-4150-9691AA9C765B}"/>
+              </a:ext>
+            </a:extLst>
+          </p:cNvPr>
+          <p:cNvSpPr>
+            <a:spLocks noGrp="1"/>
+          </p:cNvSpPr>
+          <p:nvPr>
+            <p:ph type="title"/>
+          </p:nvPr>
+        </p:nvSpPr>
+        <p:spPr>
+          <a:xfrm>
+            <a:off x="2208213" y="304799"/>
+            <a:ext cx="9372600" cy="1649507"/>
+          </a:xfrm>
+        </p:spPr>
+        <p:txBody>
+          <a:bodyPr anchor="ctr">
+            <a:normAutofit/>
+          </a:bodyPr>
+          <a:lstStyle/>
+          <a:p>
+            <a:r>
+              <a:rPr lang="en-US" sz="4000" dirty="0">
+                <a:latin typeface="HarmonyOS Sans Black" panose="00000A00000000000000" pitchFamily="2" charset="0"/>
+              </a:rPr>
+              <a:t>Create GUI with Python</a:t>
+            </a:r>
+            <a:br>
+              <a:rPr lang="en-US" dirty="0">
+                <a:latin typeface="HarmonyOS Sans" panose="00000500000000000000" pitchFamily="2" charset="0"/>
+              </a:rPr>
+            </a:br>
+            <a:r>
+              <a:rPr lang="en-US" sz="5400" dirty="0">
+                <a:latin typeface="HarmonyOS Sans" panose="00000500000000000000" pitchFamily="2" charset="0"/>
+              </a:rPr>
+              <a:t>008 Ch05 World’s Worst GUI</a:t>
+            </a:r>
+            <a:endParaRPr lang="en-US" dirty="0">
+              <a:latin typeface="HarmonyOS Sans" panose="00000500000000000000" pitchFamily="2" charset="0"/>
+            </a:endParaRPr>
+          </a:p>
+        </p:txBody>
+      </p:sp>
+      <p:pic>
+        <p:nvPicPr>
+          <p:cNvPr id="6" name="Picture 5">
+            <a:extLst>
+              <a:ext uri="{FF2B5EF4-FFF2-40B4-BE49-F238E27FC236}">
+                <a16:creationId xmlns:a16="http://schemas.microsoft.com/office/drawing/2014/main" id="{28525CF1-7DD8-7F22-12CB-14807078F0D7}"/>
+              </a:ext>
+            </a:extLst>
+          </p:cNvPr>
+          <p:cNvPicPr>
+            <a:picLocks noChangeAspect="1"/>
+          </p:cNvPicPr>
+          <p:nvPr/>
+        </p:nvPicPr>
+        <p:blipFill>
+          <a:blip r:embed="rId2"/>
+          <a:stretch>
+            <a:fillRect/>
+          </a:stretch>
+        </p:blipFill>
+        <p:spPr>
+          <a:xfrm>
+            <a:off x="119268" y="59634"/>
+            <a:ext cx="611187" cy="671551"/>
+          </a:xfrm>
+          <a:prstGeom prst="rect">
+            <a:avLst/>
+          </a:prstGeom>
+          <a:ln>
+            <a:noFill/>
+          </a:ln>
+          <a:effectLst>
+            <a:outerShdw blurRad="292100" dist="139700" dir="2700000" algn="tl" rotWithShape="0">
+              <a:srgbClr val="333333">
+                <a:alpha val="65000"/>
+              </a:srgbClr>
+            </a:outerShdw>
+          </a:effectLst>
+        </p:spPr>
+      </p:pic>
+      <p:pic>
+        <p:nvPicPr>
+          <p:cNvPr id="7" name="Picture 6">
+            <a:extLst>
+              <a:ext uri="{FF2B5EF4-FFF2-40B4-BE49-F238E27FC236}">
+                <a16:creationId xmlns:a16="http://schemas.microsoft.com/office/drawing/2014/main" id="{ACE06191-4455-E539-6992-17D338C10648}"/>
+              </a:ext>
+            </a:extLst>
+          </p:cNvPr>
+          <p:cNvPicPr>
+            <a:picLocks noChangeAspect="1"/>
+          </p:cNvPicPr>
+          <p:nvPr/>
+        </p:nvPicPr>
+        <p:blipFill>
+          <a:blip r:embed="rId3"/>
+          <a:stretch>
+            <a:fillRect/>
+          </a:stretch>
+        </p:blipFill>
+        <p:spPr>
+          <a:xfrm>
+            <a:off x="0" y="6471564"/>
+            <a:ext cx="1855694" cy="386435"/>
+          </a:xfrm>
+          <a:prstGeom prst="rect">
+            <a:avLst/>
+          </a:prstGeom>
+          <a:ln>
+            <a:noFill/>
+          </a:ln>
+          <a:effectLst>
+            <a:outerShdw blurRad="292100" dist="139700" dir="2700000" algn="tl" rotWithShape="0">
+              <a:srgbClr val="333333">
+                <a:alpha val="65000"/>
+              </a:srgbClr>
+            </a:outerShdw>
+          </a:effectLst>
+        </p:spPr>
+      </p:pic>
+      <p:pic>
+        <p:nvPicPr>
+          <p:cNvPr id="8" name="Picture 7">
+            <a:extLst>
+              <a:ext uri="{FF2B5EF4-FFF2-40B4-BE49-F238E27FC236}">
+                <a16:creationId xmlns:a16="http://schemas.microsoft.com/office/drawing/2014/main" id="{E815D6CC-086C-CEEA-B605-CC7A17A0C652}"/>
+              </a:ext>
+            </a:extLst>
+          </p:cNvPr>
+          <p:cNvPicPr>
+            <a:picLocks noChangeAspect="1"/>
+          </p:cNvPicPr>
+          <p:nvPr/>
+        </p:nvPicPr>
+        <p:blipFill>
+          <a:blip r:embed="rId4"/>
+          <a:stretch>
+            <a:fillRect/>
+          </a:stretch>
+        </p:blipFill>
+        <p:spPr>
+          <a:xfrm>
+            <a:off x="119268" y="863897"/>
+            <a:ext cx="1374374" cy="2071274"/>
+          </a:xfrm>
+          <a:prstGeom prst="rect">
+            <a:avLst/>
+          </a:prstGeom>
+          <a:ln>
+            <a:noFill/>
+          </a:ln>
+          <a:effectLst>
+            <a:outerShdw blurRad="292100" dist="139700" dir="2700000" algn="tl" rotWithShape="0">
+              <a:srgbClr val="333333">
+                <a:alpha val="65000"/>
+              </a:srgbClr>
+            </a:outerShdw>
+          </a:effectLst>
+        </p:spPr>
+      </p:pic>
+      <p:sp>
+        <p:nvSpPr>
+          <p:cNvPr id="9" name="Subtitle 5">
+            <a:extLst>
+              <a:ext uri="{FF2B5EF4-FFF2-40B4-BE49-F238E27FC236}">
+                <a16:creationId xmlns:a16="http://schemas.microsoft.com/office/drawing/2014/main" id="{B98C3EDB-7ABC-5858-0198-A6F89107DC04}"/>
+              </a:ext>
+            </a:extLst>
+          </p:cNvPr>
+          <p:cNvSpPr txBox="1">
+            <a:spLocks/>
+          </p:cNvSpPr>
+          <p:nvPr/>
+        </p:nvSpPr>
+        <p:spPr>
+          <a:xfrm>
+            <a:off x="2747347" y="6471564"/>
+            <a:ext cx="7704856" cy="367591"/>
+          </a:xfrm>
+          <a:prstGeom prst="rect">
+            <a:avLst/>
+          </a:prstGeom>
+        </p:spPr>
+        <p:txBody>
+          <a:bodyPr vert="horz" lIns="91440" tIns="45720" rIns="91440" bIns="45720" rtlCol="0">
+            <a:normAutofit lnSpcReduction="10000"/>
+          </a:bodyPr>
+          <a:lstStyle>
+            <a:lvl1pPr marL="0" indent="0" algn="l" defTabSz="914400" rtl="0" eaLnBrk="1" latinLnBrk="0" hangingPunct="1">
+              <a:lnSpc>
+                <a:spcPct val="90000"/>
+              </a:lnSpc>
+              <a:spcBef>
+                <a:spcPts val="0"/>
+              </a:spcBef>
+              <a:buSzPct val="80000"/>
+              <a:buFont typeface="Wingdings" panose="05000000000000000000" pitchFamily="2" charset="2"/>
+              <a:buNone/>
+              <a:defRPr sz="2400" kern="1200">
+                <a:solidFill>
+                  <a:schemeClr val="accent2"/>
+                </a:solidFill>
+                <a:latin typeface="+mn-lt"/>
+                <a:ea typeface="+mn-ea"/>
+                <a:cs typeface="+mn-cs"/>
+              </a:defRPr>
+            </a:lvl1pPr>
+            <a:lvl2pPr marL="457200" indent="0" algn="ctr" defTabSz="914400" rtl="0" eaLnBrk="1" latinLnBrk="0" hangingPunct="1">
+              <a:lnSpc>
+                <a:spcPct val="90000"/>
+              </a:lnSpc>
+              <a:spcBef>
+                <a:spcPts val="1000"/>
+              </a:spcBef>
+              <a:buSzPct val="80000"/>
+              <a:buFont typeface="Wingdings" panose="05000000000000000000" pitchFamily="2" charset="2"/>
+              <a:buNone/>
+              <a:defRPr sz="2000" kern="1200">
+                <a:solidFill>
+                  <a:schemeClr val="tx1"/>
+                </a:solidFill>
+                <a:latin typeface="+mn-lt"/>
+                <a:ea typeface="+mn-ea"/>
+                <a:cs typeface="+mn-cs"/>
+              </a:defRPr>
+            </a:lvl2pPr>
+            <a:lvl3pPr marL="914400" indent="0" algn="ctr" defTabSz="914400" rtl="0" eaLnBrk="1" latinLnBrk="0" hangingPunct="1">
+              <a:lnSpc>
+                <a:spcPct val="90000"/>
+              </a:lnSpc>
+              <a:spcBef>
+                <a:spcPts val="800"/>
+              </a:spcBef>
+              <a:buSzPct val="80000"/>
+              <a:buFont typeface="Wingdings" panose="05000000000000000000" pitchFamily="2" charset="2"/>
+              <a:buNone/>
+              <a:defRPr sz="1800" kern="1200">
+                <a:solidFill>
+                  <a:schemeClr val="tx1"/>
+                </a:solidFill>
+                <a:latin typeface="+mn-lt"/>
+                <a:ea typeface="+mn-ea"/>
+                <a:cs typeface="+mn-cs"/>
+              </a:defRPr>
+            </a:lvl3pPr>
+            <a:lvl4pPr marL="1371600" indent="0" algn="ctr" defTabSz="914400" rtl="0" eaLnBrk="1" latinLnBrk="0" hangingPunct="1">
+              <a:lnSpc>
+                <a:spcPct val="90000"/>
+              </a:lnSpc>
+              <a:spcBef>
+                <a:spcPts val="800"/>
+              </a:spcBef>
+              <a:buSzPct val="80000"/>
+              <a:buFont typeface="Wingdings" panose="05000000000000000000" pitchFamily="2" charset="2"/>
+              <a:buNone/>
+              <a:defRPr sz="1600" kern="1200">
+                <a:solidFill>
+                  <a:schemeClr val="tx1"/>
+                </a:solidFill>
+                <a:latin typeface="+mn-lt"/>
+                <a:ea typeface="+mn-ea"/>
+                <a:cs typeface="+mn-cs"/>
+              </a:defRPr>
+            </a:lvl4pPr>
+            <a:lvl5pPr marL="1828800" indent="0" algn="ctr" defTabSz="914400" rtl="0" eaLnBrk="1" latinLnBrk="0" hangingPunct="1">
+              <a:lnSpc>
+                <a:spcPct val="90000"/>
+              </a:lnSpc>
+              <a:spcBef>
+                <a:spcPts val="800"/>
+              </a:spcBef>
+              <a:buSzPct val="80000"/>
+              <a:buFont typeface="Wingdings" panose="05000000000000000000" pitchFamily="2" charset="2"/>
+              <a:buNone/>
+              <a:defRPr sz="1600" kern="1200">
+                <a:solidFill>
+                  <a:schemeClr val="tx1"/>
+                </a:solidFill>
+                <a:latin typeface="+mn-lt"/>
+                <a:ea typeface="+mn-ea"/>
+                <a:cs typeface="+mn-cs"/>
+              </a:defRPr>
+            </a:lvl5pPr>
+            <a:lvl6pPr marL="2286000" indent="0" algn="ctr" defTabSz="914400" rtl="0" eaLnBrk="1" latinLnBrk="0" hangingPunct="1">
+              <a:lnSpc>
+                <a:spcPct val="90000"/>
+              </a:lnSpc>
+              <a:spcBef>
+                <a:spcPts val="800"/>
+              </a:spcBef>
+              <a:buSzPct val="80000"/>
+              <a:buFont typeface="Wingdings" panose="05000000000000000000" pitchFamily="2" charset="2"/>
+              <a:buNone/>
+              <a:defRPr sz="1600" kern="1200">
+                <a:solidFill>
+                  <a:schemeClr val="tx1"/>
+                </a:solidFill>
+                <a:latin typeface="+mn-lt"/>
+                <a:ea typeface="+mn-ea"/>
+                <a:cs typeface="+mn-cs"/>
+              </a:defRPr>
+            </a:lvl6pPr>
+            <a:lvl7pPr marL="2743200" indent="0" algn="ctr" defTabSz="914400" rtl="0" eaLnBrk="1" latinLnBrk="0" hangingPunct="1">
+              <a:lnSpc>
+                <a:spcPct val="90000"/>
+              </a:lnSpc>
+              <a:spcBef>
+                <a:spcPts val="800"/>
+              </a:spcBef>
+              <a:buSzPct val="80000"/>
+              <a:buFont typeface="Wingdings" panose="05000000000000000000" pitchFamily="2" charset="2"/>
+              <a:buNone/>
+              <a:defRPr sz="1600" kern="1200">
+                <a:solidFill>
+                  <a:schemeClr val="tx1"/>
+                </a:solidFill>
+                <a:latin typeface="+mn-lt"/>
+                <a:ea typeface="+mn-ea"/>
+                <a:cs typeface="+mn-cs"/>
+              </a:defRPr>
+            </a:lvl7pPr>
+            <a:lvl8pPr marL="3200400" indent="0" algn="ctr" defTabSz="914400" rtl="0" eaLnBrk="1" latinLnBrk="0" hangingPunct="1">
+              <a:lnSpc>
+                <a:spcPct val="90000"/>
+              </a:lnSpc>
+              <a:spcBef>
+                <a:spcPts val="800"/>
+              </a:spcBef>
+              <a:buSzPct val="80000"/>
+              <a:buFont typeface="Wingdings" panose="05000000000000000000" pitchFamily="2" charset="2"/>
+              <a:buNone/>
+              <a:defRPr sz="1600" kern="1200">
+                <a:solidFill>
+                  <a:schemeClr val="tx1"/>
+                </a:solidFill>
+                <a:latin typeface="+mn-lt"/>
+                <a:ea typeface="+mn-ea"/>
+                <a:cs typeface="+mn-cs"/>
+              </a:defRPr>
+            </a:lvl8pPr>
+            <a:lvl9pPr marL="3657600" indent="0" algn="ctr" defTabSz="914400" rtl="0" eaLnBrk="1" latinLnBrk="0" hangingPunct="1">
+              <a:lnSpc>
+                <a:spcPct val="90000"/>
+              </a:lnSpc>
+              <a:spcBef>
+                <a:spcPts val="800"/>
+              </a:spcBef>
+              <a:buSzPct val="80000"/>
+              <a:buFont typeface="Wingdings" panose="05000000000000000000" pitchFamily="2" charset="2"/>
+              <a:buNone/>
+              <a:defRPr sz="1600" kern="1200">
+                <a:solidFill>
+                  <a:schemeClr val="tx1"/>
+                </a:solidFill>
+                <a:latin typeface="+mn-lt"/>
+                <a:ea typeface="+mn-ea"/>
+                <a:cs typeface="+mn-cs"/>
+              </a:defRPr>
+            </a:lvl9pPr>
+          </a:lstStyle>
+          <a:p>
+            <a:pPr>
+              <a:lnSpc>
+                <a:spcPct val="120000"/>
+              </a:lnSpc>
+            </a:pPr>
+            <a:r>
+              <a:rPr lang="en-US" sz="1800" b="1" dirty="0">
+                <a:solidFill>
+                  <a:schemeClr val="accent2">
+                    <a:lumMod val="75000"/>
+                  </a:schemeClr>
+                </a:solidFill>
+                <a:hlinkClick r:id="rId5">
+                  <a:extLst>
+                    <a:ext uri="{A12FA001-AC4F-418D-AE19-62706E023703}">
+                      <ahyp:hlinkClr xmlns:ahyp="http://schemas.microsoft.com/office/drawing/2018/hyperlinkcolor" val="tx"/>
+                    </a:ext>
+                  </a:extLst>
+                </a:hlinkClick>
+              </a:rPr>
+              <a:t>https://github.com/yasenstar/python/tree/master/GUI_Python</a:t>
+            </a:r>
+            <a:endParaRPr lang="en-US" sz="1800" b="1" dirty="0">
+              <a:solidFill>
+                <a:schemeClr val="accent2">
+                  <a:lumMod val="75000"/>
+                </a:schemeClr>
+              </a:solidFill>
+            </a:endParaRPr>
+          </a:p>
+        </p:txBody>
+      </p:sp>
+      <p:pic>
+        <p:nvPicPr>
+          <p:cNvPr id="4" name="Picture 3">
+            <a:extLst>
+              <a:ext uri="{FF2B5EF4-FFF2-40B4-BE49-F238E27FC236}">
+                <a16:creationId xmlns:a16="http://schemas.microsoft.com/office/drawing/2014/main" id="{D0D3F459-3FCE-3C25-CBDA-EF7090AED6C5}"/>
+              </a:ext>
+            </a:extLst>
+          </p:cNvPr>
+          <p:cNvPicPr>
+            <a:picLocks noChangeAspect="1"/>
+          </p:cNvPicPr>
+          <p:nvPr/>
+        </p:nvPicPr>
+        <p:blipFill>
+          <a:blip r:embed="rId6"/>
+          <a:stretch>
+            <a:fillRect/>
+          </a:stretch>
+        </p:blipFill>
+        <p:spPr>
+          <a:xfrm>
+            <a:off x="7809704" y="2555368"/>
+            <a:ext cx="4164627" cy="2088349"/>
+          </a:xfrm>
+          <a:prstGeom prst="rect">
+            <a:avLst/>
+          </a:prstGeom>
+          <a:ln>
+            <a:noFill/>
+          </a:ln>
+          <a:effectLst>
+            <a:outerShdw blurRad="292100" dist="139700" dir="2700000" algn="tl" rotWithShape="0">
+              <a:srgbClr val="333333">
+                <a:alpha val="65000"/>
+              </a:srgbClr>
+            </a:outerShdw>
+          </a:effectLst>
+        </p:spPr>
+      </p:pic>
+      <p:sp>
+        <p:nvSpPr>
+          <p:cNvPr id="5" name="Content Placeholder 4">
+            <a:extLst>
+              <a:ext uri="{FF2B5EF4-FFF2-40B4-BE49-F238E27FC236}">
+                <a16:creationId xmlns:a16="http://schemas.microsoft.com/office/drawing/2014/main" id="{69F56AFB-C4FF-591E-397A-FBB2EBFEE9D1}"/>
+              </a:ext>
+            </a:extLst>
+          </p:cNvPr>
+          <p:cNvSpPr>
+            <a:spLocks noGrp="1"/>
+          </p:cNvSpPr>
+          <p:nvPr>
+            <p:ph idx="1"/>
+          </p:nvPr>
+        </p:nvSpPr>
+        <p:spPr/>
+        <p:txBody>
+          <a:bodyPr/>
+          <a:lstStyle/>
+          <a:p>
+            <a:endParaRPr lang="en-US"/>
+          </a:p>
+        </p:txBody>
+      </p:sp>
+    </p:spTree>
+    <p:extLst>
+      <p:ext uri="{BB962C8B-B14F-4D97-AF65-F5344CB8AC3E}">
+        <p14:creationId xmlns:p14="http://schemas.microsoft.com/office/powerpoint/2010/main" val="4055922921"/>
+      </p:ext>
+    </p:extLst>
+  </p:cSld>
+  <p:clrMapOvr>
+    <a:masterClrMapping/>
+  </p:clrMapOvr>
+</p:sld>
+</file>
+
+<file path=ppt/slides/slide9.xml><?xml version="1.0" encoding="utf-8"?>
 <p:sld xmlns:a="http://schemas.openxmlformats.org/drawingml/2006/main" xmlns:r="http://schemas.openxmlformats.org/officeDocument/2006/relationships" xmlns:p="http://schemas.openxmlformats.org/presentationml/2006/main">
   <p:cSld>
     <p:spTree>

--- a/GUI_Python/Create_GUI_with_Python.pptx
+++ b/GUI_Python/Create_GUI_with_Python.pptx
@@ -7948,17 +7948,19 @@
       </p:sp>
       <p:pic>
         <p:nvPicPr>
-          <p:cNvPr id="4" name="Picture 3">
+          <p:cNvPr id="11" name="Content Placeholder 10">
             <a:extLst>
               <a:ext uri="{FF2B5EF4-FFF2-40B4-BE49-F238E27FC236}">
-                <a16:creationId xmlns:a16="http://schemas.microsoft.com/office/drawing/2014/main" id="{D0D3F459-3FCE-3C25-CBDA-EF7090AED6C5}"/>
+                <a16:creationId xmlns:a16="http://schemas.microsoft.com/office/drawing/2014/main" id="{1E3B04F3-CC78-9B98-67A1-FF0794167F13}"/>
               </a:ext>
             </a:extLst>
           </p:cNvPr>
           <p:cNvPicPr>
-            <a:picLocks noChangeAspect="1"/>
+            <a:picLocks noGrp="1" noChangeAspect="1"/>
           </p:cNvPicPr>
-          <p:nvPr/>
+          <p:nvPr>
+            <p:ph idx="1"/>
+          </p:nvPr>
         </p:nvPicPr>
         <p:blipFill>
           <a:blip r:embed="rId6"/>
@@ -7968,8 +7970,8 @@
         </p:blipFill>
         <p:spPr>
           <a:xfrm>
-            <a:off x="7809704" y="2555368"/>
-            <a:ext cx="4164627" cy="2088349"/>
+            <a:off x="1987905" y="1989981"/>
+            <a:ext cx="5606005" cy="3335054"/>
           </a:xfrm>
           <a:prstGeom prst="rect">
             <a:avLst/>
@@ -7986,31 +7988,46 @@
           </a:effectLst>
         </p:spPr>
       </p:pic>
-      <p:sp>
-        <p:nvSpPr>
-          <p:cNvPr id="5" name="Content Placeholder 4">
+      <p:pic>
+        <p:nvPicPr>
+          <p:cNvPr id="13" name="Picture 12">
             <a:extLst>
               <a:ext uri="{FF2B5EF4-FFF2-40B4-BE49-F238E27FC236}">
-                <a16:creationId xmlns:a16="http://schemas.microsoft.com/office/drawing/2014/main" id="{69F56AFB-C4FF-591E-397A-FBB2EBFEE9D1}"/>
+                <a16:creationId xmlns:a16="http://schemas.microsoft.com/office/drawing/2014/main" id="{08E50471-ED87-E58D-AB59-14EF1F3DA980}"/>
               </a:ext>
             </a:extLst>
           </p:cNvPr>
-          <p:cNvSpPr>
-            <a:spLocks noGrp="1"/>
-          </p:cNvSpPr>
-          <p:nvPr>
-            <p:ph idx="1"/>
-          </p:nvPr>
-        </p:nvSpPr>
-        <p:spPr/>
-        <p:txBody>
-          <a:bodyPr/>
-          <a:lstStyle/>
-          <a:p>
-            <a:endParaRPr lang="en-US"/>
-          </a:p>
-        </p:txBody>
-      </p:sp>
+          <p:cNvPicPr>
+            <a:picLocks noChangeAspect="1"/>
+          </p:cNvPicPr>
+          <p:nvPr/>
+        </p:nvPicPr>
+        <p:blipFill>
+          <a:blip r:embed="rId7"/>
+          <a:stretch>
+            <a:fillRect/>
+          </a:stretch>
+        </p:blipFill>
+        <p:spPr>
+          <a:xfrm>
+            <a:off x="7866704" y="2659988"/>
+            <a:ext cx="3950179" cy="1995040"/>
+          </a:xfrm>
+          <a:prstGeom prst="rect">
+            <a:avLst/>
+          </a:prstGeom>
+          <a:ln>
+            <a:noFill/>
+          </a:ln>
+          <a:effectLst>
+            <a:outerShdw blurRad="292100" dist="139700" dir="2700000" algn="tl" rotWithShape="0">
+              <a:srgbClr val="333333">
+                <a:alpha val="65000"/>
+              </a:srgbClr>
+            </a:outerShdw>
+          </a:effectLst>
+        </p:spPr>
+      </p:pic>
     </p:spTree>
     <p:extLst>
       <p:ext uri="{BB962C8B-B14F-4D97-AF65-F5344CB8AC3E}">

--- a/GUI_Python/Create_GUI_with_Python.pptx
+++ b/GUI_Python/Create_GUI_with_Python.pptx
@@ -5,10 +5,10 @@
     <p:sldMasterId id="2147483648" r:id="rId1"/>
   </p:sldMasterIdLst>
   <p:notesMasterIdLst>
-    <p:notesMasterId r:id="rId11"/>
+    <p:notesMasterId r:id="rId13"/>
   </p:notesMasterIdLst>
   <p:handoutMasterIdLst>
-    <p:handoutMasterId r:id="rId12"/>
+    <p:handoutMasterId r:id="rId14"/>
   </p:handoutMasterIdLst>
   <p:sldIdLst>
     <p:sldId id="256" r:id="rId2"/>
@@ -19,7 +19,9 @@
     <p:sldId id="263" r:id="rId7"/>
     <p:sldId id="261" r:id="rId8"/>
     <p:sldId id="264" r:id="rId9"/>
-    <p:sldId id="260" r:id="rId10"/>
+    <p:sldId id="265" r:id="rId10"/>
+    <p:sldId id="266" r:id="rId11"/>
+    <p:sldId id="260" r:id="rId12"/>
   </p:sldIdLst>
   <p:sldSz cx="12192000" cy="6858000"/>
   <p:notesSz cx="6858000" cy="9144000"/>
@@ -787,7 +789,7 @@
           <a:p>
             <a:fld id="{935E2820-AFE1-45FA-949E-17BDB534E1DC}" type="slidenum">
               <a:rPr lang="en-US" smtClean="0"/>
-              <a:t>9</a:t>
+              <a:t>11</a:t>
             </a:fld>
             <a:endParaRPr lang="en-US"/>
           </a:p>
@@ -4355,7 +4357,7 @@
 </p:sld>
 </file>
 
-<file path=ppt/slides/slide2.xml><?xml version="1.0" encoding="utf-8"?>
+<file path=ppt/slides/slide10.xml><?xml version="1.0" encoding="utf-8"?>
 <p:sld xmlns:a="http://schemas.openxmlformats.org/drawingml/2006/main" xmlns:r="http://schemas.openxmlformats.org/officeDocument/2006/relationships" xmlns:p="http://schemas.openxmlformats.org/presentationml/2006/main">
   <p:cSld>
     <p:spTree>
@@ -4396,7 +4398,7 @@
         </p:spPr>
         <p:txBody>
           <a:bodyPr anchor="ctr">
-            <a:normAutofit/>
+            <a:normAutofit fontScale="90000"/>
           </a:bodyPr>
           <a:lstStyle/>
           <a:p>
@@ -4415,7 +4417,7 @@
               <a:rPr lang="en-US" sz="5400" dirty="0">
                 <a:latin typeface="HarmonyOS Sans" panose="00000500000000000000" pitchFamily="2" charset="0"/>
               </a:rPr>
-              <a:t>002 Ch01 Hello World in GUI</a:t>
+              <a:t>009 Ch06 Tic-Tac-Toe (part 2)</a:t>
             </a:r>
             <a:endParaRPr lang="en-US" dirty="0">
               <a:latin typeface="HarmonyOS Sans" panose="00000500000000000000" pitchFamily="2" charset="0"/>
@@ -4778,1616 +4780,10 @@
       </p:sp>
       <p:pic>
         <p:nvPicPr>
-          <p:cNvPr id="10" name="Content Placeholder 9">
-            <a:extLst>
-              <a:ext uri="{FF2B5EF4-FFF2-40B4-BE49-F238E27FC236}">
-                <a16:creationId xmlns:a16="http://schemas.microsoft.com/office/drawing/2014/main" id="{F30D13C5-9CF7-5E61-6F38-2B8206210AC3}"/>
-              </a:ext>
-            </a:extLst>
-          </p:cNvPr>
-          <p:cNvPicPr>
-            <a:picLocks noGrp="1" noChangeAspect="1"/>
-          </p:cNvPicPr>
-          <p:nvPr>
-            <p:ph idx="1"/>
-          </p:nvPr>
-        </p:nvPicPr>
-        <p:blipFill>
-          <a:blip r:embed="rId6"/>
-          <a:stretch>
-            <a:fillRect/>
-          </a:stretch>
-        </p:blipFill>
-        <p:spPr>
-          <a:xfrm>
-            <a:off x="2208213" y="1954306"/>
-            <a:ext cx="3925357" cy="3625850"/>
-          </a:xfrm>
-          <a:prstGeom prst="rect">
-            <a:avLst/>
-          </a:prstGeom>
-          <a:ln>
-            <a:noFill/>
-          </a:ln>
-          <a:effectLst>
-            <a:outerShdw blurRad="292100" dist="139700" dir="2700000" algn="tl" rotWithShape="0">
-              <a:srgbClr val="333333">
-                <a:alpha val="65000"/>
-              </a:srgbClr>
-            </a:outerShdw>
-          </a:effectLst>
-        </p:spPr>
-      </p:pic>
-      <p:pic>
-        <p:nvPicPr>
-          <p:cNvPr id="12" name="Picture 11">
-            <a:extLst>
-              <a:ext uri="{FF2B5EF4-FFF2-40B4-BE49-F238E27FC236}">
-                <a16:creationId xmlns:a16="http://schemas.microsoft.com/office/drawing/2014/main" id="{8E3CEAC5-BF73-4AB7-310A-510E8C96CBFD}"/>
-              </a:ext>
-            </a:extLst>
-          </p:cNvPr>
-          <p:cNvPicPr>
-            <a:picLocks noChangeAspect="1"/>
-          </p:cNvPicPr>
-          <p:nvPr/>
-        </p:nvPicPr>
-        <p:blipFill>
-          <a:blip r:embed="rId7"/>
-          <a:stretch>
-            <a:fillRect/>
-          </a:stretch>
-        </p:blipFill>
-        <p:spPr>
-          <a:xfrm>
-            <a:off x="6704541" y="1954306"/>
-            <a:ext cx="4305300" cy="2209800"/>
-          </a:xfrm>
-          <a:prstGeom prst="rect">
-            <a:avLst/>
-          </a:prstGeom>
-          <a:ln>
-            <a:noFill/>
-          </a:ln>
-          <a:effectLst>
-            <a:outerShdw blurRad="292100" dist="139700" dir="2700000" algn="tl" rotWithShape="0">
-              <a:srgbClr val="333333">
-                <a:alpha val="65000"/>
-              </a:srgbClr>
-            </a:outerShdw>
-          </a:effectLst>
-        </p:spPr>
-      </p:pic>
-      <p:pic>
-        <p:nvPicPr>
-          <p:cNvPr id="14" name="Picture 13">
-            <a:extLst>
-              <a:ext uri="{FF2B5EF4-FFF2-40B4-BE49-F238E27FC236}">
-                <a16:creationId xmlns:a16="http://schemas.microsoft.com/office/drawing/2014/main" id="{A0E9B3FC-1608-0491-943B-AE56CC42FF7E}"/>
-              </a:ext>
-            </a:extLst>
-          </p:cNvPr>
-          <p:cNvPicPr>
-            <a:picLocks noChangeAspect="1"/>
-          </p:cNvPicPr>
-          <p:nvPr/>
-        </p:nvPicPr>
-        <p:blipFill>
-          <a:blip r:embed="rId8"/>
-          <a:stretch>
-            <a:fillRect/>
-          </a:stretch>
-        </p:blipFill>
-        <p:spPr>
-          <a:xfrm>
-            <a:off x="8047566" y="4261764"/>
-            <a:ext cx="2962275" cy="1333500"/>
-          </a:xfrm>
-          <a:prstGeom prst="rect">
-            <a:avLst/>
-          </a:prstGeom>
-          <a:ln>
-            <a:noFill/>
-          </a:ln>
-          <a:effectLst>
-            <a:outerShdw blurRad="292100" dist="139700" dir="2700000" algn="tl" rotWithShape="0">
-              <a:srgbClr val="333333">
-                <a:alpha val="65000"/>
-              </a:srgbClr>
-            </a:outerShdw>
-          </a:effectLst>
-        </p:spPr>
-      </p:pic>
-    </p:spTree>
-    <p:extLst>
-      <p:ext uri="{BB962C8B-B14F-4D97-AF65-F5344CB8AC3E}">
-        <p14:creationId xmlns:p14="http://schemas.microsoft.com/office/powerpoint/2010/main" val="3572012654"/>
-      </p:ext>
-    </p:extLst>
-  </p:cSld>
-  <p:clrMapOvr>
-    <a:masterClrMapping/>
-  </p:clrMapOvr>
-</p:sld>
-</file>
-
-<file path=ppt/slides/slide3.xml><?xml version="1.0" encoding="utf-8"?>
-<p:sld xmlns:a="http://schemas.openxmlformats.org/drawingml/2006/main" xmlns:r="http://schemas.openxmlformats.org/officeDocument/2006/relationships" xmlns:p="http://schemas.openxmlformats.org/presentationml/2006/main">
-  <p:cSld>
-    <p:spTree>
-      <p:nvGrpSpPr>
-        <p:cNvPr id="1" name=""/>
-        <p:cNvGrpSpPr/>
-        <p:nvPr/>
-      </p:nvGrpSpPr>
-      <p:grpSpPr>
-        <a:xfrm>
-          <a:off x="0" y="0"/>
-          <a:ext cx="0" cy="0"/>
-          <a:chOff x="0" y="0"/>
-          <a:chExt cx="0" cy="0"/>
-        </a:xfrm>
-      </p:grpSpPr>
-      <p:sp>
-        <p:nvSpPr>
-          <p:cNvPr id="2" name="Title 1">
-            <a:extLst>
-              <a:ext uri="{FF2B5EF4-FFF2-40B4-BE49-F238E27FC236}">
-                <a16:creationId xmlns:a16="http://schemas.microsoft.com/office/drawing/2014/main" id="{60BDC9E0-4942-655E-4150-9691AA9C765B}"/>
-              </a:ext>
-            </a:extLst>
-          </p:cNvPr>
-          <p:cNvSpPr>
-            <a:spLocks noGrp="1"/>
-          </p:cNvSpPr>
-          <p:nvPr>
-            <p:ph type="title"/>
-          </p:nvPr>
-        </p:nvSpPr>
-        <p:spPr>
-          <a:xfrm>
-            <a:off x="2208213" y="304799"/>
-            <a:ext cx="9372600" cy="1649507"/>
-          </a:xfrm>
-        </p:spPr>
-        <p:txBody>
-          <a:bodyPr anchor="ctr">
-            <a:normAutofit/>
-          </a:bodyPr>
-          <a:lstStyle/>
-          <a:p>
-            <a:r>
-              <a:rPr lang="en-US" sz="4000" dirty="0">
-                <a:latin typeface="HarmonyOS Sans Black" panose="00000A00000000000000" pitchFamily="2" charset="0"/>
-              </a:rPr>
-              <a:t>Create GUI with Python</a:t>
-            </a:r>
-            <a:br>
-              <a:rPr lang="en-US" dirty="0">
-                <a:latin typeface="HarmonyOS Sans" panose="00000500000000000000" pitchFamily="2" charset="0"/>
-              </a:rPr>
-            </a:br>
-            <a:r>
-              <a:rPr lang="en-US" sz="5400" dirty="0">
-                <a:latin typeface="HarmonyOS Sans" panose="00000500000000000000" pitchFamily="2" charset="0"/>
-              </a:rPr>
-              <a:t>003 Ch02 Wanted Poster</a:t>
-            </a:r>
-            <a:endParaRPr lang="en-US" dirty="0">
-              <a:latin typeface="HarmonyOS Sans" panose="00000500000000000000" pitchFamily="2" charset="0"/>
-            </a:endParaRPr>
-          </a:p>
-        </p:txBody>
-      </p:sp>
-      <p:pic>
-        <p:nvPicPr>
-          <p:cNvPr id="6" name="Picture 5">
-            <a:extLst>
-              <a:ext uri="{FF2B5EF4-FFF2-40B4-BE49-F238E27FC236}">
-                <a16:creationId xmlns:a16="http://schemas.microsoft.com/office/drawing/2014/main" id="{28525CF1-7DD8-7F22-12CB-14807078F0D7}"/>
-              </a:ext>
-            </a:extLst>
-          </p:cNvPr>
-          <p:cNvPicPr>
-            <a:picLocks noChangeAspect="1"/>
-          </p:cNvPicPr>
-          <p:nvPr/>
-        </p:nvPicPr>
-        <p:blipFill>
-          <a:blip r:embed="rId2"/>
-          <a:stretch>
-            <a:fillRect/>
-          </a:stretch>
-        </p:blipFill>
-        <p:spPr>
-          <a:xfrm>
-            <a:off x="119268" y="59634"/>
-            <a:ext cx="611187" cy="671551"/>
-          </a:xfrm>
-          <a:prstGeom prst="rect">
-            <a:avLst/>
-          </a:prstGeom>
-          <a:ln>
-            <a:noFill/>
-          </a:ln>
-          <a:effectLst>
-            <a:outerShdw blurRad="292100" dist="139700" dir="2700000" algn="tl" rotWithShape="0">
-              <a:srgbClr val="333333">
-                <a:alpha val="65000"/>
-              </a:srgbClr>
-            </a:outerShdw>
-          </a:effectLst>
-        </p:spPr>
-      </p:pic>
-      <p:pic>
-        <p:nvPicPr>
-          <p:cNvPr id="7" name="Picture 6">
-            <a:extLst>
-              <a:ext uri="{FF2B5EF4-FFF2-40B4-BE49-F238E27FC236}">
-                <a16:creationId xmlns:a16="http://schemas.microsoft.com/office/drawing/2014/main" id="{ACE06191-4455-E539-6992-17D338C10648}"/>
-              </a:ext>
-            </a:extLst>
-          </p:cNvPr>
-          <p:cNvPicPr>
-            <a:picLocks noChangeAspect="1"/>
-          </p:cNvPicPr>
-          <p:nvPr/>
-        </p:nvPicPr>
-        <p:blipFill>
-          <a:blip r:embed="rId3"/>
-          <a:stretch>
-            <a:fillRect/>
-          </a:stretch>
-        </p:blipFill>
-        <p:spPr>
-          <a:xfrm>
-            <a:off x="0" y="6471564"/>
-            <a:ext cx="1855694" cy="386435"/>
-          </a:xfrm>
-          <a:prstGeom prst="rect">
-            <a:avLst/>
-          </a:prstGeom>
-          <a:ln>
-            <a:noFill/>
-          </a:ln>
-          <a:effectLst>
-            <a:outerShdw blurRad="292100" dist="139700" dir="2700000" algn="tl" rotWithShape="0">
-              <a:srgbClr val="333333">
-                <a:alpha val="65000"/>
-              </a:srgbClr>
-            </a:outerShdw>
-          </a:effectLst>
-        </p:spPr>
-      </p:pic>
-      <p:pic>
-        <p:nvPicPr>
-          <p:cNvPr id="8" name="Picture 7">
-            <a:extLst>
-              <a:ext uri="{FF2B5EF4-FFF2-40B4-BE49-F238E27FC236}">
-                <a16:creationId xmlns:a16="http://schemas.microsoft.com/office/drawing/2014/main" id="{E815D6CC-086C-CEEA-B605-CC7A17A0C652}"/>
-              </a:ext>
-            </a:extLst>
-          </p:cNvPr>
-          <p:cNvPicPr>
-            <a:picLocks noChangeAspect="1"/>
-          </p:cNvPicPr>
-          <p:nvPr/>
-        </p:nvPicPr>
-        <p:blipFill>
-          <a:blip r:embed="rId4"/>
-          <a:stretch>
-            <a:fillRect/>
-          </a:stretch>
-        </p:blipFill>
-        <p:spPr>
-          <a:xfrm>
-            <a:off x="119268" y="863897"/>
-            <a:ext cx="1374374" cy="2071274"/>
-          </a:xfrm>
-          <a:prstGeom prst="rect">
-            <a:avLst/>
-          </a:prstGeom>
-          <a:ln>
-            <a:noFill/>
-          </a:ln>
-          <a:effectLst>
-            <a:outerShdw blurRad="292100" dist="139700" dir="2700000" algn="tl" rotWithShape="0">
-              <a:srgbClr val="333333">
-                <a:alpha val="65000"/>
-              </a:srgbClr>
-            </a:outerShdw>
-          </a:effectLst>
-        </p:spPr>
-      </p:pic>
-      <p:sp>
-        <p:nvSpPr>
-          <p:cNvPr id="9" name="Subtitle 5">
-            <a:extLst>
-              <a:ext uri="{FF2B5EF4-FFF2-40B4-BE49-F238E27FC236}">
-                <a16:creationId xmlns:a16="http://schemas.microsoft.com/office/drawing/2014/main" id="{B98C3EDB-7ABC-5858-0198-A6F89107DC04}"/>
-              </a:ext>
-            </a:extLst>
-          </p:cNvPr>
-          <p:cNvSpPr txBox="1">
-            <a:spLocks/>
-          </p:cNvSpPr>
-          <p:nvPr/>
-        </p:nvSpPr>
-        <p:spPr>
-          <a:xfrm>
-            <a:off x="2747347" y="6471564"/>
-            <a:ext cx="7704856" cy="367591"/>
-          </a:xfrm>
-          <a:prstGeom prst="rect">
-            <a:avLst/>
-          </a:prstGeom>
-        </p:spPr>
-        <p:txBody>
-          <a:bodyPr vert="horz" lIns="91440" tIns="45720" rIns="91440" bIns="45720" rtlCol="0">
-            <a:normAutofit lnSpcReduction="10000"/>
-          </a:bodyPr>
-          <a:lstStyle>
-            <a:lvl1pPr marL="0" indent="0" algn="l" defTabSz="914400" rtl="0" eaLnBrk="1" latinLnBrk="0" hangingPunct="1">
-              <a:lnSpc>
-                <a:spcPct val="90000"/>
-              </a:lnSpc>
-              <a:spcBef>
-                <a:spcPts val="0"/>
-              </a:spcBef>
-              <a:buSzPct val="80000"/>
-              <a:buFont typeface="Wingdings" panose="05000000000000000000" pitchFamily="2" charset="2"/>
-              <a:buNone/>
-              <a:defRPr sz="2400" kern="1200">
-                <a:solidFill>
-                  <a:schemeClr val="accent2"/>
-                </a:solidFill>
-                <a:latin typeface="+mn-lt"/>
-                <a:ea typeface="+mn-ea"/>
-                <a:cs typeface="+mn-cs"/>
-              </a:defRPr>
-            </a:lvl1pPr>
-            <a:lvl2pPr marL="457200" indent="0" algn="ctr" defTabSz="914400" rtl="0" eaLnBrk="1" latinLnBrk="0" hangingPunct="1">
-              <a:lnSpc>
-                <a:spcPct val="90000"/>
-              </a:lnSpc>
-              <a:spcBef>
-                <a:spcPts val="1000"/>
-              </a:spcBef>
-              <a:buSzPct val="80000"/>
-              <a:buFont typeface="Wingdings" panose="05000000000000000000" pitchFamily="2" charset="2"/>
-              <a:buNone/>
-              <a:defRPr sz="2000" kern="1200">
-                <a:solidFill>
-                  <a:schemeClr val="tx1"/>
-                </a:solidFill>
-                <a:latin typeface="+mn-lt"/>
-                <a:ea typeface="+mn-ea"/>
-                <a:cs typeface="+mn-cs"/>
-              </a:defRPr>
-            </a:lvl2pPr>
-            <a:lvl3pPr marL="914400" indent="0" algn="ctr" defTabSz="914400" rtl="0" eaLnBrk="1" latinLnBrk="0" hangingPunct="1">
-              <a:lnSpc>
-                <a:spcPct val="90000"/>
-              </a:lnSpc>
-              <a:spcBef>
-                <a:spcPts val="800"/>
-              </a:spcBef>
-              <a:buSzPct val="80000"/>
-              <a:buFont typeface="Wingdings" panose="05000000000000000000" pitchFamily="2" charset="2"/>
-              <a:buNone/>
-              <a:defRPr sz="1800" kern="1200">
-                <a:solidFill>
-                  <a:schemeClr val="tx1"/>
-                </a:solidFill>
-                <a:latin typeface="+mn-lt"/>
-                <a:ea typeface="+mn-ea"/>
-                <a:cs typeface="+mn-cs"/>
-              </a:defRPr>
-            </a:lvl3pPr>
-            <a:lvl4pPr marL="1371600" indent="0" algn="ctr" defTabSz="914400" rtl="0" eaLnBrk="1" latinLnBrk="0" hangingPunct="1">
-              <a:lnSpc>
-                <a:spcPct val="90000"/>
-              </a:lnSpc>
-              <a:spcBef>
-                <a:spcPts val="800"/>
-              </a:spcBef>
-              <a:buSzPct val="80000"/>
-              <a:buFont typeface="Wingdings" panose="05000000000000000000" pitchFamily="2" charset="2"/>
-              <a:buNone/>
-              <a:defRPr sz="1600" kern="1200">
-                <a:solidFill>
-                  <a:schemeClr val="tx1"/>
-                </a:solidFill>
-                <a:latin typeface="+mn-lt"/>
-                <a:ea typeface="+mn-ea"/>
-                <a:cs typeface="+mn-cs"/>
-              </a:defRPr>
-            </a:lvl4pPr>
-            <a:lvl5pPr marL="1828800" indent="0" algn="ctr" defTabSz="914400" rtl="0" eaLnBrk="1" latinLnBrk="0" hangingPunct="1">
-              <a:lnSpc>
-                <a:spcPct val="90000"/>
-              </a:lnSpc>
-              <a:spcBef>
-                <a:spcPts val="800"/>
-              </a:spcBef>
-              <a:buSzPct val="80000"/>
-              <a:buFont typeface="Wingdings" panose="05000000000000000000" pitchFamily="2" charset="2"/>
-              <a:buNone/>
-              <a:defRPr sz="1600" kern="1200">
-                <a:solidFill>
-                  <a:schemeClr val="tx1"/>
-                </a:solidFill>
-                <a:latin typeface="+mn-lt"/>
-                <a:ea typeface="+mn-ea"/>
-                <a:cs typeface="+mn-cs"/>
-              </a:defRPr>
-            </a:lvl5pPr>
-            <a:lvl6pPr marL="2286000" indent="0" algn="ctr" defTabSz="914400" rtl="0" eaLnBrk="1" latinLnBrk="0" hangingPunct="1">
-              <a:lnSpc>
-                <a:spcPct val="90000"/>
-              </a:lnSpc>
-              <a:spcBef>
-                <a:spcPts val="800"/>
-              </a:spcBef>
-              <a:buSzPct val="80000"/>
-              <a:buFont typeface="Wingdings" panose="05000000000000000000" pitchFamily="2" charset="2"/>
-              <a:buNone/>
-              <a:defRPr sz="1600" kern="1200">
-                <a:solidFill>
-                  <a:schemeClr val="tx1"/>
-                </a:solidFill>
-                <a:latin typeface="+mn-lt"/>
-                <a:ea typeface="+mn-ea"/>
-                <a:cs typeface="+mn-cs"/>
-              </a:defRPr>
-            </a:lvl6pPr>
-            <a:lvl7pPr marL="2743200" indent="0" algn="ctr" defTabSz="914400" rtl="0" eaLnBrk="1" latinLnBrk="0" hangingPunct="1">
-              <a:lnSpc>
-                <a:spcPct val="90000"/>
-              </a:lnSpc>
-              <a:spcBef>
-                <a:spcPts val="800"/>
-              </a:spcBef>
-              <a:buSzPct val="80000"/>
-              <a:buFont typeface="Wingdings" panose="05000000000000000000" pitchFamily="2" charset="2"/>
-              <a:buNone/>
-              <a:defRPr sz="1600" kern="1200">
-                <a:solidFill>
-                  <a:schemeClr val="tx1"/>
-                </a:solidFill>
-                <a:latin typeface="+mn-lt"/>
-                <a:ea typeface="+mn-ea"/>
-                <a:cs typeface="+mn-cs"/>
-              </a:defRPr>
-            </a:lvl7pPr>
-            <a:lvl8pPr marL="3200400" indent="0" algn="ctr" defTabSz="914400" rtl="0" eaLnBrk="1" latinLnBrk="0" hangingPunct="1">
-              <a:lnSpc>
-                <a:spcPct val="90000"/>
-              </a:lnSpc>
-              <a:spcBef>
-                <a:spcPts val="800"/>
-              </a:spcBef>
-              <a:buSzPct val="80000"/>
-              <a:buFont typeface="Wingdings" panose="05000000000000000000" pitchFamily="2" charset="2"/>
-              <a:buNone/>
-              <a:defRPr sz="1600" kern="1200">
-                <a:solidFill>
-                  <a:schemeClr val="tx1"/>
-                </a:solidFill>
-                <a:latin typeface="+mn-lt"/>
-                <a:ea typeface="+mn-ea"/>
-                <a:cs typeface="+mn-cs"/>
-              </a:defRPr>
-            </a:lvl8pPr>
-            <a:lvl9pPr marL="3657600" indent="0" algn="ctr" defTabSz="914400" rtl="0" eaLnBrk="1" latinLnBrk="0" hangingPunct="1">
-              <a:lnSpc>
-                <a:spcPct val="90000"/>
-              </a:lnSpc>
-              <a:spcBef>
-                <a:spcPts val="800"/>
-              </a:spcBef>
-              <a:buSzPct val="80000"/>
-              <a:buFont typeface="Wingdings" panose="05000000000000000000" pitchFamily="2" charset="2"/>
-              <a:buNone/>
-              <a:defRPr sz="1600" kern="1200">
-                <a:solidFill>
-                  <a:schemeClr val="tx1"/>
-                </a:solidFill>
-                <a:latin typeface="+mn-lt"/>
-                <a:ea typeface="+mn-ea"/>
-                <a:cs typeface="+mn-cs"/>
-              </a:defRPr>
-            </a:lvl9pPr>
-          </a:lstStyle>
-          <a:p>
-            <a:pPr>
-              <a:lnSpc>
-                <a:spcPct val="120000"/>
-              </a:lnSpc>
-            </a:pPr>
-            <a:r>
-              <a:rPr lang="en-US" sz="1800" b="1" dirty="0">
-                <a:solidFill>
-                  <a:schemeClr val="accent2">
-                    <a:lumMod val="75000"/>
-                  </a:schemeClr>
-                </a:solidFill>
-                <a:hlinkClick r:id="rId5">
-                  <a:extLst>
-                    <a:ext uri="{A12FA001-AC4F-418D-AE19-62706E023703}">
-                      <ahyp:hlinkClr xmlns:ahyp="http://schemas.microsoft.com/office/drawing/2018/hyperlinkcolor" val="tx"/>
-                    </a:ext>
-                  </a:extLst>
-                </a:hlinkClick>
-              </a:rPr>
-              <a:t>https://github.com/yasenstar/python/tree/master/GUI_Python</a:t>
-            </a:r>
-            <a:endParaRPr lang="en-US" sz="1800" b="1" dirty="0">
-              <a:solidFill>
-                <a:schemeClr val="accent2">
-                  <a:lumMod val="75000"/>
-                </a:schemeClr>
-              </a:solidFill>
-            </a:endParaRPr>
-          </a:p>
-        </p:txBody>
-      </p:sp>
-      <p:pic>
-        <p:nvPicPr>
-          <p:cNvPr id="15" name="Content Placeholder 14">
-            <a:extLst>
-              <a:ext uri="{FF2B5EF4-FFF2-40B4-BE49-F238E27FC236}">
-                <a16:creationId xmlns:a16="http://schemas.microsoft.com/office/drawing/2014/main" id="{B971ABF1-80FF-2A98-5651-D1074D9FE508}"/>
-              </a:ext>
-            </a:extLst>
-          </p:cNvPr>
-          <p:cNvPicPr>
-            <a:picLocks noGrp="1" noChangeAspect="1"/>
-          </p:cNvPicPr>
-          <p:nvPr>
-            <p:ph idx="1"/>
-          </p:nvPr>
-        </p:nvPicPr>
-        <p:blipFill>
-          <a:blip r:embed="rId6">
-            <a:alphaModFix/>
-          </a:blip>
-          <a:stretch>
-            <a:fillRect/>
-          </a:stretch>
-        </p:blipFill>
-        <p:spPr>
-          <a:xfrm>
-            <a:off x="1643502" y="1836170"/>
-            <a:ext cx="6381984" cy="3352046"/>
-          </a:xfrm>
-          <a:prstGeom prst="rect">
-            <a:avLst/>
-          </a:prstGeom>
-          <a:ln>
-            <a:noFill/>
-          </a:ln>
-          <a:effectLst>
-            <a:outerShdw blurRad="292100" dist="139700" dir="2700000" algn="tl" rotWithShape="0">
-              <a:srgbClr val="333333">
-                <a:alpha val="65000"/>
-              </a:srgbClr>
-            </a:outerShdw>
-          </a:effectLst>
-        </p:spPr>
-      </p:pic>
-      <p:pic>
-        <p:nvPicPr>
-          <p:cNvPr id="11" name="Picture 10">
-            <a:extLst>
-              <a:ext uri="{FF2B5EF4-FFF2-40B4-BE49-F238E27FC236}">
-                <a16:creationId xmlns:a16="http://schemas.microsoft.com/office/drawing/2014/main" id="{643B93C9-23B4-0910-4C3D-5D73C85194E7}"/>
-              </a:ext>
-            </a:extLst>
-          </p:cNvPr>
-          <p:cNvPicPr>
-            <a:picLocks noChangeAspect="1"/>
-          </p:cNvPicPr>
-          <p:nvPr/>
-        </p:nvPicPr>
-        <p:blipFill>
-          <a:blip r:embed="rId7"/>
-          <a:stretch>
-            <a:fillRect/>
-          </a:stretch>
-        </p:blipFill>
-        <p:spPr>
-          <a:xfrm>
-            <a:off x="8175347" y="2545931"/>
-            <a:ext cx="3801945" cy="1932524"/>
-          </a:xfrm>
-          <a:prstGeom prst="rect">
-            <a:avLst/>
-          </a:prstGeom>
-          <a:ln>
-            <a:noFill/>
-          </a:ln>
-          <a:effectLst>
-            <a:outerShdw blurRad="292100" dist="139700" dir="2700000" algn="tl" rotWithShape="0">
-              <a:srgbClr val="333333">
-                <a:alpha val="65000"/>
-              </a:srgbClr>
-            </a:outerShdw>
-          </a:effectLst>
-        </p:spPr>
-      </p:pic>
-    </p:spTree>
-    <p:extLst>
-      <p:ext uri="{BB962C8B-B14F-4D97-AF65-F5344CB8AC3E}">
-        <p14:creationId xmlns:p14="http://schemas.microsoft.com/office/powerpoint/2010/main" val="203248221"/>
-      </p:ext>
-    </p:extLst>
-  </p:cSld>
-  <p:clrMapOvr>
-    <a:masterClrMapping/>
-  </p:clrMapOvr>
-</p:sld>
-</file>
-
-<file path=ppt/slides/slide4.xml><?xml version="1.0" encoding="utf-8"?>
-<p:sld xmlns:a="http://schemas.openxmlformats.org/drawingml/2006/main" xmlns:r="http://schemas.openxmlformats.org/officeDocument/2006/relationships" xmlns:p="http://schemas.openxmlformats.org/presentationml/2006/main">
-  <p:cSld>
-    <p:spTree>
-      <p:nvGrpSpPr>
-        <p:cNvPr id="1" name=""/>
-        <p:cNvGrpSpPr/>
-        <p:nvPr/>
-      </p:nvGrpSpPr>
-      <p:grpSpPr>
-        <a:xfrm>
-          <a:off x="0" y="0"/>
-          <a:ext cx="0" cy="0"/>
-          <a:chOff x="0" y="0"/>
-          <a:chExt cx="0" cy="0"/>
-        </a:xfrm>
-      </p:grpSpPr>
-      <p:sp>
-        <p:nvSpPr>
-          <p:cNvPr id="2" name="Title 1">
-            <a:extLst>
-              <a:ext uri="{FF2B5EF4-FFF2-40B4-BE49-F238E27FC236}">
-                <a16:creationId xmlns:a16="http://schemas.microsoft.com/office/drawing/2014/main" id="{60BDC9E0-4942-655E-4150-9691AA9C765B}"/>
-              </a:ext>
-            </a:extLst>
-          </p:cNvPr>
-          <p:cNvSpPr>
-            <a:spLocks noGrp="1"/>
-          </p:cNvSpPr>
-          <p:nvPr>
-            <p:ph type="title"/>
-          </p:nvPr>
-        </p:nvSpPr>
-        <p:spPr>
-          <a:xfrm>
-            <a:off x="2208213" y="304799"/>
-            <a:ext cx="9372600" cy="1649507"/>
-          </a:xfrm>
-        </p:spPr>
-        <p:txBody>
-          <a:bodyPr anchor="ctr">
-            <a:normAutofit/>
-          </a:bodyPr>
-          <a:lstStyle/>
-          <a:p>
-            <a:r>
-              <a:rPr lang="en-US" sz="4000" dirty="0">
-                <a:latin typeface="HarmonyOS Sans Black" panose="00000A00000000000000" pitchFamily="2" charset="0"/>
-              </a:rPr>
-              <a:t>Create GUI with Python</a:t>
-            </a:r>
-            <a:br>
-              <a:rPr lang="en-US" dirty="0">
-                <a:latin typeface="HarmonyOS Sans" panose="00000500000000000000" pitchFamily="2" charset="0"/>
-              </a:rPr>
-            </a:br>
-            <a:r>
-              <a:rPr lang="en-US" sz="5400" dirty="0">
-                <a:latin typeface="HarmonyOS Sans" panose="00000500000000000000" pitchFamily="2" charset="0"/>
-              </a:rPr>
-              <a:t>004 Ch03 Spy Name Chooser</a:t>
-            </a:r>
-            <a:endParaRPr lang="en-US" dirty="0">
-              <a:latin typeface="HarmonyOS Sans" panose="00000500000000000000" pitchFamily="2" charset="0"/>
-            </a:endParaRPr>
-          </a:p>
-        </p:txBody>
-      </p:sp>
-      <p:pic>
-        <p:nvPicPr>
-          <p:cNvPr id="6" name="Picture 5">
-            <a:extLst>
-              <a:ext uri="{FF2B5EF4-FFF2-40B4-BE49-F238E27FC236}">
-                <a16:creationId xmlns:a16="http://schemas.microsoft.com/office/drawing/2014/main" id="{28525CF1-7DD8-7F22-12CB-14807078F0D7}"/>
-              </a:ext>
-            </a:extLst>
-          </p:cNvPr>
-          <p:cNvPicPr>
-            <a:picLocks noChangeAspect="1"/>
-          </p:cNvPicPr>
-          <p:nvPr/>
-        </p:nvPicPr>
-        <p:blipFill>
-          <a:blip r:embed="rId2"/>
-          <a:stretch>
-            <a:fillRect/>
-          </a:stretch>
-        </p:blipFill>
-        <p:spPr>
-          <a:xfrm>
-            <a:off x="119268" y="59634"/>
-            <a:ext cx="611187" cy="671551"/>
-          </a:xfrm>
-          <a:prstGeom prst="rect">
-            <a:avLst/>
-          </a:prstGeom>
-          <a:ln>
-            <a:noFill/>
-          </a:ln>
-          <a:effectLst>
-            <a:outerShdw blurRad="292100" dist="139700" dir="2700000" algn="tl" rotWithShape="0">
-              <a:srgbClr val="333333">
-                <a:alpha val="65000"/>
-              </a:srgbClr>
-            </a:outerShdw>
-          </a:effectLst>
-        </p:spPr>
-      </p:pic>
-      <p:pic>
-        <p:nvPicPr>
-          <p:cNvPr id="7" name="Picture 6">
-            <a:extLst>
-              <a:ext uri="{FF2B5EF4-FFF2-40B4-BE49-F238E27FC236}">
-                <a16:creationId xmlns:a16="http://schemas.microsoft.com/office/drawing/2014/main" id="{ACE06191-4455-E539-6992-17D338C10648}"/>
-              </a:ext>
-            </a:extLst>
-          </p:cNvPr>
-          <p:cNvPicPr>
-            <a:picLocks noChangeAspect="1"/>
-          </p:cNvPicPr>
-          <p:nvPr/>
-        </p:nvPicPr>
-        <p:blipFill>
-          <a:blip r:embed="rId3"/>
-          <a:stretch>
-            <a:fillRect/>
-          </a:stretch>
-        </p:blipFill>
-        <p:spPr>
-          <a:xfrm>
-            <a:off x="0" y="6471564"/>
-            <a:ext cx="1855694" cy="386435"/>
-          </a:xfrm>
-          <a:prstGeom prst="rect">
-            <a:avLst/>
-          </a:prstGeom>
-          <a:ln>
-            <a:noFill/>
-          </a:ln>
-          <a:effectLst>
-            <a:outerShdw blurRad="292100" dist="139700" dir="2700000" algn="tl" rotWithShape="0">
-              <a:srgbClr val="333333">
-                <a:alpha val="65000"/>
-              </a:srgbClr>
-            </a:outerShdw>
-          </a:effectLst>
-        </p:spPr>
-      </p:pic>
-      <p:pic>
-        <p:nvPicPr>
-          <p:cNvPr id="8" name="Picture 7">
-            <a:extLst>
-              <a:ext uri="{FF2B5EF4-FFF2-40B4-BE49-F238E27FC236}">
-                <a16:creationId xmlns:a16="http://schemas.microsoft.com/office/drawing/2014/main" id="{E815D6CC-086C-CEEA-B605-CC7A17A0C652}"/>
-              </a:ext>
-            </a:extLst>
-          </p:cNvPr>
-          <p:cNvPicPr>
-            <a:picLocks noChangeAspect="1"/>
-          </p:cNvPicPr>
-          <p:nvPr/>
-        </p:nvPicPr>
-        <p:blipFill>
-          <a:blip r:embed="rId4"/>
-          <a:stretch>
-            <a:fillRect/>
-          </a:stretch>
-        </p:blipFill>
-        <p:spPr>
-          <a:xfrm>
-            <a:off x="119268" y="863897"/>
-            <a:ext cx="1374374" cy="2071274"/>
-          </a:xfrm>
-          <a:prstGeom prst="rect">
-            <a:avLst/>
-          </a:prstGeom>
-          <a:ln>
-            <a:noFill/>
-          </a:ln>
-          <a:effectLst>
-            <a:outerShdw blurRad="292100" dist="139700" dir="2700000" algn="tl" rotWithShape="0">
-              <a:srgbClr val="333333">
-                <a:alpha val="65000"/>
-              </a:srgbClr>
-            </a:outerShdw>
-          </a:effectLst>
-        </p:spPr>
-      </p:pic>
-      <p:sp>
-        <p:nvSpPr>
-          <p:cNvPr id="9" name="Subtitle 5">
-            <a:extLst>
-              <a:ext uri="{FF2B5EF4-FFF2-40B4-BE49-F238E27FC236}">
-                <a16:creationId xmlns:a16="http://schemas.microsoft.com/office/drawing/2014/main" id="{B98C3EDB-7ABC-5858-0198-A6F89107DC04}"/>
-              </a:ext>
-            </a:extLst>
-          </p:cNvPr>
-          <p:cNvSpPr txBox="1">
-            <a:spLocks/>
-          </p:cNvSpPr>
-          <p:nvPr/>
-        </p:nvSpPr>
-        <p:spPr>
-          <a:xfrm>
-            <a:off x="2747347" y="6471564"/>
-            <a:ext cx="7704856" cy="367591"/>
-          </a:xfrm>
-          <a:prstGeom prst="rect">
-            <a:avLst/>
-          </a:prstGeom>
-        </p:spPr>
-        <p:txBody>
-          <a:bodyPr vert="horz" lIns="91440" tIns="45720" rIns="91440" bIns="45720" rtlCol="0">
-            <a:normAutofit lnSpcReduction="10000"/>
-          </a:bodyPr>
-          <a:lstStyle>
-            <a:lvl1pPr marL="0" indent="0" algn="l" defTabSz="914400" rtl="0" eaLnBrk="1" latinLnBrk="0" hangingPunct="1">
-              <a:lnSpc>
-                <a:spcPct val="90000"/>
-              </a:lnSpc>
-              <a:spcBef>
-                <a:spcPts val="0"/>
-              </a:spcBef>
-              <a:buSzPct val="80000"/>
-              <a:buFont typeface="Wingdings" panose="05000000000000000000" pitchFamily="2" charset="2"/>
-              <a:buNone/>
-              <a:defRPr sz="2400" kern="1200">
-                <a:solidFill>
-                  <a:schemeClr val="accent2"/>
-                </a:solidFill>
-                <a:latin typeface="+mn-lt"/>
-                <a:ea typeface="+mn-ea"/>
-                <a:cs typeface="+mn-cs"/>
-              </a:defRPr>
-            </a:lvl1pPr>
-            <a:lvl2pPr marL="457200" indent="0" algn="ctr" defTabSz="914400" rtl="0" eaLnBrk="1" latinLnBrk="0" hangingPunct="1">
-              <a:lnSpc>
-                <a:spcPct val="90000"/>
-              </a:lnSpc>
-              <a:spcBef>
-                <a:spcPts val="1000"/>
-              </a:spcBef>
-              <a:buSzPct val="80000"/>
-              <a:buFont typeface="Wingdings" panose="05000000000000000000" pitchFamily="2" charset="2"/>
-              <a:buNone/>
-              <a:defRPr sz="2000" kern="1200">
-                <a:solidFill>
-                  <a:schemeClr val="tx1"/>
-                </a:solidFill>
-                <a:latin typeface="+mn-lt"/>
-                <a:ea typeface="+mn-ea"/>
-                <a:cs typeface="+mn-cs"/>
-              </a:defRPr>
-            </a:lvl2pPr>
-            <a:lvl3pPr marL="914400" indent="0" algn="ctr" defTabSz="914400" rtl="0" eaLnBrk="1" latinLnBrk="0" hangingPunct="1">
-              <a:lnSpc>
-                <a:spcPct val="90000"/>
-              </a:lnSpc>
-              <a:spcBef>
-                <a:spcPts val="800"/>
-              </a:spcBef>
-              <a:buSzPct val="80000"/>
-              <a:buFont typeface="Wingdings" panose="05000000000000000000" pitchFamily="2" charset="2"/>
-              <a:buNone/>
-              <a:defRPr sz="1800" kern="1200">
-                <a:solidFill>
-                  <a:schemeClr val="tx1"/>
-                </a:solidFill>
-                <a:latin typeface="+mn-lt"/>
-                <a:ea typeface="+mn-ea"/>
-                <a:cs typeface="+mn-cs"/>
-              </a:defRPr>
-            </a:lvl3pPr>
-            <a:lvl4pPr marL="1371600" indent="0" algn="ctr" defTabSz="914400" rtl="0" eaLnBrk="1" latinLnBrk="0" hangingPunct="1">
-              <a:lnSpc>
-                <a:spcPct val="90000"/>
-              </a:lnSpc>
-              <a:spcBef>
-                <a:spcPts val="800"/>
-              </a:spcBef>
-              <a:buSzPct val="80000"/>
-              <a:buFont typeface="Wingdings" panose="05000000000000000000" pitchFamily="2" charset="2"/>
-              <a:buNone/>
-              <a:defRPr sz="1600" kern="1200">
-                <a:solidFill>
-                  <a:schemeClr val="tx1"/>
-                </a:solidFill>
-                <a:latin typeface="+mn-lt"/>
-                <a:ea typeface="+mn-ea"/>
-                <a:cs typeface="+mn-cs"/>
-              </a:defRPr>
-            </a:lvl4pPr>
-            <a:lvl5pPr marL="1828800" indent="0" algn="ctr" defTabSz="914400" rtl="0" eaLnBrk="1" latinLnBrk="0" hangingPunct="1">
-              <a:lnSpc>
-                <a:spcPct val="90000"/>
-              </a:lnSpc>
-              <a:spcBef>
-                <a:spcPts val="800"/>
-              </a:spcBef>
-              <a:buSzPct val="80000"/>
-              <a:buFont typeface="Wingdings" panose="05000000000000000000" pitchFamily="2" charset="2"/>
-              <a:buNone/>
-              <a:defRPr sz="1600" kern="1200">
-                <a:solidFill>
-                  <a:schemeClr val="tx1"/>
-                </a:solidFill>
-                <a:latin typeface="+mn-lt"/>
-                <a:ea typeface="+mn-ea"/>
-                <a:cs typeface="+mn-cs"/>
-              </a:defRPr>
-            </a:lvl5pPr>
-            <a:lvl6pPr marL="2286000" indent="0" algn="ctr" defTabSz="914400" rtl="0" eaLnBrk="1" latinLnBrk="0" hangingPunct="1">
-              <a:lnSpc>
-                <a:spcPct val="90000"/>
-              </a:lnSpc>
-              <a:spcBef>
-                <a:spcPts val="800"/>
-              </a:spcBef>
-              <a:buSzPct val="80000"/>
-              <a:buFont typeface="Wingdings" panose="05000000000000000000" pitchFamily="2" charset="2"/>
-              <a:buNone/>
-              <a:defRPr sz="1600" kern="1200">
-                <a:solidFill>
-                  <a:schemeClr val="tx1"/>
-                </a:solidFill>
-                <a:latin typeface="+mn-lt"/>
-                <a:ea typeface="+mn-ea"/>
-                <a:cs typeface="+mn-cs"/>
-              </a:defRPr>
-            </a:lvl6pPr>
-            <a:lvl7pPr marL="2743200" indent="0" algn="ctr" defTabSz="914400" rtl="0" eaLnBrk="1" latinLnBrk="0" hangingPunct="1">
-              <a:lnSpc>
-                <a:spcPct val="90000"/>
-              </a:lnSpc>
-              <a:spcBef>
-                <a:spcPts val="800"/>
-              </a:spcBef>
-              <a:buSzPct val="80000"/>
-              <a:buFont typeface="Wingdings" panose="05000000000000000000" pitchFamily="2" charset="2"/>
-              <a:buNone/>
-              <a:defRPr sz="1600" kern="1200">
-                <a:solidFill>
-                  <a:schemeClr val="tx1"/>
-                </a:solidFill>
-                <a:latin typeface="+mn-lt"/>
-                <a:ea typeface="+mn-ea"/>
-                <a:cs typeface="+mn-cs"/>
-              </a:defRPr>
-            </a:lvl7pPr>
-            <a:lvl8pPr marL="3200400" indent="0" algn="ctr" defTabSz="914400" rtl="0" eaLnBrk="1" latinLnBrk="0" hangingPunct="1">
-              <a:lnSpc>
-                <a:spcPct val="90000"/>
-              </a:lnSpc>
-              <a:spcBef>
-                <a:spcPts val="800"/>
-              </a:spcBef>
-              <a:buSzPct val="80000"/>
-              <a:buFont typeface="Wingdings" panose="05000000000000000000" pitchFamily="2" charset="2"/>
-              <a:buNone/>
-              <a:defRPr sz="1600" kern="1200">
-                <a:solidFill>
-                  <a:schemeClr val="tx1"/>
-                </a:solidFill>
-                <a:latin typeface="+mn-lt"/>
-                <a:ea typeface="+mn-ea"/>
-                <a:cs typeface="+mn-cs"/>
-              </a:defRPr>
-            </a:lvl8pPr>
-            <a:lvl9pPr marL="3657600" indent="0" algn="ctr" defTabSz="914400" rtl="0" eaLnBrk="1" latinLnBrk="0" hangingPunct="1">
-              <a:lnSpc>
-                <a:spcPct val="90000"/>
-              </a:lnSpc>
-              <a:spcBef>
-                <a:spcPts val="800"/>
-              </a:spcBef>
-              <a:buSzPct val="80000"/>
-              <a:buFont typeface="Wingdings" panose="05000000000000000000" pitchFamily="2" charset="2"/>
-              <a:buNone/>
-              <a:defRPr sz="1600" kern="1200">
-                <a:solidFill>
-                  <a:schemeClr val="tx1"/>
-                </a:solidFill>
-                <a:latin typeface="+mn-lt"/>
-                <a:ea typeface="+mn-ea"/>
-                <a:cs typeface="+mn-cs"/>
-              </a:defRPr>
-            </a:lvl9pPr>
-          </a:lstStyle>
-          <a:p>
-            <a:pPr>
-              <a:lnSpc>
-                <a:spcPct val="120000"/>
-              </a:lnSpc>
-            </a:pPr>
-            <a:r>
-              <a:rPr lang="en-US" sz="1800" b="1" dirty="0">
-                <a:solidFill>
-                  <a:schemeClr val="accent2">
-                    <a:lumMod val="75000"/>
-                  </a:schemeClr>
-                </a:solidFill>
-                <a:hlinkClick r:id="rId5">
-                  <a:extLst>
-                    <a:ext uri="{A12FA001-AC4F-418D-AE19-62706E023703}">
-                      <ahyp:hlinkClr xmlns:ahyp="http://schemas.microsoft.com/office/drawing/2018/hyperlinkcolor" val="tx"/>
-                    </a:ext>
-                  </a:extLst>
-                </a:hlinkClick>
-              </a:rPr>
-              <a:t>https://github.com/yasenstar/python/tree/master/GUI_Python</a:t>
-            </a:r>
-            <a:endParaRPr lang="en-US" sz="1800" b="1" dirty="0">
-              <a:solidFill>
-                <a:schemeClr val="accent2">
-                  <a:lumMod val="75000"/>
-                </a:schemeClr>
-              </a:solidFill>
-            </a:endParaRPr>
-          </a:p>
-        </p:txBody>
-      </p:sp>
-      <p:pic>
-        <p:nvPicPr>
-          <p:cNvPr id="13" name="Content Placeholder 12">
-            <a:extLst>
-              <a:ext uri="{FF2B5EF4-FFF2-40B4-BE49-F238E27FC236}">
-                <a16:creationId xmlns:a16="http://schemas.microsoft.com/office/drawing/2014/main" id="{61CE23D5-81B1-20F1-E2BC-4C6589C428E9}"/>
-              </a:ext>
-            </a:extLst>
-          </p:cNvPr>
-          <p:cNvPicPr>
-            <a:picLocks noGrp="1" noChangeAspect="1"/>
-          </p:cNvPicPr>
-          <p:nvPr>
-            <p:ph idx="1"/>
-          </p:nvPr>
-        </p:nvPicPr>
-        <p:blipFill>
-          <a:blip r:embed="rId6"/>
-          <a:stretch>
-            <a:fillRect/>
-          </a:stretch>
-        </p:blipFill>
-        <p:spPr>
-          <a:xfrm>
-            <a:off x="2039693" y="1713322"/>
-            <a:ext cx="5411017" cy="4114800"/>
-          </a:xfrm>
-          <a:prstGeom prst="rect">
-            <a:avLst/>
-          </a:prstGeom>
-          <a:ln>
-            <a:noFill/>
-          </a:ln>
-          <a:effectLst>
-            <a:outerShdw blurRad="292100" dist="139700" dir="2700000" algn="tl" rotWithShape="0">
-              <a:srgbClr val="333333">
-                <a:alpha val="65000"/>
-              </a:srgbClr>
-            </a:outerShdw>
-          </a:effectLst>
-        </p:spPr>
-      </p:pic>
-      <p:pic>
-        <p:nvPicPr>
           <p:cNvPr id="10" name="Picture 9">
             <a:extLst>
               <a:ext uri="{FF2B5EF4-FFF2-40B4-BE49-F238E27FC236}">
-                <a16:creationId xmlns:a16="http://schemas.microsoft.com/office/drawing/2014/main" id="{793055B9-A429-295A-C017-DFBEBAAF842A}"/>
-              </a:ext>
-            </a:extLst>
-          </p:cNvPr>
-          <p:cNvPicPr>
-            <a:picLocks noChangeAspect="1"/>
-          </p:cNvPicPr>
-          <p:nvPr/>
-        </p:nvPicPr>
-        <p:blipFill>
-          <a:blip r:embed="rId7"/>
-          <a:stretch>
-            <a:fillRect/>
-          </a:stretch>
-        </p:blipFill>
-        <p:spPr>
-          <a:xfrm>
-            <a:off x="7577417" y="2335368"/>
-            <a:ext cx="4387357" cy="2187264"/>
-          </a:xfrm>
-          <a:prstGeom prst="rect">
-            <a:avLst/>
-          </a:prstGeom>
-          <a:ln>
-            <a:noFill/>
-          </a:ln>
-          <a:effectLst>
-            <a:outerShdw blurRad="292100" dist="139700" dir="2700000" algn="tl" rotWithShape="0">
-              <a:srgbClr val="333333">
-                <a:alpha val="65000"/>
-              </a:srgbClr>
-            </a:outerShdw>
-          </a:effectLst>
-        </p:spPr>
-      </p:pic>
-    </p:spTree>
-    <p:extLst>
-      <p:ext uri="{BB962C8B-B14F-4D97-AF65-F5344CB8AC3E}">
-        <p14:creationId xmlns:p14="http://schemas.microsoft.com/office/powerpoint/2010/main" val="3231435790"/>
-      </p:ext>
-    </p:extLst>
-  </p:cSld>
-  <p:clrMapOvr>
-    <a:masterClrMapping/>
-  </p:clrMapOvr>
-</p:sld>
-</file>
-
-<file path=ppt/slides/slide5.xml><?xml version="1.0" encoding="utf-8"?>
-<p:sld xmlns:a="http://schemas.openxmlformats.org/drawingml/2006/main" xmlns:r="http://schemas.openxmlformats.org/officeDocument/2006/relationships" xmlns:p="http://schemas.openxmlformats.org/presentationml/2006/main">
-  <p:cSld>
-    <p:spTree>
-      <p:nvGrpSpPr>
-        <p:cNvPr id="1" name=""/>
-        <p:cNvGrpSpPr/>
-        <p:nvPr/>
-      </p:nvGrpSpPr>
-      <p:grpSpPr>
-        <a:xfrm>
-          <a:off x="0" y="0"/>
-          <a:ext cx="0" cy="0"/>
-          <a:chOff x="0" y="0"/>
-          <a:chExt cx="0" cy="0"/>
-        </a:xfrm>
-      </p:grpSpPr>
-      <p:sp>
-        <p:nvSpPr>
-          <p:cNvPr id="2" name="Title 1">
-            <a:extLst>
-              <a:ext uri="{FF2B5EF4-FFF2-40B4-BE49-F238E27FC236}">
-                <a16:creationId xmlns:a16="http://schemas.microsoft.com/office/drawing/2014/main" id="{60BDC9E0-4942-655E-4150-9691AA9C765B}"/>
-              </a:ext>
-            </a:extLst>
-          </p:cNvPr>
-          <p:cNvSpPr>
-            <a:spLocks noGrp="1"/>
-          </p:cNvSpPr>
-          <p:nvPr>
-            <p:ph type="title"/>
-          </p:nvPr>
-        </p:nvSpPr>
-        <p:spPr>
-          <a:xfrm>
-            <a:off x="2208213" y="304799"/>
-            <a:ext cx="9372600" cy="2384613"/>
-          </a:xfrm>
-        </p:spPr>
-        <p:txBody>
-          <a:bodyPr anchor="ctr">
-            <a:noAutofit/>
-          </a:bodyPr>
-          <a:lstStyle/>
-          <a:p>
-            <a:r>
-              <a:rPr lang="en-US" sz="3200" dirty="0">
-                <a:latin typeface="HarmonyOS Sans Black" panose="00000A00000000000000" pitchFamily="2" charset="0"/>
-              </a:rPr>
-              <a:t>Create GUI with Python</a:t>
-            </a:r>
-            <a:br>
-              <a:rPr lang="en-US" sz="2800" dirty="0">
-                <a:latin typeface="HarmonyOS Sans" panose="00000500000000000000" pitchFamily="2" charset="0"/>
-              </a:rPr>
-            </a:br>
-            <a:r>
-              <a:rPr lang="en-US" sz="4800" dirty="0">
-                <a:latin typeface="HarmonyOS Sans" panose="00000500000000000000" pitchFamily="2" charset="0"/>
-              </a:rPr>
-              <a:t>005 Ch03 Spy Name Chooser</a:t>
-            </a:r>
-            <a:br>
-              <a:rPr lang="en-US" sz="4800" dirty="0">
-                <a:latin typeface="HarmonyOS Sans" panose="00000500000000000000" pitchFamily="2" charset="0"/>
-              </a:rPr>
-            </a:br>
-            <a:br>
-              <a:rPr lang="en-US" sz="3600" dirty="0">
-                <a:latin typeface="HarmonyOS Sans" panose="00000500000000000000" pitchFamily="2" charset="0"/>
-              </a:rPr>
-            </a:br>
-            <a:r>
-              <a:rPr lang="en-US" sz="3600" dirty="0">
-                <a:latin typeface="HarmonyOS Sans" panose="00000500000000000000" pitchFamily="2" charset="0"/>
-              </a:rPr>
-              <a:t>Addition 1: use Lambda to transfer argument to function</a:t>
-            </a:r>
-            <a:endParaRPr lang="en-US" sz="2800" dirty="0">
-              <a:latin typeface="HarmonyOS Sans" panose="00000500000000000000" pitchFamily="2" charset="0"/>
-            </a:endParaRPr>
-          </a:p>
-        </p:txBody>
-      </p:sp>
-      <p:pic>
-        <p:nvPicPr>
-          <p:cNvPr id="6" name="Picture 5">
-            <a:extLst>
-              <a:ext uri="{FF2B5EF4-FFF2-40B4-BE49-F238E27FC236}">
-                <a16:creationId xmlns:a16="http://schemas.microsoft.com/office/drawing/2014/main" id="{28525CF1-7DD8-7F22-12CB-14807078F0D7}"/>
-              </a:ext>
-            </a:extLst>
-          </p:cNvPr>
-          <p:cNvPicPr>
-            <a:picLocks noChangeAspect="1"/>
-          </p:cNvPicPr>
-          <p:nvPr/>
-        </p:nvPicPr>
-        <p:blipFill>
-          <a:blip r:embed="rId2"/>
-          <a:stretch>
-            <a:fillRect/>
-          </a:stretch>
-        </p:blipFill>
-        <p:spPr>
-          <a:xfrm>
-            <a:off x="119268" y="59634"/>
-            <a:ext cx="611187" cy="671551"/>
-          </a:xfrm>
-          <a:prstGeom prst="rect">
-            <a:avLst/>
-          </a:prstGeom>
-          <a:ln>
-            <a:noFill/>
-          </a:ln>
-          <a:effectLst>
-            <a:outerShdw blurRad="292100" dist="139700" dir="2700000" algn="tl" rotWithShape="0">
-              <a:srgbClr val="333333">
-                <a:alpha val="65000"/>
-              </a:srgbClr>
-            </a:outerShdw>
-          </a:effectLst>
-        </p:spPr>
-      </p:pic>
-      <p:pic>
-        <p:nvPicPr>
-          <p:cNvPr id="7" name="Picture 6">
-            <a:extLst>
-              <a:ext uri="{FF2B5EF4-FFF2-40B4-BE49-F238E27FC236}">
-                <a16:creationId xmlns:a16="http://schemas.microsoft.com/office/drawing/2014/main" id="{ACE06191-4455-E539-6992-17D338C10648}"/>
-              </a:ext>
-            </a:extLst>
-          </p:cNvPr>
-          <p:cNvPicPr>
-            <a:picLocks noChangeAspect="1"/>
-          </p:cNvPicPr>
-          <p:nvPr/>
-        </p:nvPicPr>
-        <p:blipFill>
-          <a:blip r:embed="rId3"/>
-          <a:stretch>
-            <a:fillRect/>
-          </a:stretch>
-        </p:blipFill>
-        <p:spPr>
-          <a:xfrm>
-            <a:off x="0" y="6471564"/>
-            <a:ext cx="1855694" cy="386435"/>
-          </a:xfrm>
-          <a:prstGeom prst="rect">
-            <a:avLst/>
-          </a:prstGeom>
-          <a:ln>
-            <a:noFill/>
-          </a:ln>
-          <a:effectLst>
-            <a:outerShdw blurRad="292100" dist="139700" dir="2700000" algn="tl" rotWithShape="0">
-              <a:srgbClr val="333333">
-                <a:alpha val="65000"/>
-              </a:srgbClr>
-            </a:outerShdw>
-          </a:effectLst>
-        </p:spPr>
-      </p:pic>
-      <p:pic>
-        <p:nvPicPr>
-          <p:cNvPr id="8" name="Picture 7">
-            <a:extLst>
-              <a:ext uri="{FF2B5EF4-FFF2-40B4-BE49-F238E27FC236}">
-                <a16:creationId xmlns:a16="http://schemas.microsoft.com/office/drawing/2014/main" id="{E815D6CC-086C-CEEA-B605-CC7A17A0C652}"/>
-              </a:ext>
-            </a:extLst>
-          </p:cNvPr>
-          <p:cNvPicPr>
-            <a:picLocks noChangeAspect="1"/>
-          </p:cNvPicPr>
-          <p:nvPr/>
-        </p:nvPicPr>
-        <p:blipFill>
-          <a:blip r:embed="rId4"/>
-          <a:stretch>
-            <a:fillRect/>
-          </a:stretch>
-        </p:blipFill>
-        <p:spPr>
-          <a:xfrm>
-            <a:off x="119268" y="863897"/>
-            <a:ext cx="1374374" cy="2071274"/>
-          </a:xfrm>
-          <a:prstGeom prst="rect">
-            <a:avLst/>
-          </a:prstGeom>
-          <a:ln>
-            <a:noFill/>
-          </a:ln>
-          <a:effectLst>
-            <a:outerShdw blurRad="292100" dist="139700" dir="2700000" algn="tl" rotWithShape="0">
-              <a:srgbClr val="333333">
-                <a:alpha val="65000"/>
-              </a:srgbClr>
-            </a:outerShdw>
-          </a:effectLst>
-        </p:spPr>
-      </p:pic>
-      <p:sp>
-        <p:nvSpPr>
-          <p:cNvPr id="9" name="Subtitle 5">
-            <a:extLst>
-              <a:ext uri="{FF2B5EF4-FFF2-40B4-BE49-F238E27FC236}">
-                <a16:creationId xmlns:a16="http://schemas.microsoft.com/office/drawing/2014/main" id="{B98C3EDB-7ABC-5858-0198-A6F89107DC04}"/>
-              </a:ext>
-            </a:extLst>
-          </p:cNvPr>
-          <p:cNvSpPr txBox="1">
-            <a:spLocks/>
-          </p:cNvSpPr>
-          <p:nvPr/>
-        </p:nvSpPr>
-        <p:spPr>
-          <a:xfrm>
-            <a:off x="2747347" y="6471564"/>
-            <a:ext cx="7704856" cy="367591"/>
-          </a:xfrm>
-          <a:prstGeom prst="rect">
-            <a:avLst/>
-          </a:prstGeom>
-        </p:spPr>
-        <p:txBody>
-          <a:bodyPr vert="horz" lIns="91440" tIns="45720" rIns="91440" bIns="45720" rtlCol="0">
-            <a:normAutofit lnSpcReduction="10000"/>
-          </a:bodyPr>
-          <a:lstStyle>
-            <a:lvl1pPr marL="0" indent="0" algn="l" defTabSz="914400" rtl="0" eaLnBrk="1" latinLnBrk="0" hangingPunct="1">
-              <a:lnSpc>
-                <a:spcPct val="90000"/>
-              </a:lnSpc>
-              <a:spcBef>
-                <a:spcPts val="0"/>
-              </a:spcBef>
-              <a:buSzPct val="80000"/>
-              <a:buFont typeface="Wingdings" panose="05000000000000000000" pitchFamily="2" charset="2"/>
-              <a:buNone/>
-              <a:defRPr sz="2400" kern="1200">
-                <a:solidFill>
-                  <a:schemeClr val="accent2"/>
-                </a:solidFill>
-                <a:latin typeface="+mn-lt"/>
-                <a:ea typeface="+mn-ea"/>
-                <a:cs typeface="+mn-cs"/>
-              </a:defRPr>
-            </a:lvl1pPr>
-            <a:lvl2pPr marL="457200" indent="0" algn="ctr" defTabSz="914400" rtl="0" eaLnBrk="1" latinLnBrk="0" hangingPunct="1">
-              <a:lnSpc>
-                <a:spcPct val="90000"/>
-              </a:lnSpc>
-              <a:spcBef>
-                <a:spcPts val="1000"/>
-              </a:spcBef>
-              <a:buSzPct val="80000"/>
-              <a:buFont typeface="Wingdings" panose="05000000000000000000" pitchFamily="2" charset="2"/>
-              <a:buNone/>
-              <a:defRPr sz="2000" kern="1200">
-                <a:solidFill>
-                  <a:schemeClr val="tx1"/>
-                </a:solidFill>
-                <a:latin typeface="+mn-lt"/>
-                <a:ea typeface="+mn-ea"/>
-                <a:cs typeface="+mn-cs"/>
-              </a:defRPr>
-            </a:lvl2pPr>
-            <a:lvl3pPr marL="914400" indent="0" algn="ctr" defTabSz="914400" rtl="0" eaLnBrk="1" latinLnBrk="0" hangingPunct="1">
-              <a:lnSpc>
-                <a:spcPct val="90000"/>
-              </a:lnSpc>
-              <a:spcBef>
-                <a:spcPts val="800"/>
-              </a:spcBef>
-              <a:buSzPct val="80000"/>
-              <a:buFont typeface="Wingdings" panose="05000000000000000000" pitchFamily="2" charset="2"/>
-              <a:buNone/>
-              <a:defRPr sz="1800" kern="1200">
-                <a:solidFill>
-                  <a:schemeClr val="tx1"/>
-                </a:solidFill>
-                <a:latin typeface="+mn-lt"/>
-                <a:ea typeface="+mn-ea"/>
-                <a:cs typeface="+mn-cs"/>
-              </a:defRPr>
-            </a:lvl3pPr>
-            <a:lvl4pPr marL="1371600" indent="0" algn="ctr" defTabSz="914400" rtl="0" eaLnBrk="1" latinLnBrk="0" hangingPunct="1">
-              <a:lnSpc>
-                <a:spcPct val="90000"/>
-              </a:lnSpc>
-              <a:spcBef>
-                <a:spcPts val="800"/>
-              </a:spcBef>
-              <a:buSzPct val="80000"/>
-              <a:buFont typeface="Wingdings" panose="05000000000000000000" pitchFamily="2" charset="2"/>
-              <a:buNone/>
-              <a:defRPr sz="1600" kern="1200">
-                <a:solidFill>
-                  <a:schemeClr val="tx1"/>
-                </a:solidFill>
-                <a:latin typeface="+mn-lt"/>
-                <a:ea typeface="+mn-ea"/>
-                <a:cs typeface="+mn-cs"/>
-              </a:defRPr>
-            </a:lvl4pPr>
-            <a:lvl5pPr marL="1828800" indent="0" algn="ctr" defTabSz="914400" rtl="0" eaLnBrk="1" latinLnBrk="0" hangingPunct="1">
-              <a:lnSpc>
-                <a:spcPct val="90000"/>
-              </a:lnSpc>
-              <a:spcBef>
-                <a:spcPts val="800"/>
-              </a:spcBef>
-              <a:buSzPct val="80000"/>
-              <a:buFont typeface="Wingdings" panose="05000000000000000000" pitchFamily="2" charset="2"/>
-              <a:buNone/>
-              <a:defRPr sz="1600" kern="1200">
-                <a:solidFill>
-                  <a:schemeClr val="tx1"/>
-                </a:solidFill>
-                <a:latin typeface="+mn-lt"/>
-                <a:ea typeface="+mn-ea"/>
-                <a:cs typeface="+mn-cs"/>
-              </a:defRPr>
-            </a:lvl5pPr>
-            <a:lvl6pPr marL="2286000" indent="0" algn="ctr" defTabSz="914400" rtl="0" eaLnBrk="1" latinLnBrk="0" hangingPunct="1">
-              <a:lnSpc>
-                <a:spcPct val="90000"/>
-              </a:lnSpc>
-              <a:spcBef>
-                <a:spcPts val="800"/>
-              </a:spcBef>
-              <a:buSzPct val="80000"/>
-              <a:buFont typeface="Wingdings" panose="05000000000000000000" pitchFamily="2" charset="2"/>
-              <a:buNone/>
-              <a:defRPr sz="1600" kern="1200">
-                <a:solidFill>
-                  <a:schemeClr val="tx1"/>
-                </a:solidFill>
-                <a:latin typeface="+mn-lt"/>
-                <a:ea typeface="+mn-ea"/>
-                <a:cs typeface="+mn-cs"/>
-              </a:defRPr>
-            </a:lvl6pPr>
-            <a:lvl7pPr marL="2743200" indent="0" algn="ctr" defTabSz="914400" rtl="0" eaLnBrk="1" latinLnBrk="0" hangingPunct="1">
-              <a:lnSpc>
-                <a:spcPct val="90000"/>
-              </a:lnSpc>
-              <a:spcBef>
-                <a:spcPts val="800"/>
-              </a:spcBef>
-              <a:buSzPct val="80000"/>
-              <a:buFont typeface="Wingdings" panose="05000000000000000000" pitchFamily="2" charset="2"/>
-              <a:buNone/>
-              <a:defRPr sz="1600" kern="1200">
-                <a:solidFill>
-                  <a:schemeClr val="tx1"/>
-                </a:solidFill>
-                <a:latin typeface="+mn-lt"/>
-                <a:ea typeface="+mn-ea"/>
-                <a:cs typeface="+mn-cs"/>
-              </a:defRPr>
-            </a:lvl7pPr>
-            <a:lvl8pPr marL="3200400" indent="0" algn="ctr" defTabSz="914400" rtl="0" eaLnBrk="1" latinLnBrk="0" hangingPunct="1">
-              <a:lnSpc>
-                <a:spcPct val="90000"/>
-              </a:lnSpc>
-              <a:spcBef>
-                <a:spcPts val="800"/>
-              </a:spcBef>
-              <a:buSzPct val="80000"/>
-              <a:buFont typeface="Wingdings" panose="05000000000000000000" pitchFamily="2" charset="2"/>
-              <a:buNone/>
-              <a:defRPr sz="1600" kern="1200">
-                <a:solidFill>
-                  <a:schemeClr val="tx1"/>
-                </a:solidFill>
-                <a:latin typeface="+mn-lt"/>
-                <a:ea typeface="+mn-ea"/>
-                <a:cs typeface="+mn-cs"/>
-              </a:defRPr>
-            </a:lvl8pPr>
-            <a:lvl9pPr marL="3657600" indent="0" algn="ctr" defTabSz="914400" rtl="0" eaLnBrk="1" latinLnBrk="0" hangingPunct="1">
-              <a:lnSpc>
-                <a:spcPct val="90000"/>
-              </a:lnSpc>
-              <a:spcBef>
-                <a:spcPts val="800"/>
-              </a:spcBef>
-              <a:buSzPct val="80000"/>
-              <a:buFont typeface="Wingdings" panose="05000000000000000000" pitchFamily="2" charset="2"/>
-              <a:buNone/>
-              <a:defRPr sz="1600" kern="1200">
-                <a:solidFill>
-                  <a:schemeClr val="tx1"/>
-                </a:solidFill>
-                <a:latin typeface="+mn-lt"/>
-                <a:ea typeface="+mn-ea"/>
-                <a:cs typeface="+mn-cs"/>
-              </a:defRPr>
-            </a:lvl9pPr>
-          </a:lstStyle>
-          <a:p>
-            <a:pPr>
-              <a:lnSpc>
-                <a:spcPct val="120000"/>
-              </a:lnSpc>
-            </a:pPr>
-            <a:r>
-              <a:rPr lang="en-US" sz="1800" b="1" dirty="0">
-                <a:solidFill>
-                  <a:schemeClr val="accent2">
-                    <a:lumMod val="75000"/>
-                  </a:schemeClr>
-                </a:solidFill>
-                <a:hlinkClick r:id="rId5">
-                  <a:extLst>
-                    <a:ext uri="{A12FA001-AC4F-418D-AE19-62706E023703}">
-                      <ahyp:hlinkClr xmlns:ahyp="http://schemas.microsoft.com/office/drawing/2018/hyperlinkcolor" val="tx"/>
-                    </a:ext>
-                  </a:extLst>
-                </a:hlinkClick>
-              </a:rPr>
-              <a:t>https://github.com/yasenstar/python/tree/master/GUI_Python</a:t>
-            </a:r>
-            <a:endParaRPr lang="en-US" sz="1800" b="1" dirty="0">
-              <a:solidFill>
-                <a:schemeClr val="accent2">
-                  <a:lumMod val="75000"/>
-                </a:schemeClr>
-              </a:solidFill>
-            </a:endParaRPr>
-          </a:p>
-        </p:txBody>
-      </p:sp>
-      <p:pic>
-        <p:nvPicPr>
-          <p:cNvPr id="10" name="Picture 9">
-            <a:extLst>
-              <a:ext uri="{FF2B5EF4-FFF2-40B4-BE49-F238E27FC236}">
-                <a16:creationId xmlns:a16="http://schemas.microsoft.com/office/drawing/2014/main" id="{793055B9-A429-295A-C017-DFBEBAAF842A}"/>
+                <a16:creationId xmlns:a16="http://schemas.microsoft.com/office/drawing/2014/main" id="{FABDA0C0-8895-7B53-01E5-6F22202E26D8}"/>
               </a:ext>
             </a:extLst>
           </p:cNvPr>
@@ -6404,8 +4800,8 @@
         </p:blipFill>
         <p:spPr>
           <a:xfrm>
-            <a:off x="9242612" y="3165530"/>
-            <a:ext cx="2722162" cy="1357101"/>
+            <a:off x="7854518" y="2710870"/>
+            <a:ext cx="4124850" cy="2089056"/>
           </a:xfrm>
           <a:prstGeom prst="rect">
             <a:avLst/>
@@ -6427,7 +4823,7 @@
           <p:cNvPr id="11" name="Content Placeholder 10">
             <a:extLst>
               <a:ext uri="{FF2B5EF4-FFF2-40B4-BE49-F238E27FC236}">
-                <a16:creationId xmlns:a16="http://schemas.microsoft.com/office/drawing/2014/main" id="{83F97D53-343B-B8B7-CE50-6CD803C7620F}"/>
+                <a16:creationId xmlns:a16="http://schemas.microsoft.com/office/drawing/2014/main" id="{085D686A-9A44-B48B-79F5-113AB141C340}"/>
               </a:ext>
             </a:extLst>
           </p:cNvPr>
@@ -6446,8 +4842,8 @@
         </p:blipFill>
         <p:spPr>
           <a:xfrm>
-            <a:off x="2214787" y="3021106"/>
-            <a:ext cx="6127484" cy="2693894"/>
+            <a:off x="1945341" y="1715928"/>
+            <a:ext cx="5768928" cy="3586091"/>
           </a:xfrm>
           <a:prstGeom prst="rect">
             <a:avLst/>
@@ -6467,7 +4863,7 @@
     </p:spTree>
     <p:extLst>
       <p:ext uri="{BB962C8B-B14F-4D97-AF65-F5344CB8AC3E}">
-        <p14:creationId xmlns:p14="http://schemas.microsoft.com/office/powerpoint/2010/main" val="3403620366"/>
+        <p14:creationId xmlns:p14="http://schemas.microsoft.com/office/powerpoint/2010/main" val="3927732418"/>
       </p:ext>
     </p:extLst>
   </p:cSld>
@@ -6477,1571 +4873,7 @@
 </p:sld>
 </file>
 
-<file path=ppt/slides/slide6.xml><?xml version="1.0" encoding="utf-8"?>
-<p:sld xmlns:a="http://schemas.openxmlformats.org/drawingml/2006/main" xmlns:r="http://schemas.openxmlformats.org/officeDocument/2006/relationships" xmlns:p="http://schemas.openxmlformats.org/presentationml/2006/main">
-  <p:cSld>
-    <p:spTree>
-      <p:nvGrpSpPr>
-        <p:cNvPr id="1" name=""/>
-        <p:cNvGrpSpPr/>
-        <p:nvPr/>
-      </p:nvGrpSpPr>
-      <p:grpSpPr>
-        <a:xfrm>
-          <a:off x="0" y="0"/>
-          <a:ext cx="0" cy="0"/>
-          <a:chOff x="0" y="0"/>
-          <a:chExt cx="0" cy="0"/>
-        </a:xfrm>
-      </p:grpSpPr>
-      <p:sp>
-        <p:nvSpPr>
-          <p:cNvPr id="2" name="Title 1">
-            <a:extLst>
-              <a:ext uri="{FF2B5EF4-FFF2-40B4-BE49-F238E27FC236}">
-                <a16:creationId xmlns:a16="http://schemas.microsoft.com/office/drawing/2014/main" id="{60BDC9E0-4942-655E-4150-9691AA9C765B}"/>
-              </a:ext>
-            </a:extLst>
-          </p:cNvPr>
-          <p:cNvSpPr>
-            <a:spLocks noGrp="1"/>
-          </p:cNvSpPr>
-          <p:nvPr>
-            <p:ph type="title"/>
-          </p:nvPr>
-        </p:nvSpPr>
-        <p:spPr>
-          <a:xfrm>
-            <a:off x="2208213" y="304799"/>
-            <a:ext cx="9372600" cy="2384613"/>
-          </a:xfrm>
-        </p:spPr>
-        <p:txBody>
-          <a:bodyPr anchor="ctr">
-            <a:noAutofit/>
-          </a:bodyPr>
-          <a:lstStyle/>
-          <a:p>
-            <a:r>
-              <a:rPr lang="en-US" sz="3200" dirty="0">
-                <a:latin typeface="HarmonyOS Sans Black" panose="00000A00000000000000" pitchFamily="2" charset="0"/>
-              </a:rPr>
-              <a:t>Create GUI with Python</a:t>
-            </a:r>
-            <a:br>
-              <a:rPr lang="en-US" sz="2800" dirty="0">
-                <a:latin typeface="HarmonyOS Sans" panose="00000500000000000000" pitchFamily="2" charset="0"/>
-              </a:rPr>
-            </a:br>
-            <a:r>
-              <a:rPr lang="en-US" sz="4800" dirty="0">
-                <a:latin typeface="HarmonyOS Sans" panose="00000500000000000000" pitchFamily="2" charset="0"/>
-              </a:rPr>
-              <a:t>006 Ch03 Spy Name Chooser</a:t>
-            </a:r>
-            <a:br>
-              <a:rPr lang="en-US" sz="4800" dirty="0">
-                <a:latin typeface="HarmonyOS Sans" panose="00000500000000000000" pitchFamily="2" charset="0"/>
-              </a:rPr>
-            </a:br>
-            <a:br>
-              <a:rPr lang="en-US" sz="3600" dirty="0">
-                <a:latin typeface="HarmonyOS Sans" panose="00000500000000000000" pitchFamily="2" charset="0"/>
-              </a:rPr>
-            </a:br>
-            <a:r>
-              <a:rPr lang="en-US" sz="3600" dirty="0">
-                <a:latin typeface="HarmonyOS Sans" panose="00000500000000000000" pitchFamily="2" charset="0"/>
-              </a:rPr>
-              <a:t>Addition 2: More Investigation on “Commands”</a:t>
-            </a:r>
-            <a:endParaRPr lang="en-US" sz="2800" dirty="0">
-              <a:latin typeface="HarmonyOS Sans" panose="00000500000000000000" pitchFamily="2" charset="0"/>
-            </a:endParaRPr>
-          </a:p>
-        </p:txBody>
-      </p:sp>
-      <p:pic>
-        <p:nvPicPr>
-          <p:cNvPr id="6" name="Picture 5">
-            <a:extLst>
-              <a:ext uri="{FF2B5EF4-FFF2-40B4-BE49-F238E27FC236}">
-                <a16:creationId xmlns:a16="http://schemas.microsoft.com/office/drawing/2014/main" id="{28525CF1-7DD8-7F22-12CB-14807078F0D7}"/>
-              </a:ext>
-            </a:extLst>
-          </p:cNvPr>
-          <p:cNvPicPr>
-            <a:picLocks noChangeAspect="1"/>
-          </p:cNvPicPr>
-          <p:nvPr/>
-        </p:nvPicPr>
-        <p:blipFill>
-          <a:blip r:embed="rId2"/>
-          <a:stretch>
-            <a:fillRect/>
-          </a:stretch>
-        </p:blipFill>
-        <p:spPr>
-          <a:xfrm>
-            <a:off x="119268" y="59634"/>
-            <a:ext cx="611187" cy="671551"/>
-          </a:xfrm>
-          <a:prstGeom prst="rect">
-            <a:avLst/>
-          </a:prstGeom>
-          <a:ln>
-            <a:noFill/>
-          </a:ln>
-          <a:effectLst>
-            <a:outerShdw blurRad="292100" dist="139700" dir="2700000" algn="tl" rotWithShape="0">
-              <a:srgbClr val="333333">
-                <a:alpha val="65000"/>
-              </a:srgbClr>
-            </a:outerShdw>
-          </a:effectLst>
-        </p:spPr>
-      </p:pic>
-      <p:pic>
-        <p:nvPicPr>
-          <p:cNvPr id="7" name="Picture 6">
-            <a:extLst>
-              <a:ext uri="{FF2B5EF4-FFF2-40B4-BE49-F238E27FC236}">
-                <a16:creationId xmlns:a16="http://schemas.microsoft.com/office/drawing/2014/main" id="{ACE06191-4455-E539-6992-17D338C10648}"/>
-              </a:ext>
-            </a:extLst>
-          </p:cNvPr>
-          <p:cNvPicPr>
-            <a:picLocks noChangeAspect="1"/>
-          </p:cNvPicPr>
-          <p:nvPr/>
-        </p:nvPicPr>
-        <p:blipFill>
-          <a:blip r:embed="rId3"/>
-          <a:stretch>
-            <a:fillRect/>
-          </a:stretch>
-        </p:blipFill>
-        <p:spPr>
-          <a:xfrm>
-            <a:off x="0" y="6471564"/>
-            <a:ext cx="1855694" cy="386435"/>
-          </a:xfrm>
-          <a:prstGeom prst="rect">
-            <a:avLst/>
-          </a:prstGeom>
-          <a:ln>
-            <a:noFill/>
-          </a:ln>
-          <a:effectLst>
-            <a:outerShdw blurRad="292100" dist="139700" dir="2700000" algn="tl" rotWithShape="0">
-              <a:srgbClr val="333333">
-                <a:alpha val="65000"/>
-              </a:srgbClr>
-            </a:outerShdw>
-          </a:effectLst>
-        </p:spPr>
-      </p:pic>
-      <p:pic>
-        <p:nvPicPr>
-          <p:cNvPr id="8" name="Picture 7">
-            <a:extLst>
-              <a:ext uri="{FF2B5EF4-FFF2-40B4-BE49-F238E27FC236}">
-                <a16:creationId xmlns:a16="http://schemas.microsoft.com/office/drawing/2014/main" id="{E815D6CC-086C-CEEA-B605-CC7A17A0C652}"/>
-              </a:ext>
-            </a:extLst>
-          </p:cNvPr>
-          <p:cNvPicPr>
-            <a:picLocks noChangeAspect="1"/>
-          </p:cNvPicPr>
-          <p:nvPr/>
-        </p:nvPicPr>
-        <p:blipFill>
-          <a:blip r:embed="rId4"/>
-          <a:stretch>
-            <a:fillRect/>
-          </a:stretch>
-        </p:blipFill>
-        <p:spPr>
-          <a:xfrm>
-            <a:off x="119268" y="863897"/>
-            <a:ext cx="1374374" cy="2071274"/>
-          </a:xfrm>
-          <a:prstGeom prst="rect">
-            <a:avLst/>
-          </a:prstGeom>
-          <a:ln>
-            <a:noFill/>
-          </a:ln>
-          <a:effectLst>
-            <a:outerShdw blurRad="292100" dist="139700" dir="2700000" algn="tl" rotWithShape="0">
-              <a:srgbClr val="333333">
-                <a:alpha val="65000"/>
-              </a:srgbClr>
-            </a:outerShdw>
-          </a:effectLst>
-        </p:spPr>
-      </p:pic>
-      <p:sp>
-        <p:nvSpPr>
-          <p:cNvPr id="9" name="Subtitle 5">
-            <a:extLst>
-              <a:ext uri="{FF2B5EF4-FFF2-40B4-BE49-F238E27FC236}">
-                <a16:creationId xmlns:a16="http://schemas.microsoft.com/office/drawing/2014/main" id="{B98C3EDB-7ABC-5858-0198-A6F89107DC04}"/>
-              </a:ext>
-            </a:extLst>
-          </p:cNvPr>
-          <p:cNvSpPr txBox="1">
-            <a:spLocks/>
-          </p:cNvSpPr>
-          <p:nvPr/>
-        </p:nvSpPr>
-        <p:spPr>
-          <a:xfrm>
-            <a:off x="2747347" y="6471564"/>
-            <a:ext cx="7704856" cy="367591"/>
-          </a:xfrm>
-          <a:prstGeom prst="rect">
-            <a:avLst/>
-          </a:prstGeom>
-        </p:spPr>
-        <p:txBody>
-          <a:bodyPr vert="horz" lIns="91440" tIns="45720" rIns="91440" bIns="45720" rtlCol="0">
-            <a:normAutofit lnSpcReduction="10000"/>
-          </a:bodyPr>
-          <a:lstStyle>
-            <a:lvl1pPr marL="0" indent="0" algn="l" defTabSz="914400" rtl="0" eaLnBrk="1" latinLnBrk="0" hangingPunct="1">
-              <a:lnSpc>
-                <a:spcPct val="90000"/>
-              </a:lnSpc>
-              <a:spcBef>
-                <a:spcPts val="0"/>
-              </a:spcBef>
-              <a:buSzPct val="80000"/>
-              <a:buFont typeface="Wingdings" panose="05000000000000000000" pitchFamily="2" charset="2"/>
-              <a:buNone/>
-              <a:defRPr sz="2400" kern="1200">
-                <a:solidFill>
-                  <a:schemeClr val="accent2"/>
-                </a:solidFill>
-                <a:latin typeface="+mn-lt"/>
-                <a:ea typeface="+mn-ea"/>
-                <a:cs typeface="+mn-cs"/>
-              </a:defRPr>
-            </a:lvl1pPr>
-            <a:lvl2pPr marL="457200" indent="0" algn="ctr" defTabSz="914400" rtl="0" eaLnBrk="1" latinLnBrk="0" hangingPunct="1">
-              <a:lnSpc>
-                <a:spcPct val="90000"/>
-              </a:lnSpc>
-              <a:spcBef>
-                <a:spcPts val="1000"/>
-              </a:spcBef>
-              <a:buSzPct val="80000"/>
-              <a:buFont typeface="Wingdings" panose="05000000000000000000" pitchFamily="2" charset="2"/>
-              <a:buNone/>
-              <a:defRPr sz="2000" kern="1200">
-                <a:solidFill>
-                  <a:schemeClr val="tx1"/>
-                </a:solidFill>
-                <a:latin typeface="+mn-lt"/>
-                <a:ea typeface="+mn-ea"/>
-                <a:cs typeface="+mn-cs"/>
-              </a:defRPr>
-            </a:lvl2pPr>
-            <a:lvl3pPr marL="914400" indent="0" algn="ctr" defTabSz="914400" rtl="0" eaLnBrk="1" latinLnBrk="0" hangingPunct="1">
-              <a:lnSpc>
-                <a:spcPct val="90000"/>
-              </a:lnSpc>
-              <a:spcBef>
-                <a:spcPts val="800"/>
-              </a:spcBef>
-              <a:buSzPct val="80000"/>
-              <a:buFont typeface="Wingdings" panose="05000000000000000000" pitchFamily="2" charset="2"/>
-              <a:buNone/>
-              <a:defRPr sz="1800" kern="1200">
-                <a:solidFill>
-                  <a:schemeClr val="tx1"/>
-                </a:solidFill>
-                <a:latin typeface="+mn-lt"/>
-                <a:ea typeface="+mn-ea"/>
-                <a:cs typeface="+mn-cs"/>
-              </a:defRPr>
-            </a:lvl3pPr>
-            <a:lvl4pPr marL="1371600" indent="0" algn="ctr" defTabSz="914400" rtl="0" eaLnBrk="1" latinLnBrk="0" hangingPunct="1">
-              <a:lnSpc>
-                <a:spcPct val="90000"/>
-              </a:lnSpc>
-              <a:spcBef>
-                <a:spcPts val="800"/>
-              </a:spcBef>
-              <a:buSzPct val="80000"/>
-              <a:buFont typeface="Wingdings" panose="05000000000000000000" pitchFamily="2" charset="2"/>
-              <a:buNone/>
-              <a:defRPr sz="1600" kern="1200">
-                <a:solidFill>
-                  <a:schemeClr val="tx1"/>
-                </a:solidFill>
-                <a:latin typeface="+mn-lt"/>
-                <a:ea typeface="+mn-ea"/>
-                <a:cs typeface="+mn-cs"/>
-              </a:defRPr>
-            </a:lvl4pPr>
-            <a:lvl5pPr marL="1828800" indent="0" algn="ctr" defTabSz="914400" rtl="0" eaLnBrk="1" latinLnBrk="0" hangingPunct="1">
-              <a:lnSpc>
-                <a:spcPct val="90000"/>
-              </a:lnSpc>
-              <a:spcBef>
-                <a:spcPts val="800"/>
-              </a:spcBef>
-              <a:buSzPct val="80000"/>
-              <a:buFont typeface="Wingdings" panose="05000000000000000000" pitchFamily="2" charset="2"/>
-              <a:buNone/>
-              <a:defRPr sz="1600" kern="1200">
-                <a:solidFill>
-                  <a:schemeClr val="tx1"/>
-                </a:solidFill>
-                <a:latin typeface="+mn-lt"/>
-                <a:ea typeface="+mn-ea"/>
-                <a:cs typeface="+mn-cs"/>
-              </a:defRPr>
-            </a:lvl5pPr>
-            <a:lvl6pPr marL="2286000" indent="0" algn="ctr" defTabSz="914400" rtl="0" eaLnBrk="1" latinLnBrk="0" hangingPunct="1">
-              <a:lnSpc>
-                <a:spcPct val="90000"/>
-              </a:lnSpc>
-              <a:spcBef>
-                <a:spcPts val="800"/>
-              </a:spcBef>
-              <a:buSzPct val="80000"/>
-              <a:buFont typeface="Wingdings" panose="05000000000000000000" pitchFamily="2" charset="2"/>
-              <a:buNone/>
-              <a:defRPr sz="1600" kern="1200">
-                <a:solidFill>
-                  <a:schemeClr val="tx1"/>
-                </a:solidFill>
-                <a:latin typeface="+mn-lt"/>
-                <a:ea typeface="+mn-ea"/>
-                <a:cs typeface="+mn-cs"/>
-              </a:defRPr>
-            </a:lvl6pPr>
-            <a:lvl7pPr marL="2743200" indent="0" algn="ctr" defTabSz="914400" rtl="0" eaLnBrk="1" latinLnBrk="0" hangingPunct="1">
-              <a:lnSpc>
-                <a:spcPct val="90000"/>
-              </a:lnSpc>
-              <a:spcBef>
-                <a:spcPts val="800"/>
-              </a:spcBef>
-              <a:buSzPct val="80000"/>
-              <a:buFont typeface="Wingdings" panose="05000000000000000000" pitchFamily="2" charset="2"/>
-              <a:buNone/>
-              <a:defRPr sz="1600" kern="1200">
-                <a:solidFill>
-                  <a:schemeClr val="tx1"/>
-                </a:solidFill>
-                <a:latin typeface="+mn-lt"/>
-                <a:ea typeface="+mn-ea"/>
-                <a:cs typeface="+mn-cs"/>
-              </a:defRPr>
-            </a:lvl7pPr>
-            <a:lvl8pPr marL="3200400" indent="0" algn="ctr" defTabSz="914400" rtl="0" eaLnBrk="1" latinLnBrk="0" hangingPunct="1">
-              <a:lnSpc>
-                <a:spcPct val="90000"/>
-              </a:lnSpc>
-              <a:spcBef>
-                <a:spcPts val="800"/>
-              </a:spcBef>
-              <a:buSzPct val="80000"/>
-              <a:buFont typeface="Wingdings" panose="05000000000000000000" pitchFamily="2" charset="2"/>
-              <a:buNone/>
-              <a:defRPr sz="1600" kern="1200">
-                <a:solidFill>
-                  <a:schemeClr val="tx1"/>
-                </a:solidFill>
-                <a:latin typeface="+mn-lt"/>
-                <a:ea typeface="+mn-ea"/>
-                <a:cs typeface="+mn-cs"/>
-              </a:defRPr>
-            </a:lvl8pPr>
-            <a:lvl9pPr marL="3657600" indent="0" algn="ctr" defTabSz="914400" rtl="0" eaLnBrk="1" latinLnBrk="0" hangingPunct="1">
-              <a:lnSpc>
-                <a:spcPct val="90000"/>
-              </a:lnSpc>
-              <a:spcBef>
-                <a:spcPts val="800"/>
-              </a:spcBef>
-              <a:buSzPct val="80000"/>
-              <a:buFont typeface="Wingdings" panose="05000000000000000000" pitchFamily="2" charset="2"/>
-              <a:buNone/>
-              <a:defRPr sz="1600" kern="1200">
-                <a:solidFill>
-                  <a:schemeClr val="tx1"/>
-                </a:solidFill>
-                <a:latin typeface="+mn-lt"/>
-                <a:ea typeface="+mn-ea"/>
-                <a:cs typeface="+mn-cs"/>
-              </a:defRPr>
-            </a:lvl9pPr>
-          </a:lstStyle>
-          <a:p>
-            <a:pPr>
-              <a:lnSpc>
-                <a:spcPct val="120000"/>
-              </a:lnSpc>
-            </a:pPr>
-            <a:r>
-              <a:rPr lang="en-US" sz="1800" b="1" dirty="0">
-                <a:solidFill>
-                  <a:schemeClr val="accent2">
-                    <a:lumMod val="75000"/>
-                  </a:schemeClr>
-                </a:solidFill>
-                <a:hlinkClick r:id="rId5">
-                  <a:extLst>
-                    <a:ext uri="{A12FA001-AC4F-418D-AE19-62706E023703}">
-                      <ahyp:hlinkClr xmlns:ahyp="http://schemas.microsoft.com/office/drawing/2018/hyperlinkcolor" val="tx"/>
-                    </a:ext>
-                  </a:extLst>
-                </a:hlinkClick>
-              </a:rPr>
-              <a:t>https://github.com/yasenstar/python/tree/master/GUI_Python</a:t>
-            </a:r>
-            <a:endParaRPr lang="en-US" sz="1800" b="1" dirty="0">
-              <a:solidFill>
-                <a:schemeClr val="accent2">
-                  <a:lumMod val="75000"/>
-                </a:schemeClr>
-              </a:solidFill>
-            </a:endParaRPr>
-          </a:p>
-        </p:txBody>
-      </p:sp>
-      <p:pic>
-        <p:nvPicPr>
-          <p:cNvPr id="10" name="Picture 9">
-            <a:extLst>
-              <a:ext uri="{FF2B5EF4-FFF2-40B4-BE49-F238E27FC236}">
-                <a16:creationId xmlns:a16="http://schemas.microsoft.com/office/drawing/2014/main" id="{793055B9-A429-295A-C017-DFBEBAAF842A}"/>
-              </a:ext>
-            </a:extLst>
-          </p:cNvPr>
-          <p:cNvPicPr>
-            <a:picLocks noChangeAspect="1"/>
-          </p:cNvPicPr>
-          <p:nvPr/>
-        </p:nvPicPr>
-        <p:blipFill>
-          <a:blip r:embed="rId6"/>
-          <a:stretch>
-            <a:fillRect/>
-          </a:stretch>
-        </p:blipFill>
-        <p:spPr>
-          <a:xfrm>
-            <a:off x="9242612" y="3165530"/>
-            <a:ext cx="2722162" cy="1357101"/>
-          </a:xfrm>
-          <a:prstGeom prst="rect">
-            <a:avLst/>
-          </a:prstGeom>
-          <a:ln>
-            <a:noFill/>
-          </a:ln>
-          <a:effectLst>
-            <a:outerShdw blurRad="292100" dist="139700" dir="2700000" algn="tl" rotWithShape="0">
-              <a:srgbClr val="333333">
-                <a:alpha val="65000"/>
-              </a:srgbClr>
-            </a:outerShdw>
-          </a:effectLst>
-        </p:spPr>
-      </p:pic>
-      <p:pic>
-        <p:nvPicPr>
-          <p:cNvPr id="12" name="Content Placeholder 11">
-            <a:extLst>
-              <a:ext uri="{FF2B5EF4-FFF2-40B4-BE49-F238E27FC236}">
-                <a16:creationId xmlns:a16="http://schemas.microsoft.com/office/drawing/2014/main" id="{BC9DEB89-DB11-AD10-11CB-DA18273674ED}"/>
-              </a:ext>
-            </a:extLst>
-          </p:cNvPr>
-          <p:cNvPicPr>
-            <a:picLocks noGrp="1" noChangeAspect="1"/>
-          </p:cNvPicPr>
-          <p:nvPr>
-            <p:ph idx="1"/>
-          </p:nvPr>
-        </p:nvPicPr>
-        <p:blipFill>
-          <a:blip r:embed="rId7"/>
-          <a:stretch>
-            <a:fillRect/>
-          </a:stretch>
-        </p:blipFill>
-        <p:spPr>
-          <a:xfrm>
-            <a:off x="2687831" y="2894411"/>
-            <a:ext cx="4996863" cy="2926976"/>
-          </a:xfrm>
-          <a:prstGeom prst="rect">
-            <a:avLst/>
-          </a:prstGeom>
-          <a:ln>
-            <a:noFill/>
-          </a:ln>
-          <a:effectLst>
-            <a:outerShdw blurRad="292100" dist="139700" dir="2700000" algn="tl" rotWithShape="0">
-              <a:srgbClr val="333333">
-                <a:alpha val="65000"/>
-              </a:srgbClr>
-            </a:outerShdw>
-          </a:effectLst>
-        </p:spPr>
-      </p:pic>
-    </p:spTree>
-    <p:extLst>
-      <p:ext uri="{BB962C8B-B14F-4D97-AF65-F5344CB8AC3E}">
-        <p14:creationId xmlns:p14="http://schemas.microsoft.com/office/powerpoint/2010/main" val="519624687"/>
-      </p:ext>
-    </p:extLst>
-  </p:cSld>
-  <p:clrMapOvr>
-    <a:masterClrMapping/>
-  </p:clrMapOvr>
-</p:sld>
-</file>
-
-<file path=ppt/slides/slide7.xml><?xml version="1.0" encoding="utf-8"?>
-<p:sld xmlns:a="http://schemas.openxmlformats.org/drawingml/2006/main" xmlns:r="http://schemas.openxmlformats.org/officeDocument/2006/relationships" xmlns:p="http://schemas.openxmlformats.org/presentationml/2006/main">
-  <p:cSld>
-    <p:spTree>
-      <p:nvGrpSpPr>
-        <p:cNvPr id="1" name=""/>
-        <p:cNvGrpSpPr/>
-        <p:nvPr/>
-      </p:nvGrpSpPr>
-      <p:grpSpPr>
-        <a:xfrm>
-          <a:off x="0" y="0"/>
-          <a:ext cx="0" cy="0"/>
-          <a:chOff x="0" y="0"/>
-          <a:chExt cx="0" cy="0"/>
-        </a:xfrm>
-      </p:grpSpPr>
-      <p:sp>
-        <p:nvSpPr>
-          <p:cNvPr id="2" name="Title 1">
-            <a:extLst>
-              <a:ext uri="{FF2B5EF4-FFF2-40B4-BE49-F238E27FC236}">
-                <a16:creationId xmlns:a16="http://schemas.microsoft.com/office/drawing/2014/main" id="{60BDC9E0-4942-655E-4150-9691AA9C765B}"/>
-              </a:ext>
-            </a:extLst>
-          </p:cNvPr>
-          <p:cNvSpPr>
-            <a:spLocks noGrp="1"/>
-          </p:cNvSpPr>
-          <p:nvPr>
-            <p:ph type="title"/>
-          </p:nvPr>
-        </p:nvSpPr>
-        <p:spPr>
-          <a:xfrm>
-            <a:off x="2208213" y="304799"/>
-            <a:ext cx="9372600" cy="1649507"/>
-          </a:xfrm>
-        </p:spPr>
-        <p:txBody>
-          <a:bodyPr anchor="ctr">
-            <a:normAutofit/>
-          </a:bodyPr>
-          <a:lstStyle/>
-          <a:p>
-            <a:r>
-              <a:rPr lang="en-US" sz="4000" dirty="0">
-                <a:latin typeface="HarmonyOS Sans Black" panose="00000A00000000000000" pitchFamily="2" charset="0"/>
-              </a:rPr>
-              <a:t>Create GUI with Python</a:t>
-            </a:r>
-            <a:br>
-              <a:rPr lang="en-US" dirty="0">
-                <a:latin typeface="HarmonyOS Sans" panose="00000500000000000000" pitchFamily="2" charset="0"/>
-              </a:rPr>
-            </a:br>
-            <a:r>
-              <a:rPr lang="en-US" sz="5400" dirty="0">
-                <a:latin typeface="HarmonyOS Sans" panose="00000500000000000000" pitchFamily="2" charset="0"/>
-              </a:rPr>
-              <a:t>007 Ch04 Meme Generator</a:t>
-            </a:r>
-            <a:endParaRPr lang="en-US" dirty="0">
-              <a:latin typeface="HarmonyOS Sans" panose="00000500000000000000" pitchFamily="2" charset="0"/>
-            </a:endParaRPr>
-          </a:p>
-        </p:txBody>
-      </p:sp>
-      <p:pic>
-        <p:nvPicPr>
-          <p:cNvPr id="6" name="Picture 5">
-            <a:extLst>
-              <a:ext uri="{FF2B5EF4-FFF2-40B4-BE49-F238E27FC236}">
-                <a16:creationId xmlns:a16="http://schemas.microsoft.com/office/drawing/2014/main" id="{28525CF1-7DD8-7F22-12CB-14807078F0D7}"/>
-              </a:ext>
-            </a:extLst>
-          </p:cNvPr>
-          <p:cNvPicPr>
-            <a:picLocks noChangeAspect="1"/>
-          </p:cNvPicPr>
-          <p:nvPr/>
-        </p:nvPicPr>
-        <p:blipFill>
-          <a:blip r:embed="rId2"/>
-          <a:stretch>
-            <a:fillRect/>
-          </a:stretch>
-        </p:blipFill>
-        <p:spPr>
-          <a:xfrm>
-            <a:off x="119268" y="59634"/>
-            <a:ext cx="611187" cy="671551"/>
-          </a:xfrm>
-          <a:prstGeom prst="rect">
-            <a:avLst/>
-          </a:prstGeom>
-          <a:ln>
-            <a:noFill/>
-          </a:ln>
-          <a:effectLst>
-            <a:outerShdw blurRad="292100" dist="139700" dir="2700000" algn="tl" rotWithShape="0">
-              <a:srgbClr val="333333">
-                <a:alpha val="65000"/>
-              </a:srgbClr>
-            </a:outerShdw>
-          </a:effectLst>
-        </p:spPr>
-      </p:pic>
-      <p:pic>
-        <p:nvPicPr>
-          <p:cNvPr id="7" name="Picture 6">
-            <a:extLst>
-              <a:ext uri="{FF2B5EF4-FFF2-40B4-BE49-F238E27FC236}">
-                <a16:creationId xmlns:a16="http://schemas.microsoft.com/office/drawing/2014/main" id="{ACE06191-4455-E539-6992-17D338C10648}"/>
-              </a:ext>
-            </a:extLst>
-          </p:cNvPr>
-          <p:cNvPicPr>
-            <a:picLocks noChangeAspect="1"/>
-          </p:cNvPicPr>
-          <p:nvPr/>
-        </p:nvPicPr>
-        <p:blipFill>
-          <a:blip r:embed="rId3"/>
-          <a:stretch>
-            <a:fillRect/>
-          </a:stretch>
-        </p:blipFill>
-        <p:spPr>
-          <a:xfrm>
-            <a:off x="0" y="6471564"/>
-            <a:ext cx="1855694" cy="386435"/>
-          </a:xfrm>
-          <a:prstGeom prst="rect">
-            <a:avLst/>
-          </a:prstGeom>
-          <a:ln>
-            <a:noFill/>
-          </a:ln>
-          <a:effectLst>
-            <a:outerShdw blurRad="292100" dist="139700" dir="2700000" algn="tl" rotWithShape="0">
-              <a:srgbClr val="333333">
-                <a:alpha val="65000"/>
-              </a:srgbClr>
-            </a:outerShdw>
-          </a:effectLst>
-        </p:spPr>
-      </p:pic>
-      <p:pic>
-        <p:nvPicPr>
-          <p:cNvPr id="8" name="Picture 7">
-            <a:extLst>
-              <a:ext uri="{FF2B5EF4-FFF2-40B4-BE49-F238E27FC236}">
-                <a16:creationId xmlns:a16="http://schemas.microsoft.com/office/drawing/2014/main" id="{E815D6CC-086C-CEEA-B605-CC7A17A0C652}"/>
-              </a:ext>
-            </a:extLst>
-          </p:cNvPr>
-          <p:cNvPicPr>
-            <a:picLocks noChangeAspect="1"/>
-          </p:cNvPicPr>
-          <p:nvPr/>
-        </p:nvPicPr>
-        <p:blipFill>
-          <a:blip r:embed="rId4"/>
-          <a:stretch>
-            <a:fillRect/>
-          </a:stretch>
-        </p:blipFill>
-        <p:spPr>
-          <a:xfrm>
-            <a:off x="119268" y="863897"/>
-            <a:ext cx="1374374" cy="2071274"/>
-          </a:xfrm>
-          <a:prstGeom prst="rect">
-            <a:avLst/>
-          </a:prstGeom>
-          <a:ln>
-            <a:noFill/>
-          </a:ln>
-          <a:effectLst>
-            <a:outerShdw blurRad="292100" dist="139700" dir="2700000" algn="tl" rotWithShape="0">
-              <a:srgbClr val="333333">
-                <a:alpha val="65000"/>
-              </a:srgbClr>
-            </a:outerShdw>
-          </a:effectLst>
-        </p:spPr>
-      </p:pic>
-      <p:sp>
-        <p:nvSpPr>
-          <p:cNvPr id="9" name="Subtitle 5">
-            <a:extLst>
-              <a:ext uri="{FF2B5EF4-FFF2-40B4-BE49-F238E27FC236}">
-                <a16:creationId xmlns:a16="http://schemas.microsoft.com/office/drawing/2014/main" id="{B98C3EDB-7ABC-5858-0198-A6F89107DC04}"/>
-              </a:ext>
-            </a:extLst>
-          </p:cNvPr>
-          <p:cNvSpPr txBox="1">
-            <a:spLocks/>
-          </p:cNvSpPr>
-          <p:nvPr/>
-        </p:nvSpPr>
-        <p:spPr>
-          <a:xfrm>
-            <a:off x="2747347" y="6471564"/>
-            <a:ext cx="7704856" cy="367591"/>
-          </a:xfrm>
-          <a:prstGeom prst="rect">
-            <a:avLst/>
-          </a:prstGeom>
-        </p:spPr>
-        <p:txBody>
-          <a:bodyPr vert="horz" lIns="91440" tIns="45720" rIns="91440" bIns="45720" rtlCol="0">
-            <a:normAutofit lnSpcReduction="10000"/>
-          </a:bodyPr>
-          <a:lstStyle>
-            <a:lvl1pPr marL="0" indent="0" algn="l" defTabSz="914400" rtl="0" eaLnBrk="1" latinLnBrk="0" hangingPunct="1">
-              <a:lnSpc>
-                <a:spcPct val="90000"/>
-              </a:lnSpc>
-              <a:spcBef>
-                <a:spcPts val="0"/>
-              </a:spcBef>
-              <a:buSzPct val="80000"/>
-              <a:buFont typeface="Wingdings" panose="05000000000000000000" pitchFamily="2" charset="2"/>
-              <a:buNone/>
-              <a:defRPr sz="2400" kern="1200">
-                <a:solidFill>
-                  <a:schemeClr val="accent2"/>
-                </a:solidFill>
-                <a:latin typeface="+mn-lt"/>
-                <a:ea typeface="+mn-ea"/>
-                <a:cs typeface="+mn-cs"/>
-              </a:defRPr>
-            </a:lvl1pPr>
-            <a:lvl2pPr marL="457200" indent="0" algn="ctr" defTabSz="914400" rtl="0" eaLnBrk="1" latinLnBrk="0" hangingPunct="1">
-              <a:lnSpc>
-                <a:spcPct val="90000"/>
-              </a:lnSpc>
-              <a:spcBef>
-                <a:spcPts val="1000"/>
-              </a:spcBef>
-              <a:buSzPct val="80000"/>
-              <a:buFont typeface="Wingdings" panose="05000000000000000000" pitchFamily="2" charset="2"/>
-              <a:buNone/>
-              <a:defRPr sz="2000" kern="1200">
-                <a:solidFill>
-                  <a:schemeClr val="tx1"/>
-                </a:solidFill>
-                <a:latin typeface="+mn-lt"/>
-                <a:ea typeface="+mn-ea"/>
-                <a:cs typeface="+mn-cs"/>
-              </a:defRPr>
-            </a:lvl2pPr>
-            <a:lvl3pPr marL="914400" indent="0" algn="ctr" defTabSz="914400" rtl="0" eaLnBrk="1" latinLnBrk="0" hangingPunct="1">
-              <a:lnSpc>
-                <a:spcPct val="90000"/>
-              </a:lnSpc>
-              <a:spcBef>
-                <a:spcPts val="800"/>
-              </a:spcBef>
-              <a:buSzPct val="80000"/>
-              <a:buFont typeface="Wingdings" panose="05000000000000000000" pitchFamily="2" charset="2"/>
-              <a:buNone/>
-              <a:defRPr sz="1800" kern="1200">
-                <a:solidFill>
-                  <a:schemeClr val="tx1"/>
-                </a:solidFill>
-                <a:latin typeface="+mn-lt"/>
-                <a:ea typeface="+mn-ea"/>
-                <a:cs typeface="+mn-cs"/>
-              </a:defRPr>
-            </a:lvl3pPr>
-            <a:lvl4pPr marL="1371600" indent="0" algn="ctr" defTabSz="914400" rtl="0" eaLnBrk="1" latinLnBrk="0" hangingPunct="1">
-              <a:lnSpc>
-                <a:spcPct val="90000"/>
-              </a:lnSpc>
-              <a:spcBef>
-                <a:spcPts val="800"/>
-              </a:spcBef>
-              <a:buSzPct val="80000"/>
-              <a:buFont typeface="Wingdings" panose="05000000000000000000" pitchFamily="2" charset="2"/>
-              <a:buNone/>
-              <a:defRPr sz="1600" kern="1200">
-                <a:solidFill>
-                  <a:schemeClr val="tx1"/>
-                </a:solidFill>
-                <a:latin typeface="+mn-lt"/>
-                <a:ea typeface="+mn-ea"/>
-                <a:cs typeface="+mn-cs"/>
-              </a:defRPr>
-            </a:lvl4pPr>
-            <a:lvl5pPr marL="1828800" indent="0" algn="ctr" defTabSz="914400" rtl="0" eaLnBrk="1" latinLnBrk="0" hangingPunct="1">
-              <a:lnSpc>
-                <a:spcPct val="90000"/>
-              </a:lnSpc>
-              <a:spcBef>
-                <a:spcPts val="800"/>
-              </a:spcBef>
-              <a:buSzPct val="80000"/>
-              <a:buFont typeface="Wingdings" panose="05000000000000000000" pitchFamily="2" charset="2"/>
-              <a:buNone/>
-              <a:defRPr sz="1600" kern="1200">
-                <a:solidFill>
-                  <a:schemeClr val="tx1"/>
-                </a:solidFill>
-                <a:latin typeface="+mn-lt"/>
-                <a:ea typeface="+mn-ea"/>
-                <a:cs typeface="+mn-cs"/>
-              </a:defRPr>
-            </a:lvl5pPr>
-            <a:lvl6pPr marL="2286000" indent="0" algn="ctr" defTabSz="914400" rtl="0" eaLnBrk="1" latinLnBrk="0" hangingPunct="1">
-              <a:lnSpc>
-                <a:spcPct val="90000"/>
-              </a:lnSpc>
-              <a:spcBef>
-                <a:spcPts val="800"/>
-              </a:spcBef>
-              <a:buSzPct val="80000"/>
-              <a:buFont typeface="Wingdings" panose="05000000000000000000" pitchFamily="2" charset="2"/>
-              <a:buNone/>
-              <a:defRPr sz="1600" kern="1200">
-                <a:solidFill>
-                  <a:schemeClr val="tx1"/>
-                </a:solidFill>
-                <a:latin typeface="+mn-lt"/>
-                <a:ea typeface="+mn-ea"/>
-                <a:cs typeface="+mn-cs"/>
-              </a:defRPr>
-            </a:lvl6pPr>
-            <a:lvl7pPr marL="2743200" indent="0" algn="ctr" defTabSz="914400" rtl="0" eaLnBrk="1" latinLnBrk="0" hangingPunct="1">
-              <a:lnSpc>
-                <a:spcPct val="90000"/>
-              </a:lnSpc>
-              <a:spcBef>
-                <a:spcPts val="800"/>
-              </a:spcBef>
-              <a:buSzPct val="80000"/>
-              <a:buFont typeface="Wingdings" panose="05000000000000000000" pitchFamily="2" charset="2"/>
-              <a:buNone/>
-              <a:defRPr sz="1600" kern="1200">
-                <a:solidFill>
-                  <a:schemeClr val="tx1"/>
-                </a:solidFill>
-                <a:latin typeface="+mn-lt"/>
-                <a:ea typeface="+mn-ea"/>
-                <a:cs typeface="+mn-cs"/>
-              </a:defRPr>
-            </a:lvl7pPr>
-            <a:lvl8pPr marL="3200400" indent="0" algn="ctr" defTabSz="914400" rtl="0" eaLnBrk="1" latinLnBrk="0" hangingPunct="1">
-              <a:lnSpc>
-                <a:spcPct val="90000"/>
-              </a:lnSpc>
-              <a:spcBef>
-                <a:spcPts val="800"/>
-              </a:spcBef>
-              <a:buSzPct val="80000"/>
-              <a:buFont typeface="Wingdings" panose="05000000000000000000" pitchFamily="2" charset="2"/>
-              <a:buNone/>
-              <a:defRPr sz="1600" kern="1200">
-                <a:solidFill>
-                  <a:schemeClr val="tx1"/>
-                </a:solidFill>
-                <a:latin typeface="+mn-lt"/>
-                <a:ea typeface="+mn-ea"/>
-                <a:cs typeface="+mn-cs"/>
-              </a:defRPr>
-            </a:lvl8pPr>
-            <a:lvl9pPr marL="3657600" indent="0" algn="ctr" defTabSz="914400" rtl="0" eaLnBrk="1" latinLnBrk="0" hangingPunct="1">
-              <a:lnSpc>
-                <a:spcPct val="90000"/>
-              </a:lnSpc>
-              <a:spcBef>
-                <a:spcPts val="800"/>
-              </a:spcBef>
-              <a:buSzPct val="80000"/>
-              <a:buFont typeface="Wingdings" panose="05000000000000000000" pitchFamily="2" charset="2"/>
-              <a:buNone/>
-              <a:defRPr sz="1600" kern="1200">
-                <a:solidFill>
-                  <a:schemeClr val="tx1"/>
-                </a:solidFill>
-                <a:latin typeface="+mn-lt"/>
-                <a:ea typeface="+mn-ea"/>
-                <a:cs typeface="+mn-cs"/>
-              </a:defRPr>
-            </a:lvl9pPr>
-          </a:lstStyle>
-          <a:p>
-            <a:pPr>
-              <a:lnSpc>
-                <a:spcPct val="120000"/>
-              </a:lnSpc>
-            </a:pPr>
-            <a:r>
-              <a:rPr lang="en-US" sz="1800" b="1" dirty="0">
-                <a:solidFill>
-                  <a:schemeClr val="accent2">
-                    <a:lumMod val="75000"/>
-                  </a:schemeClr>
-                </a:solidFill>
-                <a:hlinkClick r:id="rId5">
-                  <a:extLst>
-                    <a:ext uri="{A12FA001-AC4F-418D-AE19-62706E023703}">
-                      <ahyp:hlinkClr xmlns:ahyp="http://schemas.microsoft.com/office/drawing/2018/hyperlinkcolor" val="tx"/>
-                    </a:ext>
-                  </a:extLst>
-                </a:hlinkClick>
-              </a:rPr>
-              <a:t>https://github.com/yasenstar/python/tree/master/GUI_Python</a:t>
-            </a:r>
-            <a:endParaRPr lang="en-US" sz="1800" b="1" dirty="0">
-              <a:solidFill>
-                <a:schemeClr val="accent2">
-                  <a:lumMod val="75000"/>
-                </a:schemeClr>
-              </a:solidFill>
-            </a:endParaRPr>
-          </a:p>
-        </p:txBody>
-      </p:sp>
-      <p:pic>
-        <p:nvPicPr>
-          <p:cNvPr id="4" name="Picture 3">
-            <a:extLst>
-              <a:ext uri="{FF2B5EF4-FFF2-40B4-BE49-F238E27FC236}">
-                <a16:creationId xmlns:a16="http://schemas.microsoft.com/office/drawing/2014/main" id="{D0D3F459-3FCE-3C25-CBDA-EF7090AED6C5}"/>
-              </a:ext>
-            </a:extLst>
-          </p:cNvPr>
-          <p:cNvPicPr>
-            <a:picLocks noChangeAspect="1"/>
-          </p:cNvPicPr>
-          <p:nvPr/>
-        </p:nvPicPr>
-        <p:blipFill>
-          <a:blip r:embed="rId6"/>
-          <a:stretch>
-            <a:fillRect/>
-          </a:stretch>
-        </p:blipFill>
-        <p:spPr>
-          <a:xfrm>
-            <a:off x="7809704" y="2555368"/>
-            <a:ext cx="4164627" cy="2088349"/>
-          </a:xfrm>
-          <a:prstGeom prst="rect">
-            <a:avLst/>
-          </a:prstGeom>
-          <a:ln>
-            <a:noFill/>
-          </a:ln>
-          <a:effectLst>
-            <a:outerShdw blurRad="292100" dist="139700" dir="2700000" algn="tl" rotWithShape="0">
-              <a:srgbClr val="333333">
-                <a:alpha val="65000"/>
-              </a:srgbClr>
-            </a:outerShdw>
-          </a:effectLst>
-        </p:spPr>
-      </p:pic>
-      <p:pic>
-        <p:nvPicPr>
-          <p:cNvPr id="14" name="Content Placeholder 13">
-            <a:extLst>
-              <a:ext uri="{FF2B5EF4-FFF2-40B4-BE49-F238E27FC236}">
-                <a16:creationId xmlns:a16="http://schemas.microsoft.com/office/drawing/2014/main" id="{D8C92E77-7D66-7570-3101-8E77AB21E668}"/>
-              </a:ext>
-            </a:extLst>
-          </p:cNvPr>
-          <p:cNvPicPr>
-            <a:picLocks noGrp="1" noChangeAspect="1"/>
-          </p:cNvPicPr>
-          <p:nvPr>
-            <p:ph idx="1"/>
-          </p:nvPr>
-        </p:nvPicPr>
-        <p:blipFill>
-          <a:blip r:embed="rId7"/>
-          <a:stretch>
-            <a:fillRect/>
-          </a:stretch>
-        </p:blipFill>
-        <p:spPr>
-          <a:xfrm>
-            <a:off x="1734829" y="2091831"/>
-            <a:ext cx="5941265" cy="3019087"/>
-          </a:xfrm>
-          <a:prstGeom prst="rect">
-            <a:avLst/>
-          </a:prstGeom>
-          <a:ln>
-            <a:noFill/>
-          </a:ln>
-          <a:effectLst>
-            <a:outerShdw blurRad="292100" dist="139700" dir="2700000" algn="tl" rotWithShape="0">
-              <a:srgbClr val="333333">
-                <a:alpha val="65000"/>
-              </a:srgbClr>
-            </a:outerShdw>
-          </a:effectLst>
-        </p:spPr>
-      </p:pic>
-    </p:spTree>
-    <p:extLst>
-      <p:ext uri="{BB962C8B-B14F-4D97-AF65-F5344CB8AC3E}">
-        <p14:creationId xmlns:p14="http://schemas.microsoft.com/office/powerpoint/2010/main" val="2057097921"/>
-      </p:ext>
-    </p:extLst>
-  </p:cSld>
-  <p:clrMapOvr>
-    <a:masterClrMapping/>
-  </p:clrMapOvr>
-</p:sld>
-</file>
-
-<file path=ppt/slides/slide8.xml><?xml version="1.0" encoding="utf-8"?>
-<p:sld xmlns:a="http://schemas.openxmlformats.org/drawingml/2006/main" xmlns:r="http://schemas.openxmlformats.org/officeDocument/2006/relationships" xmlns:p="http://schemas.openxmlformats.org/presentationml/2006/main">
-  <p:cSld>
-    <p:spTree>
-      <p:nvGrpSpPr>
-        <p:cNvPr id="1" name=""/>
-        <p:cNvGrpSpPr/>
-        <p:nvPr/>
-      </p:nvGrpSpPr>
-      <p:grpSpPr>
-        <a:xfrm>
-          <a:off x="0" y="0"/>
-          <a:ext cx="0" cy="0"/>
-          <a:chOff x="0" y="0"/>
-          <a:chExt cx="0" cy="0"/>
-        </a:xfrm>
-      </p:grpSpPr>
-      <p:sp>
-        <p:nvSpPr>
-          <p:cNvPr id="2" name="Title 1">
-            <a:extLst>
-              <a:ext uri="{FF2B5EF4-FFF2-40B4-BE49-F238E27FC236}">
-                <a16:creationId xmlns:a16="http://schemas.microsoft.com/office/drawing/2014/main" id="{60BDC9E0-4942-655E-4150-9691AA9C765B}"/>
-              </a:ext>
-            </a:extLst>
-          </p:cNvPr>
-          <p:cNvSpPr>
-            <a:spLocks noGrp="1"/>
-          </p:cNvSpPr>
-          <p:nvPr>
-            <p:ph type="title"/>
-          </p:nvPr>
-        </p:nvSpPr>
-        <p:spPr>
-          <a:xfrm>
-            <a:off x="2208213" y="304799"/>
-            <a:ext cx="9372600" cy="1649507"/>
-          </a:xfrm>
-        </p:spPr>
-        <p:txBody>
-          <a:bodyPr anchor="ctr">
-            <a:normAutofit/>
-          </a:bodyPr>
-          <a:lstStyle/>
-          <a:p>
-            <a:r>
-              <a:rPr lang="en-US" sz="4000" dirty="0">
-                <a:latin typeface="HarmonyOS Sans Black" panose="00000A00000000000000" pitchFamily="2" charset="0"/>
-              </a:rPr>
-              <a:t>Create GUI with Python</a:t>
-            </a:r>
-            <a:br>
-              <a:rPr lang="en-US" dirty="0">
-                <a:latin typeface="HarmonyOS Sans" panose="00000500000000000000" pitchFamily="2" charset="0"/>
-              </a:rPr>
-            </a:br>
-            <a:r>
-              <a:rPr lang="en-US" sz="5400" dirty="0">
-                <a:latin typeface="HarmonyOS Sans" panose="00000500000000000000" pitchFamily="2" charset="0"/>
-              </a:rPr>
-              <a:t>008 Ch05 World’s Worst GUI</a:t>
-            </a:r>
-            <a:endParaRPr lang="en-US" dirty="0">
-              <a:latin typeface="HarmonyOS Sans" panose="00000500000000000000" pitchFamily="2" charset="0"/>
-            </a:endParaRPr>
-          </a:p>
-        </p:txBody>
-      </p:sp>
-      <p:pic>
-        <p:nvPicPr>
-          <p:cNvPr id="6" name="Picture 5">
-            <a:extLst>
-              <a:ext uri="{FF2B5EF4-FFF2-40B4-BE49-F238E27FC236}">
-                <a16:creationId xmlns:a16="http://schemas.microsoft.com/office/drawing/2014/main" id="{28525CF1-7DD8-7F22-12CB-14807078F0D7}"/>
-              </a:ext>
-            </a:extLst>
-          </p:cNvPr>
-          <p:cNvPicPr>
-            <a:picLocks noChangeAspect="1"/>
-          </p:cNvPicPr>
-          <p:nvPr/>
-        </p:nvPicPr>
-        <p:blipFill>
-          <a:blip r:embed="rId2"/>
-          <a:stretch>
-            <a:fillRect/>
-          </a:stretch>
-        </p:blipFill>
-        <p:spPr>
-          <a:xfrm>
-            <a:off x="119268" y="59634"/>
-            <a:ext cx="611187" cy="671551"/>
-          </a:xfrm>
-          <a:prstGeom prst="rect">
-            <a:avLst/>
-          </a:prstGeom>
-          <a:ln>
-            <a:noFill/>
-          </a:ln>
-          <a:effectLst>
-            <a:outerShdw blurRad="292100" dist="139700" dir="2700000" algn="tl" rotWithShape="0">
-              <a:srgbClr val="333333">
-                <a:alpha val="65000"/>
-              </a:srgbClr>
-            </a:outerShdw>
-          </a:effectLst>
-        </p:spPr>
-      </p:pic>
-      <p:pic>
-        <p:nvPicPr>
-          <p:cNvPr id="7" name="Picture 6">
-            <a:extLst>
-              <a:ext uri="{FF2B5EF4-FFF2-40B4-BE49-F238E27FC236}">
-                <a16:creationId xmlns:a16="http://schemas.microsoft.com/office/drawing/2014/main" id="{ACE06191-4455-E539-6992-17D338C10648}"/>
-              </a:ext>
-            </a:extLst>
-          </p:cNvPr>
-          <p:cNvPicPr>
-            <a:picLocks noChangeAspect="1"/>
-          </p:cNvPicPr>
-          <p:nvPr/>
-        </p:nvPicPr>
-        <p:blipFill>
-          <a:blip r:embed="rId3"/>
-          <a:stretch>
-            <a:fillRect/>
-          </a:stretch>
-        </p:blipFill>
-        <p:spPr>
-          <a:xfrm>
-            <a:off x="0" y="6471564"/>
-            <a:ext cx="1855694" cy="386435"/>
-          </a:xfrm>
-          <a:prstGeom prst="rect">
-            <a:avLst/>
-          </a:prstGeom>
-          <a:ln>
-            <a:noFill/>
-          </a:ln>
-          <a:effectLst>
-            <a:outerShdw blurRad="292100" dist="139700" dir="2700000" algn="tl" rotWithShape="0">
-              <a:srgbClr val="333333">
-                <a:alpha val="65000"/>
-              </a:srgbClr>
-            </a:outerShdw>
-          </a:effectLst>
-        </p:spPr>
-      </p:pic>
-      <p:pic>
-        <p:nvPicPr>
-          <p:cNvPr id="8" name="Picture 7">
-            <a:extLst>
-              <a:ext uri="{FF2B5EF4-FFF2-40B4-BE49-F238E27FC236}">
-                <a16:creationId xmlns:a16="http://schemas.microsoft.com/office/drawing/2014/main" id="{E815D6CC-086C-CEEA-B605-CC7A17A0C652}"/>
-              </a:ext>
-            </a:extLst>
-          </p:cNvPr>
-          <p:cNvPicPr>
-            <a:picLocks noChangeAspect="1"/>
-          </p:cNvPicPr>
-          <p:nvPr/>
-        </p:nvPicPr>
-        <p:blipFill>
-          <a:blip r:embed="rId4"/>
-          <a:stretch>
-            <a:fillRect/>
-          </a:stretch>
-        </p:blipFill>
-        <p:spPr>
-          <a:xfrm>
-            <a:off x="119268" y="863897"/>
-            <a:ext cx="1374374" cy="2071274"/>
-          </a:xfrm>
-          <a:prstGeom prst="rect">
-            <a:avLst/>
-          </a:prstGeom>
-          <a:ln>
-            <a:noFill/>
-          </a:ln>
-          <a:effectLst>
-            <a:outerShdw blurRad="292100" dist="139700" dir="2700000" algn="tl" rotWithShape="0">
-              <a:srgbClr val="333333">
-                <a:alpha val="65000"/>
-              </a:srgbClr>
-            </a:outerShdw>
-          </a:effectLst>
-        </p:spPr>
-      </p:pic>
-      <p:sp>
-        <p:nvSpPr>
-          <p:cNvPr id="9" name="Subtitle 5">
-            <a:extLst>
-              <a:ext uri="{FF2B5EF4-FFF2-40B4-BE49-F238E27FC236}">
-                <a16:creationId xmlns:a16="http://schemas.microsoft.com/office/drawing/2014/main" id="{B98C3EDB-7ABC-5858-0198-A6F89107DC04}"/>
-              </a:ext>
-            </a:extLst>
-          </p:cNvPr>
-          <p:cNvSpPr txBox="1">
-            <a:spLocks/>
-          </p:cNvSpPr>
-          <p:nvPr/>
-        </p:nvSpPr>
-        <p:spPr>
-          <a:xfrm>
-            <a:off x="2747347" y="6471564"/>
-            <a:ext cx="7704856" cy="367591"/>
-          </a:xfrm>
-          <a:prstGeom prst="rect">
-            <a:avLst/>
-          </a:prstGeom>
-        </p:spPr>
-        <p:txBody>
-          <a:bodyPr vert="horz" lIns="91440" tIns="45720" rIns="91440" bIns="45720" rtlCol="0">
-            <a:normAutofit lnSpcReduction="10000"/>
-          </a:bodyPr>
-          <a:lstStyle>
-            <a:lvl1pPr marL="0" indent="0" algn="l" defTabSz="914400" rtl="0" eaLnBrk="1" latinLnBrk="0" hangingPunct="1">
-              <a:lnSpc>
-                <a:spcPct val="90000"/>
-              </a:lnSpc>
-              <a:spcBef>
-                <a:spcPts val="0"/>
-              </a:spcBef>
-              <a:buSzPct val="80000"/>
-              <a:buFont typeface="Wingdings" panose="05000000000000000000" pitchFamily="2" charset="2"/>
-              <a:buNone/>
-              <a:defRPr sz="2400" kern="1200">
-                <a:solidFill>
-                  <a:schemeClr val="accent2"/>
-                </a:solidFill>
-                <a:latin typeface="+mn-lt"/>
-                <a:ea typeface="+mn-ea"/>
-                <a:cs typeface="+mn-cs"/>
-              </a:defRPr>
-            </a:lvl1pPr>
-            <a:lvl2pPr marL="457200" indent="0" algn="ctr" defTabSz="914400" rtl="0" eaLnBrk="1" latinLnBrk="0" hangingPunct="1">
-              <a:lnSpc>
-                <a:spcPct val="90000"/>
-              </a:lnSpc>
-              <a:spcBef>
-                <a:spcPts val="1000"/>
-              </a:spcBef>
-              <a:buSzPct val="80000"/>
-              <a:buFont typeface="Wingdings" panose="05000000000000000000" pitchFamily="2" charset="2"/>
-              <a:buNone/>
-              <a:defRPr sz="2000" kern="1200">
-                <a:solidFill>
-                  <a:schemeClr val="tx1"/>
-                </a:solidFill>
-                <a:latin typeface="+mn-lt"/>
-                <a:ea typeface="+mn-ea"/>
-                <a:cs typeface="+mn-cs"/>
-              </a:defRPr>
-            </a:lvl2pPr>
-            <a:lvl3pPr marL="914400" indent="0" algn="ctr" defTabSz="914400" rtl="0" eaLnBrk="1" latinLnBrk="0" hangingPunct="1">
-              <a:lnSpc>
-                <a:spcPct val="90000"/>
-              </a:lnSpc>
-              <a:spcBef>
-                <a:spcPts val="800"/>
-              </a:spcBef>
-              <a:buSzPct val="80000"/>
-              <a:buFont typeface="Wingdings" panose="05000000000000000000" pitchFamily="2" charset="2"/>
-              <a:buNone/>
-              <a:defRPr sz="1800" kern="1200">
-                <a:solidFill>
-                  <a:schemeClr val="tx1"/>
-                </a:solidFill>
-                <a:latin typeface="+mn-lt"/>
-                <a:ea typeface="+mn-ea"/>
-                <a:cs typeface="+mn-cs"/>
-              </a:defRPr>
-            </a:lvl3pPr>
-            <a:lvl4pPr marL="1371600" indent="0" algn="ctr" defTabSz="914400" rtl="0" eaLnBrk="1" latinLnBrk="0" hangingPunct="1">
-              <a:lnSpc>
-                <a:spcPct val="90000"/>
-              </a:lnSpc>
-              <a:spcBef>
-                <a:spcPts val="800"/>
-              </a:spcBef>
-              <a:buSzPct val="80000"/>
-              <a:buFont typeface="Wingdings" panose="05000000000000000000" pitchFamily="2" charset="2"/>
-              <a:buNone/>
-              <a:defRPr sz="1600" kern="1200">
-                <a:solidFill>
-                  <a:schemeClr val="tx1"/>
-                </a:solidFill>
-                <a:latin typeface="+mn-lt"/>
-                <a:ea typeface="+mn-ea"/>
-                <a:cs typeface="+mn-cs"/>
-              </a:defRPr>
-            </a:lvl4pPr>
-            <a:lvl5pPr marL="1828800" indent="0" algn="ctr" defTabSz="914400" rtl="0" eaLnBrk="1" latinLnBrk="0" hangingPunct="1">
-              <a:lnSpc>
-                <a:spcPct val="90000"/>
-              </a:lnSpc>
-              <a:spcBef>
-                <a:spcPts val="800"/>
-              </a:spcBef>
-              <a:buSzPct val="80000"/>
-              <a:buFont typeface="Wingdings" panose="05000000000000000000" pitchFamily="2" charset="2"/>
-              <a:buNone/>
-              <a:defRPr sz="1600" kern="1200">
-                <a:solidFill>
-                  <a:schemeClr val="tx1"/>
-                </a:solidFill>
-                <a:latin typeface="+mn-lt"/>
-                <a:ea typeface="+mn-ea"/>
-                <a:cs typeface="+mn-cs"/>
-              </a:defRPr>
-            </a:lvl5pPr>
-            <a:lvl6pPr marL="2286000" indent="0" algn="ctr" defTabSz="914400" rtl="0" eaLnBrk="1" latinLnBrk="0" hangingPunct="1">
-              <a:lnSpc>
-                <a:spcPct val="90000"/>
-              </a:lnSpc>
-              <a:spcBef>
-                <a:spcPts val="800"/>
-              </a:spcBef>
-              <a:buSzPct val="80000"/>
-              <a:buFont typeface="Wingdings" panose="05000000000000000000" pitchFamily="2" charset="2"/>
-              <a:buNone/>
-              <a:defRPr sz="1600" kern="1200">
-                <a:solidFill>
-                  <a:schemeClr val="tx1"/>
-                </a:solidFill>
-                <a:latin typeface="+mn-lt"/>
-                <a:ea typeface="+mn-ea"/>
-                <a:cs typeface="+mn-cs"/>
-              </a:defRPr>
-            </a:lvl6pPr>
-            <a:lvl7pPr marL="2743200" indent="0" algn="ctr" defTabSz="914400" rtl="0" eaLnBrk="1" latinLnBrk="0" hangingPunct="1">
-              <a:lnSpc>
-                <a:spcPct val="90000"/>
-              </a:lnSpc>
-              <a:spcBef>
-                <a:spcPts val="800"/>
-              </a:spcBef>
-              <a:buSzPct val="80000"/>
-              <a:buFont typeface="Wingdings" panose="05000000000000000000" pitchFamily="2" charset="2"/>
-              <a:buNone/>
-              <a:defRPr sz="1600" kern="1200">
-                <a:solidFill>
-                  <a:schemeClr val="tx1"/>
-                </a:solidFill>
-                <a:latin typeface="+mn-lt"/>
-                <a:ea typeface="+mn-ea"/>
-                <a:cs typeface="+mn-cs"/>
-              </a:defRPr>
-            </a:lvl7pPr>
-            <a:lvl8pPr marL="3200400" indent="0" algn="ctr" defTabSz="914400" rtl="0" eaLnBrk="1" latinLnBrk="0" hangingPunct="1">
-              <a:lnSpc>
-                <a:spcPct val="90000"/>
-              </a:lnSpc>
-              <a:spcBef>
-                <a:spcPts val="800"/>
-              </a:spcBef>
-              <a:buSzPct val="80000"/>
-              <a:buFont typeface="Wingdings" panose="05000000000000000000" pitchFamily="2" charset="2"/>
-              <a:buNone/>
-              <a:defRPr sz="1600" kern="1200">
-                <a:solidFill>
-                  <a:schemeClr val="tx1"/>
-                </a:solidFill>
-                <a:latin typeface="+mn-lt"/>
-                <a:ea typeface="+mn-ea"/>
-                <a:cs typeface="+mn-cs"/>
-              </a:defRPr>
-            </a:lvl8pPr>
-            <a:lvl9pPr marL="3657600" indent="0" algn="ctr" defTabSz="914400" rtl="0" eaLnBrk="1" latinLnBrk="0" hangingPunct="1">
-              <a:lnSpc>
-                <a:spcPct val="90000"/>
-              </a:lnSpc>
-              <a:spcBef>
-                <a:spcPts val="800"/>
-              </a:spcBef>
-              <a:buSzPct val="80000"/>
-              <a:buFont typeface="Wingdings" panose="05000000000000000000" pitchFamily="2" charset="2"/>
-              <a:buNone/>
-              <a:defRPr sz="1600" kern="1200">
-                <a:solidFill>
-                  <a:schemeClr val="tx1"/>
-                </a:solidFill>
-                <a:latin typeface="+mn-lt"/>
-                <a:ea typeface="+mn-ea"/>
-                <a:cs typeface="+mn-cs"/>
-              </a:defRPr>
-            </a:lvl9pPr>
-          </a:lstStyle>
-          <a:p>
-            <a:pPr>
-              <a:lnSpc>
-                <a:spcPct val="120000"/>
-              </a:lnSpc>
-            </a:pPr>
-            <a:r>
-              <a:rPr lang="en-US" sz="1800" b="1" dirty="0">
-                <a:solidFill>
-                  <a:schemeClr val="accent2">
-                    <a:lumMod val="75000"/>
-                  </a:schemeClr>
-                </a:solidFill>
-                <a:hlinkClick r:id="rId5">
-                  <a:extLst>
-                    <a:ext uri="{A12FA001-AC4F-418D-AE19-62706E023703}">
-                      <ahyp:hlinkClr xmlns:ahyp="http://schemas.microsoft.com/office/drawing/2018/hyperlinkcolor" val="tx"/>
-                    </a:ext>
-                  </a:extLst>
-                </a:hlinkClick>
-              </a:rPr>
-              <a:t>https://github.com/yasenstar/python/tree/master/GUI_Python</a:t>
-            </a:r>
-            <a:endParaRPr lang="en-US" sz="1800" b="1" dirty="0">
-              <a:solidFill>
-                <a:schemeClr val="accent2">
-                  <a:lumMod val="75000"/>
-                </a:schemeClr>
-              </a:solidFill>
-            </a:endParaRPr>
-          </a:p>
-        </p:txBody>
-      </p:sp>
-      <p:pic>
-        <p:nvPicPr>
-          <p:cNvPr id="11" name="Content Placeholder 10">
-            <a:extLst>
-              <a:ext uri="{FF2B5EF4-FFF2-40B4-BE49-F238E27FC236}">
-                <a16:creationId xmlns:a16="http://schemas.microsoft.com/office/drawing/2014/main" id="{1E3B04F3-CC78-9B98-67A1-FF0794167F13}"/>
-              </a:ext>
-            </a:extLst>
-          </p:cNvPr>
-          <p:cNvPicPr>
-            <a:picLocks noGrp="1" noChangeAspect="1"/>
-          </p:cNvPicPr>
-          <p:nvPr>
-            <p:ph idx="1"/>
-          </p:nvPr>
-        </p:nvPicPr>
-        <p:blipFill>
-          <a:blip r:embed="rId6"/>
-          <a:stretch>
-            <a:fillRect/>
-          </a:stretch>
-        </p:blipFill>
-        <p:spPr>
-          <a:xfrm>
-            <a:off x="1987905" y="1989981"/>
-            <a:ext cx="5606005" cy="3335054"/>
-          </a:xfrm>
-          <a:prstGeom prst="rect">
-            <a:avLst/>
-          </a:prstGeom>
-          <a:ln>
-            <a:noFill/>
-          </a:ln>
-          <a:effectLst>
-            <a:outerShdw blurRad="292100" dist="139700" dir="2700000" algn="tl" rotWithShape="0">
-              <a:srgbClr val="333333">
-                <a:alpha val="65000"/>
-              </a:srgbClr>
-            </a:outerShdw>
-          </a:effectLst>
-        </p:spPr>
-      </p:pic>
-      <p:pic>
-        <p:nvPicPr>
-          <p:cNvPr id="13" name="Picture 12">
-            <a:extLst>
-              <a:ext uri="{FF2B5EF4-FFF2-40B4-BE49-F238E27FC236}">
-                <a16:creationId xmlns:a16="http://schemas.microsoft.com/office/drawing/2014/main" id="{08E50471-ED87-E58D-AB59-14EF1F3DA980}"/>
-              </a:ext>
-            </a:extLst>
-          </p:cNvPr>
-          <p:cNvPicPr>
-            <a:picLocks noChangeAspect="1"/>
-          </p:cNvPicPr>
-          <p:nvPr/>
-        </p:nvPicPr>
-        <p:blipFill>
-          <a:blip r:embed="rId7"/>
-          <a:stretch>
-            <a:fillRect/>
-          </a:stretch>
-        </p:blipFill>
-        <p:spPr>
-          <a:xfrm>
-            <a:off x="7866704" y="2659988"/>
-            <a:ext cx="3950179" cy="1995040"/>
-          </a:xfrm>
-          <a:prstGeom prst="rect">
-            <a:avLst/>
-          </a:prstGeom>
-          <a:ln>
-            <a:noFill/>
-          </a:ln>
-          <a:effectLst>
-            <a:outerShdw blurRad="292100" dist="139700" dir="2700000" algn="tl" rotWithShape="0">
-              <a:srgbClr val="333333">
-                <a:alpha val="65000"/>
-              </a:srgbClr>
-            </a:outerShdw>
-          </a:effectLst>
-        </p:spPr>
-      </p:pic>
-    </p:spTree>
-    <p:extLst>
-      <p:ext uri="{BB962C8B-B14F-4D97-AF65-F5344CB8AC3E}">
-        <p14:creationId xmlns:p14="http://schemas.microsoft.com/office/powerpoint/2010/main" val="4055922921"/>
-      </p:ext>
-    </p:extLst>
-  </p:cSld>
-  <p:clrMapOvr>
-    <a:masterClrMapping/>
-  </p:clrMapOvr>
-</p:sld>
-</file>
-
-<file path=ppt/slides/slide9.xml><?xml version="1.0" encoding="utf-8"?>
+<file path=ppt/slides/slide11.xml><?xml version="1.0" encoding="utf-8"?>
 <p:sld xmlns:a="http://schemas.openxmlformats.org/drawingml/2006/main" xmlns:r="http://schemas.openxmlformats.org/officeDocument/2006/relationships" xmlns:p="http://schemas.openxmlformats.org/presentationml/2006/main">
   <p:cSld>
     <p:spTree>
@@ -8132,6 +4964,4208 @@
     <p:extLst>
       <p:ext uri="{BB962C8B-B14F-4D97-AF65-F5344CB8AC3E}">
         <p14:creationId xmlns:p14="http://schemas.microsoft.com/office/powerpoint/2010/main" val="1950194442"/>
+      </p:ext>
+    </p:extLst>
+  </p:cSld>
+  <p:clrMapOvr>
+    <a:masterClrMapping/>
+  </p:clrMapOvr>
+</p:sld>
+</file>
+
+<file path=ppt/slides/slide2.xml><?xml version="1.0" encoding="utf-8"?>
+<p:sld xmlns:a="http://schemas.openxmlformats.org/drawingml/2006/main" xmlns:r="http://schemas.openxmlformats.org/officeDocument/2006/relationships" xmlns:p="http://schemas.openxmlformats.org/presentationml/2006/main">
+  <p:cSld>
+    <p:spTree>
+      <p:nvGrpSpPr>
+        <p:cNvPr id="1" name=""/>
+        <p:cNvGrpSpPr/>
+        <p:nvPr/>
+      </p:nvGrpSpPr>
+      <p:grpSpPr>
+        <a:xfrm>
+          <a:off x="0" y="0"/>
+          <a:ext cx="0" cy="0"/>
+          <a:chOff x="0" y="0"/>
+          <a:chExt cx="0" cy="0"/>
+        </a:xfrm>
+      </p:grpSpPr>
+      <p:sp>
+        <p:nvSpPr>
+          <p:cNvPr id="2" name="Title 1">
+            <a:extLst>
+              <a:ext uri="{FF2B5EF4-FFF2-40B4-BE49-F238E27FC236}">
+                <a16:creationId xmlns:a16="http://schemas.microsoft.com/office/drawing/2014/main" id="{60BDC9E0-4942-655E-4150-9691AA9C765B}"/>
+              </a:ext>
+            </a:extLst>
+          </p:cNvPr>
+          <p:cNvSpPr>
+            <a:spLocks noGrp="1"/>
+          </p:cNvSpPr>
+          <p:nvPr>
+            <p:ph type="title"/>
+          </p:nvPr>
+        </p:nvSpPr>
+        <p:spPr>
+          <a:xfrm>
+            <a:off x="2208213" y="304799"/>
+            <a:ext cx="9372600" cy="1649507"/>
+          </a:xfrm>
+        </p:spPr>
+        <p:txBody>
+          <a:bodyPr anchor="ctr">
+            <a:normAutofit/>
+          </a:bodyPr>
+          <a:lstStyle/>
+          <a:p>
+            <a:r>
+              <a:rPr lang="en-US" sz="4000" dirty="0">
+                <a:latin typeface="HarmonyOS Sans Black" panose="00000A00000000000000" pitchFamily="2" charset="0"/>
+              </a:rPr>
+              <a:t>Create GUI with Python</a:t>
+            </a:r>
+            <a:br>
+              <a:rPr lang="en-US" dirty="0">
+                <a:latin typeface="HarmonyOS Sans" panose="00000500000000000000" pitchFamily="2" charset="0"/>
+              </a:rPr>
+            </a:br>
+            <a:r>
+              <a:rPr lang="en-US" sz="5400" dirty="0">
+                <a:latin typeface="HarmonyOS Sans" panose="00000500000000000000" pitchFamily="2" charset="0"/>
+              </a:rPr>
+              <a:t>002 Ch01 Hello World in GUI</a:t>
+            </a:r>
+            <a:endParaRPr lang="en-US" dirty="0">
+              <a:latin typeface="HarmonyOS Sans" panose="00000500000000000000" pitchFamily="2" charset="0"/>
+            </a:endParaRPr>
+          </a:p>
+        </p:txBody>
+      </p:sp>
+      <p:pic>
+        <p:nvPicPr>
+          <p:cNvPr id="6" name="Picture 5">
+            <a:extLst>
+              <a:ext uri="{FF2B5EF4-FFF2-40B4-BE49-F238E27FC236}">
+                <a16:creationId xmlns:a16="http://schemas.microsoft.com/office/drawing/2014/main" id="{28525CF1-7DD8-7F22-12CB-14807078F0D7}"/>
+              </a:ext>
+            </a:extLst>
+          </p:cNvPr>
+          <p:cNvPicPr>
+            <a:picLocks noChangeAspect="1"/>
+          </p:cNvPicPr>
+          <p:nvPr/>
+        </p:nvPicPr>
+        <p:blipFill>
+          <a:blip r:embed="rId2"/>
+          <a:stretch>
+            <a:fillRect/>
+          </a:stretch>
+        </p:blipFill>
+        <p:spPr>
+          <a:xfrm>
+            <a:off x="119268" y="59634"/>
+            <a:ext cx="611187" cy="671551"/>
+          </a:xfrm>
+          <a:prstGeom prst="rect">
+            <a:avLst/>
+          </a:prstGeom>
+          <a:ln>
+            <a:noFill/>
+          </a:ln>
+          <a:effectLst>
+            <a:outerShdw blurRad="292100" dist="139700" dir="2700000" algn="tl" rotWithShape="0">
+              <a:srgbClr val="333333">
+                <a:alpha val="65000"/>
+              </a:srgbClr>
+            </a:outerShdw>
+          </a:effectLst>
+        </p:spPr>
+      </p:pic>
+      <p:pic>
+        <p:nvPicPr>
+          <p:cNvPr id="7" name="Picture 6">
+            <a:extLst>
+              <a:ext uri="{FF2B5EF4-FFF2-40B4-BE49-F238E27FC236}">
+                <a16:creationId xmlns:a16="http://schemas.microsoft.com/office/drawing/2014/main" id="{ACE06191-4455-E539-6992-17D338C10648}"/>
+              </a:ext>
+            </a:extLst>
+          </p:cNvPr>
+          <p:cNvPicPr>
+            <a:picLocks noChangeAspect="1"/>
+          </p:cNvPicPr>
+          <p:nvPr/>
+        </p:nvPicPr>
+        <p:blipFill>
+          <a:blip r:embed="rId3"/>
+          <a:stretch>
+            <a:fillRect/>
+          </a:stretch>
+        </p:blipFill>
+        <p:spPr>
+          <a:xfrm>
+            <a:off x="0" y="6471564"/>
+            <a:ext cx="1855694" cy="386435"/>
+          </a:xfrm>
+          <a:prstGeom prst="rect">
+            <a:avLst/>
+          </a:prstGeom>
+          <a:ln>
+            <a:noFill/>
+          </a:ln>
+          <a:effectLst>
+            <a:outerShdw blurRad="292100" dist="139700" dir="2700000" algn="tl" rotWithShape="0">
+              <a:srgbClr val="333333">
+                <a:alpha val="65000"/>
+              </a:srgbClr>
+            </a:outerShdw>
+          </a:effectLst>
+        </p:spPr>
+      </p:pic>
+      <p:pic>
+        <p:nvPicPr>
+          <p:cNvPr id="8" name="Picture 7">
+            <a:extLst>
+              <a:ext uri="{FF2B5EF4-FFF2-40B4-BE49-F238E27FC236}">
+                <a16:creationId xmlns:a16="http://schemas.microsoft.com/office/drawing/2014/main" id="{E815D6CC-086C-CEEA-B605-CC7A17A0C652}"/>
+              </a:ext>
+            </a:extLst>
+          </p:cNvPr>
+          <p:cNvPicPr>
+            <a:picLocks noChangeAspect="1"/>
+          </p:cNvPicPr>
+          <p:nvPr/>
+        </p:nvPicPr>
+        <p:blipFill>
+          <a:blip r:embed="rId4"/>
+          <a:stretch>
+            <a:fillRect/>
+          </a:stretch>
+        </p:blipFill>
+        <p:spPr>
+          <a:xfrm>
+            <a:off x="119268" y="863897"/>
+            <a:ext cx="1374374" cy="2071274"/>
+          </a:xfrm>
+          <a:prstGeom prst="rect">
+            <a:avLst/>
+          </a:prstGeom>
+          <a:ln>
+            <a:noFill/>
+          </a:ln>
+          <a:effectLst>
+            <a:outerShdw blurRad="292100" dist="139700" dir="2700000" algn="tl" rotWithShape="0">
+              <a:srgbClr val="333333">
+                <a:alpha val="65000"/>
+              </a:srgbClr>
+            </a:outerShdw>
+          </a:effectLst>
+        </p:spPr>
+      </p:pic>
+      <p:sp>
+        <p:nvSpPr>
+          <p:cNvPr id="9" name="Subtitle 5">
+            <a:extLst>
+              <a:ext uri="{FF2B5EF4-FFF2-40B4-BE49-F238E27FC236}">
+                <a16:creationId xmlns:a16="http://schemas.microsoft.com/office/drawing/2014/main" id="{B98C3EDB-7ABC-5858-0198-A6F89107DC04}"/>
+              </a:ext>
+            </a:extLst>
+          </p:cNvPr>
+          <p:cNvSpPr txBox="1">
+            <a:spLocks/>
+          </p:cNvSpPr>
+          <p:nvPr/>
+        </p:nvSpPr>
+        <p:spPr>
+          <a:xfrm>
+            <a:off x="2747347" y="6471564"/>
+            <a:ext cx="7704856" cy="367591"/>
+          </a:xfrm>
+          <a:prstGeom prst="rect">
+            <a:avLst/>
+          </a:prstGeom>
+        </p:spPr>
+        <p:txBody>
+          <a:bodyPr vert="horz" lIns="91440" tIns="45720" rIns="91440" bIns="45720" rtlCol="0">
+            <a:normAutofit lnSpcReduction="10000"/>
+          </a:bodyPr>
+          <a:lstStyle>
+            <a:lvl1pPr marL="0" indent="0" algn="l" defTabSz="914400" rtl="0" eaLnBrk="1" latinLnBrk="0" hangingPunct="1">
+              <a:lnSpc>
+                <a:spcPct val="90000"/>
+              </a:lnSpc>
+              <a:spcBef>
+                <a:spcPts val="0"/>
+              </a:spcBef>
+              <a:buSzPct val="80000"/>
+              <a:buFont typeface="Wingdings" panose="05000000000000000000" pitchFamily="2" charset="2"/>
+              <a:buNone/>
+              <a:defRPr sz="2400" kern="1200">
+                <a:solidFill>
+                  <a:schemeClr val="accent2"/>
+                </a:solidFill>
+                <a:latin typeface="+mn-lt"/>
+                <a:ea typeface="+mn-ea"/>
+                <a:cs typeface="+mn-cs"/>
+              </a:defRPr>
+            </a:lvl1pPr>
+            <a:lvl2pPr marL="457200" indent="0" algn="ctr" defTabSz="914400" rtl="0" eaLnBrk="1" latinLnBrk="0" hangingPunct="1">
+              <a:lnSpc>
+                <a:spcPct val="90000"/>
+              </a:lnSpc>
+              <a:spcBef>
+                <a:spcPts val="1000"/>
+              </a:spcBef>
+              <a:buSzPct val="80000"/>
+              <a:buFont typeface="Wingdings" panose="05000000000000000000" pitchFamily="2" charset="2"/>
+              <a:buNone/>
+              <a:defRPr sz="2000" kern="1200">
+                <a:solidFill>
+                  <a:schemeClr val="tx1"/>
+                </a:solidFill>
+                <a:latin typeface="+mn-lt"/>
+                <a:ea typeface="+mn-ea"/>
+                <a:cs typeface="+mn-cs"/>
+              </a:defRPr>
+            </a:lvl2pPr>
+            <a:lvl3pPr marL="914400" indent="0" algn="ctr" defTabSz="914400" rtl="0" eaLnBrk="1" latinLnBrk="0" hangingPunct="1">
+              <a:lnSpc>
+                <a:spcPct val="90000"/>
+              </a:lnSpc>
+              <a:spcBef>
+                <a:spcPts val="800"/>
+              </a:spcBef>
+              <a:buSzPct val="80000"/>
+              <a:buFont typeface="Wingdings" panose="05000000000000000000" pitchFamily="2" charset="2"/>
+              <a:buNone/>
+              <a:defRPr sz="1800" kern="1200">
+                <a:solidFill>
+                  <a:schemeClr val="tx1"/>
+                </a:solidFill>
+                <a:latin typeface="+mn-lt"/>
+                <a:ea typeface="+mn-ea"/>
+                <a:cs typeface="+mn-cs"/>
+              </a:defRPr>
+            </a:lvl3pPr>
+            <a:lvl4pPr marL="1371600" indent="0" algn="ctr" defTabSz="914400" rtl="0" eaLnBrk="1" latinLnBrk="0" hangingPunct="1">
+              <a:lnSpc>
+                <a:spcPct val="90000"/>
+              </a:lnSpc>
+              <a:spcBef>
+                <a:spcPts val="800"/>
+              </a:spcBef>
+              <a:buSzPct val="80000"/>
+              <a:buFont typeface="Wingdings" panose="05000000000000000000" pitchFamily="2" charset="2"/>
+              <a:buNone/>
+              <a:defRPr sz="1600" kern="1200">
+                <a:solidFill>
+                  <a:schemeClr val="tx1"/>
+                </a:solidFill>
+                <a:latin typeface="+mn-lt"/>
+                <a:ea typeface="+mn-ea"/>
+                <a:cs typeface="+mn-cs"/>
+              </a:defRPr>
+            </a:lvl4pPr>
+            <a:lvl5pPr marL="1828800" indent="0" algn="ctr" defTabSz="914400" rtl="0" eaLnBrk="1" latinLnBrk="0" hangingPunct="1">
+              <a:lnSpc>
+                <a:spcPct val="90000"/>
+              </a:lnSpc>
+              <a:spcBef>
+                <a:spcPts val="800"/>
+              </a:spcBef>
+              <a:buSzPct val="80000"/>
+              <a:buFont typeface="Wingdings" panose="05000000000000000000" pitchFamily="2" charset="2"/>
+              <a:buNone/>
+              <a:defRPr sz="1600" kern="1200">
+                <a:solidFill>
+                  <a:schemeClr val="tx1"/>
+                </a:solidFill>
+                <a:latin typeface="+mn-lt"/>
+                <a:ea typeface="+mn-ea"/>
+                <a:cs typeface="+mn-cs"/>
+              </a:defRPr>
+            </a:lvl5pPr>
+            <a:lvl6pPr marL="2286000" indent="0" algn="ctr" defTabSz="914400" rtl="0" eaLnBrk="1" latinLnBrk="0" hangingPunct="1">
+              <a:lnSpc>
+                <a:spcPct val="90000"/>
+              </a:lnSpc>
+              <a:spcBef>
+                <a:spcPts val="800"/>
+              </a:spcBef>
+              <a:buSzPct val="80000"/>
+              <a:buFont typeface="Wingdings" panose="05000000000000000000" pitchFamily="2" charset="2"/>
+              <a:buNone/>
+              <a:defRPr sz="1600" kern="1200">
+                <a:solidFill>
+                  <a:schemeClr val="tx1"/>
+                </a:solidFill>
+                <a:latin typeface="+mn-lt"/>
+                <a:ea typeface="+mn-ea"/>
+                <a:cs typeface="+mn-cs"/>
+              </a:defRPr>
+            </a:lvl6pPr>
+            <a:lvl7pPr marL="2743200" indent="0" algn="ctr" defTabSz="914400" rtl="0" eaLnBrk="1" latinLnBrk="0" hangingPunct="1">
+              <a:lnSpc>
+                <a:spcPct val="90000"/>
+              </a:lnSpc>
+              <a:spcBef>
+                <a:spcPts val="800"/>
+              </a:spcBef>
+              <a:buSzPct val="80000"/>
+              <a:buFont typeface="Wingdings" panose="05000000000000000000" pitchFamily="2" charset="2"/>
+              <a:buNone/>
+              <a:defRPr sz="1600" kern="1200">
+                <a:solidFill>
+                  <a:schemeClr val="tx1"/>
+                </a:solidFill>
+                <a:latin typeface="+mn-lt"/>
+                <a:ea typeface="+mn-ea"/>
+                <a:cs typeface="+mn-cs"/>
+              </a:defRPr>
+            </a:lvl7pPr>
+            <a:lvl8pPr marL="3200400" indent="0" algn="ctr" defTabSz="914400" rtl="0" eaLnBrk="1" latinLnBrk="0" hangingPunct="1">
+              <a:lnSpc>
+                <a:spcPct val="90000"/>
+              </a:lnSpc>
+              <a:spcBef>
+                <a:spcPts val="800"/>
+              </a:spcBef>
+              <a:buSzPct val="80000"/>
+              <a:buFont typeface="Wingdings" panose="05000000000000000000" pitchFamily="2" charset="2"/>
+              <a:buNone/>
+              <a:defRPr sz="1600" kern="1200">
+                <a:solidFill>
+                  <a:schemeClr val="tx1"/>
+                </a:solidFill>
+                <a:latin typeface="+mn-lt"/>
+                <a:ea typeface="+mn-ea"/>
+                <a:cs typeface="+mn-cs"/>
+              </a:defRPr>
+            </a:lvl8pPr>
+            <a:lvl9pPr marL="3657600" indent="0" algn="ctr" defTabSz="914400" rtl="0" eaLnBrk="1" latinLnBrk="0" hangingPunct="1">
+              <a:lnSpc>
+                <a:spcPct val="90000"/>
+              </a:lnSpc>
+              <a:spcBef>
+                <a:spcPts val="800"/>
+              </a:spcBef>
+              <a:buSzPct val="80000"/>
+              <a:buFont typeface="Wingdings" panose="05000000000000000000" pitchFamily="2" charset="2"/>
+              <a:buNone/>
+              <a:defRPr sz="1600" kern="1200">
+                <a:solidFill>
+                  <a:schemeClr val="tx1"/>
+                </a:solidFill>
+                <a:latin typeface="+mn-lt"/>
+                <a:ea typeface="+mn-ea"/>
+                <a:cs typeface="+mn-cs"/>
+              </a:defRPr>
+            </a:lvl9pPr>
+          </a:lstStyle>
+          <a:p>
+            <a:pPr>
+              <a:lnSpc>
+                <a:spcPct val="120000"/>
+              </a:lnSpc>
+            </a:pPr>
+            <a:r>
+              <a:rPr lang="en-US" sz="1800" b="1" dirty="0">
+                <a:solidFill>
+                  <a:schemeClr val="accent2">
+                    <a:lumMod val="75000"/>
+                  </a:schemeClr>
+                </a:solidFill>
+                <a:hlinkClick r:id="rId5">
+                  <a:extLst>
+                    <a:ext uri="{A12FA001-AC4F-418D-AE19-62706E023703}">
+                      <ahyp:hlinkClr xmlns:ahyp="http://schemas.microsoft.com/office/drawing/2018/hyperlinkcolor" val="tx"/>
+                    </a:ext>
+                  </a:extLst>
+                </a:hlinkClick>
+              </a:rPr>
+              <a:t>https://github.com/yasenstar/python/tree/master/GUI_Python</a:t>
+            </a:r>
+            <a:endParaRPr lang="en-US" sz="1800" b="1" dirty="0">
+              <a:solidFill>
+                <a:schemeClr val="accent2">
+                  <a:lumMod val="75000"/>
+                </a:schemeClr>
+              </a:solidFill>
+            </a:endParaRPr>
+          </a:p>
+        </p:txBody>
+      </p:sp>
+      <p:pic>
+        <p:nvPicPr>
+          <p:cNvPr id="10" name="Content Placeholder 9">
+            <a:extLst>
+              <a:ext uri="{FF2B5EF4-FFF2-40B4-BE49-F238E27FC236}">
+                <a16:creationId xmlns:a16="http://schemas.microsoft.com/office/drawing/2014/main" id="{F30D13C5-9CF7-5E61-6F38-2B8206210AC3}"/>
+              </a:ext>
+            </a:extLst>
+          </p:cNvPr>
+          <p:cNvPicPr>
+            <a:picLocks noGrp="1" noChangeAspect="1"/>
+          </p:cNvPicPr>
+          <p:nvPr>
+            <p:ph idx="1"/>
+          </p:nvPr>
+        </p:nvPicPr>
+        <p:blipFill>
+          <a:blip r:embed="rId6"/>
+          <a:stretch>
+            <a:fillRect/>
+          </a:stretch>
+        </p:blipFill>
+        <p:spPr>
+          <a:xfrm>
+            <a:off x="2208213" y="1954306"/>
+            <a:ext cx="3925357" cy="3625850"/>
+          </a:xfrm>
+          <a:prstGeom prst="rect">
+            <a:avLst/>
+          </a:prstGeom>
+          <a:ln>
+            <a:noFill/>
+          </a:ln>
+          <a:effectLst>
+            <a:outerShdw blurRad="292100" dist="139700" dir="2700000" algn="tl" rotWithShape="0">
+              <a:srgbClr val="333333">
+                <a:alpha val="65000"/>
+              </a:srgbClr>
+            </a:outerShdw>
+          </a:effectLst>
+        </p:spPr>
+      </p:pic>
+      <p:pic>
+        <p:nvPicPr>
+          <p:cNvPr id="12" name="Picture 11">
+            <a:extLst>
+              <a:ext uri="{FF2B5EF4-FFF2-40B4-BE49-F238E27FC236}">
+                <a16:creationId xmlns:a16="http://schemas.microsoft.com/office/drawing/2014/main" id="{8E3CEAC5-BF73-4AB7-310A-510E8C96CBFD}"/>
+              </a:ext>
+            </a:extLst>
+          </p:cNvPr>
+          <p:cNvPicPr>
+            <a:picLocks noChangeAspect="1"/>
+          </p:cNvPicPr>
+          <p:nvPr/>
+        </p:nvPicPr>
+        <p:blipFill>
+          <a:blip r:embed="rId7"/>
+          <a:stretch>
+            <a:fillRect/>
+          </a:stretch>
+        </p:blipFill>
+        <p:spPr>
+          <a:xfrm>
+            <a:off x="6704541" y="1954306"/>
+            <a:ext cx="4305300" cy="2209800"/>
+          </a:xfrm>
+          <a:prstGeom prst="rect">
+            <a:avLst/>
+          </a:prstGeom>
+          <a:ln>
+            <a:noFill/>
+          </a:ln>
+          <a:effectLst>
+            <a:outerShdw blurRad="292100" dist="139700" dir="2700000" algn="tl" rotWithShape="0">
+              <a:srgbClr val="333333">
+                <a:alpha val="65000"/>
+              </a:srgbClr>
+            </a:outerShdw>
+          </a:effectLst>
+        </p:spPr>
+      </p:pic>
+      <p:pic>
+        <p:nvPicPr>
+          <p:cNvPr id="14" name="Picture 13">
+            <a:extLst>
+              <a:ext uri="{FF2B5EF4-FFF2-40B4-BE49-F238E27FC236}">
+                <a16:creationId xmlns:a16="http://schemas.microsoft.com/office/drawing/2014/main" id="{A0E9B3FC-1608-0491-943B-AE56CC42FF7E}"/>
+              </a:ext>
+            </a:extLst>
+          </p:cNvPr>
+          <p:cNvPicPr>
+            <a:picLocks noChangeAspect="1"/>
+          </p:cNvPicPr>
+          <p:nvPr/>
+        </p:nvPicPr>
+        <p:blipFill>
+          <a:blip r:embed="rId8"/>
+          <a:stretch>
+            <a:fillRect/>
+          </a:stretch>
+        </p:blipFill>
+        <p:spPr>
+          <a:xfrm>
+            <a:off x="8047566" y="4261764"/>
+            <a:ext cx="2962275" cy="1333500"/>
+          </a:xfrm>
+          <a:prstGeom prst="rect">
+            <a:avLst/>
+          </a:prstGeom>
+          <a:ln>
+            <a:noFill/>
+          </a:ln>
+          <a:effectLst>
+            <a:outerShdw blurRad="292100" dist="139700" dir="2700000" algn="tl" rotWithShape="0">
+              <a:srgbClr val="333333">
+                <a:alpha val="65000"/>
+              </a:srgbClr>
+            </a:outerShdw>
+          </a:effectLst>
+        </p:spPr>
+      </p:pic>
+    </p:spTree>
+    <p:extLst>
+      <p:ext uri="{BB962C8B-B14F-4D97-AF65-F5344CB8AC3E}">
+        <p14:creationId xmlns:p14="http://schemas.microsoft.com/office/powerpoint/2010/main" val="3572012654"/>
+      </p:ext>
+    </p:extLst>
+  </p:cSld>
+  <p:clrMapOvr>
+    <a:masterClrMapping/>
+  </p:clrMapOvr>
+</p:sld>
+</file>
+
+<file path=ppt/slides/slide3.xml><?xml version="1.0" encoding="utf-8"?>
+<p:sld xmlns:a="http://schemas.openxmlformats.org/drawingml/2006/main" xmlns:r="http://schemas.openxmlformats.org/officeDocument/2006/relationships" xmlns:p="http://schemas.openxmlformats.org/presentationml/2006/main">
+  <p:cSld>
+    <p:spTree>
+      <p:nvGrpSpPr>
+        <p:cNvPr id="1" name=""/>
+        <p:cNvGrpSpPr/>
+        <p:nvPr/>
+      </p:nvGrpSpPr>
+      <p:grpSpPr>
+        <a:xfrm>
+          <a:off x="0" y="0"/>
+          <a:ext cx="0" cy="0"/>
+          <a:chOff x="0" y="0"/>
+          <a:chExt cx="0" cy="0"/>
+        </a:xfrm>
+      </p:grpSpPr>
+      <p:sp>
+        <p:nvSpPr>
+          <p:cNvPr id="2" name="Title 1">
+            <a:extLst>
+              <a:ext uri="{FF2B5EF4-FFF2-40B4-BE49-F238E27FC236}">
+                <a16:creationId xmlns:a16="http://schemas.microsoft.com/office/drawing/2014/main" id="{60BDC9E0-4942-655E-4150-9691AA9C765B}"/>
+              </a:ext>
+            </a:extLst>
+          </p:cNvPr>
+          <p:cNvSpPr>
+            <a:spLocks noGrp="1"/>
+          </p:cNvSpPr>
+          <p:nvPr>
+            <p:ph type="title"/>
+          </p:nvPr>
+        </p:nvSpPr>
+        <p:spPr>
+          <a:xfrm>
+            <a:off x="2208213" y="304799"/>
+            <a:ext cx="9372600" cy="1649507"/>
+          </a:xfrm>
+        </p:spPr>
+        <p:txBody>
+          <a:bodyPr anchor="ctr">
+            <a:normAutofit/>
+          </a:bodyPr>
+          <a:lstStyle/>
+          <a:p>
+            <a:r>
+              <a:rPr lang="en-US" sz="4000" dirty="0">
+                <a:latin typeface="HarmonyOS Sans Black" panose="00000A00000000000000" pitchFamily="2" charset="0"/>
+              </a:rPr>
+              <a:t>Create GUI with Python</a:t>
+            </a:r>
+            <a:br>
+              <a:rPr lang="en-US" dirty="0">
+                <a:latin typeface="HarmonyOS Sans" panose="00000500000000000000" pitchFamily="2" charset="0"/>
+              </a:rPr>
+            </a:br>
+            <a:r>
+              <a:rPr lang="en-US" sz="5400" dirty="0">
+                <a:latin typeface="HarmonyOS Sans" panose="00000500000000000000" pitchFamily="2" charset="0"/>
+              </a:rPr>
+              <a:t>003 Ch02 Wanted Poster</a:t>
+            </a:r>
+            <a:endParaRPr lang="en-US" dirty="0">
+              <a:latin typeface="HarmonyOS Sans" panose="00000500000000000000" pitchFamily="2" charset="0"/>
+            </a:endParaRPr>
+          </a:p>
+        </p:txBody>
+      </p:sp>
+      <p:pic>
+        <p:nvPicPr>
+          <p:cNvPr id="6" name="Picture 5">
+            <a:extLst>
+              <a:ext uri="{FF2B5EF4-FFF2-40B4-BE49-F238E27FC236}">
+                <a16:creationId xmlns:a16="http://schemas.microsoft.com/office/drawing/2014/main" id="{28525CF1-7DD8-7F22-12CB-14807078F0D7}"/>
+              </a:ext>
+            </a:extLst>
+          </p:cNvPr>
+          <p:cNvPicPr>
+            <a:picLocks noChangeAspect="1"/>
+          </p:cNvPicPr>
+          <p:nvPr/>
+        </p:nvPicPr>
+        <p:blipFill>
+          <a:blip r:embed="rId2"/>
+          <a:stretch>
+            <a:fillRect/>
+          </a:stretch>
+        </p:blipFill>
+        <p:spPr>
+          <a:xfrm>
+            <a:off x="119268" y="59634"/>
+            <a:ext cx="611187" cy="671551"/>
+          </a:xfrm>
+          <a:prstGeom prst="rect">
+            <a:avLst/>
+          </a:prstGeom>
+          <a:ln>
+            <a:noFill/>
+          </a:ln>
+          <a:effectLst>
+            <a:outerShdw blurRad="292100" dist="139700" dir="2700000" algn="tl" rotWithShape="0">
+              <a:srgbClr val="333333">
+                <a:alpha val="65000"/>
+              </a:srgbClr>
+            </a:outerShdw>
+          </a:effectLst>
+        </p:spPr>
+      </p:pic>
+      <p:pic>
+        <p:nvPicPr>
+          <p:cNvPr id="7" name="Picture 6">
+            <a:extLst>
+              <a:ext uri="{FF2B5EF4-FFF2-40B4-BE49-F238E27FC236}">
+                <a16:creationId xmlns:a16="http://schemas.microsoft.com/office/drawing/2014/main" id="{ACE06191-4455-E539-6992-17D338C10648}"/>
+              </a:ext>
+            </a:extLst>
+          </p:cNvPr>
+          <p:cNvPicPr>
+            <a:picLocks noChangeAspect="1"/>
+          </p:cNvPicPr>
+          <p:nvPr/>
+        </p:nvPicPr>
+        <p:blipFill>
+          <a:blip r:embed="rId3"/>
+          <a:stretch>
+            <a:fillRect/>
+          </a:stretch>
+        </p:blipFill>
+        <p:spPr>
+          <a:xfrm>
+            <a:off x="0" y="6471564"/>
+            <a:ext cx="1855694" cy="386435"/>
+          </a:xfrm>
+          <a:prstGeom prst="rect">
+            <a:avLst/>
+          </a:prstGeom>
+          <a:ln>
+            <a:noFill/>
+          </a:ln>
+          <a:effectLst>
+            <a:outerShdw blurRad="292100" dist="139700" dir="2700000" algn="tl" rotWithShape="0">
+              <a:srgbClr val="333333">
+                <a:alpha val="65000"/>
+              </a:srgbClr>
+            </a:outerShdw>
+          </a:effectLst>
+        </p:spPr>
+      </p:pic>
+      <p:pic>
+        <p:nvPicPr>
+          <p:cNvPr id="8" name="Picture 7">
+            <a:extLst>
+              <a:ext uri="{FF2B5EF4-FFF2-40B4-BE49-F238E27FC236}">
+                <a16:creationId xmlns:a16="http://schemas.microsoft.com/office/drawing/2014/main" id="{E815D6CC-086C-CEEA-B605-CC7A17A0C652}"/>
+              </a:ext>
+            </a:extLst>
+          </p:cNvPr>
+          <p:cNvPicPr>
+            <a:picLocks noChangeAspect="1"/>
+          </p:cNvPicPr>
+          <p:nvPr/>
+        </p:nvPicPr>
+        <p:blipFill>
+          <a:blip r:embed="rId4"/>
+          <a:stretch>
+            <a:fillRect/>
+          </a:stretch>
+        </p:blipFill>
+        <p:spPr>
+          <a:xfrm>
+            <a:off x="119268" y="863897"/>
+            <a:ext cx="1374374" cy="2071274"/>
+          </a:xfrm>
+          <a:prstGeom prst="rect">
+            <a:avLst/>
+          </a:prstGeom>
+          <a:ln>
+            <a:noFill/>
+          </a:ln>
+          <a:effectLst>
+            <a:outerShdw blurRad="292100" dist="139700" dir="2700000" algn="tl" rotWithShape="0">
+              <a:srgbClr val="333333">
+                <a:alpha val="65000"/>
+              </a:srgbClr>
+            </a:outerShdw>
+          </a:effectLst>
+        </p:spPr>
+      </p:pic>
+      <p:sp>
+        <p:nvSpPr>
+          <p:cNvPr id="9" name="Subtitle 5">
+            <a:extLst>
+              <a:ext uri="{FF2B5EF4-FFF2-40B4-BE49-F238E27FC236}">
+                <a16:creationId xmlns:a16="http://schemas.microsoft.com/office/drawing/2014/main" id="{B98C3EDB-7ABC-5858-0198-A6F89107DC04}"/>
+              </a:ext>
+            </a:extLst>
+          </p:cNvPr>
+          <p:cNvSpPr txBox="1">
+            <a:spLocks/>
+          </p:cNvSpPr>
+          <p:nvPr/>
+        </p:nvSpPr>
+        <p:spPr>
+          <a:xfrm>
+            <a:off x="2747347" y="6471564"/>
+            <a:ext cx="7704856" cy="367591"/>
+          </a:xfrm>
+          <a:prstGeom prst="rect">
+            <a:avLst/>
+          </a:prstGeom>
+        </p:spPr>
+        <p:txBody>
+          <a:bodyPr vert="horz" lIns="91440" tIns="45720" rIns="91440" bIns="45720" rtlCol="0">
+            <a:normAutofit lnSpcReduction="10000"/>
+          </a:bodyPr>
+          <a:lstStyle>
+            <a:lvl1pPr marL="0" indent="0" algn="l" defTabSz="914400" rtl="0" eaLnBrk="1" latinLnBrk="0" hangingPunct="1">
+              <a:lnSpc>
+                <a:spcPct val="90000"/>
+              </a:lnSpc>
+              <a:spcBef>
+                <a:spcPts val="0"/>
+              </a:spcBef>
+              <a:buSzPct val="80000"/>
+              <a:buFont typeface="Wingdings" panose="05000000000000000000" pitchFamily="2" charset="2"/>
+              <a:buNone/>
+              <a:defRPr sz="2400" kern="1200">
+                <a:solidFill>
+                  <a:schemeClr val="accent2"/>
+                </a:solidFill>
+                <a:latin typeface="+mn-lt"/>
+                <a:ea typeface="+mn-ea"/>
+                <a:cs typeface="+mn-cs"/>
+              </a:defRPr>
+            </a:lvl1pPr>
+            <a:lvl2pPr marL="457200" indent="0" algn="ctr" defTabSz="914400" rtl="0" eaLnBrk="1" latinLnBrk="0" hangingPunct="1">
+              <a:lnSpc>
+                <a:spcPct val="90000"/>
+              </a:lnSpc>
+              <a:spcBef>
+                <a:spcPts val="1000"/>
+              </a:spcBef>
+              <a:buSzPct val="80000"/>
+              <a:buFont typeface="Wingdings" panose="05000000000000000000" pitchFamily="2" charset="2"/>
+              <a:buNone/>
+              <a:defRPr sz="2000" kern="1200">
+                <a:solidFill>
+                  <a:schemeClr val="tx1"/>
+                </a:solidFill>
+                <a:latin typeface="+mn-lt"/>
+                <a:ea typeface="+mn-ea"/>
+                <a:cs typeface="+mn-cs"/>
+              </a:defRPr>
+            </a:lvl2pPr>
+            <a:lvl3pPr marL="914400" indent="0" algn="ctr" defTabSz="914400" rtl="0" eaLnBrk="1" latinLnBrk="0" hangingPunct="1">
+              <a:lnSpc>
+                <a:spcPct val="90000"/>
+              </a:lnSpc>
+              <a:spcBef>
+                <a:spcPts val="800"/>
+              </a:spcBef>
+              <a:buSzPct val="80000"/>
+              <a:buFont typeface="Wingdings" panose="05000000000000000000" pitchFamily="2" charset="2"/>
+              <a:buNone/>
+              <a:defRPr sz="1800" kern="1200">
+                <a:solidFill>
+                  <a:schemeClr val="tx1"/>
+                </a:solidFill>
+                <a:latin typeface="+mn-lt"/>
+                <a:ea typeface="+mn-ea"/>
+                <a:cs typeface="+mn-cs"/>
+              </a:defRPr>
+            </a:lvl3pPr>
+            <a:lvl4pPr marL="1371600" indent="0" algn="ctr" defTabSz="914400" rtl="0" eaLnBrk="1" latinLnBrk="0" hangingPunct="1">
+              <a:lnSpc>
+                <a:spcPct val="90000"/>
+              </a:lnSpc>
+              <a:spcBef>
+                <a:spcPts val="800"/>
+              </a:spcBef>
+              <a:buSzPct val="80000"/>
+              <a:buFont typeface="Wingdings" panose="05000000000000000000" pitchFamily="2" charset="2"/>
+              <a:buNone/>
+              <a:defRPr sz="1600" kern="1200">
+                <a:solidFill>
+                  <a:schemeClr val="tx1"/>
+                </a:solidFill>
+                <a:latin typeface="+mn-lt"/>
+                <a:ea typeface="+mn-ea"/>
+                <a:cs typeface="+mn-cs"/>
+              </a:defRPr>
+            </a:lvl4pPr>
+            <a:lvl5pPr marL="1828800" indent="0" algn="ctr" defTabSz="914400" rtl="0" eaLnBrk="1" latinLnBrk="0" hangingPunct="1">
+              <a:lnSpc>
+                <a:spcPct val="90000"/>
+              </a:lnSpc>
+              <a:spcBef>
+                <a:spcPts val="800"/>
+              </a:spcBef>
+              <a:buSzPct val="80000"/>
+              <a:buFont typeface="Wingdings" panose="05000000000000000000" pitchFamily="2" charset="2"/>
+              <a:buNone/>
+              <a:defRPr sz="1600" kern="1200">
+                <a:solidFill>
+                  <a:schemeClr val="tx1"/>
+                </a:solidFill>
+                <a:latin typeface="+mn-lt"/>
+                <a:ea typeface="+mn-ea"/>
+                <a:cs typeface="+mn-cs"/>
+              </a:defRPr>
+            </a:lvl5pPr>
+            <a:lvl6pPr marL="2286000" indent="0" algn="ctr" defTabSz="914400" rtl="0" eaLnBrk="1" latinLnBrk="0" hangingPunct="1">
+              <a:lnSpc>
+                <a:spcPct val="90000"/>
+              </a:lnSpc>
+              <a:spcBef>
+                <a:spcPts val="800"/>
+              </a:spcBef>
+              <a:buSzPct val="80000"/>
+              <a:buFont typeface="Wingdings" panose="05000000000000000000" pitchFamily="2" charset="2"/>
+              <a:buNone/>
+              <a:defRPr sz="1600" kern="1200">
+                <a:solidFill>
+                  <a:schemeClr val="tx1"/>
+                </a:solidFill>
+                <a:latin typeface="+mn-lt"/>
+                <a:ea typeface="+mn-ea"/>
+                <a:cs typeface="+mn-cs"/>
+              </a:defRPr>
+            </a:lvl6pPr>
+            <a:lvl7pPr marL="2743200" indent="0" algn="ctr" defTabSz="914400" rtl="0" eaLnBrk="1" latinLnBrk="0" hangingPunct="1">
+              <a:lnSpc>
+                <a:spcPct val="90000"/>
+              </a:lnSpc>
+              <a:spcBef>
+                <a:spcPts val="800"/>
+              </a:spcBef>
+              <a:buSzPct val="80000"/>
+              <a:buFont typeface="Wingdings" panose="05000000000000000000" pitchFamily="2" charset="2"/>
+              <a:buNone/>
+              <a:defRPr sz="1600" kern="1200">
+                <a:solidFill>
+                  <a:schemeClr val="tx1"/>
+                </a:solidFill>
+                <a:latin typeface="+mn-lt"/>
+                <a:ea typeface="+mn-ea"/>
+                <a:cs typeface="+mn-cs"/>
+              </a:defRPr>
+            </a:lvl7pPr>
+            <a:lvl8pPr marL="3200400" indent="0" algn="ctr" defTabSz="914400" rtl="0" eaLnBrk="1" latinLnBrk="0" hangingPunct="1">
+              <a:lnSpc>
+                <a:spcPct val="90000"/>
+              </a:lnSpc>
+              <a:spcBef>
+                <a:spcPts val="800"/>
+              </a:spcBef>
+              <a:buSzPct val="80000"/>
+              <a:buFont typeface="Wingdings" panose="05000000000000000000" pitchFamily="2" charset="2"/>
+              <a:buNone/>
+              <a:defRPr sz="1600" kern="1200">
+                <a:solidFill>
+                  <a:schemeClr val="tx1"/>
+                </a:solidFill>
+                <a:latin typeface="+mn-lt"/>
+                <a:ea typeface="+mn-ea"/>
+                <a:cs typeface="+mn-cs"/>
+              </a:defRPr>
+            </a:lvl8pPr>
+            <a:lvl9pPr marL="3657600" indent="0" algn="ctr" defTabSz="914400" rtl="0" eaLnBrk="1" latinLnBrk="0" hangingPunct="1">
+              <a:lnSpc>
+                <a:spcPct val="90000"/>
+              </a:lnSpc>
+              <a:spcBef>
+                <a:spcPts val="800"/>
+              </a:spcBef>
+              <a:buSzPct val="80000"/>
+              <a:buFont typeface="Wingdings" panose="05000000000000000000" pitchFamily="2" charset="2"/>
+              <a:buNone/>
+              <a:defRPr sz="1600" kern="1200">
+                <a:solidFill>
+                  <a:schemeClr val="tx1"/>
+                </a:solidFill>
+                <a:latin typeface="+mn-lt"/>
+                <a:ea typeface="+mn-ea"/>
+                <a:cs typeface="+mn-cs"/>
+              </a:defRPr>
+            </a:lvl9pPr>
+          </a:lstStyle>
+          <a:p>
+            <a:pPr>
+              <a:lnSpc>
+                <a:spcPct val="120000"/>
+              </a:lnSpc>
+            </a:pPr>
+            <a:r>
+              <a:rPr lang="en-US" sz="1800" b="1" dirty="0">
+                <a:solidFill>
+                  <a:schemeClr val="accent2">
+                    <a:lumMod val="75000"/>
+                  </a:schemeClr>
+                </a:solidFill>
+                <a:hlinkClick r:id="rId5">
+                  <a:extLst>
+                    <a:ext uri="{A12FA001-AC4F-418D-AE19-62706E023703}">
+                      <ahyp:hlinkClr xmlns:ahyp="http://schemas.microsoft.com/office/drawing/2018/hyperlinkcolor" val="tx"/>
+                    </a:ext>
+                  </a:extLst>
+                </a:hlinkClick>
+              </a:rPr>
+              <a:t>https://github.com/yasenstar/python/tree/master/GUI_Python</a:t>
+            </a:r>
+            <a:endParaRPr lang="en-US" sz="1800" b="1" dirty="0">
+              <a:solidFill>
+                <a:schemeClr val="accent2">
+                  <a:lumMod val="75000"/>
+                </a:schemeClr>
+              </a:solidFill>
+            </a:endParaRPr>
+          </a:p>
+        </p:txBody>
+      </p:sp>
+      <p:pic>
+        <p:nvPicPr>
+          <p:cNvPr id="15" name="Content Placeholder 14">
+            <a:extLst>
+              <a:ext uri="{FF2B5EF4-FFF2-40B4-BE49-F238E27FC236}">
+                <a16:creationId xmlns:a16="http://schemas.microsoft.com/office/drawing/2014/main" id="{B971ABF1-80FF-2A98-5651-D1074D9FE508}"/>
+              </a:ext>
+            </a:extLst>
+          </p:cNvPr>
+          <p:cNvPicPr>
+            <a:picLocks noGrp="1" noChangeAspect="1"/>
+          </p:cNvPicPr>
+          <p:nvPr>
+            <p:ph idx="1"/>
+          </p:nvPr>
+        </p:nvPicPr>
+        <p:blipFill>
+          <a:blip r:embed="rId6">
+            <a:alphaModFix/>
+          </a:blip>
+          <a:stretch>
+            <a:fillRect/>
+          </a:stretch>
+        </p:blipFill>
+        <p:spPr>
+          <a:xfrm>
+            <a:off x="1643502" y="1836170"/>
+            <a:ext cx="6381984" cy="3352046"/>
+          </a:xfrm>
+          <a:prstGeom prst="rect">
+            <a:avLst/>
+          </a:prstGeom>
+          <a:ln>
+            <a:noFill/>
+          </a:ln>
+          <a:effectLst>
+            <a:outerShdw blurRad="292100" dist="139700" dir="2700000" algn="tl" rotWithShape="0">
+              <a:srgbClr val="333333">
+                <a:alpha val="65000"/>
+              </a:srgbClr>
+            </a:outerShdw>
+          </a:effectLst>
+        </p:spPr>
+      </p:pic>
+      <p:pic>
+        <p:nvPicPr>
+          <p:cNvPr id="11" name="Picture 10">
+            <a:extLst>
+              <a:ext uri="{FF2B5EF4-FFF2-40B4-BE49-F238E27FC236}">
+                <a16:creationId xmlns:a16="http://schemas.microsoft.com/office/drawing/2014/main" id="{643B93C9-23B4-0910-4C3D-5D73C85194E7}"/>
+              </a:ext>
+            </a:extLst>
+          </p:cNvPr>
+          <p:cNvPicPr>
+            <a:picLocks noChangeAspect="1"/>
+          </p:cNvPicPr>
+          <p:nvPr/>
+        </p:nvPicPr>
+        <p:blipFill>
+          <a:blip r:embed="rId7"/>
+          <a:stretch>
+            <a:fillRect/>
+          </a:stretch>
+        </p:blipFill>
+        <p:spPr>
+          <a:xfrm>
+            <a:off x="8175347" y="2545931"/>
+            <a:ext cx="3801945" cy="1932524"/>
+          </a:xfrm>
+          <a:prstGeom prst="rect">
+            <a:avLst/>
+          </a:prstGeom>
+          <a:ln>
+            <a:noFill/>
+          </a:ln>
+          <a:effectLst>
+            <a:outerShdw blurRad="292100" dist="139700" dir="2700000" algn="tl" rotWithShape="0">
+              <a:srgbClr val="333333">
+                <a:alpha val="65000"/>
+              </a:srgbClr>
+            </a:outerShdw>
+          </a:effectLst>
+        </p:spPr>
+      </p:pic>
+    </p:spTree>
+    <p:extLst>
+      <p:ext uri="{BB962C8B-B14F-4D97-AF65-F5344CB8AC3E}">
+        <p14:creationId xmlns:p14="http://schemas.microsoft.com/office/powerpoint/2010/main" val="203248221"/>
+      </p:ext>
+    </p:extLst>
+  </p:cSld>
+  <p:clrMapOvr>
+    <a:masterClrMapping/>
+  </p:clrMapOvr>
+</p:sld>
+</file>
+
+<file path=ppt/slides/slide4.xml><?xml version="1.0" encoding="utf-8"?>
+<p:sld xmlns:a="http://schemas.openxmlformats.org/drawingml/2006/main" xmlns:r="http://schemas.openxmlformats.org/officeDocument/2006/relationships" xmlns:p="http://schemas.openxmlformats.org/presentationml/2006/main">
+  <p:cSld>
+    <p:spTree>
+      <p:nvGrpSpPr>
+        <p:cNvPr id="1" name=""/>
+        <p:cNvGrpSpPr/>
+        <p:nvPr/>
+      </p:nvGrpSpPr>
+      <p:grpSpPr>
+        <a:xfrm>
+          <a:off x="0" y="0"/>
+          <a:ext cx="0" cy="0"/>
+          <a:chOff x="0" y="0"/>
+          <a:chExt cx="0" cy="0"/>
+        </a:xfrm>
+      </p:grpSpPr>
+      <p:sp>
+        <p:nvSpPr>
+          <p:cNvPr id="2" name="Title 1">
+            <a:extLst>
+              <a:ext uri="{FF2B5EF4-FFF2-40B4-BE49-F238E27FC236}">
+                <a16:creationId xmlns:a16="http://schemas.microsoft.com/office/drawing/2014/main" id="{60BDC9E0-4942-655E-4150-9691AA9C765B}"/>
+              </a:ext>
+            </a:extLst>
+          </p:cNvPr>
+          <p:cNvSpPr>
+            <a:spLocks noGrp="1"/>
+          </p:cNvSpPr>
+          <p:nvPr>
+            <p:ph type="title"/>
+          </p:nvPr>
+        </p:nvSpPr>
+        <p:spPr>
+          <a:xfrm>
+            <a:off x="2208213" y="304799"/>
+            <a:ext cx="9372600" cy="1649507"/>
+          </a:xfrm>
+        </p:spPr>
+        <p:txBody>
+          <a:bodyPr anchor="ctr">
+            <a:normAutofit/>
+          </a:bodyPr>
+          <a:lstStyle/>
+          <a:p>
+            <a:r>
+              <a:rPr lang="en-US" sz="4000" dirty="0">
+                <a:latin typeface="HarmonyOS Sans Black" panose="00000A00000000000000" pitchFamily="2" charset="0"/>
+              </a:rPr>
+              <a:t>Create GUI with Python</a:t>
+            </a:r>
+            <a:br>
+              <a:rPr lang="en-US" dirty="0">
+                <a:latin typeface="HarmonyOS Sans" panose="00000500000000000000" pitchFamily="2" charset="0"/>
+              </a:rPr>
+            </a:br>
+            <a:r>
+              <a:rPr lang="en-US" sz="5400" dirty="0">
+                <a:latin typeface="HarmonyOS Sans" panose="00000500000000000000" pitchFamily="2" charset="0"/>
+              </a:rPr>
+              <a:t>004 Ch03 Spy Name Chooser</a:t>
+            </a:r>
+            <a:endParaRPr lang="en-US" dirty="0">
+              <a:latin typeface="HarmonyOS Sans" panose="00000500000000000000" pitchFamily="2" charset="0"/>
+            </a:endParaRPr>
+          </a:p>
+        </p:txBody>
+      </p:sp>
+      <p:pic>
+        <p:nvPicPr>
+          <p:cNvPr id="6" name="Picture 5">
+            <a:extLst>
+              <a:ext uri="{FF2B5EF4-FFF2-40B4-BE49-F238E27FC236}">
+                <a16:creationId xmlns:a16="http://schemas.microsoft.com/office/drawing/2014/main" id="{28525CF1-7DD8-7F22-12CB-14807078F0D7}"/>
+              </a:ext>
+            </a:extLst>
+          </p:cNvPr>
+          <p:cNvPicPr>
+            <a:picLocks noChangeAspect="1"/>
+          </p:cNvPicPr>
+          <p:nvPr/>
+        </p:nvPicPr>
+        <p:blipFill>
+          <a:blip r:embed="rId2"/>
+          <a:stretch>
+            <a:fillRect/>
+          </a:stretch>
+        </p:blipFill>
+        <p:spPr>
+          <a:xfrm>
+            <a:off x="119268" y="59634"/>
+            <a:ext cx="611187" cy="671551"/>
+          </a:xfrm>
+          <a:prstGeom prst="rect">
+            <a:avLst/>
+          </a:prstGeom>
+          <a:ln>
+            <a:noFill/>
+          </a:ln>
+          <a:effectLst>
+            <a:outerShdw blurRad="292100" dist="139700" dir="2700000" algn="tl" rotWithShape="0">
+              <a:srgbClr val="333333">
+                <a:alpha val="65000"/>
+              </a:srgbClr>
+            </a:outerShdw>
+          </a:effectLst>
+        </p:spPr>
+      </p:pic>
+      <p:pic>
+        <p:nvPicPr>
+          <p:cNvPr id="7" name="Picture 6">
+            <a:extLst>
+              <a:ext uri="{FF2B5EF4-FFF2-40B4-BE49-F238E27FC236}">
+                <a16:creationId xmlns:a16="http://schemas.microsoft.com/office/drawing/2014/main" id="{ACE06191-4455-E539-6992-17D338C10648}"/>
+              </a:ext>
+            </a:extLst>
+          </p:cNvPr>
+          <p:cNvPicPr>
+            <a:picLocks noChangeAspect="1"/>
+          </p:cNvPicPr>
+          <p:nvPr/>
+        </p:nvPicPr>
+        <p:blipFill>
+          <a:blip r:embed="rId3"/>
+          <a:stretch>
+            <a:fillRect/>
+          </a:stretch>
+        </p:blipFill>
+        <p:spPr>
+          <a:xfrm>
+            <a:off x="0" y="6471564"/>
+            <a:ext cx="1855694" cy="386435"/>
+          </a:xfrm>
+          <a:prstGeom prst="rect">
+            <a:avLst/>
+          </a:prstGeom>
+          <a:ln>
+            <a:noFill/>
+          </a:ln>
+          <a:effectLst>
+            <a:outerShdw blurRad="292100" dist="139700" dir="2700000" algn="tl" rotWithShape="0">
+              <a:srgbClr val="333333">
+                <a:alpha val="65000"/>
+              </a:srgbClr>
+            </a:outerShdw>
+          </a:effectLst>
+        </p:spPr>
+      </p:pic>
+      <p:pic>
+        <p:nvPicPr>
+          <p:cNvPr id="8" name="Picture 7">
+            <a:extLst>
+              <a:ext uri="{FF2B5EF4-FFF2-40B4-BE49-F238E27FC236}">
+                <a16:creationId xmlns:a16="http://schemas.microsoft.com/office/drawing/2014/main" id="{E815D6CC-086C-CEEA-B605-CC7A17A0C652}"/>
+              </a:ext>
+            </a:extLst>
+          </p:cNvPr>
+          <p:cNvPicPr>
+            <a:picLocks noChangeAspect="1"/>
+          </p:cNvPicPr>
+          <p:nvPr/>
+        </p:nvPicPr>
+        <p:blipFill>
+          <a:blip r:embed="rId4"/>
+          <a:stretch>
+            <a:fillRect/>
+          </a:stretch>
+        </p:blipFill>
+        <p:spPr>
+          <a:xfrm>
+            <a:off x="119268" y="863897"/>
+            <a:ext cx="1374374" cy="2071274"/>
+          </a:xfrm>
+          <a:prstGeom prst="rect">
+            <a:avLst/>
+          </a:prstGeom>
+          <a:ln>
+            <a:noFill/>
+          </a:ln>
+          <a:effectLst>
+            <a:outerShdw blurRad="292100" dist="139700" dir="2700000" algn="tl" rotWithShape="0">
+              <a:srgbClr val="333333">
+                <a:alpha val="65000"/>
+              </a:srgbClr>
+            </a:outerShdw>
+          </a:effectLst>
+        </p:spPr>
+      </p:pic>
+      <p:sp>
+        <p:nvSpPr>
+          <p:cNvPr id="9" name="Subtitle 5">
+            <a:extLst>
+              <a:ext uri="{FF2B5EF4-FFF2-40B4-BE49-F238E27FC236}">
+                <a16:creationId xmlns:a16="http://schemas.microsoft.com/office/drawing/2014/main" id="{B98C3EDB-7ABC-5858-0198-A6F89107DC04}"/>
+              </a:ext>
+            </a:extLst>
+          </p:cNvPr>
+          <p:cNvSpPr txBox="1">
+            <a:spLocks/>
+          </p:cNvSpPr>
+          <p:nvPr/>
+        </p:nvSpPr>
+        <p:spPr>
+          <a:xfrm>
+            <a:off x="2747347" y="6471564"/>
+            <a:ext cx="7704856" cy="367591"/>
+          </a:xfrm>
+          <a:prstGeom prst="rect">
+            <a:avLst/>
+          </a:prstGeom>
+        </p:spPr>
+        <p:txBody>
+          <a:bodyPr vert="horz" lIns="91440" tIns="45720" rIns="91440" bIns="45720" rtlCol="0">
+            <a:normAutofit lnSpcReduction="10000"/>
+          </a:bodyPr>
+          <a:lstStyle>
+            <a:lvl1pPr marL="0" indent="0" algn="l" defTabSz="914400" rtl="0" eaLnBrk="1" latinLnBrk="0" hangingPunct="1">
+              <a:lnSpc>
+                <a:spcPct val="90000"/>
+              </a:lnSpc>
+              <a:spcBef>
+                <a:spcPts val="0"/>
+              </a:spcBef>
+              <a:buSzPct val="80000"/>
+              <a:buFont typeface="Wingdings" panose="05000000000000000000" pitchFamily="2" charset="2"/>
+              <a:buNone/>
+              <a:defRPr sz="2400" kern="1200">
+                <a:solidFill>
+                  <a:schemeClr val="accent2"/>
+                </a:solidFill>
+                <a:latin typeface="+mn-lt"/>
+                <a:ea typeface="+mn-ea"/>
+                <a:cs typeface="+mn-cs"/>
+              </a:defRPr>
+            </a:lvl1pPr>
+            <a:lvl2pPr marL="457200" indent="0" algn="ctr" defTabSz="914400" rtl="0" eaLnBrk="1" latinLnBrk="0" hangingPunct="1">
+              <a:lnSpc>
+                <a:spcPct val="90000"/>
+              </a:lnSpc>
+              <a:spcBef>
+                <a:spcPts val="1000"/>
+              </a:spcBef>
+              <a:buSzPct val="80000"/>
+              <a:buFont typeface="Wingdings" panose="05000000000000000000" pitchFamily="2" charset="2"/>
+              <a:buNone/>
+              <a:defRPr sz="2000" kern="1200">
+                <a:solidFill>
+                  <a:schemeClr val="tx1"/>
+                </a:solidFill>
+                <a:latin typeface="+mn-lt"/>
+                <a:ea typeface="+mn-ea"/>
+                <a:cs typeface="+mn-cs"/>
+              </a:defRPr>
+            </a:lvl2pPr>
+            <a:lvl3pPr marL="914400" indent="0" algn="ctr" defTabSz="914400" rtl="0" eaLnBrk="1" latinLnBrk="0" hangingPunct="1">
+              <a:lnSpc>
+                <a:spcPct val="90000"/>
+              </a:lnSpc>
+              <a:spcBef>
+                <a:spcPts val="800"/>
+              </a:spcBef>
+              <a:buSzPct val="80000"/>
+              <a:buFont typeface="Wingdings" panose="05000000000000000000" pitchFamily="2" charset="2"/>
+              <a:buNone/>
+              <a:defRPr sz="1800" kern="1200">
+                <a:solidFill>
+                  <a:schemeClr val="tx1"/>
+                </a:solidFill>
+                <a:latin typeface="+mn-lt"/>
+                <a:ea typeface="+mn-ea"/>
+                <a:cs typeface="+mn-cs"/>
+              </a:defRPr>
+            </a:lvl3pPr>
+            <a:lvl4pPr marL="1371600" indent="0" algn="ctr" defTabSz="914400" rtl="0" eaLnBrk="1" latinLnBrk="0" hangingPunct="1">
+              <a:lnSpc>
+                <a:spcPct val="90000"/>
+              </a:lnSpc>
+              <a:spcBef>
+                <a:spcPts val="800"/>
+              </a:spcBef>
+              <a:buSzPct val="80000"/>
+              <a:buFont typeface="Wingdings" panose="05000000000000000000" pitchFamily="2" charset="2"/>
+              <a:buNone/>
+              <a:defRPr sz="1600" kern="1200">
+                <a:solidFill>
+                  <a:schemeClr val="tx1"/>
+                </a:solidFill>
+                <a:latin typeface="+mn-lt"/>
+                <a:ea typeface="+mn-ea"/>
+                <a:cs typeface="+mn-cs"/>
+              </a:defRPr>
+            </a:lvl4pPr>
+            <a:lvl5pPr marL="1828800" indent="0" algn="ctr" defTabSz="914400" rtl="0" eaLnBrk="1" latinLnBrk="0" hangingPunct="1">
+              <a:lnSpc>
+                <a:spcPct val="90000"/>
+              </a:lnSpc>
+              <a:spcBef>
+                <a:spcPts val="800"/>
+              </a:spcBef>
+              <a:buSzPct val="80000"/>
+              <a:buFont typeface="Wingdings" panose="05000000000000000000" pitchFamily="2" charset="2"/>
+              <a:buNone/>
+              <a:defRPr sz="1600" kern="1200">
+                <a:solidFill>
+                  <a:schemeClr val="tx1"/>
+                </a:solidFill>
+                <a:latin typeface="+mn-lt"/>
+                <a:ea typeface="+mn-ea"/>
+                <a:cs typeface="+mn-cs"/>
+              </a:defRPr>
+            </a:lvl5pPr>
+            <a:lvl6pPr marL="2286000" indent="0" algn="ctr" defTabSz="914400" rtl="0" eaLnBrk="1" latinLnBrk="0" hangingPunct="1">
+              <a:lnSpc>
+                <a:spcPct val="90000"/>
+              </a:lnSpc>
+              <a:spcBef>
+                <a:spcPts val="800"/>
+              </a:spcBef>
+              <a:buSzPct val="80000"/>
+              <a:buFont typeface="Wingdings" panose="05000000000000000000" pitchFamily="2" charset="2"/>
+              <a:buNone/>
+              <a:defRPr sz="1600" kern="1200">
+                <a:solidFill>
+                  <a:schemeClr val="tx1"/>
+                </a:solidFill>
+                <a:latin typeface="+mn-lt"/>
+                <a:ea typeface="+mn-ea"/>
+                <a:cs typeface="+mn-cs"/>
+              </a:defRPr>
+            </a:lvl6pPr>
+            <a:lvl7pPr marL="2743200" indent="0" algn="ctr" defTabSz="914400" rtl="0" eaLnBrk="1" latinLnBrk="0" hangingPunct="1">
+              <a:lnSpc>
+                <a:spcPct val="90000"/>
+              </a:lnSpc>
+              <a:spcBef>
+                <a:spcPts val="800"/>
+              </a:spcBef>
+              <a:buSzPct val="80000"/>
+              <a:buFont typeface="Wingdings" panose="05000000000000000000" pitchFamily="2" charset="2"/>
+              <a:buNone/>
+              <a:defRPr sz="1600" kern="1200">
+                <a:solidFill>
+                  <a:schemeClr val="tx1"/>
+                </a:solidFill>
+                <a:latin typeface="+mn-lt"/>
+                <a:ea typeface="+mn-ea"/>
+                <a:cs typeface="+mn-cs"/>
+              </a:defRPr>
+            </a:lvl7pPr>
+            <a:lvl8pPr marL="3200400" indent="0" algn="ctr" defTabSz="914400" rtl="0" eaLnBrk="1" latinLnBrk="0" hangingPunct="1">
+              <a:lnSpc>
+                <a:spcPct val="90000"/>
+              </a:lnSpc>
+              <a:spcBef>
+                <a:spcPts val="800"/>
+              </a:spcBef>
+              <a:buSzPct val="80000"/>
+              <a:buFont typeface="Wingdings" panose="05000000000000000000" pitchFamily="2" charset="2"/>
+              <a:buNone/>
+              <a:defRPr sz="1600" kern="1200">
+                <a:solidFill>
+                  <a:schemeClr val="tx1"/>
+                </a:solidFill>
+                <a:latin typeface="+mn-lt"/>
+                <a:ea typeface="+mn-ea"/>
+                <a:cs typeface="+mn-cs"/>
+              </a:defRPr>
+            </a:lvl8pPr>
+            <a:lvl9pPr marL="3657600" indent="0" algn="ctr" defTabSz="914400" rtl="0" eaLnBrk="1" latinLnBrk="0" hangingPunct="1">
+              <a:lnSpc>
+                <a:spcPct val="90000"/>
+              </a:lnSpc>
+              <a:spcBef>
+                <a:spcPts val="800"/>
+              </a:spcBef>
+              <a:buSzPct val="80000"/>
+              <a:buFont typeface="Wingdings" panose="05000000000000000000" pitchFamily="2" charset="2"/>
+              <a:buNone/>
+              <a:defRPr sz="1600" kern="1200">
+                <a:solidFill>
+                  <a:schemeClr val="tx1"/>
+                </a:solidFill>
+                <a:latin typeface="+mn-lt"/>
+                <a:ea typeface="+mn-ea"/>
+                <a:cs typeface="+mn-cs"/>
+              </a:defRPr>
+            </a:lvl9pPr>
+          </a:lstStyle>
+          <a:p>
+            <a:pPr>
+              <a:lnSpc>
+                <a:spcPct val="120000"/>
+              </a:lnSpc>
+            </a:pPr>
+            <a:r>
+              <a:rPr lang="en-US" sz="1800" b="1" dirty="0">
+                <a:solidFill>
+                  <a:schemeClr val="accent2">
+                    <a:lumMod val="75000"/>
+                  </a:schemeClr>
+                </a:solidFill>
+                <a:hlinkClick r:id="rId5">
+                  <a:extLst>
+                    <a:ext uri="{A12FA001-AC4F-418D-AE19-62706E023703}">
+                      <ahyp:hlinkClr xmlns:ahyp="http://schemas.microsoft.com/office/drawing/2018/hyperlinkcolor" val="tx"/>
+                    </a:ext>
+                  </a:extLst>
+                </a:hlinkClick>
+              </a:rPr>
+              <a:t>https://github.com/yasenstar/python/tree/master/GUI_Python</a:t>
+            </a:r>
+            <a:endParaRPr lang="en-US" sz="1800" b="1" dirty="0">
+              <a:solidFill>
+                <a:schemeClr val="accent2">
+                  <a:lumMod val="75000"/>
+                </a:schemeClr>
+              </a:solidFill>
+            </a:endParaRPr>
+          </a:p>
+        </p:txBody>
+      </p:sp>
+      <p:pic>
+        <p:nvPicPr>
+          <p:cNvPr id="13" name="Content Placeholder 12">
+            <a:extLst>
+              <a:ext uri="{FF2B5EF4-FFF2-40B4-BE49-F238E27FC236}">
+                <a16:creationId xmlns:a16="http://schemas.microsoft.com/office/drawing/2014/main" id="{61CE23D5-81B1-20F1-E2BC-4C6589C428E9}"/>
+              </a:ext>
+            </a:extLst>
+          </p:cNvPr>
+          <p:cNvPicPr>
+            <a:picLocks noGrp="1" noChangeAspect="1"/>
+          </p:cNvPicPr>
+          <p:nvPr>
+            <p:ph idx="1"/>
+          </p:nvPr>
+        </p:nvPicPr>
+        <p:blipFill>
+          <a:blip r:embed="rId6"/>
+          <a:stretch>
+            <a:fillRect/>
+          </a:stretch>
+        </p:blipFill>
+        <p:spPr>
+          <a:xfrm>
+            <a:off x="2039693" y="1713322"/>
+            <a:ext cx="5411017" cy="4114800"/>
+          </a:xfrm>
+          <a:prstGeom prst="rect">
+            <a:avLst/>
+          </a:prstGeom>
+          <a:ln>
+            <a:noFill/>
+          </a:ln>
+          <a:effectLst>
+            <a:outerShdw blurRad="292100" dist="139700" dir="2700000" algn="tl" rotWithShape="0">
+              <a:srgbClr val="333333">
+                <a:alpha val="65000"/>
+              </a:srgbClr>
+            </a:outerShdw>
+          </a:effectLst>
+        </p:spPr>
+      </p:pic>
+      <p:pic>
+        <p:nvPicPr>
+          <p:cNvPr id="10" name="Picture 9">
+            <a:extLst>
+              <a:ext uri="{FF2B5EF4-FFF2-40B4-BE49-F238E27FC236}">
+                <a16:creationId xmlns:a16="http://schemas.microsoft.com/office/drawing/2014/main" id="{793055B9-A429-295A-C017-DFBEBAAF842A}"/>
+              </a:ext>
+            </a:extLst>
+          </p:cNvPr>
+          <p:cNvPicPr>
+            <a:picLocks noChangeAspect="1"/>
+          </p:cNvPicPr>
+          <p:nvPr/>
+        </p:nvPicPr>
+        <p:blipFill>
+          <a:blip r:embed="rId7"/>
+          <a:stretch>
+            <a:fillRect/>
+          </a:stretch>
+        </p:blipFill>
+        <p:spPr>
+          <a:xfrm>
+            <a:off x="7577417" y="2335368"/>
+            <a:ext cx="4387357" cy="2187264"/>
+          </a:xfrm>
+          <a:prstGeom prst="rect">
+            <a:avLst/>
+          </a:prstGeom>
+          <a:ln>
+            <a:noFill/>
+          </a:ln>
+          <a:effectLst>
+            <a:outerShdw blurRad="292100" dist="139700" dir="2700000" algn="tl" rotWithShape="0">
+              <a:srgbClr val="333333">
+                <a:alpha val="65000"/>
+              </a:srgbClr>
+            </a:outerShdw>
+          </a:effectLst>
+        </p:spPr>
+      </p:pic>
+    </p:spTree>
+    <p:extLst>
+      <p:ext uri="{BB962C8B-B14F-4D97-AF65-F5344CB8AC3E}">
+        <p14:creationId xmlns:p14="http://schemas.microsoft.com/office/powerpoint/2010/main" val="3231435790"/>
+      </p:ext>
+    </p:extLst>
+  </p:cSld>
+  <p:clrMapOvr>
+    <a:masterClrMapping/>
+  </p:clrMapOvr>
+</p:sld>
+</file>
+
+<file path=ppt/slides/slide5.xml><?xml version="1.0" encoding="utf-8"?>
+<p:sld xmlns:a="http://schemas.openxmlformats.org/drawingml/2006/main" xmlns:r="http://schemas.openxmlformats.org/officeDocument/2006/relationships" xmlns:p="http://schemas.openxmlformats.org/presentationml/2006/main">
+  <p:cSld>
+    <p:spTree>
+      <p:nvGrpSpPr>
+        <p:cNvPr id="1" name=""/>
+        <p:cNvGrpSpPr/>
+        <p:nvPr/>
+      </p:nvGrpSpPr>
+      <p:grpSpPr>
+        <a:xfrm>
+          <a:off x="0" y="0"/>
+          <a:ext cx="0" cy="0"/>
+          <a:chOff x="0" y="0"/>
+          <a:chExt cx="0" cy="0"/>
+        </a:xfrm>
+      </p:grpSpPr>
+      <p:sp>
+        <p:nvSpPr>
+          <p:cNvPr id="2" name="Title 1">
+            <a:extLst>
+              <a:ext uri="{FF2B5EF4-FFF2-40B4-BE49-F238E27FC236}">
+                <a16:creationId xmlns:a16="http://schemas.microsoft.com/office/drawing/2014/main" id="{60BDC9E0-4942-655E-4150-9691AA9C765B}"/>
+              </a:ext>
+            </a:extLst>
+          </p:cNvPr>
+          <p:cNvSpPr>
+            <a:spLocks noGrp="1"/>
+          </p:cNvSpPr>
+          <p:nvPr>
+            <p:ph type="title"/>
+          </p:nvPr>
+        </p:nvSpPr>
+        <p:spPr>
+          <a:xfrm>
+            <a:off x="2208213" y="304799"/>
+            <a:ext cx="9372600" cy="2384613"/>
+          </a:xfrm>
+        </p:spPr>
+        <p:txBody>
+          <a:bodyPr anchor="ctr">
+            <a:noAutofit/>
+          </a:bodyPr>
+          <a:lstStyle/>
+          <a:p>
+            <a:r>
+              <a:rPr lang="en-US" sz="3200" dirty="0">
+                <a:latin typeface="HarmonyOS Sans Black" panose="00000A00000000000000" pitchFamily="2" charset="0"/>
+              </a:rPr>
+              <a:t>Create GUI with Python</a:t>
+            </a:r>
+            <a:br>
+              <a:rPr lang="en-US" sz="2800" dirty="0">
+                <a:latin typeface="HarmonyOS Sans" panose="00000500000000000000" pitchFamily="2" charset="0"/>
+              </a:rPr>
+            </a:br>
+            <a:r>
+              <a:rPr lang="en-US" sz="4800" dirty="0">
+                <a:latin typeface="HarmonyOS Sans" panose="00000500000000000000" pitchFamily="2" charset="0"/>
+              </a:rPr>
+              <a:t>005 Ch03 Spy Name Chooser</a:t>
+            </a:r>
+            <a:br>
+              <a:rPr lang="en-US" sz="4800" dirty="0">
+                <a:latin typeface="HarmonyOS Sans" panose="00000500000000000000" pitchFamily="2" charset="0"/>
+              </a:rPr>
+            </a:br>
+            <a:br>
+              <a:rPr lang="en-US" sz="3600" dirty="0">
+                <a:latin typeface="HarmonyOS Sans" panose="00000500000000000000" pitchFamily="2" charset="0"/>
+              </a:rPr>
+            </a:br>
+            <a:r>
+              <a:rPr lang="en-US" sz="3600" dirty="0">
+                <a:latin typeface="HarmonyOS Sans" panose="00000500000000000000" pitchFamily="2" charset="0"/>
+              </a:rPr>
+              <a:t>Addition 1: use Lambda to transfer argument to function</a:t>
+            </a:r>
+            <a:endParaRPr lang="en-US" sz="2800" dirty="0">
+              <a:latin typeface="HarmonyOS Sans" panose="00000500000000000000" pitchFamily="2" charset="0"/>
+            </a:endParaRPr>
+          </a:p>
+        </p:txBody>
+      </p:sp>
+      <p:pic>
+        <p:nvPicPr>
+          <p:cNvPr id="6" name="Picture 5">
+            <a:extLst>
+              <a:ext uri="{FF2B5EF4-FFF2-40B4-BE49-F238E27FC236}">
+                <a16:creationId xmlns:a16="http://schemas.microsoft.com/office/drawing/2014/main" id="{28525CF1-7DD8-7F22-12CB-14807078F0D7}"/>
+              </a:ext>
+            </a:extLst>
+          </p:cNvPr>
+          <p:cNvPicPr>
+            <a:picLocks noChangeAspect="1"/>
+          </p:cNvPicPr>
+          <p:nvPr/>
+        </p:nvPicPr>
+        <p:blipFill>
+          <a:blip r:embed="rId2"/>
+          <a:stretch>
+            <a:fillRect/>
+          </a:stretch>
+        </p:blipFill>
+        <p:spPr>
+          <a:xfrm>
+            <a:off x="119268" y="59634"/>
+            <a:ext cx="611187" cy="671551"/>
+          </a:xfrm>
+          <a:prstGeom prst="rect">
+            <a:avLst/>
+          </a:prstGeom>
+          <a:ln>
+            <a:noFill/>
+          </a:ln>
+          <a:effectLst>
+            <a:outerShdw blurRad="292100" dist="139700" dir="2700000" algn="tl" rotWithShape="0">
+              <a:srgbClr val="333333">
+                <a:alpha val="65000"/>
+              </a:srgbClr>
+            </a:outerShdw>
+          </a:effectLst>
+        </p:spPr>
+      </p:pic>
+      <p:pic>
+        <p:nvPicPr>
+          <p:cNvPr id="7" name="Picture 6">
+            <a:extLst>
+              <a:ext uri="{FF2B5EF4-FFF2-40B4-BE49-F238E27FC236}">
+                <a16:creationId xmlns:a16="http://schemas.microsoft.com/office/drawing/2014/main" id="{ACE06191-4455-E539-6992-17D338C10648}"/>
+              </a:ext>
+            </a:extLst>
+          </p:cNvPr>
+          <p:cNvPicPr>
+            <a:picLocks noChangeAspect="1"/>
+          </p:cNvPicPr>
+          <p:nvPr/>
+        </p:nvPicPr>
+        <p:blipFill>
+          <a:blip r:embed="rId3"/>
+          <a:stretch>
+            <a:fillRect/>
+          </a:stretch>
+        </p:blipFill>
+        <p:spPr>
+          <a:xfrm>
+            <a:off x="0" y="6471564"/>
+            <a:ext cx="1855694" cy="386435"/>
+          </a:xfrm>
+          <a:prstGeom prst="rect">
+            <a:avLst/>
+          </a:prstGeom>
+          <a:ln>
+            <a:noFill/>
+          </a:ln>
+          <a:effectLst>
+            <a:outerShdw blurRad="292100" dist="139700" dir="2700000" algn="tl" rotWithShape="0">
+              <a:srgbClr val="333333">
+                <a:alpha val="65000"/>
+              </a:srgbClr>
+            </a:outerShdw>
+          </a:effectLst>
+        </p:spPr>
+      </p:pic>
+      <p:pic>
+        <p:nvPicPr>
+          <p:cNvPr id="8" name="Picture 7">
+            <a:extLst>
+              <a:ext uri="{FF2B5EF4-FFF2-40B4-BE49-F238E27FC236}">
+                <a16:creationId xmlns:a16="http://schemas.microsoft.com/office/drawing/2014/main" id="{E815D6CC-086C-CEEA-B605-CC7A17A0C652}"/>
+              </a:ext>
+            </a:extLst>
+          </p:cNvPr>
+          <p:cNvPicPr>
+            <a:picLocks noChangeAspect="1"/>
+          </p:cNvPicPr>
+          <p:nvPr/>
+        </p:nvPicPr>
+        <p:blipFill>
+          <a:blip r:embed="rId4"/>
+          <a:stretch>
+            <a:fillRect/>
+          </a:stretch>
+        </p:blipFill>
+        <p:spPr>
+          <a:xfrm>
+            <a:off x="119268" y="863897"/>
+            <a:ext cx="1374374" cy="2071274"/>
+          </a:xfrm>
+          <a:prstGeom prst="rect">
+            <a:avLst/>
+          </a:prstGeom>
+          <a:ln>
+            <a:noFill/>
+          </a:ln>
+          <a:effectLst>
+            <a:outerShdw blurRad="292100" dist="139700" dir="2700000" algn="tl" rotWithShape="0">
+              <a:srgbClr val="333333">
+                <a:alpha val="65000"/>
+              </a:srgbClr>
+            </a:outerShdw>
+          </a:effectLst>
+        </p:spPr>
+      </p:pic>
+      <p:sp>
+        <p:nvSpPr>
+          <p:cNvPr id="9" name="Subtitle 5">
+            <a:extLst>
+              <a:ext uri="{FF2B5EF4-FFF2-40B4-BE49-F238E27FC236}">
+                <a16:creationId xmlns:a16="http://schemas.microsoft.com/office/drawing/2014/main" id="{B98C3EDB-7ABC-5858-0198-A6F89107DC04}"/>
+              </a:ext>
+            </a:extLst>
+          </p:cNvPr>
+          <p:cNvSpPr txBox="1">
+            <a:spLocks/>
+          </p:cNvSpPr>
+          <p:nvPr/>
+        </p:nvSpPr>
+        <p:spPr>
+          <a:xfrm>
+            <a:off x="2747347" y="6471564"/>
+            <a:ext cx="7704856" cy="367591"/>
+          </a:xfrm>
+          <a:prstGeom prst="rect">
+            <a:avLst/>
+          </a:prstGeom>
+        </p:spPr>
+        <p:txBody>
+          <a:bodyPr vert="horz" lIns="91440" tIns="45720" rIns="91440" bIns="45720" rtlCol="0">
+            <a:normAutofit lnSpcReduction="10000"/>
+          </a:bodyPr>
+          <a:lstStyle>
+            <a:lvl1pPr marL="0" indent="0" algn="l" defTabSz="914400" rtl="0" eaLnBrk="1" latinLnBrk="0" hangingPunct="1">
+              <a:lnSpc>
+                <a:spcPct val="90000"/>
+              </a:lnSpc>
+              <a:spcBef>
+                <a:spcPts val="0"/>
+              </a:spcBef>
+              <a:buSzPct val="80000"/>
+              <a:buFont typeface="Wingdings" panose="05000000000000000000" pitchFamily="2" charset="2"/>
+              <a:buNone/>
+              <a:defRPr sz="2400" kern="1200">
+                <a:solidFill>
+                  <a:schemeClr val="accent2"/>
+                </a:solidFill>
+                <a:latin typeface="+mn-lt"/>
+                <a:ea typeface="+mn-ea"/>
+                <a:cs typeface="+mn-cs"/>
+              </a:defRPr>
+            </a:lvl1pPr>
+            <a:lvl2pPr marL="457200" indent="0" algn="ctr" defTabSz="914400" rtl="0" eaLnBrk="1" latinLnBrk="0" hangingPunct="1">
+              <a:lnSpc>
+                <a:spcPct val="90000"/>
+              </a:lnSpc>
+              <a:spcBef>
+                <a:spcPts val="1000"/>
+              </a:spcBef>
+              <a:buSzPct val="80000"/>
+              <a:buFont typeface="Wingdings" panose="05000000000000000000" pitchFamily="2" charset="2"/>
+              <a:buNone/>
+              <a:defRPr sz="2000" kern="1200">
+                <a:solidFill>
+                  <a:schemeClr val="tx1"/>
+                </a:solidFill>
+                <a:latin typeface="+mn-lt"/>
+                <a:ea typeface="+mn-ea"/>
+                <a:cs typeface="+mn-cs"/>
+              </a:defRPr>
+            </a:lvl2pPr>
+            <a:lvl3pPr marL="914400" indent="0" algn="ctr" defTabSz="914400" rtl="0" eaLnBrk="1" latinLnBrk="0" hangingPunct="1">
+              <a:lnSpc>
+                <a:spcPct val="90000"/>
+              </a:lnSpc>
+              <a:spcBef>
+                <a:spcPts val="800"/>
+              </a:spcBef>
+              <a:buSzPct val="80000"/>
+              <a:buFont typeface="Wingdings" panose="05000000000000000000" pitchFamily="2" charset="2"/>
+              <a:buNone/>
+              <a:defRPr sz="1800" kern="1200">
+                <a:solidFill>
+                  <a:schemeClr val="tx1"/>
+                </a:solidFill>
+                <a:latin typeface="+mn-lt"/>
+                <a:ea typeface="+mn-ea"/>
+                <a:cs typeface="+mn-cs"/>
+              </a:defRPr>
+            </a:lvl3pPr>
+            <a:lvl4pPr marL="1371600" indent="0" algn="ctr" defTabSz="914400" rtl="0" eaLnBrk="1" latinLnBrk="0" hangingPunct="1">
+              <a:lnSpc>
+                <a:spcPct val="90000"/>
+              </a:lnSpc>
+              <a:spcBef>
+                <a:spcPts val="800"/>
+              </a:spcBef>
+              <a:buSzPct val="80000"/>
+              <a:buFont typeface="Wingdings" panose="05000000000000000000" pitchFamily="2" charset="2"/>
+              <a:buNone/>
+              <a:defRPr sz="1600" kern="1200">
+                <a:solidFill>
+                  <a:schemeClr val="tx1"/>
+                </a:solidFill>
+                <a:latin typeface="+mn-lt"/>
+                <a:ea typeface="+mn-ea"/>
+                <a:cs typeface="+mn-cs"/>
+              </a:defRPr>
+            </a:lvl4pPr>
+            <a:lvl5pPr marL="1828800" indent="0" algn="ctr" defTabSz="914400" rtl="0" eaLnBrk="1" latinLnBrk="0" hangingPunct="1">
+              <a:lnSpc>
+                <a:spcPct val="90000"/>
+              </a:lnSpc>
+              <a:spcBef>
+                <a:spcPts val="800"/>
+              </a:spcBef>
+              <a:buSzPct val="80000"/>
+              <a:buFont typeface="Wingdings" panose="05000000000000000000" pitchFamily="2" charset="2"/>
+              <a:buNone/>
+              <a:defRPr sz="1600" kern="1200">
+                <a:solidFill>
+                  <a:schemeClr val="tx1"/>
+                </a:solidFill>
+                <a:latin typeface="+mn-lt"/>
+                <a:ea typeface="+mn-ea"/>
+                <a:cs typeface="+mn-cs"/>
+              </a:defRPr>
+            </a:lvl5pPr>
+            <a:lvl6pPr marL="2286000" indent="0" algn="ctr" defTabSz="914400" rtl="0" eaLnBrk="1" latinLnBrk="0" hangingPunct="1">
+              <a:lnSpc>
+                <a:spcPct val="90000"/>
+              </a:lnSpc>
+              <a:spcBef>
+                <a:spcPts val="800"/>
+              </a:spcBef>
+              <a:buSzPct val="80000"/>
+              <a:buFont typeface="Wingdings" panose="05000000000000000000" pitchFamily="2" charset="2"/>
+              <a:buNone/>
+              <a:defRPr sz="1600" kern="1200">
+                <a:solidFill>
+                  <a:schemeClr val="tx1"/>
+                </a:solidFill>
+                <a:latin typeface="+mn-lt"/>
+                <a:ea typeface="+mn-ea"/>
+                <a:cs typeface="+mn-cs"/>
+              </a:defRPr>
+            </a:lvl6pPr>
+            <a:lvl7pPr marL="2743200" indent="0" algn="ctr" defTabSz="914400" rtl="0" eaLnBrk="1" latinLnBrk="0" hangingPunct="1">
+              <a:lnSpc>
+                <a:spcPct val="90000"/>
+              </a:lnSpc>
+              <a:spcBef>
+                <a:spcPts val="800"/>
+              </a:spcBef>
+              <a:buSzPct val="80000"/>
+              <a:buFont typeface="Wingdings" panose="05000000000000000000" pitchFamily="2" charset="2"/>
+              <a:buNone/>
+              <a:defRPr sz="1600" kern="1200">
+                <a:solidFill>
+                  <a:schemeClr val="tx1"/>
+                </a:solidFill>
+                <a:latin typeface="+mn-lt"/>
+                <a:ea typeface="+mn-ea"/>
+                <a:cs typeface="+mn-cs"/>
+              </a:defRPr>
+            </a:lvl7pPr>
+            <a:lvl8pPr marL="3200400" indent="0" algn="ctr" defTabSz="914400" rtl="0" eaLnBrk="1" latinLnBrk="0" hangingPunct="1">
+              <a:lnSpc>
+                <a:spcPct val="90000"/>
+              </a:lnSpc>
+              <a:spcBef>
+                <a:spcPts val="800"/>
+              </a:spcBef>
+              <a:buSzPct val="80000"/>
+              <a:buFont typeface="Wingdings" panose="05000000000000000000" pitchFamily="2" charset="2"/>
+              <a:buNone/>
+              <a:defRPr sz="1600" kern="1200">
+                <a:solidFill>
+                  <a:schemeClr val="tx1"/>
+                </a:solidFill>
+                <a:latin typeface="+mn-lt"/>
+                <a:ea typeface="+mn-ea"/>
+                <a:cs typeface="+mn-cs"/>
+              </a:defRPr>
+            </a:lvl8pPr>
+            <a:lvl9pPr marL="3657600" indent="0" algn="ctr" defTabSz="914400" rtl="0" eaLnBrk="1" latinLnBrk="0" hangingPunct="1">
+              <a:lnSpc>
+                <a:spcPct val="90000"/>
+              </a:lnSpc>
+              <a:spcBef>
+                <a:spcPts val="800"/>
+              </a:spcBef>
+              <a:buSzPct val="80000"/>
+              <a:buFont typeface="Wingdings" panose="05000000000000000000" pitchFamily="2" charset="2"/>
+              <a:buNone/>
+              <a:defRPr sz="1600" kern="1200">
+                <a:solidFill>
+                  <a:schemeClr val="tx1"/>
+                </a:solidFill>
+                <a:latin typeface="+mn-lt"/>
+                <a:ea typeface="+mn-ea"/>
+                <a:cs typeface="+mn-cs"/>
+              </a:defRPr>
+            </a:lvl9pPr>
+          </a:lstStyle>
+          <a:p>
+            <a:pPr>
+              <a:lnSpc>
+                <a:spcPct val="120000"/>
+              </a:lnSpc>
+            </a:pPr>
+            <a:r>
+              <a:rPr lang="en-US" sz="1800" b="1" dirty="0">
+                <a:solidFill>
+                  <a:schemeClr val="accent2">
+                    <a:lumMod val="75000"/>
+                  </a:schemeClr>
+                </a:solidFill>
+                <a:hlinkClick r:id="rId5">
+                  <a:extLst>
+                    <a:ext uri="{A12FA001-AC4F-418D-AE19-62706E023703}">
+                      <ahyp:hlinkClr xmlns:ahyp="http://schemas.microsoft.com/office/drawing/2018/hyperlinkcolor" val="tx"/>
+                    </a:ext>
+                  </a:extLst>
+                </a:hlinkClick>
+              </a:rPr>
+              <a:t>https://github.com/yasenstar/python/tree/master/GUI_Python</a:t>
+            </a:r>
+            <a:endParaRPr lang="en-US" sz="1800" b="1" dirty="0">
+              <a:solidFill>
+                <a:schemeClr val="accent2">
+                  <a:lumMod val="75000"/>
+                </a:schemeClr>
+              </a:solidFill>
+            </a:endParaRPr>
+          </a:p>
+        </p:txBody>
+      </p:sp>
+      <p:pic>
+        <p:nvPicPr>
+          <p:cNvPr id="10" name="Picture 9">
+            <a:extLst>
+              <a:ext uri="{FF2B5EF4-FFF2-40B4-BE49-F238E27FC236}">
+                <a16:creationId xmlns:a16="http://schemas.microsoft.com/office/drawing/2014/main" id="{793055B9-A429-295A-C017-DFBEBAAF842A}"/>
+              </a:ext>
+            </a:extLst>
+          </p:cNvPr>
+          <p:cNvPicPr>
+            <a:picLocks noChangeAspect="1"/>
+          </p:cNvPicPr>
+          <p:nvPr/>
+        </p:nvPicPr>
+        <p:blipFill>
+          <a:blip r:embed="rId6"/>
+          <a:stretch>
+            <a:fillRect/>
+          </a:stretch>
+        </p:blipFill>
+        <p:spPr>
+          <a:xfrm>
+            <a:off x="9242612" y="3165530"/>
+            <a:ext cx="2722162" cy="1357101"/>
+          </a:xfrm>
+          <a:prstGeom prst="rect">
+            <a:avLst/>
+          </a:prstGeom>
+          <a:ln>
+            <a:noFill/>
+          </a:ln>
+          <a:effectLst>
+            <a:outerShdw blurRad="292100" dist="139700" dir="2700000" algn="tl" rotWithShape="0">
+              <a:srgbClr val="333333">
+                <a:alpha val="65000"/>
+              </a:srgbClr>
+            </a:outerShdw>
+          </a:effectLst>
+        </p:spPr>
+      </p:pic>
+      <p:pic>
+        <p:nvPicPr>
+          <p:cNvPr id="11" name="Content Placeholder 10">
+            <a:extLst>
+              <a:ext uri="{FF2B5EF4-FFF2-40B4-BE49-F238E27FC236}">
+                <a16:creationId xmlns:a16="http://schemas.microsoft.com/office/drawing/2014/main" id="{83F97D53-343B-B8B7-CE50-6CD803C7620F}"/>
+              </a:ext>
+            </a:extLst>
+          </p:cNvPr>
+          <p:cNvPicPr>
+            <a:picLocks noGrp="1" noChangeAspect="1"/>
+          </p:cNvPicPr>
+          <p:nvPr>
+            <p:ph idx="1"/>
+          </p:nvPr>
+        </p:nvPicPr>
+        <p:blipFill>
+          <a:blip r:embed="rId7"/>
+          <a:stretch>
+            <a:fillRect/>
+          </a:stretch>
+        </p:blipFill>
+        <p:spPr>
+          <a:xfrm>
+            <a:off x="2214787" y="3021106"/>
+            <a:ext cx="6127484" cy="2693894"/>
+          </a:xfrm>
+          <a:prstGeom prst="rect">
+            <a:avLst/>
+          </a:prstGeom>
+          <a:ln>
+            <a:noFill/>
+          </a:ln>
+          <a:effectLst>
+            <a:outerShdw blurRad="292100" dist="139700" dir="2700000" algn="tl" rotWithShape="0">
+              <a:srgbClr val="333333">
+                <a:alpha val="65000"/>
+              </a:srgbClr>
+            </a:outerShdw>
+          </a:effectLst>
+        </p:spPr>
+      </p:pic>
+    </p:spTree>
+    <p:extLst>
+      <p:ext uri="{BB962C8B-B14F-4D97-AF65-F5344CB8AC3E}">
+        <p14:creationId xmlns:p14="http://schemas.microsoft.com/office/powerpoint/2010/main" val="3403620366"/>
+      </p:ext>
+    </p:extLst>
+  </p:cSld>
+  <p:clrMapOvr>
+    <a:masterClrMapping/>
+  </p:clrMapOvr>
+</p:sld>
+</file>
+
+<file path=ppt/slides/slide6.xml><?xml version="1.0" encoding="utf-8"?>
+<p:sld xmlns:a="http://schemas.openxmlformats.org/drawingml/2006/main" xmlns:r="http://schemas.openxmlformats.org/officeDocument/2006/relationships" xmlns:p="http://schemas.openxmlformats.org/presentationml/2006/main">
+  <p:cSld>
+    <p:spTree>
+      <p:nvGrpSpPr>
+        <p:cNvPr id="1" name=""/>
+        <p:cNvGrpSpPr/>
+        <p:nvPr/>
+      </p:nvGrpSpPr>
+      <p:grpSpPr>
+        <a:xfrm>
+          <a:off x="0" y="0"/>
+          <a:ext cx="0" cy="0"/>
+          <a:chOff x="0" y="0"/>
+          <a:chExt cx="0" cy="0"/>
+        </a:xfrm>
+      </p:grpSpPr>
+      <p:sp>
+        <p:nvSpPr>
+          <p:cNvPr id="2" name="Title 1">
+            <a:extLst>
+              <a:ext uri="{FF2B5EF4-FFF2-40B4-BE49-F238E27FC236}">
+                <a16:creationId xmlns:a16="http://schemas.microsoft.com/office/drawing/2014/main" id="{60BDC9E0-4942-655E-4150-9691AA9C765B}"/>
+              </a:ext>
+            </a:extLst>
+          </p:cNvPr>
+          <p:cNvSpPr>
+            <a:spLocks noGrp="1"/>
+          </p:cNvSpPr>
+          <p:nvPr>
+            <p:ph type="title"/>
+          </p:nvPr>
+        </p:nvSpPr>
+        <p:spPr>
+          <a:xfrm>
+            <a:off x="2208213" y="304799"/>
+            <a:ext cx="9372600" cy="2384613"/>
+          </a:xfrm>
+        </p:spPr>
+        <p:txBody>
+          <a:bodyPr anchor="ctr">
+            <a:noAutofit/>
+          </a:bodyPr>
+          <a:lstStyle/>
+          <a:p>
+            <a:r>
+              <a:rPr lang="en-US" sz="3200" dirty="0">
+                <a:latin typeface="HarmonyOS Sans Black" panose="00000A00000000000000" pitchFamily="2" charset="0"/>
+              </a:rPr>
+              <a:t>Create GUI with Python</a:t>
+            </a:r>
+            <a:br>
+              <a:rPr lang="en-US" sz="2800" dirty="0">
+                <a:latin typeface="HarmonyOS Sans" panose="00000500000000000000" pitchFamily="2" charset="0"/>
+              </a:rPr>
+            </a:br>
+            <a:r>
+              <a:rPr lang="en-US" sz="4800" dirty="0">
+                <a:latin typeface="HarmonyOS Sans" panose="00000500000000000000" pitchFamily="2" charset="0"/>
+              </a:rPr>
+              <a:t>006 Ch03 Spy Name Chooser</a:t>
+            </a:r>
+            <a:br>
+              <a:rPr lang="en-US" sz="4800" dirty="0">
+                <a:latin typeface="HarmonyOS Sans" panose="00000500000000000000" pitchFamily="2" charset="0"/>
+              </a:rPr>
+            </a:br>
+            <a:br>
+              <a:rPr lang="en-US" sz="3600" dirty="0">
+                <a:latin typeface="HarmonyOS Sans" panose="00000500000000000000" pitchFamily="2" charset="0"/>
+              </a:rPr>
+            </a:br>
+            <a:r>
+              <a:rPr lang="en-US" sz="3600" dirty="0">
+                <a:latin typeface="HarmonyOS Sans" panose="00000500000000000000" pitchFamily="2" charset="0"/>
+              </a:rPr>
+              <a:t>Addition 2: More Investigation on “Commands”</a:t>
+            </a:r>
+            <a:endParaRPr lang="en-US" sz="2800" dirty="0">
+              <a:latin typeface="HarmonyOS Sans" panose="00000500000000000000" pitchFamily="2" charset="0"/>
+            </a:endParaRPr>
+          </a:p>
+        </p:txBody>
+      </p:sp>
+      <p:pic>
+        <p:nvPicPr>
+          <p:cNvPr id="6" name="Picture 5">
+            <a:extLst>
+              <a:ext uri="{FF2B5EF4-FFF2-40B4-BE49-F238E27FC236}">
+                <a16:creationId xmlns:a16="http://schemas.microsoft.com/office/drawing/2014/main" id="{28525CF1-7DD8-7F22-12CB-14807078F0D7}"/>
+              </a:ext>
+            </a:extLst>
+          </p:cNvPr>
+          <p:cNvPicPr>
+            <a:picLocks noChangeAspect="1"/>
+          </p:cNvPicPr>
+          <p:nvPr/>
+        </p:nvPicPr>
+        <p:blipFill>
+          <a:blip r:embed="rId2"/>
+          <a:stretch>
+            <a:fillRect/>
+          </a:stretch>
+        </p:blipFill>
+        <p:spPr>
+          <a:xfrm>
+            <a:off x="119268" y="59634"/>
+            <a:ext cx="611187" cy="671551"/>
+          </a:xfrm>
+          <a:prstGeom prst="rect">
+            <a:avLst/>
+          </a:prstGeom>
+          <a:ln>
+            <a:noFill/>
+          </a:ln>
+          <a:effectLst>
+            <a:outerShdw blurRad="292100" dist="139700" dir="2700000" algn="tl" rotWithShape="0">
+              <a:srgbClr val="333333">
+                <a:alpha val="65000"/>
+              </a:srgbClr>
+            </a:outerShdw>
+          </a:effectLst>
+        </p:spPr>
+      </p:pic>
+      <p:pic>
+        <p:nvPicPr>
+          <p:cNvPr id="7" name="Picture 6">
+            <a:extLst>
+              <a:ext uri="{FF2B5EF4-FFF2-40B4-BE49-F238E27FC236}">
+                <a16:creationId xmlns:a16="http://schemas.microsoft.com/office/drawing/2014/main" id="{ACE06191-4455-E539-6992-17D338C10648}"/>
+              </a:ext>
+            </a:extLst>
+          </p:cNvPr>
+          <p:cNvPicPr>
+            <a:picLocks noChangeAspect="1"/>
+          </p:cNvPicPr>
+          <p:nvPr/>
+        </p:nvPicPr>
+        <p:blipFill>
+          <a:blip r:embed="rId3"/>
+          <a:stretch>
+            <a:fillRect/>
+          </a:stretch>
+        </p:blipFill>
+        <p:spPr>
+          <a:xfrm>
+            <a:off x="0" y="6471564"/>
+            <a:ext cx="1855694" cy="386435"/>
+          </a:xfrm>
+          <a:prstGeom prst="rect">
+            <a:avLst/>
+          </a:prstGeom>
+          <a:ln>
+            <a:noFill/>
+          </a:ln>
+          <a:effectLst>
+            <a:outerShdw blurRad="292100" dist="139700" dir="2700000" algn="tl" rotWithShape="0">
+              <a:srgbClr val="333333">
+                <a:alpha val="65000"/>
+              </a:srgbClr>
+            </a:outerShdw>
+          </a:effectLst>
+        </p:spPr>
+      </p:pic>
+      <p:pic>
+        <p:nvPicPr>
+          <p:cNvPr id="8" name="Picture 7">
+            <a:extLst>
+              <a:ext uri="{FF2B5EF4-FFF2-40B4-BE49-F238E27FC236}">
+                <a16:creationId xmlns:a16="http://schemas.microsoft.com/office/drawing/2014/main" id="{E815D6CC-086C-CEEA-B605-CC7A17A0C652}"/>
+              </a:ext>
+            </a:extLst>
+          </p:cNvPr>
+          <p:cNvPicPr>
+            <a:picLocks noChangeAspect="1"/>
+          </p:cNvPicPr>
+          <p:nvPr/>
+        </p:nvPicPr>
+        <p:blipFill>
+          <a:blip r:embed="rId4"/>
+          <a:stretch>
+            <a:fillRect/>
+          </a:stretch>
+        </p:blipFill>
+        <p:spPr>
+          <a:xfrm>
+            <a:off x="119268" y="863897"/>
+            <a:ext cx="1374374" cy="2071274"/>
+          </a:xfrm>
+          <a:prstGeom prst="rect">
+            <a:avLst/>
+          </a:prstGeom>
+          <a:ln>
+            <a:noFill/>
+          </a:ln>
+          <a:effectLst>
+            <a:outerShdw blurRad="292100" dist="139700" dir="2700000" algn="tl" rotWithShape="0">
+              <a:srgbClr val="333333">
+                <a:alpha val="65000"/>
+              </a:srgbClr>
+            </a:outerShdw>
+          </a:effectLst>
+        </p:spPr>
+      </p:pic>
+      <p:sp>
+        <p:nvSpPr>
+          <p:cNvPr id="9" name="Subtitle 5">
+            <a:extLst>
+              <a:ext uri="{FF2B5EF4-FFF2-40B4-BE49-F238E27FC236}">
+                <a16:creationId xmlns:a16="http://schemas.microsoft.com/office/drawing/2014/main" id="{B98C3EDB-7ABC-5858-0198-A6F89107DC04}"/>
+              </a:ext>
+            </a:extLst>
+          </p:cNvPr>
+          <p:cNvSpPr txBox="1">
+            <a:spLocks/>
+          </p:cNvSpPr>
+          <p:nvPr/>
+        </p:nvSpPr>
+        <p:spPr>
+          <a:xfrm>
+            <a:off x="2747347" y="6471564"/>
+            <a:ext cx="7704856" cy="367591"/>
+          </a:xfrm>
+          <a:prstGeom prst="rect">
+            <a:avLst/>
+          </a:prstGeom>
+        </p:spPr>
+        <p:txBody>
+          <a:bodyPr vert="horz" lIns="91440" tIns="45720" rIns="91440" bIns="45720" rtlCol="0">
+            <a:normAutofit lnSpcReduction="10000"/>
+          </a:bodyPr>
+          <a:lstStyle>
+            <a:lvl1pPr marL="0" indent="0" algn="l" defTabSz="914400" rtl="0" eaLnBrk="1" latinLnBrk="0" hangingPunct="1">
+              <a:lnSpc>
+                <a:spcPct val="90000"/>
+              </a:lnSpc>
+              <a:spcBef>
+                <a:spcPts val="0"/>
+              </a:spcBef>
+              <a:buSzPct val="80000"/>
+              <a:buFont typeface="Wingdings" panose="05000000000000000000" pitchFamily="2" charset="2"/>
+              <a:buNone/>
+              <a:defRPr sz="2400" kern="1200">
+                <a:solidFill>
+                  <a:schemeClr val="accent2"/>
+                </a:solidFill>
+                <a:latin typeface="+mn-lt"/>
+                <a:ea typeface="+mn-ea"/>
+                <a:cs typeface="+mn-cs"/>
+              </a:defRPr>
+            </a:lvl1pPr>
+            <a:lvl2pPr marL="457200" indent="0" algn="ctr" defTabSz="914400" rtl="0" eaLnBrk="1" latinLnBrk="0" hangingPunct="1">
+              <a:lnSpc>
+                <a:spcPct val="90000"/>
+              </a:lnSpc>
+              <a:spcBef>
+                <a:spcPts val="1000"/>
+              </a:spcBef>
+              <a:buSzPct val="80000"/>
+              <a:buFont typeface="Wingdings" panose="05000000000000000000" pitchFamily="2" charset="2"/>
+              <a:buNone/>
+              <a:defRPr sz="2000" kern="1200">
+                <a:solidFill>
+                  <a:schemeClr val="tx1"/>
+                </a:solidFill>
+                <a:latin typeface="+mn-lt"/>
+                <a:ea typeface="+mn-ea"/>
+                <a:cs typeface="+mn-cs"/>
+              </a:defRPr>
+            </a:lvl2pPr>
+            <a:lvl3pPr marL="914400" indent="0" algn="ctr" defTabSz="914400" rtl="0" eaLnBrk="1" latinLnBrk="0" hangingPunct="1">
+              <a:lnSpc>
+                <a:spcPct val="90000"/>
+              </a:lnSpc>
+              <a:spcBef>
+                <a:spcPts val="800"/>
+              </a:spcBef>
+              <a:buSzPct val="80000"/>
+              <a:buFont typeface="Wingdings" panose="05000000000000000000" pitchFamily="2" charset="2"/>
+              <a:buNone/>
+              <a:defRPr sz="1800" kern="1200">
+                <a:solidFill>
+                  <a:schemeClr val="tx1"/>
+                </a:solidFill>
+                <a:latin typeface="+mn-lt"/>
+                <a:ea typeface="+mn-ea"/>
+                <a:cs typeface="+mn-cs"/>
+              </a:defRPr>
+            </a:lvl3pPr>
+            <a:lvl4pPr marL="1371600" indent="0" algn="ctr" defTabSz="914400" rtl="0" eaLnBrk="1" latinLnBrk="0" hangingPunct="1">
+              <a:lnSpc>
+                <a:spcPct val="90000"/>
+              </a:lnSpc>
+              <a:spcBef>
+                <a:spcPts val="800"/>
+              </a:spcBef>
+              <a:buSzPct val="80000"/>
+              <a:buFont typeface="Wingdings" panose="05000000000000000000" pitchFamily="2" charset="2"/>
+              <a:buNone/>
+              <a:defRPr sz="1600" kern="1200">
+                <a:solidFill>
+                  <a:schemeClr val="tx1"/>
+                </a:solidFill>
+                <a:latin typeface="+mn-lt"/>
+                <a:ea typeface="+mn-ea"/>
+                <a:cs typeface="+mn-cs"/>
+              </a:defRPr>
+            </a:lvl4pPr>
+            <a:lvl5pPr marL="1828800" indent="0" algn="ctr" defTabSz="914400" rtl="0" eaLnBrk="1" latinLnBrk="0" hangingPunct="1">
+              <a:lnSpc>
+                <a:spcPct val="90000"/>
+              </a:lnSpc>
+              <a:spcBef>
+                <a:spcPts val="800"/>
+              </a:spcBef>
+              <a:buSzPct val="80000"/>
+              <a:buFont typeface="Wingdings" panose="05000000000000000000" pitchFamily="2" charset="2"/>
+              <a:buNone/>
+              <a:defRPr sz="1600" kern="1200">
+                <a:solidFill>
+                  <a:schemeClr val="tx1"/>
+                </a:solidFill>
+                <a:latin typeface="+mn-lt"/>
+                <a:ea typeface="+mn-ea"/>
+                <a:cs typeface="+mn-cs"/>
+              </a:defRPr>
+            </a:lvl5pPr>
+            <a:lvl6pPr marL="2286000" indent="0" algn="ctr" defTabSz="914400" rtl="0" eaLnBrk="1" latinLnBrk="0" hangingPunct="1">
+              <a:lnSpc>
+                <a:spcPct val="90000"/>
+              </a:lnSpc>
+              <a:spcBef>
+                <a:spcPts val="800"/>
+              </a:spcBef>
+              <a:buSzPct val="80000"/>
+              <a:buFont typeface="Wingdings" panose="05000000000000000000" pitchFamily="2" charset="2"/>
+              <a:buNone/>
+              <a:defRPr sz="1600" kern="1200">
+                <a:solidFill>
+                  <a:schemeClr val="tx1"/>
+                </a:solidFill>
+                <a:latin typeface="+mn-lt"/>
+                <a:ea typeface="+mn-ea"/>
+                <a:cs typeface="+mn-cs"/>
+              </a:defRPr>
+            </a:lvl6pPr>
+            <a:lvl7pPr marL="2743200" indent="0" algn="ctr" defTabSz="914400" rtl="0" eaLnBrk="1" latinLnBrk="0" hangingPunct="1">
+              <a:lnSpc>
+                <a:spcPct val="90000"/>
+              </a:lnSpc>
+              <a:spcBef>
+                <a:spcPts val="800"/>
+              </a:spcBef>
+              <a:buSzPct val="80000"/>
+              <a:buFont typeface="Wingdings" panose="05000000000000000000" pitchFamily="2" charset="2"/>
+              <a:buNone/>
+              <a:defRPr sz="1600" kern="1200">
+                <a:solidFill>
+                  <a:schemeClr val="tx1"/>
+                </a:solidFill>
+                <a:latin typeface="+mn-lt"/>
+                <a:ea typeface="+mn-ea"/>
+                <a:cs typeface="+mn-cs"/>
+              </a:defRPr>
+            </a:lvl7pPr>
+            <a:lvl8pPr marL="3200400" indent="0" algn="ctr" defTabSz="914400" rtl="0" eaLnBrk="1" latinLnBrk="0" hangingPunct="1">
+              <a:lnSpc>
+                <a:spcPct val="90000"/>
+              </a:lnSpc>
+              <a:spcBef>
+                <a:spcPts val="800"/>
+              </a:spcBef>
+              <a:buSzPct val="80000"/>
+              <a:buFont typeface="Wingdings" panose="05000000000000000000" pitchFamily="2" charset="2"/>
+              <a:buNone/>
+              <a:defRPr sz="1600" kern="1200">
+                <a:solidFill>
+                  <a:schemeClr val="tx1"/>
+                </a:solidFill>
+                <a:latin typeface="+mn-lt"/>
+                <a:ea typeface="+mn-ea"/>
+                <a:cs typeface="+mn-cs"/>
+              </a:defRPr>
+            </a:lvl8pPr>
+            <a:lvl9pPr marL="3657600" indent="0" algn="ctr" defTabSz="914400" rtl="0" eaLnBrk="1" latinLnBrk="0" hangingPunct="1">
+              <a:lnSpc>
+                <a:spcPct val="90000"/>
+              </a:lnSpc>
+              <a:spcBef>
+                <a:spcPts val="800"/>
+              </a:spcBef>
+              <a:buSzPct val="80000"/>
+              <a:buFont typeface="Wingdings" panose="05000000000000000000" pitchFamily="2" charset="2"/>
+              <a:buNone/>
+              <a:defRPr sz="1600" kern="1200">
+                <a:solidFill>
+                  <a:schemeClr val="tx1"/>
+                </a:solidFill>
+                <a:latin typeface="+mn-lt"/>
+                <a:ea typeface="+mn-ea"/>
+                <a:cs typeface="+mn-cs"/>
+              </a:defRPr>
+            </a:lvl9pPr>
+          </a:lstStyle>
+          <a:p>
+            <a:pPr>
+              <a:lnSpc>
+                <a:spcPct val="120000"/>
+              </a:lnSpc>
+            </a:pPr>
+            <a:r>
+              <a:rPr lang="en-US" sz="1800" b="1" dirty="0">
+                <a:solidFill>
+                  <a:schemeClr val="accent2">
+                    <a:lumMod val="75000"/>
+                  </a:schemeClr>
+                </a:solidFill>
+                <a:hlinkClick r:id="rId5">
+                  <a:extLst>
+                    <a:ext uri="{A12FA001-AC4F-418D-AE19-62706E023703}">
+                      <ahyp:hlinkClr xmlns:ahyp="http://schemas.microsoft.com/office/drawing/2018/hyperlinkcolor" val="tx"/>
+                    </a:ext>
+                  </a:extLst>
+                </a:hlinkClick>
+              </a:rPr>
+              <a:t>https://github.com/yasenstar/python/tree/master/GUI_Python</a:t>
+            </a:r>
+            <a:endParaRPr lang="en-US" sz="1800" b="1" dirty="0">
+              <a:solidFill>
+                <a:schemeClr val="accent2">
+                  <a:lumMod val="75000"/>
+                </a:schemeClr>
+              </a:solidFill>
+            </a:endParaRPr>
+          </a:p>
+        </p:txBody>
+      </p:sp>
+      <p:pic>
+        <p:nvPicPr>
+          <p:cNvPr id="10" name="Picture 9">
+            <a:extLst>
+              <a:ext uri="{FF2B5EF4-FFF2-40B4-BE49-F238E27FC236}">
+                <a16:creationId xmlns:a16="http://schemas.microsoft.com/office/drawing/2014/main" id="{793055B9-A429-295A-C017-DFBEBAAF842A}"/>
+              </a:ext>
+            </a:extLst>
+          </p:cNvPr>
+          <p:cNvPicPr>
+            <a:picLocks noChangeAspect="1"/>
+          </p:cNvPicPr>
+          <p:nvPr/>
+        </p:nvPicPr>
+        <p:blipFill>
+          <a:blip r:embed="rId6"/>
+          <a:stretch>
+            <a:fillRect/>
+          </a:stretch>
+        </p:blipFill>
+        <p:spPr>
+          <a:xfrm>
+            <a:off x="9242612" y="3165530"/>
+            <a:ext cx="2722162" cy="1357101"/>
+          </a:xfrm>
+          <a:prstGeom prst="rect">
+            <a:avLst/>
+          </a:prstGeom>
+          <a:ln>
+            <a:noFill/>
+          </a:ln>
+          <a:effectLst>
+            <a:outerShdw blurRad="292100" dist="139700" dir="2700000" algn="tl" rotWithShape="0">
+              <a:srgbClr val="333333">
+                <a:alpha val="65000"/>
+              </a:srgbClr>
+            </a:outerShdw>
+          </a:effectLst>
+        </p:spPr>
+      </p:pic>
+      <p:pic>
+        <p:nvPicPr>
+          <p:cNvPr id="12" name="Content Placeholder 11">
+            <a:extLst>
+              <a:ext uri="{FF2B5EF4-FFF2-40B4-BE49-F238E27FC236}">
+                <a16:creationId xmlns:a16="http://schemas.microsoft.com/office/drawing/2014/main" id="{BC9DEB89-DB11-AD10-11CB-DA18273674ED}"/>
+              </a:ext>
+            </a:extLst>
+          </p:cNvPr>
+          <p:cNvPicPr>
+            <a:picLocks noGrp="1" noChangeAspect="1"/>
+          </p:cNvPicPr>
+          <p:nvPr>
+            <p:ph idx="1"/>
+          </p:nvPr>
+        </p:nvPicPr>
+        <p:blipFill>
+          <a:blip r:embed="rId7"/>
+          <a:stretch>
+            <a:fillRect/>
+          </a:stretch>
+        </p:blipFill>
+        <p:spPr>
+          <a:xfrm>
+            <a:off x="2687831" y="2894411"/>
+            <a:ext cx="4996863" cy="2926976"/>
+          </a:xfrm>
+          <a:prstGeom prst="rect">
+            <a:avLst/>
+          </a:prstGeom>
+          <a:ln>
+            <a:noFill/>
+          </a:ln>
+          <a:effectLst>
+            <a:outerShdw blurRad="292100" dist="139700" dir="2700000" algn="tl" rotWithShape="0">
+              <a:srgbClr val="333333">
+                <a:alpha val="65000"/>
+              </a:srgbClr>
+            </a:outerShdw>
+          </a:effectLst>
+        </p:spPr>
+      </p:pic>
+    </p:spTree>
+    <p:extLst>
+      <p:ext uri="{BB962C8B-B14F-4D97-AF65-F5344CB8AC3E}">
+        <p14:creationId xmlns:p14="http://schemas.microsoft.com/office/powerpoint/2010/main" val="519624687"/>
+      </p:ext>
+    </p:extLst>
+  </p:cSld>
+  <p:clrMapOvr>
+    <a:masterClrMapping/>
+  </p:clrMapOvr>
+</p:sld>
+</file>
+
+<file path=ppt/slides/slide7.xml><?xml version="1.0" encoding="utf-8"?>
+<p:sld xmlns:a="http://schemas.openxmlformats.org/drawingml/2006/main" xmlns:r="http://schemas.openxmlformats.org/officeDocument/2006/relationships" xmlns:p="http://schemas.openxmlformats.org/presentationml/2006/main">
+  <p:cSld>
+    <p:spTree>
+      <p:nvGrpSpPr>
+        <p:cNvPr id="1" name=""/>
+        <p:cNvGrpSpPr/>
+        <p:nvPr/>
+      </p:nvGrpSpPr>
+      <p:grpSpPr>
+        <a:xfrm>
+          <a:off x="0" y="0"/>
+          <a:ext cx="0" cy="0"/>
+          <a:chOff x="0" y="0"/>
+          <a:chExt cx="0" cy="0"/>
+        </a:xfrm>
+      </p:grpSpPr>
+      <p:sp>
+        <p:nvSpPr>
+          <p:cNvPr id="2" name="Title 1">
+            <a:extLst>
+              <a:ext uri="{FF2B5EF4-FFF2-40B4-BE49-F238E27FC236}">
+                <a16:creationId xmlns:a16="http://schemas.microsoft.com/office/drawing/2014/main" id="{60BDC9E0-4942-655E-4150-9691AA9C765B}"/>
+              </a:ext>
+            </a:extLst>
+          </p:cNvPr>
+          <p:cNvSpPr>
+            <a:spLocks noGrp="1"/>
+          </p:cNvSpPr>
+          <p:nvPr>
+            <p:ph type="title"/>
+          </p:nvPr>
+        </p:nvSpPr>
+        <p:spPr>
+          <a:xfrm>
+            <a:off x="2208213" y="304799"/>
+            <a:ext cx="9372600" cy="1649507"/>
+          </a:xfrm>
+        </p:spPr>
+        <p:txBody>
+          <a:bodyPr anchor="ctr">
+            <a:normAutofit/>
+          </a:bodyPr>
+          <a:lstStyle/>
+          <a:p>
+            <a:r>
+              <a:rPr lang="en-US" sz="4000" dirty="0">
+                <a:latin typeface="HarmonyOS Sans Black" panose="00000A00000000000000" pitchFamily="2" charset="0"/>
+              </a:rPr>
+              <a:t>Create GUI with Python</a:t>
+            </a:r>
+            <a:br>
+              <a:rPr lang="en-US" dirty="0">
+                <a:latin typeface="HarmonyOS Sans" panose="00000500000000000000" pitchFamily="2" charset="0"/>
+              </a:rPr>
+            </a:br>
+            <a:r>
+              <a:rPr lang="en-US" sz="5400" dirty="0">
+                <a:latin typeface="HarmonyOS Sans" panose="00000500000000000000" pitchFamily="2" charset="0"/>
+              </a:rPr>
+              <a:t>007 Ch04 Meme Generator</a:t>
+            </a:r>
+            <a:endParaRPr lang="en-US" dirty="0">
+              <a:latin typeface="HarmonyOS Sans" panose="00000500000000000000" pitchFamily="2" charset="0"/>
+            </a:endParaRPr>
+          </a:p>
+        </p:txBody>
+      </p:sp>
+      <p:pic>
+        <p:nvPicPr>
+          <p:cNvPr id="6" name="Picture 5">
+            <a:extLst>
+              <a:ext uri="{FF2B5EF4-FFF2-40B4-BE49-F238E27FC236}">
+                <a16:creationId xmlns:a16="http://schemas.microsoft.com/office/drawing/2014/main" id="{28525CF1-7DD8-7F22-12CB-14807078F0D7}"/>
+              </a:ext>
+            </a:extLst>
+          </p:cNvPr>
+          <p:cNvPicPr>
+            <a:picLocks noChangeAspect="1"/>
+          </p:cNvPicPr>
+          <p:nvPr/>
+        </p:nvPicPr>
+        <p:blipFill>
+          <a:blip r:embed="rId2"/>
+          <a:stretch>
+            <a:fillRect/>
+          </a:stretch>
+        </p:blipFill>
+        <p:spPr>
+          <a:xfrm>
+            <a:off x="119268" y="59634"/>
+            <a:ext cx="611187" cy="671551"/>
+          </a:xfrm>
+          <a:prstGeom prst="rect">
+            <a:avLst/>
+          </a:prstGeom>
+          <a:ln>
+            <a:noFill/>
+          </a:ln>
+          <a:effectLst>
+            <a:outerShdw blurRad="292100" dist="139700" dir="2700000" algn="tl" rotWithShape="0">
+              <a:srgbClr val="333333">
+                <a:alpha val="65000"/>
+              </a:srgbClr>
+            </a:outerShdw>
+          </a:effectLst>
+        </p:spPr>
+      </p:pic>
+      <p:pic>
+        <p:nvPicPr>
+          <p:cNvPr id="7" name="Picture 6">
+            <a:extLst>
+              <a:ext uri="{FF2B5EF4-FFF2-40B4-BE49-F238E27FC236}">
+                <a16:creationId xmlns:a16="http://schemas.microsoft.com/office/drawing/2014/main" id="{ACE06191-4455-E539-6992-17D338C10648}"/>
+              </a:ext>
+            </a:extLst>
+          </p:cNvPr>
+          <p:cNvPicPr>
+            <a:picLocks noChangeAspect="1"/>
+          </p:cNvPicPr>
+          <p:nvPr/>
+        </p:nvPicPr>
+        <p:blipFill>
+          <a:blip r:embed="rId3"/>
+          <a:stretch>
+            <a:fillRect/>
+          </a:stretch>
+        </p:blipFill>
+        <p:spPr>
+          <a:xfrm>
+            <a:off x="0" y="6471564"/>
+            <a:ext cx="1855694" cy="386435"/>
+          </a:xfrm>
+          <a:prstGeom prst="rect">
+            <a:avLst/>
+          </a:prstGeom>
+          <a:ln>
+            <a:noFill/>
+          </a:ln>
+          <a:effectLst>
+            <a:outerShdw blurRad="292100" dist="139700" dir="2700000" algn="tl" rotWithShape="0">
+              <a:srgbClr val="333333">
+                <a:alpha val="65000"/>
+              </a:srgbClr>
+            </a:outerShdw>
+          </a:effectLst>
+        </p:spPr>
+      </p:pic>
+      <p:pic>
+        <p:nvPicPr>
+          <p:cNvPr id="8" name="Picture 7">
+            <a:extLst>
+              <a:ext uri="{FF2B5EF4-FFF2-40B4-BE49-F238E27FC236}">
+                <a16:creationId xmlns:a16="http://schemas.microsoft.com/office/drawing/2014/main" id="{E815D6CC-086C-CEEA-B605-CC7A17A0C652}"/>
+              </a:ext>
+            </a:extLst>
+          </p:cNvPr>
+          <p:cNvPicPr>
+            <a:picLocks noChangeAspect="1"/>
+          </p:cNvPicPr>
+          <p:nvPr/>
+        </p:nvPicPr>
+        <p:blipFill>
+          <a:blip r:embed="rId4"/>
+          <a:stretch>
+            <a:fillRect/>
+          </a:stretch>
+        </p:blipFill>
+        <p:spPr>
+          <a:xfrm>
+            <a:off x="119268" y="863897"/>
+            <a:ext cx="1374374" cy="2071274"/>
+          </a:xfrm>
+          <a:prstGeom prst="rect">
+            <a:avLst/>
+          </a:prstGeom>
+          <a:ln>
+            <a:noFill/>
+          </a:ln>
+          <a:effectLst>
+            <a:outerShdw blurRad="292100" dist="139700" dir="2700000" algn="tl" rotWithShape="0">
+              <a:srgbClr val="333333">
+                <a:alpha val="65000"/>
+              </a:srgbClr>
+            </a:outerShdw>
+          </a:effectLst>
+        </p:spPr>
+      </p:pic>
+      <p:sp>
+        <p:nvSpPr>
+          <p:cNvPr id="9" name="Subtitle 5">
+            <a:extLst>
+              <a:ext uri="{FF2B5EF4-FFF2-40B4-BE49-F238E27FC236}">
+                <a16:creationId xmlns:a16="http://schemas.microsoft.com/office/drawing/2014/main" id="{B98C3EDB-7ABC-5858-0198-A6F89107DC04}"/>
+              </a:ext>
+            </a:extLst>
+          </p:cNvPr>
+          <p:cNvSpPr txBox="1">
+            <a:spLocks/>
+          </p:cNvSpPr>
+          <p:nvPr/>
+        </p:nvSpPr>
+        <p:spPr>
+          <a:xfrm>
+            <a:off x="2747347" y="6471564"/>
+            <a:ext cx="7704856" cy="367591"/>
+          </a:xfrm>
+          <a:prstGeom prst="rect">
+            <a:avLst/>
+          </a:prstGeom>
+        </p:spPr>
+        <p:txBody>
+          <a:bodyPr vert="horz" lIns="91440" tIns="45720" rIns="91440" bIns="45720" rtlCol="0">
+            <a:normAutofit lnSpcReduction="10000"/>
+          </a:bodyPr>
+          <a:lstStyle>
+            <a:lvl1pPr marL="0" indent="0" algn="l" defTabSz="914400" rtl="0" eaLnBrk="1" latinLnBrk="0" hangingPunct="1">
+              <a:lnSpc>
+                <a:spcPct val="90000"/>
+              </a:lnSpc>
+              <a:spcBef>
+                <a:spcPts val="0"/>
+              </a:spcBef>
+              <a:buSzPct val="80000"/>
+              <a:buFont typeface="Wingdings" panose="05000000000000000000" pitchFamily="2" charset="2"/>
+              <a:buNone/>
+              <a:defRPr sz="2400" kern="1200">
+                <a:solidFill>
+                  <a:schemeClr val="accent2"/>
+                </a:solidFill>
+                <a:latin typeface="+mn-lt"/>
+                <a:ea typeface="+mn-ea"/>
+                <a:cs typeface="+mn-cs"/>
+              </a:defRPr>
+            </a:lvl1pPr>
+            <a:lvl2pPr marL="457200" indent="0" algn="ctr" defTabSz="914400" rtl="0" eaLnBrk="1" latinLnBrk="0" hangingPunct="1">
+              <a:lnSpc>
+                <a:spcPct val="90000"/>
+              </a:lnSpc>
+              <a:spcBef>
+                <a:spcPts val="1000"/>
+              </a:spcBef>
+              <a:buSzPct val="80000"/>
+              <a:buFont typeface="Wingdings" panose="05000000000000000000" pitchFamily="2" charset="2"/>
+              <a:buNone/>
+              <a:defRPr sz="2000" kern="1200">
+                <a:solidFill>
+                  <a:schemeClr val="tx1"/>
+                </a:solidFill>
+                <a:latin typeface="+mn-lt"/>
+                <a:ea typeface="+mn-ea"/>
+                <a:cs typeface="+mn-cs"/>
+              </a:defRPr>
+            </a:lvl2pPr>
+            <a:lvl3pPr marL="914400" indent="0" algn="ctr" defTabSz="914400" rtl="0" eaLnBrk="1" latinLnBrk="0" hangingPunct="1">
+              <a:lnSpc>
+                <a:spcPct val="90000"/>
+              </a:lnSpc>
+              <a:spcBef>
+                <a:spcPts val="800"/>
+              </a:spcBef>
+              <a:buSzPct val="80000"/>
+              <a:buFont typeface="Wingdings" panose="05000000000000000000" pitchFamily="2" charset="2"/>
+              <a:buNone/>
+              <a:defRPr sz="1800" kern="1200">
+                <a:solidFill>
+                  <a:schemeClr val="tx1"/>
+                </a:solidFill>
+                <a:latin typeface="+mn-lt"/>
+                <a:ea typeface="+mn-ea"/>
+                <a:cs typeface="+mn-cs"/>
+              </a:defRPr>
+            </a:lvl3pPr>
+            <a:lvl4pPr marL="1371600" indent="0" algn="ctr" defTabSz="914400" rtl="0" eaLnBrk="1" latinLnBrk="0" hangingPunct="1">
+              <a:lnSpc>
+                <a:spcPct val="90000"/>
+              </a:lnSpc>
+              <a:spcBef>
+                <a:spcPts val="800"/>
+              </a:spcBef>
+              <a:buSzPct val="80000"/>
+              <a:buFont typeface="Wingdings" panose="05000000000000000000" pitchFamily="2" charset="2"/>
+              <a:buNone/>
+              <a:defRPr sz="1600" kern="1200">
+                <a:solidFill>
+                  <a:schemeClr val="tx1"/>
+                </a:solidFill>
+                <a:latin typeface="+mn-lt"/>
+                <a:ea typeface="+mn-ea"/>
+                <a:cs typeface="+mn-cs"/>
+              </a:defRPr>
+            </a:lvl4pPr>
+            <a:lvl5pPr marL="1828800" indent="0" algn="ctr" defTabSz="914400" rtl="0" eaLnBrk="1" latinLnBrk="0" hangingPunct="1">
+              <a:lnSpc>
+                <a:spcPct val="90000"/>
+              </a:lnSpc>
+              <a:spcBef>
+                <a:spcPts val="800"/>
+              </a:spcBef>
+              <a:buSzPct val="80000"/>
+              <a:buFont typeface="Wingdings" panose="05000000000000000000" pitchFamily="2" charset="2"/>
+              <a:buNone/>
+              <a:defRPr sz="1600" kern="1200">
+                <a:solidFill>
+                  <a:schemeClr val="tx1"/>
+                </a:solidFill>
+                <a:latin typeface="+mn-lt"/>
+                <a:ea typeface="+mn-ea"/>
+                <a:cs typeface="+mn-cs"/>
+              </a:defRPr>
+            </a:lvl5pPr>
+            <a:lvl6pPr marL="2286000" indent="0" algn="ctr" defTabSz="914400" rtl="0" eaLnBrk="1" latinLnBrk="0" hangingPunct="1">
+              <a:lnSpc>
+                <a:spcPct val="90000"/>
+              </a:lnSpc>
+              <a:spcBef>
+                <a:spcPts val="800"/>
+              </a:spcBef>
+              <a:buSzPct val="80000"/>
+              <a:buFont typeface="Wingdings" panose="05000000000000000000" pitchFamily="2" charset="2"/>
+              <a:buNone/>
+              <a:defRPr sz="1600" kern="1200">
+                <a:solidFill>
+                  <a:schemeClr val="tx1"/>
+                </a:solidFill>
+                <a:latin typeface="+mn-lt"/>
+                <a:ea typeface="+mn-ea"/>
+                <a:cs typeface="+mn-cs"/>
+              </a:defRPr>
+            </a:lvl6pPr>
+            <a:lvl7pPr marL="2743200" indent="0" algn="ctr" defTabSz="914400" rtl="0" eaLnBrk="1" latinLnBrk="0" hangingPunct="1">
+              <a:lnSpc>
+                <a:spcPct val="90000"/>
+              </a:lnSpc>
+              <a:spcBef>
+                <a:spcPts val="800"/>
+              </a:spcBef>
+              <a:buSzPct val="80000"/>
+              <a:buFont typeface="Wingdings" panose="05000000000000000000" pitchFamily="2" charset="2"/>
+              <a:buNone/>
+              <a:defRPr sz="1600" kern="1200">
+                <a:solidFill>
+                  <a:schemeClr val="tx1"/>
+                </a:solidFill>
+                <a:latin typeface="+mn-lt"/>
+                <a:ea typeface="+mn-ea"/>
+                <a:cs typeface="+mn-cs"/>
+              </a:defRPr>
+            </a:lvl7pPr>
+            <a:lvl8pPr marL="3200400" indent="0" algn="ctr" defTabSz="914400" rtl="0" eaLnBrk="1" latinLnBrk="0" hangingPunct="1">
+              <a:lnSpc>
+                <a:spcPct val="90000"/>
+              </a:lnSpc>
+              <a:spcBef>
+                <a:spcPts val="800"/>
+              </a:spcBef>
+              <a:buSzPct val="80000"/>
+              <a:buFont typeface="Wingdings" panose="05000000000000000000" pitchFamily="2" charset="2"/>
+              <a:buNone/>
+              <a:defRPr sz="1600" kern="1200">
+                <a:solidFill>
+                  <a:schemeClr val="tx1"/>
+                </a:solidFill>
+                <a:latin typeface="+mn-lt"/>
+                <a:ea typeface="+mn-ea"/>
+                <a:cs typeface="+mn-cs"/>
+              </a:defRPr>
+            </a:lvl8pPr>
+            <a:lvl9pPr marL="3657600" indent="0" algn="ctr" defTabSz="914400" rtl="0" eaLnBrk="1" latinLnBrk="0" hangingPunct="1">
+              <a:lnSpc>
+                <a:spcPct val="90000"/>
+              </a:lnSpc>
+              <a:spcBef>
+                <a:spcPts val="800"/>
+              </a:spcBef>
+              <a:buSzPct val="80000"/>
+              <a:buFont typeface="Wingdings" panose="05000000000000000000" pitchFamily="2" charset="2"/>
+              <a:buNone/>
+              <a:defRPr sz="1600" kern="1200">
+                <a:solidFill>
+                  <a:schemeClr val="tx1"/>
+                </a:solidFill>
+                <a:latin typeface="+mn-lt"/>
+                <a:ea typeface="+mn-ea"/>
+                <a:cs typeface="+mn-cs"/>
+              </a:defRPr>
+            </a:lvl9pPr>
+          </a:lstStyle>
+          <a:p>
+            <a:pPr>
+              <a:lnSpc>
+                <a:spcPct val="120000"/>
+              </a:lnSpc>
+            </a:pPr>
+            <a:r>
+              <a:rPr lang="en-US" sz="1800" b="1" dirty="0">
+                <a:solidFill>
+                  <a:schemeClr val="accent2">
+                    <a:lumMod val="75000"/>
+                  </a:schemeClr>
+                </a:solidFill>
+                <a:hlinkClick r:id="rId5">
+                  <a:extLst>
+                    <a:ext uri="{A12FA001-AC4F-418D-AE19-62706E023703}">
+                      <ahyp:hlinkClr xmlns:ahyp="http://schemas.microsoft.com/office/drawing/2018/hyperlinkcolor" val="tx"/>
+                    </a:ext>
+                  </a:extLst>
+                </a:hlinkClick>
+              </a:rPr>
+              <a:t>https://github.com/yasenstar/python/tree/master/GUI_Python</a:t>
+            </a:r>
+            <a:endParaRPr lang="en-US" sz="1800" b="1" dirty="0">
+              <a:solidFill>
+                <a:schemeClr val="accent2">
+                  <a:lumMod val="75000"/>
+                </a:schemeClr>
+              </a:solidFill>
+            </a:endParaRPr>
+          </a:p>
+        </p:txBody>
+      </p:sp>
+      <p:pic>
+        <p:nvPicPr>
+          <p:cNvPr id="4" name="Picture 3">
+            <a:extLst>
+              <a:ext uri="{FF2B5EF4-FFF2-40B4-BE49-F238E27FC236}">
+                <a16:creationId xmlns:a16="http://schemas.microsoft.com/office/drawing/2014/main" id="{D0D3F459-3FCE-3C25-CBDA-EF7090AED6C5}"/>
+              </a:ext>
+            </a:extLst>
+          </p:cNvPr>
+          <p:cNvPicPr>
+            <a:picLocks noChangeAspect="1"/>
+          </p:cNvPicPr>
+          <p:nvPr/>
+        </p:nvPicPr>
+        <p:blipFill>
+          <a:blip r:embed="rId6"/>
+          <a:stretch>
+            <a:fillRect/>
+          </a:stretch>
+        </p:blipFill>
+        <p:spPr>
+          <a:xfrm>
+            <a:off x="7809704" y="2555368"/>
+            <a:ext cx="4164627" cy="2088349"/>
+          </a:xfrm>
+          <a:prstGeom prst="rect">
+            <a:avLst/>
+          </a:prstGeom>
+          <a:ln>
+            <a:noFill/>
+          </a:ln>
+          <a:effectLst>
+            <a:outerShdw blurRad="292100" dist="139700" dir="2700000" algn="tl" rotWithShape="0">
+              <a:srgbClr val="333333">
+                <a:alpha val="65000"/>
+              </a:srgbClr>
+            </a:outerShdw>
+          </a:effectLst>
+        </p:spPr>
+      </p:pic>
+      <p:pic>
+        <p:nvPicPr>
+          <p:cNvPr id="14" name="Content Placeholder 13">
+            <a:extLst>
+              <a:ext uri="{FF2B5EF4-FFF2-40B4-BE49-F238E27FC236}">
+                <a16:creationId xmlns:a16="http://schemas.microsoft.com/office/drawing/2014/main" id="{D8C92E77-7D66-7570-3101-8E77AB21E668}"/>
+              </a:ext>
+            </a:extLst>
+          </p:cNvPr>
+          <p:cNvPicPr>
+            <a:picLocks noGrp="1" noChangeAspect="1"/>
+          </p:cNvPicPr>
+          <p:nvPr>
+            <p:ph idx="1"/>
+          </p:nvPr>
+        </p:nvPicPr>
+        <p:blipFill>
+          <a:blip r:embed="rId7"/>
+          <a:stretch>
+            <a:fillRect/>
+          </a:stretch>
+        </p:blipFill>
+        <p:spPr>
+          <a:xfrm>
+            <a:off x="1734829" y="2091831"/>
+            <a:ext cx="5941265" cy="3019087"/>
+          </a:xfrm>
+          <a:prstGeom prst="rect">
+            <a:avLst/>
+          </a:prstGeom>
+          <a:ln>
+            <a:noFill/>
+          </a:ln>
+          <a:effectLst>
+            <a:outerShdw blurRad="292100" dist="139700" dir="2700000" algn="tl" rotWithShape="0">
+              <a:srgbClr val="333333">
+                <a:alpha val="65000"/>
+              </a:srgbClr>
+            </a:outerShdw>
+          </a:effectLst>
+        </p:spPr>
+      </p:pic>
+    </p:spTree>
+    <p:extLst>
+      <p:ext uri="{BB962C8B-B14F-4D97-AF65-F5344CB8AC3E}">
+        <p14:creationId xmlns:p14="http://schemas.microsoft.com/office/powerpoint/2010/main" val="2057097921"/>
+      </p:ext>
+    </p:extLst>
+  </p:cSld>
+  <p:clrMapOvr>
+    <a:masterClrMapping/>
+  </p:clrMapOvr>
+</p:sld>
+</file>
+
+<file path=ppt/slides/slide8.xml><?xml version="1.0" encoding="utf-8"?>
+<p:sld xmlns:a="http://schemas.openxmlformats.org/drawingml/2006/main" xmlns:r="http://schemas.openxmlformats.org/officeDocument/2006/relationships" xmlns:p="http://schemas.openxmlformats.org/presentationml/2006/main">
+  <p:cSld>
+    <p:spTree>
+      <p:nvGrpSpPr>
+        <p:cNvPr id="1" name=""/>
+        <p:cNvGrpSpPr/>
+        <p:nvPr/>
+      </p:nvGrpSpPr>
+      <p:grpSpPr>
+        <a:xfrm>
+          <a:off x="0" y="0"/>
+          <a:ext cx="0" cy="0"/>
+          <a:chOff x="0" y="0"/>
+          <a:chExt cx="0" cy="0"/>
+        </a:xfrm>
+      </p:grpSpPr>
+      <p:sp>
+        <p:nvSpPr>
+          <p:cNvPr id="2" name="Title 1">
+            <a:extLst>
+              <a:ext uri="{FF2B5EF4-FFF2-40B4-BE49-F238E27FC236}">
+                <a16:creationId xmlns:a16="http://schemas.microsoft.com/office/drawing/2014/main" id="{60BDC9E0-4942-655E-4150-9691AA9C765B}"/>
+              </a:ext>
+            </a:extLst>
+          </p:cNvPr>
+          <p:cNvSpPr>
+            <a:spLocks noGrp="1"/>
+          </p:cNvSpPr>
+          <p:nvPr>
+            <p:ph type="title"/>
+          </p:nvPr>
+        </p:nvSpPr>
+        <p:spPr>
+          <a:xfrm>
+            <a:off x="2208213" y="304799"/>
+            <a:ext cx="9372600" cy="1649507"/>
+          </a:xfrm>
+        </p:spPr>
+        <p:txBody>
+          <a:bodyPr anchor="ctr">
+            <a:normAutofit/>
+          </a:bodyPr>
+          <a:lstStyle/>
+          <a:p>
+            <a:r>
+              <a:rPr lang="en-US" sz="4000" dirty="0">
+                <a:latin typeface="HarmonyOS Sans Black" panose="00000A00000000000000" pitchFamily="2" charset="0"/>
+              </a:rPr>
+              <a:t>Create GUI with Python</a:t>
+            </a:r>
+            <a:br>
+              <a:rPr lang="en-US" dirty="0">
+                <a:latin typeface="HarmonyOS Sans" panose="00000500000000000000" pitchFamily="2" charset="0"/>
+              </a:rPr>
+            </a:br>
+            <a:r>
+              <a:rPr lang="en-US" sz="5400" dirty="0">
+                <a:latin typeface="HarmonyOS Sans" panose="00000500000000000000" pitchFamily="2" charset="0"/>
+              </a:rPr>
+              <a:t>008 Ch05 World’s Worst GUI</a:t>
+            </a:r>
+            <a:endParaRPr lang="en-US" dirty="0">
+              <a:latin typeface="HarmonyOS Sans" panose="00000500000000000000" pitchFamily="2" charset="0"/>
+            </a:endParaRPr>
+          </a:p>
+        </p:txBody>
+      </p:sp>
+      <p:pic>
+        <p:nvPicPr>
+          <p:cNvPr id="6" name="Picture 5">
+            <a:extLst>
+              <a:ext uri="{FF2B5EF4-FFF2-40B4-BE49-F238E27FC236}">
+                <a16:creationId xmlns:a16="http://schemas.microsoft.com/office/drawing/2014/main" id="{28525CF1-7DD8-7F22-12CB-14807078F0D7}"/>
+              </a:ext>
+            </a:extLst>
+          </p:cNvPr>
+          <p:cNvPicPr>
+            <a:picLocks noChangeAspect="1"/>
+          </p:cNvPicPr>
+          <p:nvPr/>
+        </p:nvPicPr>
+        <p:blipFill>
+          <a:blip r:embed="rId2"/>
+          <a:stretch>
+            <a:fillRect/>
+          </a:stretch>
+        </p:blipFill>
+        <p:spPr>
+          <a:xfrm>
+            <a:off x="119268" y="59634"/>
+            <a:ext cx="611187" cy="671551"/>
+          </a:xfrm>
+          <a:prstGeom prst="rect">
+            <a:avLst/>
+          </a:prstGeom>
+          <a:ln>
+            <a:noFill/>
+          </a:ln>
+          <a:effectLst>
+            <a:outerShdw blurRad="292100" dist="139700" dir="2700000" algn="tl" rotWithShape="0">
+              <a:srgbClr val="333333">
+                <a:alpha val="65000"/>
+              </a:srgbClr>
+            </a:outerShdw>
+          </a:effectLst>
+        </p:spPr>
+      </p:pic>
+      <p:pic>
+        <p:nvPicPr>
+          <p:cNvPr id="7" name="Picture 6">
+            <a:extLst>
+              <a:ext uri="{FF2B5EF4-FFF2-40B4-BE49-F238E27FC236}">
+                <a16:creationId xmlns:a16="http://schemas.microsoft.com/office/drawing/2014/main" id="{ACE06191-4455-E539-6992-17D338C10648}"/>
+              </a:ext>
+            </a:extLst>
+          </p:cNvPr>
+          <p:cNvPicPr>
+            <a:picLocks noChangeAspect="1"/>
+          </p:cNvPicPr>
+          <p:nvPr/>
+        </p:nvPicPr>
+        <p:blipFill>
+          <a:blip r:embed="rId3"/>
+          <a:stretch>
+            <a:fillRect/>
+          </a:stretch>
+        </p:blipFill>
+        <p:spPr>
+          <a:xfrm>
+            <a:off x="0" y="6471564"/>
+            <a:ext cx="1855694" cy="386435"/>
+          </a:xfrm>
+          <a:prstGeom prst="rect">
+            <a:avLst/>
+          </a:prstGeom>
+          <a:ln>
+            <a:noFill/>
+          </a:ln>
+          <a:effectLst>
+            <a:outerShdw blurRad="292100" dist="139700" dir="2700000" algn="tl" rotWithShape="0">
+              <a:srgbClr val="333333">
+                <a:alpha val="65000"/>
+              </a:srgbClr>
+            </a:outerShdw>
+          </a:effectLst>
+        </p:spPr>
+      </p:pic>
+      <p:pic>
+        <p:nvPicPr>
+          <p:cNvPr id="8" name="Picture 7">
+            <a:extLst>
+              <a:ext uri="{FF2B5EF4-FFF2-40B4-BE49-F238E27FC236}">
+                <a16:creationId xmlns:a16="http://schemas.microsoft.com/office/drawing/2014/main" id="{E815D6CC-086C-CEEA-B605-CC7A17A0C652}"/>
+              </a:ext>
+            </a:extLst>
+          </p:cNvPr>
+          <p:cNvPicPr>
+            <a:picLocks noChangeAspect="1"/>
+          </p:cNvPicPr>
+          <p:nvPr/>
+        </p:nvPicPr>
+        <p:blipFill>
+          <a:blip r:embed="rId4"/>
+          <a:stretch>
+            <a:fillRect/>
+          </a:stretch>
+        </p:blipFill>
+        <p:spPr>
+          <a:xfrm>
+            <a:off x="119268" y="863897"/>
+            <a:ext cx="1374374" cy="2071274"/>
+          </a:xfrm>
+          <a:prstGeom prst="rect">
+            <a:avLst/>
+          </a:prstGeom>
+          <a:ln>
+            <a:noFill/>
+          </a:ln>
+          <a:effectLst>
+            <a:outerShdw blurRad="292100" dist="139700" dir="2700000" algn="tl" rotWithShape="0">
+              <a:srgbClr val="333333">
+                <a:alpha val="65000"/>
+              </a:srgbClr>
+            </a:outerShdw>
+          </a:effectLst>
+        </p:spPr>
+      </p:pic>
+      <p:sp>
+        <p:nvSpPr>
+          <p:cNvPr id="9" name="Subtitle 5">
+            <a:extLst>
+              <a:ext uri="{FF2B5EF4-FFF2-40B4-BE49-F238E27FC236}">
+                <a16:creationId xmlns:a16="http://schemas.microsoft.com/office/drawing/2014/main" id="{B98C3EDB-7ABC-5858-0198-A6F89107DC04}"/>
+              </a:ext>
+            </a:extLst>
+          </p:cNvPr>
+          <p:cNvSpPr txBox="1">
+            <a:spLocks/>
+          </p:cNvSpPr>
+          <p:nvPr/>
+        </p:nvSpPr>
+        <p:spPr>
+          <a:xfrm>
+            <a:off x="2747347" y="6471564"/>
+            <a:ext cx="7704856" cy="367591"/>
+          </a:xfrm>
+          <a:prstGeom prst="rect">
+            <a:avLst/>
+          </a:prstGeom>
+        </p:spPr>
+        <p:txBody>
+          <a:bodyPr vert="horz" lIns="91440" tIns="45720" rIns="91440" bIns="45720" rtlCol="0">
+            <a:normAutofit lnSpcReduction="10000"/>
+          </a:bodyPr>
+          <a:lstStyle>
+            <a:lvl1pPr marL="0" indent="0" algn="l" defTabSz="914400" rtl="0" eaLnBrk="1" latinLnBrk="0" hangingPunct="1">
+              <a:lnSpc>
+                <a:spcPct val="90000"/>
+              </a:lnSpc>
+              <a:spcBef>
+                <a:spcPts val="0"/>
+              </a:spcBef>
+              <a:buSzPct val="80000"/>
+              <a:buFont typeface="Wingdings" panose="05000000000000000000" pitchFamily="2" charset="2"/>
+              <a:buNone/>
+              <a:defRPr sz="2400" kern="1200">
+                <a:solidFill>
+                  <a:schemeClr val="accent2"/>
+                </a:solidFill>
+                <a:latin typeface="+mn-lt"/>
+                <a:ea typeface="+mn-ea"/>
+                <a:cs typeface="+mn-cs"/>
+              </a:defRPr>
+            </a:lvl1pPr>
+            <a:lvl2pPr marL="457200" indent="0" algn="ctr" defTabSz="914400" rtl="0" eaLnBrk="1" latinLnBrk="0" hangingPunct="1">
+              <a:lnSpc>
+                <a:spcPct val="90000"/>
+              </a:lnSpc>
+              <a:spcBef>
+                <a:spcPts val="1000"/>
+              </a:spcBef>
+              <a:buSzPct val="80000"/>
+              <a:buFont typeface="Wingdings" panose="05000000000000000000" pitchFamily="2" charset="2"/>
+              <a:buNone/>
+              <a:defRPr sz="2000" kern="1200">
+                <a:solidFill>
+                  <a:schemeClr val="tx1"/>
+                </a:solidFill>
+                <a:latin typeface="+mn-lt"/>
+                <a:ea typeface="+mn-ea"/>
+                <a:cs typeface="+mn-cs"/>
+              </a:defRPr>
+            </a:lvl2pPr>
+            <a:lvl3pPr marL="914400" indent="0" algn="ctr" defTabSz="914400" rtl="0" eaLnBrk="1" latinLnBrk="0" hangingPunct="1">
+              <a:lnSpc>
+                <a:spcPct val="90000"/>
+              </a:lnSpc>
+              <a:spcBef>
+                <a:spcPts val="800"/>
+              </a:spcBef>
+              <a:buSzPct val="80000"/>
+              <a:buFont typeface="Wingdings" panose="05000000000000000000" pitchFamily="2" charset="2"/>
+              <a:buNone/>
+              <a:defRPr sz="1800" kern="1200">
+                <a:solidFill>
+                  <a:schemeClr val="tx1"/>
+                </a:solidFill>
+                <a:latin typeface="+mn-lt"/>
+                <a:ea typeface="+mn-ea"/>
+                <a:cs typeface="+mn-cs"/>
+              </a:defRPr>
+            </a:lvl3pPr>
+            <a:lvl4pPr marL="1371600" indent="0" algn="ctr" defTabSz="914400" rtl="0" eaLnBrk="1" latinLnBrk="0" hangingPunct="1">
+              <a:lnSpc>
+                <a:spcPct val="90000"/>
+              </a:lnSpc>
+              <a:spcBef>
+                <a:spcPts val="800"/>
+              </a:spcBef>
+              <a:buSzPct val="80000"/>
+              <a:buFont typeface="Wingdings" panose="05000000000000000000" pitchFamily="2" charset="2"/>
+              <a:buNone/>
+              <a:defRPr sz="1600" kern="1200">
+                <a:solidFill>
+                  <a:schemeClr val="tx1"/>
+                </a:solidFill>
+                <a:latin typeface="+mn-lt"/>
+                <a:ea typeface="+mn-ea"/>
+                <a:cs typeface="+mn-cs"/>
+              </a:defRPr>
+            </a:lvl4pPr>
+            <a:lvl5pPr marL="1828800" indent="0" algn="ctr" defTabSz="914400" rtl="0" eaLnBrk="1" latinLnBrk="0" hangingPunct="1">
+              <a:lnSpc>
+                <a:spcPct val="90000"/>
+              </a:lnSpc>
+              <a:spcBef>
+                <a:spcPts val="800"/>
+              </a:spcBef>
+              <a:buSzPct val="80000"/>
+              <a:buFont typeface="Wingdings" panose="05000000000000000000" pitchFamily="2" charset="2"/>
+              <a:buNone/>
+              <a:defRPr sz="1600" kern="1200">
+                <a:solidFill>
+                  <a:schemeClr val="tx1"/>
+                </a:solidFill>
+                <a:latin typeface="+mn-lt"/>
+                <a:ea typeface="+mn-ea"/>
+                <a:cs typeface="+mn-cs"/>
+              </a:defRPr>
+            </a:lvl5pPr>
+            <a:lvl6pPr marL="2286000" indent="0" algn="ctr" defTabSz="914400" rtl="0" eaLnBrk="1" latinLnBrk="0" hangingPunct="1">
+              <a:lnSpc>
+                <a:spcPct val="90000"/>
+              </a:lnSpc>
+              <a:spcBef>
+                <a:spcPts val="800"/>
+              </a:spcBef>
+              <a:buSzPct val="80000"/>
+              <a:buFont typeface="Wingdings" panose="05000000000000000000" pitchFamily="2" charset="2"/>
+              <a:buNone/>
+              <a:defRPr sz="1600" kern="1200">
+                <a:solidFill>
+                  <a:schemeClr val="tx1"/>
+                </a:solidFill>
+                <a:latin typeface="+mn-lt"/>
+                <a:ea typeface="+mn-ea"/>
+                <a:cs typeface="+mn-cs"/>
+              </a:defRPr>
+            </a:lvl6pPr>
+            <a:lvl7pPr marL="2743200" indent="0" algn="ctr" defTabSz="914400" rtl="0" eaLnBrk="1" latinLnBrk="0" hangingPunct="1">
+              <a:lnSpc>
+                <a:spcPct val="90000"/>
+              </a:lnSpc>
+              <a:spcBef>
+                <a:spcPts val="800"/>
+              </a:spcBef>
+              <a:buSzPct val="80000"/>
+              <a:buFont typeface="Wingdings" panose="05000000000000000000" pitchFamily="2" charset="2"/>
+              <a:buNone/>
+              <a:defRPr sz="1600" kern="1200">
+                <a:solidFill>
+                  <a:schemeClr val="tx1"/>
+                </a:solidFill>
+                <a:latin typeface="+mn-lt"/>
+                <a:ea typeface="+mn-ea"/>
+                <a:cs typeface="+mn-cs"/>
+              </a:defRPr>
+            </a:lvl7pPr>
+            <a:lvl8pPr marL="3200400" indent="0" algn="ctr" defTabSz="914400" rtl="0" eaLnBrk="1" latinLnBrk="0" hangingPunct="1">
+              <a:lnSpc>
+                <a:spcPct val="90000"/>
+              </a:lnSpc>
+              <a:spcBef>
+                <a:spcPts val="800"/>
+              </a:spcBef>
+              <a:buSzPct val="80000"/>
+              <a:buFont typeface="Wingdings" panose="05000000000000000000" pitchFamily="2" charset="2"/>
+              <a:buNone/>
+              <a:defRPr sz="1600" kern="1200">
+                <a:solidFill>
+                  <a:schemeClr val="tx1"/>
+                </a:solidFill>
+                <a:latin typeface="+mn-lt"/>
+                <a:ea typeface="+mn-ea"/>
+                <a:cs typeface="+mn-cs"/>
+              </a:defRPr>
+            </a:lvl8pPr>
+            <a:lvl9pPr marL="3657600" indent="0" algn="ctr" defTabSz="914400" rtl="0" eaLnBrk="1" latinLnBrk="0" hangingPunct="1">
+              <a:lnSpc>
+                <a:spcPct val="90000"/>
+              </a:lnSpc>
+              <a:spcBef>
+                <a:spcPts val="800"/>
+              </a:spcBef>
+              <a:buSzPct val="80000"/>
+              <a:buFont typeface="Wingdings" panose="05000000000000000000" pitchFamily="2" charset="2"/>
+              <a:buNone/>
+              <a:defRPr sz="1600" kern="1200">
+                <a:solidFill>
+                  <a:schemeClr val="tx1"/>
+                </a:solidFill>
+                <a:latin typeface="+mn-lt"/>
+                <a:ea typeface="+mn-ea"/>
+                <a:cs typeface="+mn-cs"/>
+              </a:defRPr>
+            </a:lvl9pPr>
+          </a:lstStyle>
+          <a:p>
+            <a:pPr>
+              <a:lnSpc>
+                <a:spcPct val="120000"/>
+              </a:lnSpc>
+            </a:pPr>
+            <a:r>
+              <a:rPr lang="en-US" sz="1800" b="1" dirty="0">
+                <a:solidFill>
+                  <a:schemeClr val="accent2">
+                    <a:lumMod val="75000"/>
+                  </a:schemeClr>
+                </a:solidFill>
+                <a:hlinkClick r:id="rId5">
+                  <a:extLst>
+                    <a:ext uri="{A12FA001-AC4F-418D-AE19-62706E023703}">
+                      <ahyp:hlinkClr xmlns:ahyp="http://schemas.microsoft.com/office/drawing/2018/hyperlinkcolor" val="tx"/>
+                    </a:ext>
+                  </a:extLst>
+                </a:hlinkClick>
+              </a:rPr>
+              <a:t>https://github.com/yasenstar/python/tree/master/GUI_Python</a:t>
+            </a:r>
+            <a:endParaRPr lang="en-US" sz="1800" b="1" dirty="0">
+              <a:solidFill>
+                <a:schemeClr val="accent2">
+                  <a:lumMod val="75000"/>
+                </a:schemeClr>
+              </a:solidFill>
+            </a:endParaRPr>
+          </a:p>
+        </p:txBody>
+      </p:sp>
+      <p:pic>
+        <p:nvPicPr>
+          <p:cNvPr id="11" name="Content Placeholder 10">
+            <a:extLst>
+              <a:ext uri="{FF2B5EF4-FFF2-40B4-BE49-F238E27FC236}">
+                <a16:creationId xmlns:a16="http://schemas.microsoft.com/office/drawing/2014/main" id="{1E3B04F3-CC78-9B98-67A1-FF0794167F13}"/>
+              </a:ext>
+            </a:extLst>
+          </p:cNvPr>
+          <p:cNvPicPr>
+            <a:picLocks noGrp="1" noChangeAspect="1"/>
+          </p:cNvPicPr>
+          <p:nvPr>
+            <p:ph idx="1"/>
+          </p:nvPr>
+        </p:nvPicPr>
+        <p:blipFill>
+          <a:blip r:embed="rId6"/>
+          <a:stretch>
+            <a:fillRect/>
+          </a:stretch>
+        </p:blipFill>
+        <p:spPr>
+          <a:xfrm>
+            <a:off x="1987905" y="1989981"/>
+            <a:ext cx="5606005" cy="3335054"/>
+          </a:xfrm>
+          <a:prstGeom prst="rect">
+            <a:avLst/>
+          </a:prstGeom>
+          <a:ln>
+            <a:noFill/>
+          </a:ln>
+          <a:effectLst>
+            <a:outerShdw blurRad="292100" dist="139700" dir="2700000" algn="tl" rotWithShape="0">
+              <a:srgbClr val="333333">
+                <a:alpha val="65000"/>
+              </a:srgbClr>
+            </a:outerShdw>
+          </a:effectLst>
+        </p:spPr>
+      </p:pic>
+      <p:pic>
+        <p:nvPicPr>
+          <p:cNvPr id="13" name="Picture 12">
+            <a:extLst>
+              <a:ext uri="{FF2B5EF4-FFF2-40B4-BE49-F238E27FC236}">
+                <a16:creationId xmlns:a16="http://schemas.microsoft.com/office/drawing/2014/main" id="{08E50471-ED87-E58D-AB59-14EF1F3DA980}"/>
+              </a:ext>
+            </a:extLst>
+          </p:cNvPr>
+          <p:cNvPicPr>
+            <a:picLocks noChangeAspect="1"/>
+          </p:cNvPicPr>
+          <p:nvPr/>
+        </p:nvPicPr>
+        <p:blipFill>
+          <a:blip r:embed="rId7"/>
+          <a:stretch>
+            <a:fillRect/>
+          </a:stretch>
+        </p:blipFill>
+        <p:spPr>
+          <a:xfrm>
+            <a:off x="7866704" y="2659988"/>
+            <a:ext cx="3950179" cy="1995040"/>
+          </a:xfrm>
+          <a:prstGeom prst="rect">
+            <a:avLst/>
+          </a:prstGeom>
+          <a:ln>
+            <a:noFill/>
+          </a:ln>
+          <a:effectLst>
+            <a:outerShdw blurRad="292100" dist="139700" dir="2700000" algn="tl" rotWithShape="0">
+              <a:srgbClr val="333333">
+                <a:alpha val="65000"/>
+              </a:srgbClr>
+            </a:outerShdw>
+          </a:effectLst>
+        </p:spPr>
+      </p:pic>
+    </p:spTree>
+    <p:extLst>
+      <p:ext uri="{BB962C8B-B14F-4D97-AF65-F5344CB8AC3E}">
+        <p14:creationId xmlns:p14="http://schemas.microsoft.com/office/powerpoint/2010/main" val="4055922921"/>
+      </p:ext>
+    </p:extLst>
+  </p:cSld>
+  <p:clrMapOvr>
+    <a:masterClrMapping/>
+  </p:clrMapOvr>
+</p:sld>
+</file>
+
+<file path=ppt/slides/slide9.xml><?xml version="1.0" encoding="utf-8"?>
+<p:sld xmlns:a="http://schemas.openxmlformats.org/drawingml/2006/main" xmlns:r="http://schemas.openxmlformats.org/officeDocument/2006/relationships" xmlns:p="http://schemas.openxmlformats.org/presentationml/2006/main">
+  <p:cSld>
+    <p:spTree>
+      <p:nvGrpSpPr>
+        <p:cNvPr id="1" name=""/>
+        <p:cNvGrpSpPr/>
+        <p:nvPr/>
+      </p:nvGrpSpPr>
+      <p:grpSpPr>
+        <a:xfrm>
+          <a:off x="0" y="0"/>
+          <a:ext cx="0" cy="0"/>
+          <a:chOff x="0" y="0"/>
+          <a:chExt cx="0" cy="0"/>
+        </a:xfrm>
+      </p:grpSpPr>
+      <p:sp>
+        <p:nvSpPr>
+          <p:cNvPr id="2" name="Title 1">
+            <a:extLst>
+              <a:ext uri="{FF2B5EF4-FFF2-40B4-BE49-F238E27FC236}">
+                <a16:creationId xmlns:a16="http://schemas.microsoft.com/office/drawing/2014/main" id="{60BDC9E0-4942-655E-4150-9691AA9C765B}"/>
+              </a:ext>
+            </a:extLst>
+          </p:cNvPr>
+          <p:cNvSpPr>
+            <a:spLocks noGrp="1"/>
+          </p:cNvSpPr>
+          <p:nvPr>
+            <p:ph type="title"/>
+          </p:nvPr>
+        </p:nvSpPr>
+        <p:spPr>
+          <a:xfrm>
+            <a:off x="2208213" y="304799"/>
+            <a:ext cx="9372600" cy="1649507"/>
+          </a:xfrm>
+        </p:spPr>
+        <p:txBody>
+          <a:bodyPr anchor="ctr">
+            <a:normAutofit fontScale="90000"/>
+          </a:bodyPr>
+          <a:lstStyle/>
+          <a:p>
+            <a:r>
+              <a:rPr lang="en-US" sz="4000" dirty="0">
+                <a:latin typeface="HarmonyOS Sans Black" panose="00000A00000000000000" pitchFamily="2" charset="0"/>
+              </a:rPr>
+              <a:t>Create GUI with Python</a:t>
+            </a:r>
+            <a:br>
+              <a:rPr lang="en-US" dirty="0">
+                <a:latin typeface="HarmonyOS Sans" panose="00000500000000000000" pitchFamily="2" charset="0"/>
+              </a:rPr>
+            </a:br>
+            <a:r>
+              <a:rPr lang="en-US" sz="5400" dirty="0">
+                <a:latin typeface="HarmonyOS Sans" panose="00000500000000000000" pitchFamily="2" charset="0"/>
+              </a:rPr>
+              <a:t>009 Ch06 Tic-Tac-Toe (part 1)</a:t>
+            </a:r>
+            <a:endParaRPr lang="en-US" dirty="0">
+              <a:latin typeface="HarmonyOS Sans" panose="00000500000000000000" pitchFamily="2" charset="0"/>
+            </a:endParaRPr>
+          </a:p>
+        </p:txBody>
+      </p:sp>
+      <p:pic>
+        <p:nvPicPr>
+          <p:cNvPr id="6" name="Picture 5">
+            <a:extLst>
+              <a:ext uri="{FF2B5EF4-FFF2-40B4-BE49-F238E27FC236}">
+                <a16:creationId xmlns:a16="http://schemas.microsoft.com/office/drawing/2014/main" id="{28525CF1-7DD8-7F22-12CB-14807078F0D7}"/>
+              </a:ext>
+            </a:extLst>
+          </p:cNvPr>
+          <p:cNvPicPr>
+            <a:picLocks noChangeAspect="1"/>
+          </p:cNvPicPr>
+          <p:nvPr/>
+        </p:nvPicPr>
+        <p:blipFill>
+          <a:blip r:embed="rId2"/>
+          <a:stretch>
+            <a:fillRect/>
+          </a:stretch>
+        </p:blipFill>
+        <p:spPr>
+          <a:xfrm>
+            <a:off x="119268" y="59634"/>
+            <a:ext cx="611187" cy="671551"/>
+          </a:xfrm>
+          <a:prstGeom prst="rect">
+            <a:avLst/>
+          </a:prstGeom>
+          <a:ln>
+            <a:noFill/>
+          </a:ln>
+          <a:effectLst>
+            <a:outerShdw blurRad="292100" dist="139700" dir="2700000" algn="tl" rotWithShape="0">
+              <a:srgbClr val="333333">
+                <a:alpha val="65000"/>
+              </a:srgbClr>
+            </a:outerShdw>
+          </a:effectLst>
+        </p:spPr>
+      </p:pic>
+      <p:pic>
+        <p:nvPicPr>
+          <p:cNvPr id="7" name="Picture 6">
+            <a:extLst>
+              <a:ext uri="{FF2B5EF4-FFF2-40B4-BE49-F238E27FC236}">
+                <a16:creationId xmlns:a16="http://schemas.microsoft.com/office/drawing/2014/main" id="{ACE06191-4455-E539-6992-17D338C10648}"/>
+              </a:ext>
+            </a:extLst>
+          </p:cNvPr>
+          <p:cNvPicPr>
+            <a:picLocks noChangeAspect="1"/>
+          </p:cNvPicPr>
+          <p:nvPr/>
+        </p:nvPicPr>
+        <p:blipFill>
+          <a:blip r:embed="rId3"/>
+          <a:stretch>
+            <a:fillRect/>
+          </a:stretch>
+        </p:blipFill>
+        <p:spPr>
+          <a:xfrm>
+            <a:off x="0" y="6471564"/>
+            <a:ext cx="1855694" cy="386435"/>
+          </a:xfrm>
+          <a:prstGeom prst="rect">
+            <a:avLst/>
+          </a:prstGeom>
+          <a:ln>
+            <a:noFill/>
+          </a:ln>
+          <a:effectLst>
+            <a:outerShdw blurRad="292100" dist="139700" dir="2700000" algn="tl" rotWithShape="0">
+              <a:srgbClr val="333333">
+                <a:alpha val="65000"/>
+              </a:srgbClr>
+            </a:outerShdw>
+          </a:effectLst>
+        </p:spPr>
+      </p:pic>
+      <p:pic>
+        <p:nvPicPr>
+          <p:cNvPr id="8" name="Picture 7">
+            <a:extLst>
+              <a:ext uri="{FF2B5EF4-FFF2-40B4-BE49-F238E27FC236}">
+                <a16:creationId xmlns:a16="http://schemas.microsoft.com/office/drawing/2014/main" id="{E815D6CC-086C-CEEA-B605-CC7A17A0C652}"/>
+              </a:ext>
+            </a:extLst>
+          </p:cNvPr>
+          <p:cNvPicPr>
+            <a:picLocks noChangeAspect="1"/>
+          </p:cNvPicPr>
+          <p:nvPr/>
+        </p:nvPicPr>
+        <p:blipFill>
+          <a:blip r:embed="rId4"/>
+          <a:stretch>
+            <a:fillRect/>
+          </a:stretch>
+        </p:blipFill>
+        <p:spPr>
+          <a:xfrm>
+            <a:off x="119268" y="863897"/>
+            <a:ext cx="1374374" cy="2071274"/>
+          </a:xfrm>
+          <a:prstGeom prst="rect">
+            <a:avLst/>
+          </a:prstGeom>
+          <a:ln>
+            <a:noFill/>
+          </a:ln>
+          <a:effectLst>
+            <a:outerShdw blurRad="292100" dist="139700" dir="2700000" algn="tl" rotWithShape="0">
+              <a:srgbClr val="333333">
+                <a:alpha val="65000"/>
+              </a:srgbClr>
+            </a:outerShdw>
+          </a:effectLst>
+        </p:spPr>
+      </p:pic>
+      <p:sp>
+        <p:nvSpPr>
+          <p:cNvPr id="9" name="Subtitle 5">
+            <a:extLst>
+              <a:ext uri="{FF2B5EF4-FFF2-40B4-BE49-F238E27FC236}">
+                <a16:creationId xmlns:a16="http://schemas.microsoft.com/office/drawing/2014/main" id="{B98C3EDB-7ABC-5858-0198-A6F89107DC04}"/>
+              </a:ext>
+            </a:extLst>
+          </p:cNvPr>
+          <p:cNvSpPr txBox="1">
+            <a:spLocks/>
+          </p:cNvSpPr>
+          <p:nvPr/>
+        </p:nvSpPr>
+        <p:spPr>
+          <a:xfrm>
+            <a:off x="2747347" y="6471564"/>
+            <a:ext cx="7704856" cy="367591"/>
+          </a:xfrm>
+          <a:prstGeom prst="rect">
+            <a:avLst/>
+          </a:prstGeom>
+        </p:spPr>
+        <p:txBody>
+          <a:bodyPr vert="horz" lIns="91440" tIns="45720" rIns="91440" bIns="45720" rtlCol="0">
+            <a:normAutofit lnSpcReduction="10000"/>
+          </a:bodyPr>
+          <a:lstStyle>
+            <a:lvl1pPr marL="0" indent="0" algn="l" defTabSz="914400" rtl="0" eaLnBrk="1" latinLnBrk="0" hangingPunct="1">
+              <a:lnSpc>
+                <a:spcPct val="90000"/>
+              </a:lnSpc>
+              <a:spcBef>
+                <a:spcPts val="0"/>
+              </a:spcBef>
+              <a:buSzPct val="80000"/>
+              <a:buFont typeface="Wingdings" panose="05000000000000000000" pitchFamily="2" charset="2"/>
+              <a:buNone/>
+              <a:defRPr sz="2400" kern="1200">
+                <a:solidFill>
+                  <a:schemeClr val="accent2"/>
+                </a:solidFill>
+                <a:latin typeface="+mn-lt"/>
+                <a:ea typeface="+mn-ea"/>
+                <a:cs typeface="+mn-cs"/>
+              </a:defRPr>
+            </a:lvl1pPr>
+            <a:lvl2pPr marL="457200" indent="0" algn="ctr" defTabSz="914400" rtl="0" eaLnBrk="1" latinLnBrk="0" hangingPunct="1">
+              <a:lnSpc>
+                <a:spcPct val="90000"/>
+              </a:lnSpc>
+              <a:spcBef>
+                <a:spcPts val="1000"/>
+              </a:spcBef>
+              <a:buSzPct val="80000"/>
+              <a:buFont typeface="Wingdings" panose="05000000000000000000" pitchFamily="2" charset="2"/>
+              <a:buNone/>
+              <a:defRPr sz="2000" kern="1200">
+                <a:solidFill>
+                  <a:schemeClr val="tx1"/>
+                </a:solidFill>
+                <a:latin typeface="+mn-lt"/>
+                <a:ea typeface="+mn-ea"/>
+                <a:cs typeface="+mn-cs"/>
+              </a:defRPr>
+            </a:lvl2pPr>
+            <a:lvl3pPr marL="914400" indent="0" algn="ctr" defTabSz="914400" rtl="0" eaLnBrk="1" latinLnBrk="0" hangingPunct="1">
+              <a:lnSpc>
+                <a:spcPct val="90000"/>
+              </a:lnSpc>
+              <a:spcBef>
+                <a:spcPts val="800"/>
+              </a:spcBef>
+              <a:buSzPct val="80000"/>
+              <a:buFont typeface="Wingdings" panose="05000000000000000000" pitchFamily="2" charset="2"/>
+              <a:buNone/>
+              <a:defRPr sz="1800" kern="1200">
+                <a:solidFill>
+                  <a:schemeClr val="tx1"/>
+                </a:solidFill>
+                <a:latin typeface="+mn-lt"/>
+                <a:ea typeface="+mn-ea"/>
+                <a:cs typeface="+mn-cs"/>
+              </a:defRPr>
+            </a:lvl3pPr>
+            <a:lvl4pPr marL="1371600" indent="0" algn="ctr" defTabSz="914400" rtl="0" eaLnBrk="1" latinLnBrk="0" hangingPunct="1">
+              <a:lnSpc>
+                <a:spcPct val="90000"/>
+              </a:lnSpc>
+              <a:spcBef>
+                <a:spcPts val="800"/>
+              </a:spcBef>
+              <a:buSzPct val="80000"/>
+              <a:buFont typeface="Wingdings" panose="05000000000000000000" pitchFamily="2" charset="2"/>
+              <a:buNone/>
+              <a:defRPr sz="1600" kern="1200">
+                <a:solidFill>
+                  <a:schemeClr val="tx1"/>
+                </a:solidFill>
+                <a:latin typeface="+mn-lt"/>
+                <a:ea typeface="+mn-ea"/>
+                <a:cs typeface="+mn-cs"/>
+              </a:defRPr>
+            </a:lvl4pPr>
+            <a:lvl5pPr marL="1828800" indent="0" algn="ctr" defTabSz="914400" rtl="0" eaLnBrk="1" latinLnBrk="0" hangingPunct="1">
+              <a:lnSpc>
+                <a:spcPct val="90000"/>
+              </a:lnSpc>
+              <a:spcBef>
+                <a:spcPts val="800"/>
+              </a:spcBef>
+              <a:buSzPct val="80000"/>
+              <a:buFont typeface="Wingdings" panose="05000000000000000000" pitchFamily="2" charset="2"/>
+              <a:buNone/>
+              <a:defRPr sz="1600" kern="1200">
+                <a:solidFill>
+                  <a:schemeClr val="tx1"/>
+                </a:solidFill>
+                <a:latin typeface="+mn-lt"/>
+                <a:ea typeface="+mn-ea"/>
+                <a:cs typeface="+mn-cs"/>
+              </a:defRPr>
+            </a:lvl5pPr>
+            <a:lvl6pPr marL="2286000" indent="0" algn="ctr" defTabSz="914400" rtl="0" eaLnBrk="1" latinLnBrk="0" hangingPunct="1">
+              <a:lnSpc>
+                <a:spcPct val="90000"/>
+              </a:lnSpc>
+              <a:spcBef>
+                <a:spcPts val="800"/>
+              </a:spcBef>
+              <a:buSzPct val="80000"/>
+              <a:buFont typeface="Wingdings" panose="05000000000000000000" pitchFamily="2" charset="2"/>
+              <a:buNone/>
+              <a:defRPr sz="1600" kern="1200">
+                <a:solidFill>
+                  <a:schemeClr val="tx1"/>
+                </a:solidFill>
+                <a:latin typeface="+mn-lt"/>
+                <a:ea typeface="+mn-ea"/>
+                <a:cs typeface="+mn-cs"/>
+              </a:defRPr>
+            </a:lvl6pPr>
+            <a:lvl7pPr marL="2743200" indent="0" algn="ctr" defTabSz="914400" rtl="0" eaLnBrk="1" latinLnBrk="0" hangingPunct="1">
+              <a:lnSpc>
+                <a:spcPct val="90000"/>
+              </a:lnSpc>
+              <a:spcBef>
+                <a:spcPts val="800"/>
+              </a:spcBef>
+              <a:buSzPct val="80000"/>
+              <a:buFont typeface="Wingdings" panose="05000000000000000000" pitchFamily="2" charset="2"/>
+              <a:buNone/>
+              <a:defRPr sz="1600" kern="1200">
+                <a:solidFill>
+                  <a:schemeClr val="tx1"/>
+                </a:solidFill>
+                <a:latin typeface="+mn-lt"/>
+                <a:ea typeface="+mn-ea"/>
+                <a:cs typeface="+mn-cs"/>
+              </a:defRPr>
+            </a:lvl7pPr>
+            <a:lvl8pPr marL="3200400" indent="0" algn="ctr" defTabSz="914400" rtl="0" eaLnBrk="1" latinLnBrk="0" hangingPunct="1">
+              <a:lnSpc>
+                <a:spcPct val="90000"/>
+              </a:lnSpc>
+              <a:spcBef>
+                <a:spcPts val="800"/>
+              </a:spcBef>
+              <a:buSzPct val="80000"/>
+              <a:buFont typeface="Wingdings" panose="05000000000000000000" pitchFamily="2" charset="2"/>
+              <a:buNone/>
+              <a:defRPr sz="1600" kern="1200">
+                <a:solidFill>
+                  <a:schemeClr val="tx1"/>
+                </a:solidFill>
+                <a:latin typeface="+mn-lt"/>
+                <a:ea typeface="+mn-ea"/>
+                <a:cs typeface="+mn-cs"/>
+              </a:defRPr>
+            </a:lvl8pPr>
+            <a:lvl9pPr marL="3657600" indent="0" algn="ctr" defTabSz="914400" rtl="0" eaLnBrk="1" latinLnBrk="0" hangingPunct="1">
+              <a:lnSpc>
+                <a:spcPct val="90000"/>
+              </a:lnSpc>
+              <a:spcBef>
+                <a:spcPts val="800"/>
+              </a:spcBef>
+              <a:buSzPct val="80000"/>
+              <a:buFont typeface="Wingdings" panose="05000000000000000000" pitchFamily="2" charset="2"/>
+              <a:buNone/>
+              <a:defRPr sz="1600" kern="1200">
+                <a:solidFill>
+                  <a:schemeClr val="tx1"/>
+                </a:solidFill>
+                <a:latin typeface="+mn-lt"/>
+                <a:ea typeface="+mn-ea"/>
+                <a:cs typeface="+mn-cs"/>
+              </a:defRPr>
+            </a:lvl9pPr>
+          </a:lstStyle>
+          <a:p>
+            <a:pPr>
+              <a:lnSpc>
+                <a:spcPct val="120000"/>
+              </a:lnSpc>
+            </a:pPr>
+            <a:r>
+              <a:rPr lang="en-US" sz="1800" b="1" dirty="0">
+                <a:solidFill>
+                  <a:schemeClr val="accent2">
+                    <a:lumMod val="75000"/>
+                  </a:schemeClr>
+                </a:solidFill>
+                <a:hlinkClick r:id="rId5">
+                  <a:extLst>
+                    <a:ext uri="{A12FA001-AC4F-418D-AE19-62706E023703}">
+                      <ahyp:hlinkClr xmlns:ahyp="http://schemas.microsoft.com/office/drawing/2018/hyperlinkcolor" val="tx"/>
+                    </a:ext>
+                  </a:extLst>
+                </a:hlinkClick>
+              </a:rPr>
+              <a:t>https://github.com/yasenstar/python/tree/master/GUI_Python</a:t>
+            </a:r>
+            <a:endParaRPr lang="en-US" sz="1800" b="1" dirty="0">
+              <a:solidFill>
+                <a:schemeClr val="accent2">
+                  <a:lumMod val="75000"/>
+                </a:schemeClr>
+              </a:solidFill>
+            </a:endParaRPr>
+          </a:p>
+        </p:txBody>
+      </p:sp>
+      <p:pic>
+        <p:nvPicPr>
+          <p:cNvPr id="14" name="Content Placeholder 13">
+            <a:extLst>
+              <a:ext uri="{FF2B5EF4-FFF2-40B4-BE49-F238E27FC236}">
+                <a16:creationId xmlns:a16="http://schemas.microsoft.com/office/drawing/2014/main" id="{6C758717-5129-ABD2-FF9D-A4D5445ADBAF}"/>
+              </a:ext>
+            </a:extLst>
+          </p:cNvPr>
+          <p:cNvPicPr>
+            <a:picLocks noGrp="1" noChangeAspect="1"/>
+          </p:cNvPicPr>
+          <p:nvPr>
+            <p:ph idx="1"/>
+          </p:nvPr>
+        </p:nvPicPr>
+        <p:blipFill>
+          <a:blip r:embed="rId6"/>
+          <a:stretch>
+            <a:fillRect/>
+          </a:stretch>
+        </p:blipFill>
+        <p:spPr>
+          <a:xfrm>
+            <a:off x="1643436" y="1826151"/>
+            <a:ext cx="6129130" cy="3310625"/>
+          </a:xfrm>
+          <a:prstGeom prst="rect">
+            <a:avLst/>
+          </a:prstGeom>
+          <a:ln>
+            <a:noFill/>
+          </a:ln>
+          <a:effectLst>
+            <a:outerShdw blurRad="292100" dist="139700" dir="2700000" algn="tl" rotWithShape="0">
+              <a:srgbClr val="333333">
+                <a:alpha val="65000"/>
+              </a:srgbClr>
+            </a:outerShdw>
+          </a:effectLst>
+        </p:spPr>
+      </p:pic>
+      <p:pic>
+        <p:nvPicPr>
+          <p:cNvPr id="10" name="Picture 9">
+            <a:extLst>
+              <a:ext uri="{FF2B5EF4-FFF2-40B4-BE49-F238E27FC236}">
+                <a16:creationId xmlns:a16="http://schemas.microsoft.com/office/drawing/2014/main" id="{FABDA0C0-8895-7B53-01E5-6F22202E26D8}"/>
+              </a:ext>
+            </a:extLst>
+          </p:cNvPr>
+          <p:cNvPicPr>
+            <a:picLocks noChangeAspect="1"/>
+          </p:cNvPicPr>
+          <p:nvPr/>
+        </p:nvPicPr>
+        <p:blipFill>
+          <a:blip r:embed="rId7"/>
+          <a:stretch>
+            <a:fillRect/>
+          </a:stretch>
+        </p:blipFill>
+        <p:spPr>
+          <a:xfrm>
+            <a:off x="7854518" y="2710870"/>
+            <a:ext cx="4124850" cy="2089056"/>
+          </a:xfrm>
+          <a:prstGeom prst="rect">
+            <a:avLst/>
+          </a:prstGeom>
+          <a:ln>
+            <a:noFill/>
+          </a:ln>
+          <a:effectLst>
+            <a:outerShdw blurRad="292100" dist="139700" dir="2700000" algn="tl" rotWithShape="0">
+              <a:srgbClr val="333333">
+                <a:alpha val="65000"/>
+              </a:srgbClr>
+            </a:outerShdw>
+          </a:effectLst>
+        </p:spPr>
+      </p:pic>
+    </p:spTree>
+    <p:extLst>
+      <p:ext uri="{BB962C8B-B14F-4D97-AF65-F5344CB8AC3E}">
+        <p14:creationId xmlns:p14="http://schemas.microsoft.com/office/powerpoint/2010/main" val="4083834512"/>
       </p:ext>
     </p:extLst>
   </p:cSld>

--- a/GUI_Python/Create_GUI_with_Python.pptx
+++ b/GUI_Python/Create_GUI_with_Python.pptx
@@ -4409,15 +4409,21 @@
               <a:t>Create GUI with Python</a:t>
             </a:r>
             <a:br>
-              <a:rPr lang="en-US" dirty="0">
+              <a:rPr lang="en-US">
                 <a:latin typeface="HarmonyOS Sans" panose="00000500000000000000" pitchFamily="2" charset="0"/>
               </a:rPr>
             </a:br>
             <a:r>
+              <a:rPr lang="en-US" sz="5400">
+                <a:latin typeface="HarmonyOS Sans" panose="00000500000000000000" pitchFamily="2" charset="0"/>
+              </a:rPr>
+              <a:t>010 </a:t>
+            </a:r>
+            <a:r>
               <a:rPr lang="en-US" sz="5400" dirty="0">
                 <a:latin typeface="HarmonyOS Sans" panose="00000500000000000000" pitchFamily="2" charset="0"/>
               </a:rPr>
-              <a:t>009 Ch06 Tic-Tac-Toe (part 2)</a:t>
+              <a:t>Ch06 Tic-Tac-Toe (part 2)</a:t>
             </a:r>
             <a:endParaRPr lang="en-US" dirty="0">
               <a:latin typeface="HarmonyOS Sans" panose="00000500000000000000" pitchFamily="2" charset="0"/>

--- a/GUI_Python/Create_GUI_with_Python.pptx
+++ b/GUI_Python/Create_GUI_with_Python.pptx
@@ -5,10 +5,10 @@
     <p:sldMasterId id="2147483648" r:id="rId1"/>
   </p:sldMasterIdLst>
   <p:notesMasterIdLst>
-    <p:notesMasterId r:id="rId13"/>
+    <p:notesMasterId r:id="rId15"/>
   </p:notesMasterIdLst>
   <p:handoutMasterIdLst>
-    <p:handoutMasterId r:id="rId14"/>
+    <p:handoutMasterId r:id="rId16"/>
   </p:handoutMasterIdLst>
   <p:sldIdLst>
     <p:sldId id="256" r:id="rId2"/>
@@ -21,7 +21,9 @@
     <p:sldId id="264" r:id="rId9"/>
     <p:sldId id="265" r:id="rId10"/>
     <p:sldId id="266" r:id="rId11"/>
-    <p:sldId id="260" r:id="rId12"/>
+    <p:sldId id="267" r:id="rId12"/>
+    <p:sldId id="268" r:id="rId13"/>
+    <p:sldId id="260" r:id="rId14"/>
   </p:sldIdLst>
   <p:sldSz cx="12192000" cy="6858000"/>
   <p:notesSz cx="6858000" cy="9144000"/>
@@ -789,7 +791,7 @@
           <a:p>
             <a:fld id="{935E2820-AFE1-45FA-949E-17BDB534E1DC}" type="slidenum">
               <a:rPr lang="en-US" smtClean="0"/>
-              <a:t>11</a:t>
+              <a:t>13</a:t>
             </a:fld>
             <a:endParaRPr lang="en-US"/>
           </a:p>
@@ -4409,21 +4411,15 @@
               <a:t>Create GUI with Python</a:t>
             </a:r>
             <a:br>
-              <a:rPr lang="en-US">
+              <a:rPr lang="en-US" dirty="0">
                 <a:latin typeface="HarmonyOS Sans" panose="00000500000000000000" pitchFamily="2" charset="0"/>
               </a:rPr>
             </a:br>
             <a:r>
-              <a:rPr lang="en-US" sz="5400">
-                <a:latin typeface="HarmonyOS Sans" panose="00000500000000000000" pitchFamily="2" charset="0"/>
-              </a:rPr>
-              <a:t>010 </a:t>
-            </a:r>
-            <a:r>
               <a:rPr lang="en-US" sz="5400" dirty="0">
                 <a:latin typeface="HarmonyOS Sans" panose="00000500000000000000" pitchFamily="2" charset="0"/>
               </a:rPr>
-              <a:t>Ch06 Tic-Tac-Toe (part 2)</a:t>
+              <a:t>010 Ch06 Tic-Tac-Toe (part 2)</a:t>
             </a:r>
             <a:endParaRPr lang="en-US" dirty="0">
               <a:latin typeface="HarmonyOS Sans" panose="00000500000000000000" pitchFamily="2" charset="0"/>
@@ -4880,6 +4876,1038 @@
 </file>
 
 <file path=ppt/slides/slide11.xml><?xml version="1.0" encoding="utf-8"?>
+<p:sld xmlns:a="http://schemas.openxmlformats.org/drawingml/2006/main" xmlns:r="http://schemas.openxmlformats.org/officeDocument/2006/relationships" xmlns:p="http://schemas.openxmlformats.org/presentationml/2006/main">
+  <p:cSld>
+    <p:spTree>
+      <p:nvGrpSpPr>
+        <p:cNvPr id="1" name=""/>
+        <p:cNvGrpSpPr/>
+        <p:nvPr/>
+      </p:nvGrpSpPr>
+      <p:grpSpPr>
+        <a:xfrm>
+          <a:off x="0" y="0"/>
+          <a:ext cx="0" cy="0"/>
+          <a:chOff x="0" y="0"/>
+          <a:chExt cx="0" cy="0"/>
+        </a:xfrm>
+      </p:grpSpPr>
+      <p:sp>
+        <p:nvSpPr>
+          <p:cNvPr id="2" name="Title 1">
+            <a:extLst>
+              <a:ext uri="{FF2B5EF4-FFF2-40B4-BE49-F238E27FC236}">
+                <a16:creationId xmlns:a16="http://schemas.microsoft.com/office/drawing/2014/main" id="{60BDC9E0-4942-655E-4150-9691AA9C765B}"/>
+              </a:ext>
+            </a:extLst>
+          </p:cNvPr>
+          <p:cNvSpPr>
+            <a:spLocks noGrp="1"/>
+          </p:cNvSpPr>
+          <p:nvPr>
+            <p:ph type="title"/>
+          </p:nvPr>
+        </p:nvSpPr>
+        <p:spPr>
+          <a:xfrm>
+            <a:off x="2208213" y="304799"/>
+            <a:ext cx="9372600" cy="1649507"/>
+          </a:xfrm>
+        </p:spPr>
+        <p:txBody>
+          <a:bodyPr anchor="ctr">
+            <a:normAutofit fontScale="90000"/>
+          </a:bodyPr>
+          <a:lstStyle/>
+          <a:p>
+            <a:r>
+              <a:rPr lang="en-US" sz="4000" dirty="0">
+                <a:latin typeface="HarmonyOS Sans Black" panose="00000A00000000000000" pitchFamily="2" charset="0"/>
+              </a:rPr>
+              <a:t>Create GUI with Python</a:t>
+            </a:r>
+            <a:br>
+              <a:rPr lang="en-US" dirty="0">
+                <a:latin typeface="HarmonyOS Sans" panose="00000500000000000000" pitchFamily="2" charset="0"/>
+              </a:rPr>
+            </a:br>
+            <a:r>
+              <a:rPr lang="en-US" sz="4900" dirty="0">
+                <a:latin typeface="HarmonyOS Sans" panose="00000500000000000000" pitchFamily="2" charset="0"/>
+              </a:rPr>
+              <a:t>011 Ch07 Destroy the Dots (part 1)</a:t>
+            </a:r>
+            <a:endParaRPr lang="en-US" dirty="0">
+              <a:latin typeface="HarmonyOS Sans" panose="00000500000000000000" pitchFamily="2" charset="0"/>
+            </a:endParaRPr>
+          </a:p>
+        </p:txBody>
+      </p:sp>
+      <p:pic>
+        <p:nvPicPr>
+          <p:cNvPr id="6" name="Picture 5">
+            <a:extLst>
+              <a:ext uri="{FF2B5EF4-FFF2-40B4-BE49-F238E27FC236}">
+                <a16:creationId xmlns:a16="http://schemas.microsoft.com/office/drawing/2014/main" id="{28525CF1-7DD8-7F22-12CB-14807078F0D7}"/>
+              </a:ext>
+            </a:extLst>
+          </p:cNvPr>
+          <p:cNvPicPr>
+            <a:picLocks noChangeAspect="1"/>
+          </p:cNvPicPr>
+          <p:nvPr/>
+        </p:nvPicPr>
+        <p:blipFill>
+          <a:blip r:embed="rId2"/>
+          <a:stretch>
+            <a:fillRect/>
+          </a:stretch>
+        </p:blipFill>
+        <p:spPr>
+          <a:xfrm>
+            <a:off x="119268" y="59634"/>
+            <a:ext cx="611187" cy="671551"/>
+          </a:xfrm>
+          <a:prstGeom prst="rect">
+            <a:avLst/>
+          </a:prstGeom>
+          <a:ln>
+            <a:noFill/>
+          </a:ln>
+          <a:effectLst>
+            <a:outerShdw blurRad="292100" dist="139700" dir="2700000" algn="tl" rotWithShape="0">
+              <a:srgbClr val="333333">
+                <a:alpha val="65000"/>
+              </a:srgbClr>
+            </a:outerShdw>
+          </a:effectLst>
+        </p:spPr>
+      </p:pic>
+      <p:pic>
+        <p:nvPicPr>
+          <p:cNvPr id="7" name="Picture 6">
+            <a:extLst>
+              <a:ext uri="{FF2B5EF4-FFF2-40B4-BE49-F238E27FC236}">
+                <a16:creationId xmlns:a16="http://schemas.microsoft.com/office/drawing/2014/main" id="{ACE06191-4455-E539-6992-17D338C10648}"/>
+              </a:ext>
+            </a:extLst>
+          </p:cNvPr>
+          <p:cNvPicPr>
+            <a:picLocks noChangeAspect="1"/>
+          </p:cNvPicPr>
+          <p:nvPr/>
+        </p:nvPicPr>
+        <p:blipFill>
+          <a:blip r:embed="rId3"/>
+          <a:stretch>
+            <a:fillRect/>
+          </a:stretch>
+        </p:blipFill>
+        <p:spPr>
+          <a:xfrm>
+            <a:off x="0" y="6471564"/>
+            <a:ext cx="1855694" cy="386435"/>
+          </a:xfrm>
+          <a:prstGeom prst="rect">
+            <a:avLst/>
+          </a:prstGeom>
+          <a:ln>
+            <a:noFill/>
+          </a:ln>
+          <a:effectLst>
+            <a:outerShdw blurRad="292100" dist="139700" dir="2700000" algn="tl" rotWithShape="0">
+              <a:srgbClr val="333333">
+                <a:alpha val="65000"/>
+              </a:srgbClr>
+            </a:outerShdw>
+          </a:effectLst>
+        </p:spPr>
+      </p:pic>
+      <p:pic>
+        <p:nvPicPr>
+          <p:cNvPr id="8" name="Picture 7">
+            <a:extLst>
+              <a:ext uri="{FF2B5EF4-FFF2-40B4-BE49-F238E27FC236}">
+                <a16:creationId xmlns:a16="http://schemas.microsoft.com/office/drawing/2014/main" id="{E815D6CC-086C-CEEA-B605-CC7A17A0C652}"/>
+              </a:ext>
+            </a:extLst>
+          </p:cNvPr>
+          <p:cNvPicPr>
+            <a:picLocks noChangeAspect="1"/>
+          </p:cNvPicPr>
+          <p:nvPr/>
+        </p:nvPicPr>
+        <p:blipFill>
+          <a:blip r:embed="rId4"/>
+          <a:stretch>
+            <a:fillRect/>
+          </a:stretch>
+        </p:blipFill>
+        <p:spPr>
+          <a:xfrm>
+            <a:off x="119268" y="863897"/>
+            <a:ext cx="1374374" cy="2071274"/>
+          </a:xfrm>
+          <a:prstGeom prst="rect">
+            <a:avLst/>
+          </a:prstGeom>
+          <a:ln>
+            <a:noFill/>
+          </a:ln>
+          <a:effectLst>
+            <a:outerShdw blurRad="292100" dist="139700" dir="2700000" algn="tl" rotWithShape="0">
+              <a:srgbClr val="333333">
+                <a:alpha val="65000"/>
+              </a:srgbClr>
+            </a:outerShdw>
+          </a:effectLst>
+        </p:spPr>
+      </p:pic>
+      <p:sp>
+        <p:nvSpPr>
+          <p:cNvPr id="9" name="Subtitle 5">
+            <a:extLst>
+              <a:ext uri="{FF2B5EF4-FFF2-40B4-BE49-F238E27FC236}">
+                <a16:creationId xmlns:a16="http://schemas.microsoft.com/office/drawing/2014/main" id="{B98C3EDB-7ABC-5858-0198-A6F89107DC04}"/>
+              </a:ext>
+            </a:extLst>
+          </p:cNvPr>
+          <p:cNvSpPr txBox="1">
+            <a:spLocks/>
+          </p:cNvSpPr>
+          <p:nvPr/>
+        </p:nvSpPr>
+        <p:spPr>
+          <a:xfrm>
+            <a:off x="2747347" y="6471564"/>
+            <a:ext cx="7704856" cy="367591"/>
+          </a:xfrm>
+          <a:prstGeom prst="rect">
+            <a:avLst/>
+          </a:prstGeom>
+        </p:spPr>
+        <p:txBody>
+          <a:bodyPr vert="horz" lIns="91440" tIns="45720" rIns="91440" bIns="45720" rtlCol="0">
+            <a:normAutofit lnSpcReduction="10000"/>
+          </a:bodyPr>
+          <a:lstStyle>
+            <a:lvl1pPr marL="0" indent="0" algn="l" defTabSz="914400" rtl="0" eaLnBrk="1" latinLnBrk="0" hangingPunct="1">
+              <a:lnSpc>
+                <a:spcPct val="90000"/>
+              </a:lnSpc>
+              <a:spcBef>
+                <a:spcPts val="0"/>
+              </a:spcBef>
+              <a:buSzPct val="80000"/>
+              <a:buFont typeface="Wingdings" panose="05000000000000000000" pitchFamily="2" charset="2"/>
+              <a:buNone/>
+              <a:defRPr sz="2400" kern="1200">
+                <a:solidFill>
+                  <a:schemeClr val="accent2"/>
+                </a:solidFill>
+                <a:latin typeface="+mn-lt"/>
+                <a:ea typeface="+mn-ea"/>
+                <a:cs typeface="+mn-cs"/>
+              </a:defRPr>
+            </a:lvl1pPr>
+            <a:lvl2pPr marL="457200" indent="0" algn="ctr" defTabSz="914400" rtl="0" eaLnBrk="1" latinLnBrk="0" hangingPunct="1">
+              <a:lnSpc>
+                <a:spcPct val="90000"/>
+              </a:lnSpc>
+              <a:spcBef>
+                <a:spcPts val="1000"/>
+              </a:spcBef>
+              <a:buSzPct val="80000"/>
+              <a:buFont typeface="Wingdings" panose="05000000000000000000" pitchFamily="2" charset="2"/>
+              <a:buNone/>
+              <a:defRPr sz="2000" kern="1200">
+                <a:solidFill>
+                  <a:schemeClr val="tx1"/>
+                </a:solidFill>
+                <a:latin typeface="+mn-lt"/>
+                <a:ea typeface="+mn-ea"/>
+                <a:cs typeface="+mn-cs"/>
+              </a:defRPr>
+            </a:lvl2pPr>
+            <a:lvl3pPr marL="914400" indent="0" algn="ctr" defTabSz="914400" rtl="0" eaLnBrk="1" latinLnBrk="0" hangingPunct="1">
+              <a:lnSpc>
+                <a:spcPct val="90000"/>
+              </a:lnSpc>
+              <a:spcBef>
+                <a:spcPts val="800"/>
+              </a:spcBef>
+              <a:buSzPct val="80000"/>
+              <a:buFont typeface="Wingdings" panose="05000000000000000000" pitchFamily="2" charset="2"/>
+              <a:buNone/>
+              <a:defRPr sz="1800" kern="1200">
+                <a:solidFill>
+                  <a:schemeClr val="tx1"/>
+                </a:solidFill>
+                <a:latin typeface="+mn-lt"/>
+                <a:ea typeface="+mn-ea"/>
+                <a:cs typeface="+mn-cs"/>
+              </a:defRPr>
+            </a:lvl3pPr>
+            <a:lvl4pPr marL="1371600" indent="0" algn="ctr" defTabSz="914400" rtl="0" eaLnBrk="1" latinLnBrk="0" hangingPunct="1">
+              <a:lnSpc>
+                <a:spcPct val="90000"/>
+              </a:lnSpc>
+              <a:spcBef>
+                <a:spcPts val="800"/>
+              </a:spcBef>
+              <a:buSzPct val="80000"/>
+              <a:buFont typeface="Wingdings" panose="05000000000000000000" pitchFamily="2" charset="2"/>
+              <a:buNone/>
+              <a:defRPr sz="1600" kern="1200">
+                <a:solidFill>
+                  <a:schemeClr val="tx1"/>
+                </a:solidFill>
+                <a:latin typeface="+mn-lt"/>
+                <a:ea typeface="+mn-ea"/>
+                <a:cs typeface="+mn-cs"/>
+              </a:defRPr>
+            </a:lvl4pPr>
+            <a:lvl5pPr marL="1828800" indent="0" algn="ctr" defTabSz="914400" rtl="0" eaLnBrk="1" latinLnBrk="0" hangingPunct="1">
+              <a:lnSpc>
+                <a:spcPct val="90000"/>
+              </a:lnSpc>
+              <a:spcBef>
+                <a:spcPts val="800"/>
+              </a:spcBef>
+              <a:buSzPct val="80000"/>
+              <a:buFont typeface="Wingdings" panose="05000000000000000000" pitchFamily="2" charset="2"/>
+              <a:buNone/>
+              <a:defRPr sz="1600" kern="1200">
+                <a:solidFill>
+                  <a:schemeClr val="tx1"/>
+                </a:solidFill>
+                <a:latin typeface="+mn-lt"/>
+                <a:ea typeface="+mn-ea"/>
+                <a:cs typeface="+mn-cs"/>
+              </a:defRPr>
+            </a:lvl5pPr>
+            <a:lvl6pPr marL="2286000" indent="0" algn="ctr" defTabSz="914400" rtl="0" eaLnBrk="1" latinLnBrk="0" hangingPunct="1">
+              <a:lnSpc>
+                <a:spcPct val="90000"/>
+              </a:lnSpc>
+              <a:spcBef>
+                <a:spcPts val="800"/>
+              </a:spcBef>
+              <a:buSzPct val="80000"/>
+              <a:buFont typeface="Wingdings" panose="05000000000000000000" pitchFamily="2" charset="2"/>
+              <a:buNone/>
+              <a:defRPr sz="1600" kern="1200">
+                <a:solidFill>
+                  <a:schemeClr val="tx1"/>
+                </a:solidFill>
+                <a:latin typeface="+mn-lt"/>
+                <a:ea typeface="+mn-ea"/>
+                <a:cs typeface="+mn-cs"/>
+              </a:defRPr>
+            </a:lvl6pPr>
+            <a:lvl7pPr marL="2743200" indent="0" algn="ctr" defTabSz="914400" rtl="0" eaLnBrk="1" latinLnBrk="0" hangingPunct="1">
+              <a:lnSpc>
+                <a:spcPct val="90000"/>
+              </a:lnSpc>
+              <a:spcBef>
+                <a:spcPts val="800"/>
+              </a:spcBef>
+              <a:buSzPct val="80000"/>
+              <a:buFont typeface="Wingdings" panose="05000000000000000000" pitchFamily="2" charset="2"/>
+              <a:buNone/>
+              <a:defRPr sz="1600" kern="1200">
+                <a:solidFill>
+                  <a:schemeClr val="tx1"/>
+                </a:solidFill>
+                <a:latin typeface="+mn-lt"/>
+                <a:ea typeface="+mn-ea"/>
+                <a:cs typeface="+mn-cs"/>
+              </a:defRPr>
+            </a:lvl7pPr>
+            <a:lvl8pPr marL="3200400" indent="0" algn="ctr" defTabSz="914400" rtl="0" eaLnBrk="1" latinLnBrk="0" hangingPunct="1">
+              <a:lnSpc>
+                <a:spcPct val="90000"/>
+              </a:lnSpc>
+              <a:spcBef>
+                <a:spcPts val="800"/>
+              </a:spcBef>
+              <a:buSzPct val="80000"/>
+              <a:buFont typeface="Wingdings" panose="05000000000000000000" pitchFamily="2" charset="2"/>
+              <a:buNone/>
+              <a:defRPr sz="1600" kern="1200">
+                <a:solidFill>
+                  <a:schemeClr val="tx1"/>
+                </a:solidFill>
+                <a:latin typeface="+mn-lt"/>
+                <a:ea typeface="+mn-ea"/>
+                <a:cs typeface="+mn-cs"/>
+              </a:defRPr>
+            </a:lvl8pPr>
+            <a:lvl9pPr marL="3657600" indent="0" algn="ctr" defTabSz="914400" rtl="0" eaLnBrk="1" latinLnBrk="0" hangingPunct="1">
+              <a:lnSpc>
+                <a:spcPct val="90000"/>
+              </a:lnSpc>
+              <a:spcBef>
+                <a:spcPts val="800"/>
+              </a:spcBef>
+              <a:buSzPct val="80000"/>
+              <a:buFont typeface="Wingdings" panose="05000000000000000000" pitchFamily="2" charset="2"/>
+              <a:buNone/>
+              <a:defRPr sz="1600" kern="1200">
+                <a:solidFill>
+                  <a:schemeClr val="tx1"/>
+                </a:solidFill>
+                <a:latin typeface="+mn-lt"/>
+                <a:ea typeface="+mn-ea"/>
+                <a:cs typeface="+mn-cs"/>
+              </a:defRPr>
+            </a:lvl9pPr>
+          </a:lstStyle>
+          <a:p>
+            <a:pPr>
+              <a:lnSpc>
+                <a:spcPct val="120000"/>
+              </a:lnSpc>
+            </a:pPr>
+            <a:r>
+              <a:rPr lang="en-US" sz="1800" b="1" dirty="0">
+                <a:solidFill>
+                  <a:schemeClr val="accent2">
+                    <a:lumMod val="75000"/>
+                  </a:schemeClr>
+                </a:solidFill>
+                <a:hlinkClick r:id="rId5">
+                  <a:extLst>
+                    <a:ext uri="{A12FA001-AC4F-418D-AE19-62706E023703}">
+                      <ahyp:hlinkClr xmlns:ahyp="http://schemas.microsoft.com/office/drawing/2018/hyperlinkcolor" val="tx"/>
+                    </a:ext>
+                  </a:extLst>
+                </a:hlinkClick>
+              </a:rPr>
+              <a:t>https://github.com/yasenstar/python/tree/master/GUI_Python</a:t>
+            </a:r>
+            <a:endParaRPr lang="en-US" sz="1800" b="1" dirty="0">
+              <a:solidFill>
+                <a:schemeClr val="accent2">
+                  <a:lumMod val="75000"/>
+                </a:schemeClr>
+              </a:solidFill>
+            </a:endParaRPr>
+          </a:p>
+        </p:txBody>
+      </p:sp>
+      <p:pic>
+        <p:nvPicPr>
+          <p:cNvPr id="4" name="Picture 3">
+            <a:extLst>
+              <a:ext uri="{FF2B5EF4-FFF2-40B4-BE49-F238E27FC236}">
+                <a16:creationId xmlns:a16="http://schemas.microsoft.com/office/drawing/2014/main" id="{968C2F1B-8F4B-29A9-9C08-99D0986A2780}"/>
+              </a:ext>
+            </a:extLst>
+          </p:cNvPr>
+          <p:cNvPicPr>
+            <a:picLocks noChangeAspect="1"/>
+          </p:cNvPicPr>
+          <p:nvPr/>
+        </p:nvPicPr>
+        <p:blipFill>
+          <a:blip r:embed="rId6"/>
+          <a:stretch>
+            <a:fillRect/>
+          </a:stretch>
+        </p:blipFill>
+        <p:spPr>
+          <a:xfrm>
+            <a:off x="7494494" y="2575452"/>
+            <a:ext cx="4487396" cy="2328243"/>
+          </a:xfrm>
+          <a:prstGeom prst="rect">
+            <a:avLst/>
+          </a:prstGeom>
+          <a:ln>
+            <a:noFill/>
+          </a:ln>
+          <a:effectLst>
+            <a:outerShdw blurRad="292100" dist="139700" dir="2700000" algn="tl" rotWithShape="0">
+              <a:srgbClr val="333333">
+                <a:alpha val="65000"/>
+              </a:srgbClr>
+            </a:outerShdw>
+          </a:effectLst>
+        </p:spPr>
+      </p:pic>
+      <p:pic>
+        <p:nvPicPr>
+          <p:cNvPr id="14" name="Content Placeholder 13">
+            <a:extLst>
+              <a:ext uri="{FF2B5EF4-FFF2-40B4-BE49-F238E27FC236}">
+                <a16:creationId xmlns:a16="http://schemas.microsoft.com/office/drawing/2014/main" id="{3A5F1581-7415-CD6D-91F2-A662E666D33E}"/>
+              </a:ext>
+            </a:extLst>
+          </p:cNvPr>
+          <p:cNvPicPr>
+            <a:picLocks noGrp="1" noChangeAspect="1"/>
+          </p:cNvPicPr>
+          <p:nvPr>
+            <p:ph idx="1"/>
+          </p:nvPr>
+        </p:nvPicPr>
+        <p:blipFill>
+          <a:blip r:embed="rId7"/>
+          <a:stretch>
+            <a:fillRect/>
+          </a:stretch>
+        </p:blipFill>
+        <p:spPr>
+          <a:xfrm>
+            <a:off x="2208213" y="1805675"/>
+            <a:ext cx="5011947" cy="3867795"/>
+          </a:xfrm>
+          <a:prstGeom prst="rect">
+            <a:avLst/>
+          </a:prstGeom>
+          <a:ln>
+            <a:noFill/>
+          </a:ln>
+          <a:effectLst>
+            <a:outerShdw blurRad="292100" dist="139700" dir="2700000" algn="tl" rotWithShape="0">
+              <a:srgbClr val="333333">
+                <a:alpha val="65000"/>
+              </a:srgbClr>
+            </a:outerShdw>
+          </a:effectLst>
+        </p:spPr>
+      </p:pic>
+    </p:spTree>
+    <p:extLst>
+      <p:ext uri="{BB962C8B-B14F-4D97-AF65-F5344CB8AC3E}">
+        <p14:creationId xmlns:p14="http://schemas.microsoft.com/office/powerpoint/2010/main" val="3608485019"/>
+      </p:ext>
+    </p:extLst>
+  </p:cSld>
+  <p:clrMapOvr>
+    <a:masterClrMapping/>
+  </p:clrMapOvr>
+</p:sld>
+</file>
+
+<file path=ppt/slides/slide12.xml><?xml version="1.0" encoding="utf-8"?>
+<p:sld xmlns:a="http://schemas.openxmlformats.org/drawingml/2006/main" xmlns:r="http://schemas.openxmlformats.org/officeDocument/2006/relationships" xmlns:p="http://schemas.openxmlformats.org/presentationml/2006/main">
+  <p:cSld>
+    <p:spTree>
+      <p:nvGrpSpPr>
+        <p:cNvPr id="1" name=""/>
+        <p:cNvGrpSpPr/>
+        <p:nvPr/>
+      </p:nvGrpSpPr>
+      <p:grpSpPr>
+        <a:xfrm>
+          <a:off x="0" y="0"/>
+          <a:ext cx="0" cy="0"/>
+          <a:chOff x="0" y="0"/>
+          <a:chExt cx="0" cy="0"/>
+        </a:xfrm>
+      </p:grpSpPr>
+      <p:sp>
+        <p:nvSpPr>
+          <p:cNvPr id="2" name="Title 1">
+            <a:extLst>
+              <a:ext uri="{FF2B5EF4-FFF2-40B4-BE49-F238E27FC236}">
+                <a16:creationId xmlns:a16="http://schemas.microsoft.com/office/drawing/2014/main" id="{60BDC9E0-4942-655E-4150-9691AA9C765B}"/>
+              </a:ext>
+            </a:extLst>
+          </p:cNvPr>
+          <p:cNvSpPr>
+            <a:spLocks noGrp="1"/>
+          </p:cNvSpPr>
+          <p:nvPr>
+            <p:ph type="title"/>
+          </p:nvPr>
+        </p:nvSpPr>
+        <p:spPr>
+          <a:xfrm>
+            <a:off x="2208213" y="304799"/>
+            <a:ext cx="9372600" cy="1649507"/>
+          </a:xfrm>
+        </p:spPr>
+        <p:txBody>
+          <a:bodyPr anchor="ctr">
+            <a:normAutofit fontScale="90000"/>
+          </a:bodyPr>
+          <a:lstStyle/>
+          <a:p>
+            <a:r>
+              <a:rPr lang="en-US" sz="4000" dirty="0">
+                <a:latin typeface="HarmonyOS Sans Black" panose="00000A00000000000000" pitchFamily="2" charset="0"/>
+              </a:rPr>
+              <a:t>Create GUI with Python</a:t>
+            </a:r>
+            <a:br>
+              <a:rPr lang="en-US" dirty="0">
+                <a:latin typeface="HarmonyOS Sans" panose="00000500000000000000" pitchFamily="2" charset="0"/>
+              </a:rPr>
+            </a:br>
+            <a:r>
+              <a:rPr lang="en-US" sz="4900" dirty="0">
+                <a:latin typeface="HarmonyOS Sans" panose="00000500000000000000" pitchFamily="2" charset="0"/>
+              </a:rPr>
+              <a:t>012 Ch07 Destroy the Dots (part 2)</a:t>
+            </a:r>
+            <a:endParaRPr lang="en-US" dirty="0">
+              <a:latin typeface="HarmonyOS Sans" panose="00000500000000000000" pitchFamily="2" charset="0"/>
+            </a:endParaRPr>
+          </a:p>
+        </p:txBody>
+      </p:sp>
+      <p:pic>
+        <p:nvPicPr>
+          <p:cNvPr id="6" name="Picture 5">
+            <a:extLst>
+              <a:ext uri="{FF2B5EF4-FFF2-40B4-BE49-F238E27FC236}">
+                <a16:creationId xmlns:a16="http://schemas.microsoft.com/office/drawing/2014/main" id="{28525CF1-7DD8-7F22-12CB-14807078F0D7}"/>
+              </a:ext>
+            </a:extLst>
+          </p:cNvPr>
+          <p:cNvPicPr>
+            <a:picLocks noChangeAspect="1"/>
+          </p:cNvPicPr>
+          <p:nvPr/>
+        </p:nvPicPr>
+        <p:blipFill>
+          <a:blip r:embed="rId2"/>
+          <a:stretch>
+            <a:fillRect/>
+          </a:stretch>
+        </p:blipFill>
+        <p:spPr>
+          <a:xfrm>
+            <a:off x="119268" y="59634"/>
+            <a:ext cx="611187" cy="671551"/>
+          </a:xfrm>
+          <a:prstGeom prst="rect">
+            <a:avLst/>
+          </a:prstGeom>
+          <a:ln>
+            <a:noFill/>
+          </a:ln>
+          <a:effectLst>
+            <a:outerShdw blurRad="292100" dist="139700" dir="2700000" algn="tl" rotWithShape="0">
+              <a:srgbClr val="333333">
+                <a:alpha val="65000"/>
+              </a:srgbClr>
+            </a:outerShdw>
+          </a:effectLst>
+        </p:spPr>
+      </p:pic>
+      <p:pic>
+        <p:nvPicPr>
+          <p:cNvPr id="7" name="Picture 6">
+            <a:extLst>
+              <a:ext uri="{FF2B5EF4-FFF2-40B4-BE49-F238E27FC236}">
+                <a16:creationId xmlns:a16="http://schemas.microsoft.com/office/drawing/2014/main" id="{ACE06191-4455-E539-6992-17D338C10648}"/>
+              </a:ext>
+            </a:extLst>
+          </p:cNvPr>
+          <p:cNvPicPr>
+            <a:picLocks noChangeAspect="1"/>
+          </p:cNvPicPr>
+          <p:nvPr/>
+        </p:nvPicPr>
+        <p:blipFill>
+          <a:blip r:embed="rId3"/>
+          <a:stretch>
+            <a:fillRect/>
+          </a:stretch>
+        </p:blipFill>
+        <p:spPr>
+          <a:xfrm>
+            <a:off x="0" y="6471564"/>
+            <a:ext cx="1855694" cy="386435"/>
+          </a:xfrm>
+          <a:prstGeom prst="rect">
+            <a:avLst/>
+          </a:prstGeom>
+          <a:ln>
+            <a:noFill/>
+          </a:ln>
+          <a:effectLst>
+            <a:outerShdw blurRad="292100" dist="139700" dir="2700000" algn="tl" rotWithShape="0">
+              <a:srgbClr val="333333">
+                <a:alpha val="65000"/>
+              </a:srgbClr>
+            </a:outerShdw>
+          </a:effectLst>
+        </p:spPr>
+      </p:pic>
+      <p:pic>
+        <p:nvPicPr>
+          <p:cNvPr id="8" name="Picture 7">
+            <a:extLst>
+              <a:ext uri="{FF2B5EF4-FFF2-40B4-BE49-F238E27FC236}">
+                <a16:creationId xmlns:a16="http://schemas.microsoft.com/office/drawing/2014/main" id="{E815D6CC-086C-CEEA-B605-CC7A17A0C652}"/>
+              </a:ext>
+            </a:extLst>
+          </p:cNvPr>
+          <p:cNvPicPr>
+            <a:picLocks noChangeAspect="1"/>
+          </p:cNvPicPr>
+          <p:nvPr/>
+        </p:nvPicPr>
+        <p:blipFill>
+          <a:blip r:embed="rId4"/>
+          <a:stretch>
+            <a:fillRect/>
+          </a:stretch>
+        </p:blipFill>
+        <p:spPr>
+          <a:xfrm>
+            <a:off x="119268" y="863897"/>
+            <a:ext cx="1374374" cy="2071274"/>
+          </a:xfrm>
+          <a:prstGeom prst="rect">
+            <a:avLst/>
+          </a:prstGeom>
+          <a:ln>
+            <a:noFill/>
+          </a:ln>
+          <a:effectLst>
+            <a:outerShdw blurRad="292100" dist="139700" dir="2700000" algn="tl" rotWithShape="0">
+              <a:srgbClr val="333333">
+                <a:alpha val="65000"/>
+              </a:srgbClr>
+            </a:outerShdw>
+          </a:effectLst>
+        </p:spPr>
+      </p:pic>
+      <p:sp>
+        <p:nvSpPr>
+          <p:cNvPr id="9" name="Subtitle 5">
+            <a:extLst>
+              <a:ext uri="{FF2B5EF4-FFF2-40B4-BE49-F238E27FC236}">
+                <a16:creationId xmlns:a16="http://schemas.microsoft.com/office/drawing/2014/main" id="{B98C3EDB-7ABC-5858-0198-A6F89107DC04}"/>
+              </a:ext>
+            </a:extLst>
+          </p:cNvPr>
+          <p:cNvSpPr txBox="1">
+            <a:spLocks/>
+          </p:cNvSpPr>
+          <p:nvPr/>
+        </p:nvSpPr>
+        <p:spPr>
+          <a:xfrm>
+            <a:off x="2747347" y="6471564"/>
+            <a:ext cx="7704856" cy="367591"/>
+          </a:xfrm>
+          <a:prstGeom prst="rect">
+            <a:avLst/>
+          </a:prstGeom>
+        </p:spPr>
+        <p:txBody>
+          <a:bodyPr vert="horz" lIns="91440" tIns="45720" rIns="91440" bIns="45720" rtlCol="0">
+            <a:normAutofit lnSpcReduction="10000"/>
+          </a:bodyPr>
+          <a:lstStyle>
+            <a:lvl1pPr marL="0" indent="0" algn="l" defTabSz="914400" rtl="0" eaLnBrk="1" latinLnBrk="0" hangingPunct="1">
+              <a:lnSpc>
+                <a:spcPct val="90000"/>
+              </a:lnSpc>
+              <a:spcBef>
+                <a:spcPts val="0"/>
+              </a:spcBef>
+              <a:buSzPct val="80000"/>
+              <a:buFont typeface="Wingdings" panose="05000000000000000000" pitchFamily="2" charset="2"/>
+              <a:buNone/>
+              <a:defRPr sz="2400" kern="1200">
+                <a:solidFill>
+                  <a:schemeClr val="accent2"/>
+                </a:solidFill>
+                <a:latin typeface="+mn-lt"/>
+                <a:ea typeface="+mn-ea"/>
+                <a:cs typeface="+mn-cs"/>
+              </a:defRPr>
+            </a:lvl1pPr>
+            <a:lvl2pPr marL="457200" indent="0" algn="ctr" defTabSz="914400" rtl="0" eaLnBrk="1" latinLnBrk="0" hangingPunct="1">
+              <a:lnSpc>
+                <a:spcPct val="90000"/>
+              </a:lnSpc>
+              <a:spcBef>
+                <a:spcPts val="1000"/>
+              </a:spcBef>
+              <a:buSzPct val="80000"/>
+              <a:buFont typeface="Wingdings" panose="05000000000000000000" pitchFamily="2" charset="2"/>
+              <a:buNone/>
+              <a:defRPr sz="2000" kern="1200">
+                <a:solidFill>
+                  <a:schemeClr val="tx1"/>
+                </a:solidFill>
+                <a:latin typeface="+mn-lt"/>
+                <a:ea typeface="+mn-ea"/>
+                <a:cs typeface="+mn-cs"/>
+              </a:defRPr>
+            </a:lvl2pPr>
+            <a:lvl3pPr marL="914400" indent="0" algn="ctr" defTabSz="914400" rtl="0" eaLnBrk="1" latinLnBrk="0" hangingPunct="1">
+              <a:lnSpc>
+                <a:spcPct val="90000"/>
+              </a:lnSpc>
+              <a:spcBef>
+                <a:spcPts val="800"/>
+              </a:spcBef>
+              <a:buSzPct val="80000"/>
+              <a:buFont typeface="Wingdings" panose="05000000000000000000" pitchFamily="2" charset="2"/>
+              <a:buNone/>
+              <a:defRPr sz="1800" kern="1200">
+                <a:solidFill>
+                  <a:schemeClr val="tx1"/>
+                </a:solidFill>
+                <a:latin typeface="+mn-lt"/>
+                <a:ea typeface="+mn-ea"/>
+                <a:cs typeface="+mn-cs"/>
+              </a:defRPr>
+            </a:lvl3pPr>
+            <a:lvl4pPr marL="1371600" indent="0" algn="ctr" defTabSz="914400" rtl="0" eaLnBrk="1" latinLnBrk="0" hangingPunct="1">
+              <a:lnSpc>
+                <a:spcPct val="90000"/>
+              </a:lnSpc>
+              <a:spcBef>
+                <a:spcPts val="800"/>
+              </a:spcBef>
+              <a:buSzPct val="80000"/>
+              <a:buFont typeface="Wingdings" panose="05000000000000000000" pitchFamily="2" charset="2"/>
+              <a:buNone/>
+              <a:defRPr sz="1600" kern="1200">
+                <a:solidFill>
+                  <a:schemeClr val="tx1"/>
+                </a:solidFill>
+                <a:latin typeface="+mn-lt"/>
+                <a:ea typeface="+mn-ea"/>
+                <a:cs typeface="+mn-cs"/>
+              </a:defRPr>
+            </a:lvl4pPr>
+            <a:lvl5pPr marL="1828800" indent="0" algn="ctr" defTabSz="914400" rtl="0" eaLnBrk="1" latinLnBrk="0" hangingPunct="1">
+              <a:lnSpc>
+                <a:spcPct val="90000"/>
+              </a:lnSpc>
+              <a:spcBef>
+                <a:spcPts val="800"/>
+              </a:spcBef>
+              <a:buSzPct val="80000"/>
+              <a:buFont typeface="Wingdings" panose="05000000000000000000" pitchFamily="2" charset="2"/>
+              <a:buNone/>
+              <a:defRPr sz="1600" kern="1200">
+                <a:solidFill>
+                  <a:schemeClr val="tx1"/>
+                </a:solidFill>
+                <a:latin typeface="+mn-lt"/>
+                <a:ea typeface="+mn-ea"/>
+                <a:cs typeface="+mn-cs"/>
+              </a:defRPr>
+            </a:lvl5pPr>
+            <a:lvl6pPr marL="2286000" indent="0" algn="ctr" defTabSz="914400" rtl="0" eaLnBrk="1" latinLnBrk="0" hangingPunct="1">
+              <a:lnSpc>
+                <a:spcPct val="90000"/>
+              </a:lnSpc>
+              <a:spcBef>
+                <a:spcPts val="800"/>
+              </a:spcBef>
+              <a:buSzPct val="80000"/>
+              <a:buFont typeface="Wingdings" panose="05000000000000000000" pitchFamily="2" charset="2"/>
+              <a:buNone/>
+              <a:defRPr sz="1600" kern="1200">
+                <a:solidFill>
+                  <a:schemeClr val="tx1"/>
+                </a:solidFill>
+                <a:latin typeface="+mn-lt"/>
+                <a:ea typeface="+mn-ea"/>
+                <a:cs typeface="+mn-cs"/>
+              </a:defRPr>
+            </a:lvl6pPr>
+            <a:lvl7pPr marL="2743200" indent="0" algn="ctr" defTabSz="914400" rtl="0" eaLnBrk="1" latinLnBrk="0" hangingPunct="1">
+              <a:lnSpc>
+                <a:spcPct val="90000"/>
+              </a:lnSpc>
+              <a:spcBef>
+                <a:spcPts val="800"/>
+              </a:spcBef>
+              <a:buSzPct val="80000"/>
+              <a:buFont typeface="Wingdings" panose="05000000000000000000" pitchFamily="2" charset="2"/>
+              <a:buNone/>
+              <a:defRPr sz="1600" kern="1200">
+                <a:solidFill>
+                  <a:schemeClr val="tx1"/>
+                </a:solidFill>
+                <a:latin typeface="+mn-lt"/>
+                <a:ea typeface="+mn-ea"/>
+                <a:cs typeface="+mn-cs"/>
+              </a:defRPr>
+            </a:lvl7pPr>
+            <a:lvl8pPr marL="3200400" indent="0" algn="ctr" defTabSz="914400" rtl="0" eaLnBrk="1" latinLnBrk="0" hangingPunct="1">
+              <a:lnSpc>
+                <a:spcPct val="90000"/>
+              </a:lnSpc>
+              <a:spcBef>
+                <a:spcPts val="800"/>
+              </a:spcBef>
+              <a:buSzPct val="80000"/>
+              <a:buFont typeface="Wingdings" panose="05000000000000000000" pitchFamily="2" charset="2"/>
+              <a:buNone/>
+              <a:defRPr sz="1600" kern="1200">
+                <a:solidFill>
+                  <a:schemeClr val="tx1"/>
+                </a:solidFill>
+                <a:latin typeface="+mn-lt"/>
+                <a:ea typeface="+mn-ea"/>
+                <a:cs typeface="+mn-cs"/>
+              </a:defRPr>
+            </a:lvl8pPr>
+            <a:lvl9pPr marL="3657600" indent="0" algn="ctr" defTabSz="914400" rtl="0" eaLnBrk="1" latinLnBrk="0" hangingPunct="1">
+              <a:lnSpc>
+                <a:spcPct val="90000"/>
+              </a:lnSpc>
+              <a:spcBef>
+                <a:spcPts val="800"/>
+              </a:spcBef>
+              <a:buSzPct val="80000"/>
+              <a:buFont typeface="Wingdings" panose="05000000000000000000" pitchFamily="2" charset="2"/>
+              <a:buNone/>
+              <a:defRPr sz="1600" kern="1200">
+                <a:solidFill>
+                  <a:schemeClr val="tx1"/>
+                </a:solidFill>
+                <a:latin typeface="+mn-lt"/>
+                <a:ea typeface="+mn-ea"/>
+                <a:cs typeface="+mn-cs"/>
+              </a:defRPr>
+            </a:lvl9pPr>
+          </a:lstStyle>
+          <a:p>
+            <a:pPr>
+              <a:lnSpc>
+                <a:spcPct val="120000"/>
+              </a:lnSpc>
+            </a:pPr>
+            <a:r>
+              <a:rPr lang="en-US" sz="1800" b="1" dirty="0">
+                <a:solidFill>
+                  <a:schemeClr val="accent2">
+                    <a:lumMod val="75000"/>
+                  </a:schemeClr>
+                </a:solidFill>
+                <a:hlinkClick r:id="rId5">
+                  <a:extLst>
+                    <a:ext uri="{A12FA001-AC4F-418D-AE19-62706E023703}">
+                      <ahyp:hlinkClr xmlns:ahyp="http://schemas.microsoft.com/office/drawing/2018/hyperlinkcolor" val="tx"/>
+                    </a:ext>
+                  </a:extLst>
+                </a:hlinkClick>
+              </a:rPr>
+              <a:t>https://github.com/yasenstar/python/tree/master/GUI_Python</a:t>
+            </a:r>
+            <a:endParaRPr lang="en-US" sz="1800" b="1" dirty="0">
+              <a:solidFill>
+                <a:schemeClr val="accent2">
+                  <a:lumMod val="75000"/>
+                </a:schemeClr>
+              </a:solidFill>
+            </a:endParaRPr>
+          </a:p>
+        </p:txBody>
+      </p:sp>
+      <p:pic>
+        <p:nvPicPr>
+          <p:cNvPr id="4" name="Picture 3">
+            <a:extLst>
+              <a:ext uri="{FF2B5EF4-FFF2-40B4-BE49-F238E27FC236}">
+                <a16:creationId xmlns:a16="http://schemas.microsoft.com/office/drawing/2014/main" id="{968C2F1B-8F4B-29A9-9C08-99D0986A2780}"/>
+              </a:ext>
+            </a:extLst>
+          </p:cNvPr>
+          <p:cNvPicPr>
+            <a:picLocks noChangeAspect="1"/>
+          </p:cNvPicPr>
+          <p:nvPr/>
+        </p:nvPicPr>
+        <p:blipFill>
+          <a:blip r:embed="rId6"/>
+          <a:stretch>
+            <a:fillRect/>
+          </a:stretch>
+        </p:blipFill>
+        <p:spPr>
+          <a:xfrm>
+            <a:off x="7494494" y="2575452"/>
+            <a:ext cx="4487396" cy="2328243"/>
+          </a:xfrm>
+          <a:prstGeom prst="rect">
+            <a:avLst/>
+          </a:prstGeom>
+          <a:ln>
+            <a:noFill/>
+          </a:ln>
+          <a:effectLst>
+            <a:outerShdw blurRad="292100" dist="139700" dir="2700000" algn="tl" rotWithShape="0">
+              <a:srgbClr val="333333">
+                <a:alpha val="65000"/>
+              </a:srgbClr>
+            </a:outerShdw>
+          </a:effectLst>
+        </p:spPr>
+      </p:pic>
+      <p:pic>
+        <p:nvPicPr>
+          <p:cNvPr id="11" name="Content Placeholder 10">
+            <a:extLst>
+              <a:ext uri="{FF2B5EF4-FFF2-40B4-BE49-F238E27FC236}">
+                <a16:creationId xmlns:a16="http://schemas.microsoft.com/office/drawing/2014/main" id="{A6A73AC9-0A0B-C020-6734-48BB30172E62}"/>
+              </a:ext>
+            </a:extLst>
+          </p:cNvPr>
+          <p:cNvPicPr>
+            <a:picLocks noGrp="1" noChangeAspect="1"/>
+          </p:cNvPicPr>
+          <p:nvPr>
+            <p:ph idx="1"/>
+          </p:nvPr>
+        </p:nvPicPr>
+        <p:blipFill>
+          <a:blip r:embed="rId7"/>
+          <a:stretch>
+            <a:fillRect/>
+          </a:stretch>
+        </p:blipFill>
+        <p:spPr>
+          <a:xfrm>
+            <a:off x="2204455" y="1752600"/>
+            <a:ext cx="4986103" cy="4114800"/>
+          </a:xfrm>
+          <a:prstGeom prst="rect">
+            <a:avLst/>
+          </a:prstGeom>
+          <a:ln>
+            <a:noFill/>
+          </a:ln>
+          <a:effectLst>
+            <a:outerShdw blurRad="292100" dist="139700" dir="2700000" algn="tl" rotWithShape="0">
+              <a:srgbClr val="333333">
+                <a:alpha val="65000"/>
+              </a:srgbClr>
+            </a:outerShdw>
+          </a:effectLst>
+        </p:spPr>
+      </p:pic>
+    </p:spTree>
+    <p:extLst>
+      <p:ext uri="{BB962C8B-B14F-4D97-AF65-F5344CB8AC3E}">
+        <p14:creationId xmlns:p14="http://schemas.microsoft.com/office/powerpoint/2010/main" val="3700979453"/>
+      </p:ext>
+    </p:extLst>
+  </p:cSld>
+  <p:clrMapOvr>
+    <a:masterClrMapping/>
+  </p:clrMapOvr>
+</p:sld>
+</file>
+
+<file path=ppt/slides/slide13.xml><?xml version="1.0" encoding="utf-8"?>
 <p:sld xmlns:a="http://schemas.openxmlformats.org/drawingml/2006/main" xmlns:r="http://schemas.openxmlformats.org/officeDocument/2006/relationships" xmlns:p="http://schemas.openxmlformats.org/presentationml/2006/main">
   <p:cSld>
     <p:spTree>

--- a/GUI_Python/Create_GUI_with_Python.pptx
+++ b/GUI_Python/Create_GUI_with_Python.pptx
@@ -5,10 +5,10 @@
     <p:sldMasterId id="2147483648" r:id="rId1"/>
   </p:sldMasterIdLst>
   <p:notesMasterIdLst>
-    <p:notesMasterId r:id="rId15"/>
+    <p:notesMasterId r:id="rId17"/>
   </p:notesMasterIdLst>
   <p:handoutMasterIdLst>
-    <p:handoutMasterId r:id="rId16"/>
+    <p:handoutMasterId r:id="rId18"/>
   </p:handoutMasterIdLst>
   <p:sldIdLst>
     <p:sldId id="256" r:id="rId2"/>
@@ -23,7 +23,9 @@
     <p:sldId id="266" r:id="rId11"/>
     <p:sldId id="267" r:id="rId12"/>
     <p:sldId id="268" r:id="rId13"/>
-    <p:sldId id="260" r:id="rId14"/>
+    <p:sldId id="269" r:id="rId14"/>
+    <p:sldId id="270" r:id="rId15"/>
+    <p:sldId id="260" r:id="rId16"/>
   </p:sldIdLst>
   <p:sldSz cx="12192000" cy="6858000"/>
   <p:notesSz cx="6858000" cy="9144000"/>
@@ -791,7 +793,7 @@
           <a:p>
             <a:fld id="{935E2820-AFE1-45FA-949E-17BDB534E1DC}" type="slidenum">
               <a:rPr lang="en-US" smtClean="0"/>
-              <a:t>13</a:t>
+              <a:t>15</a:t>
             </a:fld>
             <a:endParaRPr lang="en-US"/>
           </a:p>
@@ -5908,6 +5910,1142 @@
 </file>
 
 <file path=ppt/slides/slide13.xml><?xml version="1.0" encoding="utf-8"?>
+<p:sld xmlns:a="http://schemas.openxmlformats.org/drawingml/2006/main" xmlns:r="http://schemas.openxmlformats.org/officeDocument/2006/relationships" xmlns:p="http://schemas.openxmlformats.org/presentationml/2006/main">
+  <p:cSld>
+    <p:spTree>
+      <p:nvGrpSpPr>
+        <p:cNvPr id="1" name=""/>
+        <p:cNvGrpSpPr/>
+        <p:nvPr/>
+      </p:nvGrpSpPr>
+      <p:grpSpPr>
+        <a:xfrm>
+          <a:off x="0" y="0"/>
+          <a:ext cx="0" cy="0"/>
+          <a:chOff x="0" y="0"/>
+          <a:chExt cx="0" cy="0"/>
+        </a:xfrm>
+      </p:grpSpPr>
+      <p:sp>
+        <p:nvSpPr>
+          <p:cNvPr id="2" name="Title 1">
+            <a:extLst>
+              <a:ext uri="{FF2B5EF4-FFF2-40B4-BE49-F238E27FC236}">
+                <a16:creationId xmlns:a16="http://schemas.microsoft.com/office/drawing/2014/main" id="{60BDC9E0-4942-655E-4150-9691AA9C765B}"/>
+              </a:ext>
+            </a:extLst>
+          </p:cNvPr>
+          <p:cNvSpPr>
+            <a:spLocks noGrp="1"/>
+          </p:cNvSpPr>
+          <p:nvPr>
+            <p:ph type="title"/>
+          </p:nvPr>
+        </p:nvSpPr>
+        <p:spPr>
+          <a:xfrm>
+            <a:off x="2208213" y="304799"/>
+            <a:ext cx="9372600" cy="1649507"/>
+          </a:xfrm>
+        </p:spPr>
+        <p:txBody>
+          <a:bodyPr anchor="ctr">
+            <a:normAutofit/>
+          </a:bodyPr>
+          <a:lstStyle/>
+          <a:p>
+            <a:r>
+              <a:rPr lang="en-US" sz="4000" dirty="0">
+                <a:latin typeface="HarmonyOS Sans Black" panose="00000A00000000000000" pitchFamily="2" charset="0"/>
+              </a:rPr>
+              <a:t>Create GUI with Python</a:t>
+            </a:r>
+            <a:br>
+              <a:rPr lang="en-US" dirty="0">
+                <a:latin typeface="HarmonyOS Sans" panose="00000500000000000000" pitchFamily="2" charset="0"/>
+              </a:rPr>
+            </a:br>
+            <a:r>
+              <a:rPr lang="en-US" sz="4900" dirty="0">
+                <a:latin typeface="HarmonyOS Sans" panose="00000500000000000000" pitchFamily="2" charset="0"/>
+              </a:rPr>
+              <a:t>013 Ch08 Flood It (part 1)</a:t>
+            </a:r>
+            <a:endParaRPr lang="en-US" dirty="0">
+              <a:latin typeface="HarmonyOS Sans" panose="00000500000000000000" pitchFamily="2" charset="0"/>
+            </a:endParaRPr>
+          </a:p>
+        </p:txBody>
+      </p:sp>
+      <p:pic>
+        <p:nvPicPr>
+          <p:cNvPr id="6" name="Picture 5">
+            <a:extLst>
+              <a:ext uri="{FF2B5EF4-FFF2-40B4-BE49-F238E27FC236}">
+                <a16:creationId xmlns:a16="http://schemas.microsoft.com/office/drawing/2014/main" id="{28525CF1-7DD8-7F22-12CB-14807078F0D7}"/>
+              </a:ext>
+            </a:extLst>
+          </p:cNvPr>
+          <p:cNvPicPr>
+            <a:picLocks noChangeAspect="1"/>
+          </p:cNvPicPr>
+          <p:nvPr/>
+        </p:nvPicPr>
+        <p:blipFill>
+          <a:blip r:embed="rId2"/>
+          <a:stretch>
+            <a:fillRect/>
+          </a:stretch>
+        </p:blipFill>
+        <p:spPr>
+          <a:xfrm>
+            <a:off x="119268" y="59634"/>
+            <a:ext cx="611187" cy="671551"/>
+          </a:xfrm>
+          <a:prstGeom prst="rect">
+            <a:avLst/>
+          </a:prstGeom>
+          <a:ln>
+            <a:noFill/>
+          </a:ln>
+          <a:effectLst>
+            <a:outerShdw blurRad="292100" dist="139700" dir="2700000" algn="tl" rotWithShape="0">
+              <a:srgbClr val="333333">
+                <a:alpha val="65000"/>
+              </a:srgbClr>
+            </a:outerShdw>
+          </a:effectLst>
+        </p:spPr>
+      </p:pic>
+      <p:pic>
+        <p:nvPicPr>
+          <p:cNvPr id="7" name="Picture 6">
+            <a:extLst>
+              <a:ext uri="{FF2B5EF4-FFF2-40B4-BE49-F238E27FC236}">
+                <a16:creationId xmlns:a16="http://schemas.microsoft.com/office/drawing/2014/main" id="{ACE06191-4455-E539-6992-17D338C10648}"/>
+              </a:ext>
+            </a:extLst>
+          </p:cNvPr>
+          <p:cNvPicPr>
+            <a:picLocks noChangeAspect="1"/>
+          </p:cNvPicPr>
+          <p:nvPr/>
+        </p:nvPicPr>
+        <p:blipFill>
+          <a:blip r:embed="rId3"/>
+          <a:stretch>
+            <a:fillRect/>
+          </a:stretch>
+        </p:blipFill>
+        <p:spPr>
+          <a:xfrm>
+            <a:off x="0" y="6471564"/>
+            <a:ext cx="1855694" cy="386435"/>
+          </a:xfrm>
+          <a:prstGeom prst="rect">
+            <a:avLst/>
+          </a:prstGeom>
+          <a:ln>
+            <a:noFill/>
+          </a:ln>
+          <a:effectLst>
+            <a:outerShdw blurRad="292100" dist="139700" dir="2700000" algn="tl" rotWithShape="0">
+              <a:srgbClr val="333333">
+                <a:alpha val="65000"/>
+              </a:srgbClr>
+            </a:outerShdw>
+          </a:effectLst>
+        </p:spPr>
+      </p:pic>
+      <p:pic>
+        <p:nvPicPr>
+          <p:cNvPr id="8" name="Picture 7">
+            <a:extLst>
+              <a:ext uri="{FF2B5EF4-FFF2-40B4-BE49-F238E27FC236}">
+                <a16:creationId xmlns:a16="http://schemas.microsoft.com/office/drawing/2014/main" id="{E815D6CC-086C-CEEA-B605-CC7A17A0C652}"/>
+              </a:ext>
+            </a:extLst>
+          </p:cNvPr>
+          <p:cNvPicPr>
+            <a:picLocks noChangeAspect="1"/>
+          </p:cNvPicPr>
+          <p:nvPr/>
+        </p:nvPicPr>
+        <p:blipFill>
+          <a:blip r:embed="rId4"/>
+          <a:stretch>
+            <a:fillRect/>
+          </a:stretch>
+        </p:blipFill>
+        <p:spPr>
+          <a:xfrm>
+            <a:off x="119268" y="863897"/>
+            <a:ext cx="1374374" cy="2071274"/>
+          </a:xfrm>
+          <a:prstGeom prst="rect">
+            <a:avLst/>
+          </a:prstGeom>
+          <a:ln>
+            <a:noFill/>
+          </a:ln>
+          <a:effectLst>
+            <a:outerShdw blurRad="292100" dist="139700" dir="2700000" algn="tl" rotWithShape="0">
+              <a:srgbClr val="333333">
+                <a:alpha val="65000"/>
+              </a:srgbClr>
+            </a:outerShdw>
+          </a:effectLst>
+        </p:spPr>
+      </p:pic>
+      <p:sp>
+        <p:nvSpPr>
+          <p:cNvPr id="9" name="Subtitle 5">
+            <a:extLst>
+              <a:ext uri="{FF2B5EF4-FFF2-40B4-BE49-F238E27FC236}">
+                <a16:creationId xmlns:a16="http://schemas.microsoft.com/office/drawing/2014/main" id="{B98C3EDB-7ABC-5858-0198-A6F89107DC04}"/>
+              </a:ext>
+            </a:extLst>
+          </p:cNvPr>
+          <p:cNvSpPr txBox="1">
+            <a:spLocks/>
+          </p:cNvSpPr>
+          <p:nvPr/>
+        </p:nvSpPr>
+        <p:spPr>
+          <a:xfrm>
+            <a:off x="2747347" y="6471564"/>
+            <a:ext cx="7704856" cy="367591"/>
+          </a:xfrm>
+          <a:prstGeom prst="rect">
+            <a:avLst/>
+          </a:prstGeom>
+        </p:spPr>
+        <p:txBody>
+          <a:bodyPr vert="horz" lIns="91440" tIns="45720" rIns="91440" bIns="45720" rtlCol="0">
+            <a:normAutofit lnSpcReduction="10000"/>
+          </a:bodyPr>
+          <a:lstStyle>
+            <a:lvl1pPr marL="0" indent="0" algn="l" defTabSz="914400" rtl="0" eaLnBrk="1" latinLnBrk="0" hangingPunct="1">
+              <a:lnSpc>
+                <a:spcPct val="90000"/>
+              </a:lnSpc>
+              <a:spcBef>
+                <a:spcPts val="0"/>
+              </a:spcBef>
+              <a:buSzPct val="80000"/>
+              <a:buFont typeface="Wingdings" panose="05000000000000000000" pitchFamily="2" charset="2"/>
+              <a:buNone/>
+              <a:defRPr sz="2400" kern="1200">
+                <a:solidFill>
+                  <a:schemeClr val="accent2"/>
+                </a:solidFill>
+                <a:latin typeface="+mn-lt"/>
+                <a:ea typeface="+mn-ea"/>
+                <a:cs typeface="+mn-cs"/>
+              </a:defRPr>
+            </a:lvl1pPr>
+            <a:lvl2pPr marL="457200" indent="0" algn="ctr" defTabSz="914400" rtl="0" eaLnBrk="1" latinLnBrk="0" hangingPunct="1">
+              <a:lnSpc>
+                <a:spcPct val="90000"/>
+              </a:lnSpc>
+              <a:spcBef>
+                <a:spcPts val="1000"/>
+              </a:spcBef>
+              <a:buSzPct val="80000"/>
+              <a:buFont typeface="Wingdings" panose="05000000000000000000" pitchFamily="2" charset="2"/>
+              <a:buNone/>
+              <a:defRPr sz="2000" kern="1200">
+                <a:solidFill>
+                  <a:schemeClr val="tx1"/>
+                </a:solidFill>
+                <a:latin typeface="+mn-lt"/>
+                <a:ea typeface="+mn-ea"/>
+                <a:cs typeface="+mn-cs"/>
+              </a:defRPr>
+            </a:lvl2pPr>
+            <a:lvl3pPr marL="914400" indent="0" algn="ctr" defTabSz="914400" rtl="0" eaLnBrk="1" latinLnBrk="0" hangingPunct="1">
+              <a:lnSpc>
+                <a:spcPct val="90000"/>
+              </a:lnSpc>
+              <a:spcBef>
+                <a:spcPts val="800"/>
+              </a:spcBef>
+              <a:buSzPct val="80000"/>
+              <a:buFont typeface="Wingdings" panose="05000000000000000000" pitchFamily="2" charset="2"/>
+              <a:buNone/>
+              <a:defRPr sz="1800" kern="1200">
+                <a:solidFill>
+                  <a:schemeClr val="tx1"/>
+                </a:solidFill>
+                <a:latin typeface="+mn-lt"/>
+                <a:ea typeface="+mn-ea"/>
+                <a:cs typeface="+mn-cs"/>
+              </a:defRPr>
+            </a:lvl3pPr>
+            <a:lvl4pPr marL="1371600" indent="0" algn="ctr" defTabSz="914400" rtl="0" eaLnBrk="1" latinLnBrk="0" hangingPunct="1">
+              <a:lnSpc>
+                <a:spcPct val="90000"/>
+              </a:lnSpc>
+              <a:spcBef>
+                <a:spcPts val="800"/>
+              </a:spcBef>
+              <a:buSzPct val="80000"/>
+              <a:buFont typeface="Wingdings" panose="05000000000000000000" pitchFamily="2" charset="2"/>
+              <a:buNone/>
+              <a:defRPr sz="1600" kern="1200">
+                <a:solidFill>
+                  <a:schemeClr val="tx1"/>
+                </a:solidFill>
+                <a:latin typeface="+mn-lt"/>
+                <a:ea typeface="+mn-ea"/>
+                <a:cs typeface="+mn-cs"/>
+              </a:defRPr>
+            </a:lvl4pPr>
+            <a:lvl5pPr marL="1828800" indent="0" algn="ctr" defTabSz="914400" rtl="0" eaLnBrk="1" latinLnBrk="0" hangingPunct="1">
+              <a:lnSpc>
+                <a:spcPct val="90000"/>
+              </a:lnSpc>
+              <a:spcBef>
+                <a:spcPts val="800"/>
+              </a:spcBef>
+              <a:buSzPct val="80000"/>
+              <a:buFont typeface="Wingdings" panose="05000000000000000000" pitchFamily="2" charset="2"/>
+              <a:buNone/>
+              <a:defRPr sz="1600" kern="1200">
+                <a:solidFill>
+                  <a:schemeClr val="tx1"/>
+                </a:solidFill>
+                <a:latin typeface="+mn-lt"/>
+                <a:ea typeface="+mn-ea"/>
+                <a:cs typeface="+mn-cs"/>
+              </a:defRPr>
+            </a:lvl5pPr>
+            <a:lvl6pPr marL="2286000" indent="0" algn="ctr" defTabSz="914400" rtl="0" eaLnBrk="1" latinLnBrk="0" hangingPunct="1">
+              <a:lnSpc>
+                <a:spcPct val="90000"/>
+              </a:lnSpc>
+              <a:spcBef>
+                <a:spcPts val="800"/>
+              </a:spcBef>
+              <a:buSzPct val="80000"/>
+              <a:buFont typeface="Wingdings" panose="05000000000000000000" pitchFamily="2" charset="2"/>
+              <a:buNone/>
+              <a:defRPr sz="1600" kern="1200">
+                <a:solidFill>
+                  <a:schemeClr val="tx1"/>
+                </a:solidFill>
+                <a:latin typeface="+mn-lt"/>
+                <a:ea typeface="+mn-ea"/>
+                <a:cs typeface="+mn-cs"/>
+              </a:defRPr>
+            </a:lvl6pPr>
+            <a:lvl7pPr marL="2743200" indent="0" algn="ctr" defTabSz="914400" rtl="0" eaLnBrk="1" latinLnBrk="0" hangingPunct="1">
+              <a:lnSpc>
+                <a:spcPct val="90000"/>
+              </a:lnSpc>
+              <a:spcBef>
+                <a:spcPts val="800"/>
+              </a:spcBef>
+              <a:buSzPct val="80000"/>
+              <a:buFont typeface="Wingdings" panose="05000000000000000000" pitchFamily="2" charset="2"/>
+              <a:buNone/>
+              <a:defRPr sz="1600" kern="1200">
+                <a:solidFill>
+                  <a:schemeClr val="tx1"/>
+                </a:solidFill>
+                <a:latin typeface="+mn-lt"/>
+                <a:ea typeface="+mn-ea"/>
+                <a:cs typeface="+mn-cs"/>
+              </a:defRPr>
+            </a:lvl7pPr>
+            <a:lvl8pPr marL="3200400" indent="0" algn="ctr" defTabSz="914400" rtl="0" eaLnBrk="1" latinLnBrk="0" hangingPunct="1">
+              <a:lnSpc>
+                <a:spcPct val="90000"/>
+              </a:lnSpc>
+              <a:spcBef>
+                <a:spcPts val="800"/>
+              </a:spcBef>
+              <a:buSzPct val="80000"/>
+              <a:buFont typeface="Wingdings" panose="05000000000000000000" pitchFamily="2" charset="2"/>
+              <a:buNone/>
+              <a:defRPr sz="1600" kern="1200">
+                <a:solidFill>
+                  <a:schemeClr val="tx1"/>
+                </a:solidFill>
+                <a:latin typeface="+mn-lt"/>
+                <a:ea typeface="+mn-ea"/>
+                <a:cs typeface="+mn-cs"/>
+              </a:defRPr>
+            </a:lvl8pPr>
+            <a:lvl9pPr marL="3657600" indent="0" algn="ctr" defTabSz="914400" rtl="0" eaLnBrk="1" latinLnBrk="0" hangingPunct="1">
+              <a:lnSpc>
+                <a:spcPct val="90000"/>
+              </a:lnSpc>
+              <a:spcBef>
+                <a:spcPts val="800"/>
+              </a:spcBef>
+              <a:buSzPct val="80000"/>
+              <a:buFont typeface="Wingdings" panose="05000000000000000000" pitchFamily="2" charset="2"/>
+              <a:buNone/>
+              <a:defRPr sz="1600" kern="1200">
+                <a:solidFill>
+                  <a:schemeClr val="tx1"/>
+                </a:solidFill>
+                <a:latin typeface="+mn-lt"/>
+                <a:ea typeface="+mn-ea"/>
+                <a:cs typeface="+mn-cs"/>
+              </a:defRPr>
+            </a:lvl9pPr>
+          </a:lstStyle>
+          <a:p>
+            <a:pPr>
+              <a:lnSpc>
+                <a:spcPct val="120000"/>
+              </a:lnSpc>
+            </a:pPr>
+            <a:r>
+              <a:rPr lang="en-US" sz="1800" b="1" dirty="0">
+                <a:solidFill>
+                  <a:schemeClr val="accent2">
+                    <a:lumMod val="75000"/>
+                  </a:schemeClr>
+                </a:solidFill>
+                <a:hlinkClick r:id="rId5">
+                  <a:extLst>
+                    <a:ext uri="{A12FA001-AC4F-418D-AE19-62706E023703}">
+                      <ahyp:hlinkClr xmlns:ahyp="http://schemas.microsoft.com/office/drawing/2018/hyperlinkcolor" val="tx"/>
+                    </a:ext>
+                  </a:extLst>
+                </a:hlinkClick>
+              </a:rPr>
+              <a:t>https://github.com/yasenstar/python/tree/master/GUI_Python</a:t>
+            </a:r>
+            <a:endParaRPr lang="en-US" sz="1800" b="1" dirty="0">
+              <a:solidFill>
+                <a:schemeClr val="accent2">
+                  <a:lumMod val="75000"/>
+                </a:schemeClr>
+              </a:solidFill>
+            </a:endParaRPr>
+          </a:p>
+        </p:txBody>
+      </p:sp>
+      <p:pic>
+        <p:nvPicPr>
+          <p:cNvPr id="5" name="Picture 4">
+            <a:extLst>
+              <a:ext uri="{FF2B5EF4-FFF2-40B4-BE49-F238E27FC236}">
+                <a16:creationId xmlns:a16="http://schemas.microsoft.com/office/drawing/2014/main" id="{5AD78A8E-F906-7EB1-C9C5-1EF6A26C0DEC}"/>
+              </a:ext>
+            </a:extLst>
+          </p:cNvPr>
+          <p:cNvPicPr>
+            <a:picLocks noChangeAspect="1"/>
+          </p:cNvPicPr>
+          <p:nvPr/>
+        </p:nvPicPr>
+        <p:blipFill>
+          <a:blip r:embed="rId6"/>
+          <a:stretch>
+            <a:fillRect/>
+          </a:stretch>
+        </p:blipFill>
+        <p:spPr>
+          <a:xfrm>
+            <a:off x="7530353" y="2724615"/>
+            <a:ext cx="4298856" cy="2170770"/>
+          </a:xfrm>
+          <a:prstGeom prst="rect">
+            <a:avLst/>
+          </a:prstGeom>
+          <a:ln>
+            <a:noFill/>
+          </a:ln>
+          <a:effectLst>
+            <a:outerShdw blurRad="292100" dist="139700" dir="2700000" algn="tl" rotWithShape="0">
+              <a:srgbClr val="333333">
+                <a:alpha val="65000"/>
+              </a:srgbClr>
+            </a:outerShdw>
+          </a:effectLst>
+        </p:spPr>
+      </p:pic>
+      <p:pic>
+        <p:nvPicPr>
+          <p:cNvPr id="14" name="Content Placeholder 13">
+            <a:extLst>
+              <a:ext uri="{FF2B5EF4-FFF2-40B4-BE49-F238E27FC236}">
+                <a16:creationId xmlns:a16="http://schemas.microsoft.com/office/drawing/2014/main" id="{90D27F31-9DC3-DF17-1E01-B7142E44E216}"/>
+              </a:ext>
+            </a:extLst>
+          </p:cNvPr>
+          <p:cNvPicPr>
+            <a:picLocks noGrp="1" noChangeAspect="1"/>
+          </p:cNvPicPr>
+          <p:nvPr>
+            <p:ph idx="1"/>
+          </p:nvPr>
+        </p:nvPicPr>
+        <p:blipFill>
+          <a:blip r:embed="rId7"/>
+          <a:stretch>
+            <a:fillRect/>
+          </a:stretch>
+        </p:blipFill>
+        <p:spPr>
+          <a:xfrm>
+            <a:off x="2208213" y="1752600"/>
+            <a:ext cx="5129560" cy="4114800"/>
+          </a:xfrm>
+          <a:prstGeom prst="rect">
+            <a:avLst/>
+          </a:prstGeom>
+          <a:ln>
+            <a:noFill/>
+          </a:ln>
+          <a:effectLst>
+            <a:outerShdw blurRad="292100" dist="139700" dir="2700000" algn="tl" rotWithShape="0">
+              <a:srgbClr val="333333">
+                <a:alpha val="65000"/>
+              </a:srgbClr>
+            </a:outerShdw>
+          </a:effectLst>
+        </p:spPr>
+      </p:pic>
+      <p:sp>
+        <p:nvSpPr>
+          <p:cNvPr id="15" name="Rectangle 14">
+            <a:extLst>
+              <a:ext uri="{FF2B5EF4-FFF2-40B4-BE49-F238E27FC236}">
+                <a16:creationId xmlns:a16="http://schemas.microsoft.com/office/drawing/2014/main" id="{C19623D4-D931-9248-AB1B-10E39BF1EAEA}"/>
+              </a:ext>
+            </a:extLst>
+          </p:cNvPr>
+          <p:cNvSpPr/>
+          <p:nvPr/>
+        </p:nvSpPr>
+        <p:spPr>
+          <a:xfrm>
+            <a:off x="6096000" y="3402107"/>
+            <a:ext cx="1241773" cy="1196787"/>
+          </a:xfrm>
+          <a:prstGeom prst="rect">
+            <a:avLst/>
+          </a:prstGeom>
+          <a:noFill/>
+          <a:ln w="28575">
+            <a:solidFill>
+              <a:srgbClr val="FF0000"/>
+            </a:solidFill>
+          </a:ln>
+        </p:spPr>
+        <p:style>
+          <a:lnRef idx="2">
+            <a:schemeClr val="accent1">
+              <a:shade val="15000"/>
+            </a:schemeClr>
+          </a:lnRef>
+          <a:fillRef idx="1">
+            <a:schemeClr val="accent1"/>
+          </a:fillRef>
+          <a:effectRef idx="0">
+            <a:schemeClr val="accent1"/>
+          </a:effectRef>
+          <a:fontRef idx="minor">
+            <a:schemeClr val="lt1"/>
+          </a:fontRef>
+        </p:style>
+        <p:txBody>
+          <a:bodyPr rtlCol="0" anchor="ctr"/>
+          <a:lstStyle/>
+          <a:p>
+            <a:pPr algn="ctr"/>
+            <a:endParaRPr lang="en-US"/>
+          </a:p>
+        </p:txBody>
+      </p:sp>
+    </p:spTree>
+    <p:extLst>
+      <p:ext uri="{BB962C8B-B14F-4D97-AF65-F5344CB8AC3E}">
+        <p14:creationId xmlns:p14="http://schemas.microsoft.com/office/powerpoint/2010/main" val="3956078360"/>
+      </p:ext>
+    </p:extLst>
+  </p:cSld>
+  <p:clrMapOvr>
+    <a:masterClrMapping/>
+  </p:clrMapOvr>
+</p:sld>
+</file>
+
+<file path=ppt/slides/slide14.xml><?xml version="1.0" encoding="utf-8"?>
+<p:sld xmlns:a="http://schemas.openxmlformats.org/drawingml/2006/main" xmlns:r="http://schemas.openxmlformats.org/officeDocument/2006/relationships" xmlns:p="http://schemas.openxmlformats.org/presentationml/2006/main">
+  <p:cSld>
+    <p:spTree>
+      <p:nvGrpSpPr>
+        <p:cNvPr id="1" name=""/>
+        <p:cNvGrpSpPr/>
+        <p:nvPr/>
+      </p:nvGrpSpPr>
+      <p:grpSpPr>
+        <a:xfrm>
+          <a:off x="0" y="0"/>
+          <a:ext cx="0" cy="0"/>
+          <a:chOff x="0" y="0"/>
+          <a:chExt cx="0" cy="0"/>
+        </a:xfrm>
+      </p:grpSpPr>
+      <p:sp>
+        <p:nvSpPr>
+          <p:cNvPr id="2" name="Title 1">
+            <a:extLst>
+              <a:ext uri="{FF2B5EF4-FFF2-40B4-BE49-F238E27FC236}">
+                <a16:creationId xmlns:a16="http://schemas.microsoft.com/office/drawing/2014/main" id="{60BDC9E0-4942-655E-4150-9691AA9C765B}"/>
+              </a:ext>
+            </a:extLst>
+          </p:cNvPr>
+          <p:cNvSpPr>
+            <a:spLocks noGrp="1"/>
+          </p:cNvSpPr>
+          <p:nvPr>
+            <p:ph type="title"/>
+          </p:nvPr>
+        </p:nvSpPr>
+        <p:spPr>
+          <a:xfrm>
+            <a:off x="2208213" y="304799"/>
+            <a:ext cx="9372600" cy="1649507"/>
+          </a:xfrm>
+        </p:spPr>
+        <p:txBody>
+          <a:bodyPr anchor="ctr">
+            <a:normAutofit/>
+          </a:bodyPr>
+          <a:lstStyle/>
+          <a:p>
+            <a:r>
+              <a:rPr lang="en-US" sz="4000" dirty="0">
+                <a:latin typeface="HarmonyOS Sans Black" panose="00000A00000000000000" pitchFamily="2" charset="0"/>
+              </a:rPr>
+              <a:t>Create GUI with Python</a:t>
+            </a:r>
+            <a:br>
+              <a:rPr lang="en-US" dirty="0">
+                <a:latin typeface="HarmonyOS Sans" panose="00000500000000000000" pitchFamily="2" charset="0"/>
+              </a:rPr>
+            </a:br>
+            <a:r>
+              <a:rPr lang="en-US" sz="4900" dirty="0">
+                <a:latin typeface="HarmonyOS Sans" panose="00000500000000000000" pitchFamily="2" charset="0"/>
+              </a:rPr>
+              <a:t>014 Ch08 Flood It (part 2)</a:t>
+            </a:r>
+            <a:endParaRPr lang="en-US" dirty="0">
+              <a:latin typeface="HarmonyOS Sans" panose="00000500000000000000" pitchFamily="2" charset="0"/>
+            </a:endParaRPr>
+          </a:p>
+        </p:txBody>
+      </p:sp>
+      <p:pic>
+        <p:nvPicPr>
+          <p:cNvPr id="6" name="Picture 5">
+            <a:extLst>
+              <a:ext uri="{FF2B5EF4-FFF2-40B4-BE49-F238E27FC236}">
+                <a16:creationId xmlns:a16="http://schemas.microsoft.com/office/drawing/2014/main" id="{28525CF1-7DD8-7F22-12CB-14807078F0D7}"/>
+              </a:ext>
+            </a:extLst>
+          </p:cNvPr>
+          <p:cNvPicPr>
+            <a:picLocks noChangeAspect="1"/>
+          </p:cNvPicPr>
+          <p:nvPr/>
+        </p:nvPicPr>
+        <p:blipFill>
+          <a:blip r:embed="rId2"/>
+          <a:stretch>
+            <a:fillRect/>
+          </a:stretch>
+        </p:blipFill>
+        <p:spPr>
+          <a:xfrm>
+            <a:off x="119268" y="59634"/>
+            <a:ext cx="611187" cy="671551"/>
+          </a:xfrm>
+          <a:prstGeom prst="rect">
+            <a:avLst/>
+          </a:prstGeom>
+          <a:ln>
+            <a:noFill/>
+          </a:ln>
+          <a:effectLst>
+            <a:outerShdw blurRad="292100" dist="139700" dir="2700000" algn="tl" rotWithShape="0">
+              <a:srgbClr val="333333">
+                <a:alpha val="65000"/>
+              </a:srgbClr>
+            </a:outerShdw>
+          </a:effectLst>
+        </p:spPr>
+      </p:pic>
+      <p:pic>
+        <p:nvPicPr>
+          <p:cNvPr id="7" name="Picture 6">
+            <a:extLst>
+              <a:ext uri="{FF2B5EF4-FFF2-40B4-BE49-F238E27FC236}">
+                <a16:creationId xmlns:a16="http://schemas.microsoft.com/office/drawing/2014/main" id="{ACE06191-4455-E539-6992-17D338C10648}"/>
+              </a:ext>
+            </a:extLst>
+          </p:cNvPr>
+          <p:cNvPicPr>
+            <a:picLocks noChangeAspect="1"/>
+          </p:cNvPicPr>
+          <p:nvPr/>
+        </p:nvPicPr>
+        <p:blipFill>
+          <a:blip r:embed="rId3"/>
+          <a:stretch>
+            <a:fillRect/>
+          </a:stretch>
+        </p:blipFill>
+        <p:spPr>
+          <a:xfrm>
+            <a:off x="0" y="6471564"/>
+            <a:ext cx="1855694" cy="386435"/>
+          </a:xfrm>
+          <a:prstGeom prst="rect">
+            <a:avLst/>
+          </a:prstGeom>
+          <a:ln>
+            <a:noFill/>
+          </a:ln>
+          <a:effectLst>
+            <a:outerShdw blurRad="292100" dist="139700" dir="2700000" algn="tl" rotWithShape="0">
+              <a:srgbClr val="333333">
+                <a:alpha val="65000"/>
+              </a:srgbClr>
+            </a:outerShdw>
+          </a:effectLst>
+        </p:spPr>
+      </p:pic>
+      <p:pic>
+        <p:nvPicPr>
+          <p:cNvPr id="8" name="Picture 7">
+            <a:extLst>
+              <a:ext uri="{FF2B5EF4-FFF2-40B4-BE49-F238E27FC236}">
+                <a16:creationId xmlns:a16="http://schemas.microsoft.com/office/drawing/2014/main" id="{E815D6CC-086C-CEEA-B605-CC7A17A0C652}"/>
+              </a:ext>
+            </a:extLst>
+          </p:cNvPr>
+          <p:cNvPicPr>
+            <a:picLocks noChangeAspect="1"/>
+          </p:cNvPicPr>
+          <p:nvPr/>
+        </p:nvPicPr>
+        <p:blipFill>
+          <a:blip r:embed="rId4"/>
+          <a:stretch>
+            <a:fillRect/>
+          </a:stretch>
+        </p:blipFill>
+        <p:spPr>
+          <a:xfrm>
+            <a:off x="119268" y="863897"/>
+            <a:ext cx="1374374" cy="2071274"/>
+          </a:xfrm>
+          <a:prstGeom prst="rect">
+            <a:avLst/>
+          </a:prstGeom>
+          <a:ln>
+            <a:noFill/>
+          </a:ln>
+          <a:effectLst>
+            <a:outerShdw blurRad="292100" dist="139700" dir="2700000" algn="tl" rotWithShape="0">
+              <a:srgbClr val="333333">
+                <a:alpha val="65000"/>
+              </a:srgbClr>
+            </a:outerShdw>
+          </a:effectLst>
+        </p:spPr>
+      </p:pic>
+      <p:sp>
+        <p:nvSpPr>
+          <p:cNvPr id="9" name="Subtitle 5">
+            <a:extLst>
+              <a:ext uri="{FF2B5EF4-FFF2-40B4-BE49-F238E27FC236}">
+                <a16:creationId xmlns:a16="http://schemas.microsoft.com/office/drawing/2014/main" id="{B98C3EDB-7ABC-5858-0198-A6F89107DC04}"/>
+              </a:ext>
+            </a:extLst>
+          </p:cNvPr>
+          <p:cNvSpPr txBox="1">
+            <a:spLocks/>
+          </p:cNvSpPr>
+          <p:nvPr/>
+        </p:nvSpPr>
+        <p:spPr>
+          <a:xfrm>
+            <a:off x="2747347" y="6471564"/>
+            <a:ext cx="7704856" cy="367591"/>
+          </a:xfrm>
+          <a:prstGeom prst="rect">
+            <a:avLst/>
+          </a:prstGeom>
+        </p:spPr>
+        <p:txBody>
+          <a:bodyPr vert="horz" lIns="91440" tIns="45720" rIns="91440" bIns="45720" rtlCol="0">
+            <a:normAutofit lnSpcReduction="10000"/>
+          </a:bodyPr>
+          <a:lstStyle>
+            <a:lvl1pPr marL="0" indent="0" algn="l" defTabSz="914400" rtl="0" eaLnBrk="1" latinLnBrk="0" hangingPunct="1">
+              <a:lnSpc>
+                <a:spcPct val="90000"/>
+              </a:lnSpc>
+              <a:spcBef>
+                <a:spcPts val="0"/>
+              </a:spcBef>
+              <a:buSzPct val="80000"/>
+              <a:buFont typeface="Wingdings" panose="05000000000000000000" pitchFamily="2" charset="2"/>
+              <a:buNone/>
+              <a:defRPr sz="2400" kern="1200">
+                <a:solidFill>
+                  <a:schemeClr val="accent2"/>
+                </a:solidFill>
+                <a:latin typeface="+mn-lt"/>
+                <a:ea typeface="+mn-ea"/>
+                <a:cs typeface="+mn-cs"/>
+              </a:defRPr>
+            </a:lvl1pPr>
+            <a:lvl2pPr marL="457200" indent="0" algn="ctr" defTabSz="914400" rtl="0" eaLnBrk="1" latinLnBrk="0" hangingPunct="1">
+              <a:lnSpc>
+                <a:spcPct val="90000"/>
+              </a:lnSpc>
+              <a:spcBef>
+                <a:spcPts val="1000"/>
+              </a:spcBef>
+              <a:buSzPct val="80000"/>
+              <a:buFont typeface="Wingdings" panose="05000000000000000000" pitchFamily="2" charset="2"/>
+              <a:buNone/>
+              <a:defRPr sz="2000" kern="1200">
+                <a:solidFill>
+                  <a:schemeClr val="tx1"/>
+                </a:solidFill>
+                <a:latin typeface="+mn-lt"/>
+                <a:ea typeface="+mn-ea"/>
+                <a:cs typeface="+mn-cs"/>
+              </a:defRPr>
+            </a:lvl2pPr>
+            <a:lvl3pPr marL="914400" indent="0" algn="ctr" defTabSz="914400" rtl="0" eaLnBrk="1" latinLnBrk="0" hangingPunct="1">
+              <a:lnSpc>
+                <a:spcPct val="90000"/>
+              </a:lnSpc>
+              <a:spcBef>
+                <a:spcPts val="800"/>
+              </a:spcBef>
+              <a:buSzPct val="80000"/>
+              <a:buFont typeface="Wingdings" panose="05000000000000000000" pitchFamily="2" charset="2"/>
+              <a:buNone/>
+              <a:defRPr sz="1800" kern="1200">
+                <a:solidFill>
+                  <a:schemeClr val="tx1"/>
+                </a:solidFill>
+                <a:latin typeface="+mn-lt"/>
+                <a:ea typeface="+mn-ea"/>
+                <a:cs typeface="+mn-cs"/>
+              </a:defRPr>
+            </a:lvl3pPr>
+            <a:lvl4pPr marL="1371600" indent="0" algn="ctr" defTabSz="914400" rtl="0" eaLnBrk="1" latinLnBrk="0" hangingPunct="1">
+              <a:lnSpc>
+                <a:spcPct val="90000"/>
+              </a:lnSpc>
+              <a:spcBef>
+                <a:spcPts val="800"/>
+              </a:spcBef>
+              <a:buSzPct val="80000"/>
+              <a:buFont typeface="Wingdings" panose="05000000000000000000" pitchFamily="2" charset="2"/>
+              <a:buNone/>
+              <a:defRPr sz="1600" kern="1200">
+                <a:solidFill>
+                  <a:schemeClr val="tx1"/>
+                </a:solidFill>
+                <a:latin typeface="+mn-lt"/>
+                <a:ea typeface="+mn-ea"/>
+                <a:cs typeface="+mn-cs"/>
+              </a:defRPr>
+            </a:lvl4pPr>
+            <a:lvl5pPr marL="1828800" indent="0" algn="ctr" defTabSz="914400" rtl="0" eaLnBrk="1" latinLnBrk="0" hangingPunct="1">
+              <a:lnSpc>
+                <a:spcPct val="90000"/>
+              </a:lnSpc>
+              <a:spcBef>
+                <a:spcPts val="800"/>
+              </a:spcBef>
+              <a:buSzPct val="80000"/>
+              <a:buFont typeface="Wingdings" panose="05000000000000000000" pitchFamily="2" charset="2"/>
+              <a:buNone/>
+              <a:defRPr sz="1600" kern="1200">
+                <a:solidFill>
+                  <a:schemeClr val="tx1"/>
+                </a:solidFill>
+                <a:latin typeface="+mn-lt"/>
+                <a:ea typeface="+mn-ea"/>
+                <a:cs typeface="+mn-cs"/>
+              </a:defRPr>
+            </a:lvl5pPr>
+            <a:lvl6pPr marL="2286000" indent="0" algn="ctr" defTabSz="914400" rtl="0" eaLnBrk="1" latinLnBrk="0" hangingPunct="1">
+              <a:lnSpc>
+                <a:spcPct val="90000"/>
+              </a:lnSpc>
+              <a:spcBef>
+                <a:spcPts val="800"/>
+              </a:spcBef>
+              <a:buSzPct val="80000"/>
+              <a:buFont typeface="Wingdings" panose="05000000000000000000" pitchFamily="2" charset="2"/>
+              <a:buNone/>
+              <a:defRPr sz="1600" kern="1200">
+                <a:solidFill>
+                  <a:schemeClr val="tx1"/>
+                </a:solidFill>
+                <a:latin typeface="+mn-lt"/>
+                <a:ea typeface="+mn-ea"/>
+                <a:cs typeface="+mn-cs"/>
+              </a:defRPr>
+            </a:lvl6pPr>
+            <a:lvl7pPr marL="2743200" indent="0" algn="ctr" defTabSz="914400" rtl="0" eaLnBrk="1" latinLnBrk="0" hangingPunct="1">
+              <a:lnSpc>
+                <a:spcPct val="90000"/>
+              </a:lnSpc>
+              <a:spcBef>
+                <a:spcPts val="800"/>
+              </a:spcBef>
+              <a:buSzPct val="80000"/>
+              <a:buFont typeface="Wingdings" panose="05000000000000000000" pitchFamily="2" charset="2"/>
+              <a:buNone/>
+              <a:defRPr sz="1600" kern="1200">
+                <a:solidFill>
+                  <a:schemeClr val="tx1"/>
+                </a:solidFill>
+                <a:latin typeface="+mn-lt"/>
+                <a:ea typeface="+mn-ea"/>
+                <a:cs typeface="+mn-cs"/>
+              </a:defRPr>
+            </a:lvl7pPr>
+            <a:lvl8pPr marL="3200400" indent="0" algn="ctr" defTabSz="914400" rtl="0" eaLnBrk="1" latinLnBrk="0" hangingPunct="1">
+              <a:lnSpc>
+                <a:spcPct val="90000"/>
+              </a:lnSpc>
+              <a:spcBef>
+                <a:spcPts val="800"/>
+              </a:spcBef>
+              <a:buSzPct val="80000"/>
+              <a:buFont typeface="Wingdings" panose="05000000000000000000" pitchFamily="2" charset="2"/>
+              <a:buNone/>
+              <a:defRPr sz="1600" kern="1200">
+                <a:solidFill>
+                  <a:schemeClr val="tx1"/>
+                </a:solidFill>
+                <a:latin typeface="+mn-lt"/>
+                <a:ea typeface="+mn-ea"/>
+                <a:cs typeface="+mn-cs"/>
+              </a:defRPr>
+            </a:lvl8pPr>
+            <a:lvl9pPr marL="3657600" indent="0" algn="ctr" defTabSz="914400" rtl="0" eaLnBrk="1" latinLnBrk="0" hangingPunct="1">
+              <a:lnSpc>
+                <a:spcPct val="90000"/>
+              </a:lnSpc>
+              <a:spcBef>
+                <a:spcPts val="800"/>
+              </a:spcBef>
+              <a:buSzPct val="80000"/>
+              <a:buFont typeface="Wingdings" panose="05000000000000000000" pitchFamily="2" charset="2"/>
+              <a:buNone/>
+              <a:defRPr sz="1600" kern="1200">
+                <a:solidFill>
+                  <a:schemeClr val="tx1"/>
+                </a:solidFill>
+                <a:latin typeface="+mn-lt"/>
+                <a:ea typeface="+mn-ea"/>
+                <a:cs typeface="+mn-cs"/>
+              </a:defRPr>
+            </a:lvl9pPr>
+          </a:lstStyle>
+          <a:p>
+            <a:pPr>
+              <a:lnSpc>
+                <a:spcPct val="120000"/>
+              </a:lnSpc>
+            </a:pPr>
+            <a:r>
+              <a:rPr lang="en-US" sz="1800" b="1" dirty="0">
+                <a:solidFill>
+                  <a:schemeClr val="accent2">
+                    <a:lumMod val="75000"/>
+                  </a:schemeClr>
+                </a:solidFill>
+                <a:hlinkClick r:id="rId5">
+                  <a:extLst>
+                    <a:ext uri="{A12FA001-AC4F-418D-AE19-62706E023703}">
+                      <ahyp:hlinkClr xmlns:ahyp="http://schemas.microsoft.com/office/drawing/2018/hyperlinkcolor" val="tx"/>
+                    </a:ext>
+                  </a:extLst>
+                </a:hlinkClick>
+              </a:rPr>
+              <a:t>https://github.com/yasenstar/python/tree/master/GUI_Python</a:t>
+            </a:r>
+            <a:endParaRPr lang="en-US" sz="1800" b="1" dirty="0">
+              <a:solidFill>
+                <a:schemeClr val="accent2">
+                  <a:lumMod val="75000"/>
+                </a:schemeClr>
+              </a:solidFill>
+            </a:endParaRPr>
+          </a:p>
+        </p:txBody>
+      </p:sp>
+      <p:pic>
+        <p:nvPicPr>
+          <p:cNvPr id="5" name="Picture 4">
+            <a:extLst>
+              <a:ext uri="{FF2B5EF4-FFF2-40B4-BE49-F238E27FC236}">
+                <a16:creationId xmlns:a16="http://schemas.microsoft.com/office/drawing/2014/main" id="{5AD78A8E-F906-7EB1-C9C5-1EF6A26C0DEC}"/>
+              </a:ext>
+            </a:extLst>
+          </p:cNvPr>
+          <p:cNvPicPr>
+            <a:picLocks noChangeAspect="1"/>
+          </p:cNvPicPr>
+          <p:nvPr/>
+        </p:nvPicPr>
+        <p:blipFill>
+          <a:blip r:embed="rId6"/>
+          <a:stretch>
+            <a:fillRect/>
+          </a:stretch>
+        </p:blipFill>
+        <p:spPr>
+          <a:xfrm>
+            <a:off x="7530353" y="2724615"/>
+            <a:ext cx="4298856" cy="2170770"/>
+          </a:xfrm>
+          <a:prstGeom prst="rect">
+            <a:avLst/>
+          </a:prstGeom>
+          <a:ln>
+            <a:noFill/>
+          </a:ln>
+          <a:effectLst>
+            <a:outerShdw blurRad="292100" dist="139700" dir="2700000" algn="tl" rotWithShape="0">
+              <a:srgbClr val="333333">
+                <a:alpha val="65000"/>
+              </a:srgbClr>
+            </a:outerShdw>
+          </a:effectLst>
+        </p:spPr>
+      </p:pic>
+      <p:pic>
+        <p:nvPicPr>
+          <p:cNvPr id="14" name="Content Placeholder 13">
+            <a:extLst>
+              <a:ext uri="{FF2B5EF4-FFF2-40B4-BE49-F238E27FC236}">
+                <a16:creationId xmlns:a16="http://schemas.microsoft.com/office/drawing/2014/main" id="{90D27F31-9DC3-DF17-1E01-B7142E44E216}"/>
+              </a:ext>
+            </a:extLst>
+          </p:cNvPr>
+          <p:cNvPicPr>
+            <a:picLocks noGrp="1" noChangeAspect="1"/>
+          </p:cNvPicPr>
+          <p:nvPr>
+            <p:ph idx="1"/>
+          </p:nvPr>
+        </p:nvPicPr>
+        <p:blipFill>
+          <a:blip r:embed="rId7"/>
+          <a:stretch>
+            <a:fillRect/>
+          </a:stretch>
+        </p:blipFill>
+        <p:spPr>
+          <a:xfrm>
+            <a:off x="2208213" y="1752600"/>
+            <a:ext cx="5129560" cy="4114800"/>
+          </a:xfrm>
+          <a:prstGeom prst="rect">
+            <a:avLst/>
+          </a:prstGeom>
+          <a:ln>
+            <a:noFill/>
+          </a:ln>
+          <a:effectLst>
+            <a:outerShdw blurRad="292100" dist="139700" dir="2700000" algn="tl" rotWithShape="0">
+              <a:srgbClr val="333333">
+                <a:alpha val="65000"/>
+              </a:srgbClr>
+            </a:outerShdw>
+          </a:effectLst>
+        </p:spPr>
+      </p:pic>
+      <p:sp>
+        <p:nvSpPr>
+          <p:cNvPr id="15" name="Rectangle 14">
+            <a:extLst>
+              <a:ext uri="{FF2B5EF4-FFF2-40B4-BE49-F238E27FC236}">
+                <a16:creationId xmlns:a16="http://schemas.microsoft.com/office/drawing/2014/main" id="{C19623D4-D931-9248-AB1B-10E39BF1EAEA}"/>
+              </a:ext>
+            </a:extLst>
+          </p:cNvPr>
+          <p:cNvSpPr/>
+          <p:nvPr/>
+        </p:nvSpPr>
+        <p:spPr>
+          <a:xfrm>
+            <a:off x="6096000" y="4527175"/>
+            <a:ext cx="1241773" cy="663389"/>
+          </a:xfrm>
+          <a:prstGeom prst="rect">
+            <a:avLst/>
+          </a:prstGeom>
+          <a:noFill/>
+          <a:ln w="28575">
+            <a:solidFill>
+              <a:srgbClr val="FF0000"/>
+            </a:solidFill>
+          </a:ln>
+        </p:spPr>
+        <p:style>
+          <a:lnRef idx="2">
+            <a:schemeClr val="accent1">
+              <a:shade val="15000"/>
+            </a:schemeClr>
+          </a:lnRef>
+          <a:fillRef idx="1">
+            <a:schemeClr val="accent1"/>
+          </a:fillRef>
+          <a:effectRef idx="0">
+            <a:schemeClr val="accent1"/>
+          </a:effectRef>
+          <a:fontRef idx="minor">
+            <a:schemeClr val="lt1"/>
+          </a:fontRef>
+        </p:style>
+        <p:txBody>
+          <a:bodyPr rtlCol="0" anchor="ctr"/>
+          <a:lstStyle/>
+          <a:p>
+            <a:pPr algn="ctr"/>
+            <a:endParaRPr lang="en-US"/>
+          </a:p>
+        </p:txBody>
+      </p:sp>
+    </p:spTree>
+    <p:extLst>
+      <p:ext uri="{BB962C8B-B14F-4D97-AF65-F5344CB8AC3E}">
+        <p14:creationId xmlns:p14="http://schemas.microsoft.com/office/powerpoint/2010/main" val="334732980"/>
+      </p:ext>
+    </p:extLst>
+  </p:cSld>
+  <p:clrMapOvr>
+    <a:masterClrMapping/>
+  </p:clrMapOvr>
+</p:sld>
+</file>
+
+<file path=ppt/slides/slide15.xml><?xml version="1.0" encoding="utf-8"?>
 <p:sld xmlns:a="http://schemas.openxmlformats.org/drawingml/2006/main" xmlns:r="http://schemas.openxmlformats.org/officeDocument/2006/relationships" xmlns:p="http://schemas.openxmlformats.org/presentationml/2006/main">
   <p:cSld>
     <p:spTree>

--- a/GUI_Python/Create_GUI_with_Python.pptx
+++ b/GUI_Python/Create_GUI_with_Python.pptx
@@ -5,10 +5,10 @@
     <p:sldMasterId id="2147483648" r:id="rId1"/>
   </p:sldMasterIdLst>
   <p:notesMasterIdLst>
-    <p:notesMasterId r:id="rId17"/>
+    <p:notesMasterId r:id="rId18"/>
   </p:notesMasterIdLst>
   <p:handoutMasterIdLst>
-    <p:handoutMasterId r:id="rId18"/>
+    <p:handoutMasterId r:id="rId19"/>
   </p:handoutMasterIdLst>
   <p:sldIdLst>
     <p:sldId id="256" r:id="rId2"/>
@@ -25,7 +25,8 @@
     <p:sldId id="268" r:id="rId13"/>
     <p:sldId id="269" r:id="rId14"/>
     <p:sldId id="270" r:id="rId15"/>
-    <p:sldId id="260" r:id="rId16"/>
+    <p:sldId id="271" r:id="rId16"/>
+    <p:sldId id="260" r:id="rId17"/>
   </p:sldIdLst>
   <p:sldSz cx="12192000" cy="6858000"/>
   <p:notesSz cx="6858000" cy="9144000"/>
@@ -793,7 +794,7 @@
           <a:p>
             <a:fld id="{935E2820-AFE1-45FA-949E-17BDB534E1DC}" type="slidenum">
               <a:rPr lang="en-US" smtClean="0"/>
-              <a:t>15</a:t>
+              <a:t>16</a:t>
             </a:fld>
             <a:endParaRPr lang="en-US"/>
           </a:p>
@@ -7046,6 +7047,522 @@
 </file>
 
 <file path=ppt/slides/slide15.xml><?xml version="1.0" encoding="utf-8"?>
+<p:sld xmlns:a="http://schemas.openxmlformats.org/drawingml/2006/main" xmlns:r="http://schemas.openxmlformats.org/officeDocument/2006/relationships" xmlns:p="http://schemas.openxmlformats.org/presentationml/2006/main">
+  <p:cSld>
+    <p:spTree>
+      <p:nvGrpSpPr>
+        <p:cNvPr id="1" name=""/>
+        <p:cNvGrpSpPr/>
+        <p:nvPr/>
+      </p:nvGrpSpPr>
+      <p:grpSpPr>
+        <a:xfrm>
+          <a:off x="0" y="0"/>
+          <a:ext cx="0" cy="0"/>
+          <a:chOff x="0" y="0"/>
+          <a:chExt cx="0" cy="0"/>
+        </a:xfrm>
+      </p:grpSpPr>
+      <p:sp>
+        <p:nvSpPr>
+          <p:cNvPr id="2" name="Title 1">
+            <a:extLst>
+              <a:ext uri="{FF2B5EF4-FFF2-40B4-BE49-F238E27FC236}">
+                <a16:creationId xmlns:a16="http://schemas.microsoft.com/office/drawing/2014/main" id="{60BDC9E0-4942-655E-4150-9691AA9C765B}"/>
+              </a:ext>
+            </a:extLst>
+          </p:cNvPr>
+          <p:cNvSpPr>
+            <a:spLocks noGrp="1"/>
+          </p:cNvSpPr>
+          <p:nvPr>
+            <p:ph type="title"/>
+          </p:nvPr>
+        </p:nvSpPr>
+        <p:spPr>
+          <a:xfrm>
+            <a:off x="2208213" y="304799"/>
+            <a:ext cx="9372600" cy="1649507"/>
+          </a:xfrm>
+        </p:spPr>
+        <p:txBody>
+          <a:bodyPr anchor="ctr">
+            <a:normAutofit/>
+          </a:bodyPr>
+          <a:lstStyle/>
+          <a:p>
+            <a:r>
+              <a:rPr lang="en-US" sz="4000" dirty="0">
+                <a:latin typeface="HarmonyOS Sans Black" panose="00000A00000000000000" pitchFamily="2" charset="0"/>
+              </a:rPr>
+              <a:t>Create GUI with Python</a:t>
+            </a:r>
+            <a:br>
+              <a:rPr lang="en-US" dirty="0">
+                <a:latin typeface="HarmonyOS Sans" panose="00000500000000000000" pitchFamily="2" charset="0"/>
+              </a:rPr>
+            </a:br>
+            <a:r>
+              <a:rPr lang="en-US" sz="4900" dirty="0">
+                <a:latin typeface="HarmonyOS Sans" panose="00000500000000000000" pitchFamily="2" charset="0"/>
+              </a:rPr>
+              <a:t>014 Ch08 Flood It (add-on)</a:t>
+            </a:r>
+            <a:endParaRPr lang="en-US" dirty="0">
+              <a:latin typeface="HarmonyOS Sans" panose="00000500000000000000" pitchFamily="2" charset="0"/>
+            </a:endParaRPr>
+          </a:p>
+        </p:txBody>
+      </p:sp>
+      <p:pic>
+        <p:nvPicPr>
+          <p:cNvPr id="6" name="Picture 5">
+            <a:extLst>
+              <a:ext uri="{FF2B5EF4-FFF2-40B4-BE49-F238E27FC236}">
+                <a16:creationId xmlns:a16="http://schemas.microsoft.com/office/drawing/2014/main" id="{28525CF1-7DD8-7F22-12CB-14807078F0D7}"/>
+              </a:ext>
+            </a:extLst>
+          </p:cNvPr>
+          <p:cNvPicPr>
+            <a:picLocks noChangeAspect="1"/>
+          </p:cNvPicPr>
+          <p:nvPr/>
+        </p:nvPicPr>
+        <p:blipFill>
+          <a:blip r:embed="rId2"/>
+          <a:stretch>
+            <a:fillRect/>
+          </a:stretch>
+        </p:blipFill>
+        <p:spPr>
+          <a:xfrm>
+            <a:off x="119268" y="59634"/>
+            <a:ext cx="611187" cy="671551"/>
+          </a:xfrm>
+          <a:prstGeom prst="rect">
+            <a:avLst/>
+          </a:prstGeom>
+          <a:ln>
+            <a:noFill/>
+          </a:ln>
+          <a:effectLst>
+            <a:outerShdw blurRad="292100" dist="139700" dir="2700000" algn="tl" rotWithShape="0">
+              <a:srgbClr val="333333">
+                <a:alpha val="65000"/>
+              </a:srgbClr>
+            </a:outerShdw>
+          </a:effectLst>
+        </p:spPr>
+      </p:pic>
+      <p:pic>
+        <p:nvPicPr>
+          <p:cNvPr id="7" name="Picture 6">
+            <a:extLst>
+              <a:ext uri="{FF2B5EF4-FFF2-40B4-BE49-F238E27FC236}">
+                <a16:creationId xmlns:a16="http://schemas.microsoft.com/office/drawing/2014/main" id="{ACE06191-4455-E539-6992-17D338C10648}"/>
+              </a:ext>
+            </a:extLst>
+          </p:cNvPr>
+          <p:cNvPicPr>
+            <a:picLocks noChangeAspect="1"/>
+          </p:cNvPicPr>
+          <p:nvPr/>
+        </p:nvPicPr>
+        <p:blipFill>
+          <a:blip r:embed="rId3"/>
+          <a:stretch>
+            <a:fillRect/>
+          </a:stretch>
+        </p:blipFill>
+        <p:spPr>
+          <a:xfrm>
+            <a:off x="0" y="6471564"/>
+            <a:ext cx="1855694" cy="386435"/>
+          </a:xfrm>
+          <a:prstGeom prst="rect">
+            <a:avLst/>
+          </a:prstGeom>
+          <a:ln>
+            <a:noFill/>
+          </a:ln>
+          <a:effectLst>
+            <a:outerShdw blurRad="292100" dist="139700" dir="2700000" algn="tl" rotWithShape="0">
+              <a:srgbClr val="333333">
+                <a:alpha val="65000"/>
+              </a:srgbClr>
+            </a:outerShdw>
+          </a:effectLst>
+        </p:spPr>
+      </p:pic>
+      <p:pic>
+        <p:nvPicPr>
+          <p:cNvPr id="8" name="Picture 7">
+            <a:extLst>
+              <a:ext uri="{FF2B5EF4-FFF2-40B4-BE49-F238E27FC236}">
+                <a16:creationId xmlns:a16="http://schemas.microsoft.com/office/drawing/2014/main" id="{E815D6CC-086C-CEEA-B605-CC7A17A0C652}"/>
+              </a:ext>
+            </a:extLst>
+          </p:cNvPr>
+          <p:cNvPicPr>
+            <a:picLocks noChangeAspect="1"/>
+          </p:cNvPicPr>
+          <p:nvPr/>
+        </p:nvPicPr>
+        <p:blipFill>
+          <a:blip r:embed="rId4"/>
+          <a:stretch>
+            <a:fillRect/>
+          </a:stretch>
+        </p:blipFill>
+        <p:spPr>
+          <a:xfrm>
+            <a:off x="119268" y="863897"/>
+            <a:ext cx="1374374" cy="2071274"/>
+          </a:xfrm>
+          <a:prstGeom prst="rect">
+            <a:avLst/>
+          </a:prstGeom>
+          <a:ln>
+            <a:noFill/>
+          </a:ln>
+          <a:effectLst>
+            <a:outerShdw blurRad="292100" dist="139700" dir="2700000" algn="tl" rotWithShape="0">
+              <a:srgbClr val="333333">
+                <a:alpha val="65000"/>
+              </a:srgbClr>
+            </a:outerShdw>
+          </a:effectLst>
+        </p:spPr>
+      </p:pic>
+      <p:sp>
+        <p:nvSpPr>
+          <p:cNvPr id="9" name="Subtitle 5">
+            <a:extLst>
+              <a:ext uri="{FF2B5EF4-FFF2-40B4-BE49-F238E27FC236}">
+                <a16:creationId xmlns:a16="http://schemas.microsoft.com/office/drawing/2014/main" id="{B98C3EDB-7ABC-5858-0198-A6F89107DC04}"/>
+              </a:ext>
+            </a:extLst>
+          </p:cNvPr>
+          <p:cNvSpPr txBox="1">
+            <a:spLocks/>
+          </p:cNvSpPr>
+          <p:nvPr/>
+        </p:nvSpPr>
+        <p:spPr>
+          <a:xfrm>
+            <a:off x="2747347" y="6471564"/>
+            <a:ext cx="7704856" cy="367591"/>
+          </a:xfrm>
+          <a:prstGeom prst="rect">
+            <a:avLst/>
+          </a:prstGeom>
+        </p:spPr>
+        <p:txBody>
+          <a:bodyPr vert="horz" lIns="91440" tIns="45720" rIns="91440" bIns="45720" rtlCol="0">
+            <a:normAutofit lnSpcReduction="10000"/>
+          </a:bodyPr>
+          <a:lstStyle>
+            <a:lvl1pPr marL="0" indent="0" algn="l" defTabSz="914400" rtl="0" eaLnBrk="1" latinLnBrk="0" hangingPunct="1">
+              <a:lnSpc>
+                <a:spcPct val="90000"/>
+              </a:lnSpc>
+              <a:spcBef>
+                <a:spcPts val="0"/>
+              </a:spcBef>
+              <a:buSzPct val="80000"/>
+              <a:buFont typeface="Wingdings" panose="05000000000000000000" pitchFamily="2" charset="2"/>
+              <a:buNone/>
+              <a:defRPr sz="2400" kern="1200">
+                <a:solidFill>
+                  <a:schemeClr val="accent2"/>
+                </a:solidFill>
+                <a:latin typeface="+mn-lt"/>
+                <a:ea typeface="+mn-ea"/>
+                <a:cs typeface="+mn-cs"/>
+              </a:defRPr>
+            </a:lvl1pPr>
+            <a:lvl2pPr marL="457200" indent="0" algn="ctr" defTabSz="914400" rtl="0" eaLnBrk="1" latinLnBrk="0" hangingPunct="1">
+              <a:lnSpc>
+                <a:spcPct val="90000"/>
+              </a:lnSpc>
+              <a:spcBef>
+                <a:spcPts val="1000"/>
+              </a:spcBef>
+              <a:buSzPct val="80000"/>
+              <a:buFont typeface="Wingdings" panose="05000000000000000000" pitchFamily="2" charset="2"/>
+              <a:buNone/>
+              <a:defRPr sz="2000" kern="1200">
+                <a:solidFill>
+                  <a:schemeClr val="tx1"/>
+                </a:solidFill>
+                <a:latin typeface="+mn-lt"/>
+                <a:ea typeface="+mn-ea"/>
+                <a:cs typeface="+mn-cs"/>
+              </a:defRPr>
+            </a:lvl2pPr>
+            <a:lvl3pPr marL="914400" indent="0" algn="ctr" defTabSz="914400" rtl="0" eaLnBrk="1" latinLnBrk="0" hangingPunct="1">
+              <a:lnSpc>
+                <a:spcPct val="90000"/>
+              </a:lnSpc>
+              <a:spcBef>
+                <a:spcPts val="800"/>
+              </a:spcBef>
+              <a:buSzPct val="80000"/>
+              <a:buFont typeface="Wingdings" panose="05000000000000000000" pitchFamily="2" charset="2"/>
+              <a:buNone/>
+              <a:defRPr sz="1800" kern="1200">
+                <a:solidFill>
+                  <a:schemeClr val="tx1"/>
+                </a:solidFill>
+                <a:latin typeface="+mn-lt"/>
+                <a:ea typeface="+mn-ea"/>
+                <a:cs typeface="+mn-cs"/>
+              </a:defRPr>
+            </a:lvl3pPr>
+            <a:lvl4pPr marL="1371600" indent="0" algn="ctr" defTabSz="914400" rtl="0" eaLnBrk="1" latinLnBrk="0" hangingPunct="1">
+              <a:lnSpc>
+                <a:spcPct val="90000"/>
+              </a:lnSpc>
+              <a:spcBef>
+                <a:spcPts val="800"/>
+              </a:spcBef>
+              <a:buSzPct val="80000"/>
+              <a:buFont typeface="Wingdings" panose="05000000000000000000" pitchFamily="2" charset="2"/>
+              <a:buNone/>
+              <a:defRPr sz="1600" kern="1200">
+                <a:solidFill>
+                  <a:schemeClr val="tx1"/>
+                </a:solidFill>
+                <a:latin typeface="+mn-lt"/>
+                <a:ea typeface="+mn-ea"/>
+                <a:cs typeface="+mn-cs"/>
+              </a:defRPr>
+            </a:lvl4pPr>
+            <a:lvl5pPr marL="1828800" indent="0" algn="ctr" defTabSz="914400" rtl="0" eaLnBrk="1" latinLnBrk="0" hangingPunct="1">
+              <a:lnSpc>
+                <a:spcPct val="90000"/>
+              </a:lnSpc>
+              <a:spcBef>
+                <a:spcPts val="800"/>
+              </a:spcBef>
+              <a:buSzPct val="80000"/>
+              <a:buFont typeface="Wingdings" panose="05000000000000000000" pitchFamily="2" charset="2"/>
+              <a:buNone/>
+              <a:defRPr sz="1600" kern="1200">
+                <a:solidFill>
+                  <a:schemeClr val="tx1"/>
+                </a:solidFill>
+                <a:latin typeface="+mn-lt"/>
+                <a:ea typeface="+mn-ea"/>
+                <a:cs typeface="+mn-cs"/>
+              </a:defRPr>
+            </a:lvl5pPr>
+            <a:lvl6pPr marL="2286000" indent="0" algn="ctr" defTabSz="914400" rtl="0" eaLnBrk="1" latinLnBrk="0" hangingPunct="1">
+              <a:lnSpc>
+                <a:spcPct val="90000"/>
+              </a:lnSpc>
+              <a:spcBef>
+                <a:spcPts val="800"/>
+              </a:spcBef>
+              <a:buSzPct val="80000"/>
+              <a:buFont typeface="Wingdings" panose="05000000000000000000" pitchFamily="2" charset="2"/>
+              <a:buNone/>
+              <a:defRPr sz="1600" kern="1200">
+                <a:solidFill>
+                  <a:schemeClr val="tx1"/>
+                </a:solidFill>
+                <a:latin typeface="+mn-lt"/>
+                <a:ea typeface="+mn-ea"/>
+                <a:cs typeface="+mn-cs"/>
+              </a:defRPr>
+            </a:lvl6pPr>
+            <a:lvl7pPr marL="2743200" indent="0" algn="ctr" defTabSz="914400" rtl="0" eaLnBrk="1" latinLnBrk="0" hangingPunct="1">
+              <a:lnSpc>
+                <a:spcPct val="90000"/>
+              </a:lnSpc>
+              <a:spcBef>
+                <a:spcPts val="800"/>
+              </a:spcBef>
+              <a:buSzPct val="80000"/>
+              <a:buFont typeface="Wingdings" panose="05000000000000000000" pitchFamily="2" charset="2"/>
+              <a:buNone/>
+              <a:defRPr sz="1600" kern="1200">
+                <a:solidFill>
+                  <a:schemeClr val="tx1"/>
+                </a:solidFill>
+                <a:latin typeface="+mn-lt"/>
+                <a:ea typeface="+mn-ea"/>
+                <a:cs typeface="+mn-cs"/>
+              </a:defRPr>
+            </a:lvl7pPr>
+            <a:lvl8pPr marL="3200400" indent="0" algn="ctr" defTabSz="914400" rtl="0" eaLnBrk="1" latinLnBrk="0" hangingPunct="1">
+              <a:lnSpc>
+                <a:spcPct val="90000"/>
+              </a:lnSpc>
+              <a:spcBef>
+                <a:spcPts val="800"/>
+              </a:spcBef>
+              <a:buSzPct val="80000"/>
+              <a:buFont typeface="Wingdings" panose="05000000000000000000" pitchFamily="2" charset="2"/>
+              <a:buNone/>
+              <a:defRPr sz="1600" kern="1200">
+                <a:solidFill>
+                  <a:schemeClr val="tx1"/>
+                </a:solidFill>
+                <a:latin typeface="+mn-lt"/>
+                <a:ea typeface="+mn-ea"/>
+                <a:cs typeface="+mn-cs"/>
+              </a:defRPr>
+            </a:lvl8pPr>
+            <a:lvl9pPr marL="3657600" indent="0" algn="ctr" defTabSz="914400" rtl="0" eaLnBrk="1" latinLnBrk="0" hangingPunct="1">
+              <a:lnSpc>
+                <a:spcPct val="90000"/>
+              </a:lnSpc>
+              <a:spcBef>
+                <a:spcPts val="800"/>
+              </a:spcBef>
+              <a:buSzPct val="80000"/>
+              <a:buFont typeface="Wingdings" panose="05000000000000000000" pitchFamily="2" charset="2"/>
+              <a:buNone/>
+              <a:defRPr sz="1600" kern="1200">
+                <a:solidFill>
+                  <a:schemeClr val="tx1"/>
+                </a:solidFill>
+                <a:latin typeface="+mn-lt"/>
+                <a:ea typeface="+mn-ea"/>
+                <a:cs typeface="+mn-cs"/>
+              </a:defRPr>
+            </a:lvl9pPr>
+          </a:lstStyle>
+          <a:p>
+            <a:pPr>
+              <a:lnSpc>
+                <a:spcPct val="120000"/>
+              </a:lnSpc>
+            </a:pPr>
+            <a:r>
+              <a:rPr lang="en-US" sz="1800" b="1" dirty="0">
+                <a:solidFill>
+                  <a:schemeClr val="accent2">
+                    <a:lumMod val="75000"/>
+                  </a:schemeClr>
+                </a:solidFill>
+                <a:hlinkClick r:id="rId5">
+                  <a:extLst>
+                    <a:ext uri="{A12FA001-AC4F-418D-AE19-62706E023703}">
+                      <ahyp:hlinkClr xmlns:ahyp="http://schemas.microsoft.com/office/drawing/2018/hyperlinkcolor" val="tx"/>
+                    </a:ext>
+                  </a:extLst>
+                </a:hlinkClick>
+              </a:rPr>
+              <a:t>https://github.com/yasenstar/python/tree/master/GUI_Python</a:t>
+            </a:r>
+            <a:endParaRPr lang="en-US" sz="1800" b="1" dirty="0">
+              <a:solidFill>
+                <a:schemeClr val="accent2">
+                  <a:lumMod val="75000"/>
+                </a:schemeClr>
+              </a:solidFill>
+            </a:endParaRPr>
+          </a:p>
+        </p:txBody>
+      </p:sp>
+      <p:pic>
+        <p:nvPicPr>
+          <p:cNvPr id="5" name="Picture 4">
+            <a:extLst>
+              <a:ext uri="{FF2B5EF4-FFF2-40B4-BE49-F238E27FC236}">
+                <a16:creationId xmlns:a16="http://schemas.microsoft.com/office/drawing/2014/main" id="{5AD78A8E-F906-7EB1-C9C5-1EF6A26C0DEC}"/>
+              </a:ext>
+            </a:extLst>
+          </p:cNvPr>
+          <p:cNvPicPr>
+            <a:picLocks noChangeAspect="1"/>
+          </p:cNvPicPr>
+          <p:nvPr/>
+        </p:nvPicPr>
+        <p:blipFill>
+          <a:blip r:embed="rId6"/>
+          <a:stretch>
+            <a:fillRect/>
+          </a:stretch>
+        </p:blipFill>
+        <p:spPr>
+          <a:xfrm>
+            <a:off x="7530353" y="2724615"/>
+            <a:ext cx="4298856" cy="2170770"/>
+          </a:xfrm>
+          <a:prstGeom prst="rect">
+            <a:avLst/>
+          </a:prstGeom>
+          <a:ln>
+            <a:noFill/>
+          </a:ln>
+          <a:effectLst>
+            <a:outerShdw blurRad="292100" dist="139700" dir="2700000" algn="tl" rotWithShape="0">
+              <a:srgbClr val="333333">
+                <a:alpha val="65000"/>
+              </a:srgbClr>
+            </a:outerShdw>
+          </a:effectLst>
+        </p:spPr>
+      </p:pic>
+      <p:pic>
+        <p:nvPicPr>
+          <p:cNvPr id="11" name="Content Placeholder 10">
+            <a:extLst>
+              <a:ext uri="{FF2B5EF4-FFF2-40B4-BE49-F238E27FC236}">
+                <a16:creationId xmlns:a16="http://schemas.microsoft.com/office/drawing/2014/main" id="{944D2D7E-A470-09CB-B909-B0A54B4C8612}"/>
+              </a:ext>
+            </a:extLst>
+          </p:cNvPr>
+          <p:cNvPicPr>
+            <a:picLocks noGrp="1" noChangeAspect="1"/>
+          </p:cNvPicPr>
+          <p:nvPr>
+            <p:ph idx="1"/>
+          </p:nvPr>
+        </p:nvPicPr>
+        <p:blipFill>
+          <a:blip r:embed="rId7"/>
+          <a:stretch>
+            <a:fillRect/>
+          </a:stretch>
+        </p:blipFill>
+        <p:spPr>
+          <a:xfrm>
+            <a:off x="2512566" y="1752600"/>
+            <a:ext cx="4801494" cy="4114800"/>
+          </a:xfrm>
+          <a:prstGeom prst="rect">
+            <a:avLst/>
+          </a:prstGeom>
+          <a:ln>
+            <a:noFill/>
+          </a:ln>
+          <a:effectLst>
+            <a:outerShdw blurRad="292100" dist="139700" dir="2700000" algn="tl" rotWithShape="0">
+              <a:srgbClr val="333333">
+                <a:alpha val="65000"/>
+              </a:srgbClr>
+            </a:outerShdw>
+          </a:effectLst>
+        </p:spPr>
+      </p:pic>
+    </p:spTree>
+    <p:extLst>
+      <p:ext uri="{BB962C8B-B14F-4D97-AF65-F5344CB8AC3E}">
+        <p14:creationId xmlns:p14="http://schemas.microsoft.com/office/powerpoint/2010/main" val="987325967"/>
+      </p:ext>
+    </p:extLst>
+  </p:cSld>
+  <p:clrMapOvr>
+    <a:masterClrMapping/>
+  </p:clrMapOvr>
+</p:sld>
+</file>
+
+<file path=ppt/slides/slide16.xml><?xml version="1.0" encoding="utf-8"?>
 <p:sld xmlns:a="http://schemas.openxmlformats.org/drawingml/2006/main" xmlns:r="http://schemas.openxmlformats.org/officeDocument/2006/relationships" xmlns:p="http://schemas.openxmlformats.org/presentationml/2006/main">
   <p:cSld>
     <p:spTree>

--- a/GUI_Python/Create_GUI_with_Python.pptx
+++ b/GUI_Python/Create_GUI_with_Python.pptx
@@ -5,10 +5,10 @@
     <p:sldMasterId id="2147483648" r:id="rId1"/>
   </p:sldMasterIdLst>
   <p:notesMasterIdLst>
-    <p:notesMasterId r:id="rId18"/>
+    <p:notesMasterId r:id="rId19"/>
   </p:notesMasterIdLst>
   <p:handoutMasterIdLst>
-    <p:handoutMasterId r:id="rId19"/>
+    <p:handoutMasterId r:id="rId20"/>
   </p:handoutMasterIdLst>
   <p:sldIdLst>
     <p:sldId id="256" r:id="rId2"/>
@@ -26,7 +26,8 @@
     <p:sldId id="269" r:id="rId14"/>
     <p:sldId id="270" r:id="rId15"/>
     <p:sldId id="271" r:id="rId16"/>
-    <p:sldId id="260" r:id="rId17"/>
+    <p:sldId id="272" r:id="rId17"/>
+    <p:sldId id="260" r:id="rId18"/>
   </p:sldIdLst>
   <p:sldSz cx="12192000" cy="6858000"/>
   <p:notesSz cx="6858000" cy="9144000"/>
@@ -794,7 +795,7 @@
           <a:p>
             <a:fld id="{935E2820-AFE1-45FA-949E-17BDB534E1DC}" type="slidenum">
               <a:rPr lang="en-US" smtClean="0"/>
-              <a:t>16</a:t>
+              <a:t>17</a:t>
             </a:fld>
             <a:endParaRPr lang="en-US"/>
           </a:p>
@@ -7106,7 +7107,7 @@
               <a:rPr lang="en-US" sz="4900" dirty="0">
                 <a:latin typeface="HarmonyOS Sans" panose="00000500000000000000" pitchFamily="2" charset="0"/>
               </a:rPr>
-              <a:t>014 Ch08 Flood It (add-on)</a:t>
+              <a:t>015 Ch08 Flood It (add-on)</a:t>
             </a:r>
             <a:endParaRPr lang="en-US" dirty="0">
               <a:latin typeface="HarmonyOS Sans" panose="00000500000000000000" pitchFamily="2" charset="0"/>
@@ -7563,6 +7564,505 @@
 </file>
 
 <file path=ppt/slides/slide16.xml><?xml version="1.0" encoding="utf-8"?>
+<p:sld xmlns:a="http://schemas.openxmlformats.org/drawingml/2006/main" xmlns:r="http://schemas.openxmlformats.org/officeDocument/2006/relationships" xmlns:p="http://schemas.openxmlformats.org/presentationml/2006/main">
+  <p:cSld>
+    <p:spTree>
+      <p:nvGrpSpPr>
+        <p:cNvPr id="1" name=""/>
+        <p:cNvGrpSpPr/>
+        <p:nvPr/>
+      </p:nvGrpSpPr>
+      <p:grpSpPr>
+        <a:xfrm>
+          <a:off x="0" y="0"/>
+          <a:ext cx="0" cy="0"/>
+          <a:chOff x="0" y="0"/>
+          <a:chExt cx="0" cy="0"/>
+        </a:xfrm>
+      </p:grpSpPr>
+      <p:sp>
+        <p:nvSpPr>
+          <p:cNvPr id="2" name="Title 1">
+            <a:extLst>
+              <a:ext uri="{FF2B5EF4-FFF2-40B4-BE49-F238E27FC236}">
+                <a16:creationId xmlns:a16="http://schemas.microsoft.com/office/drawing/2014/main" id="{60BDC9E0-4942-655E-4150-9691AA9C765B}"/>
+              </a:ext>
+            </a:extLst>
+          </p:cNvPr>
+          <p:cNvSpPr>
+            <a:spLocks noGrp="1"/>
+          </p:cNvSpPr>
+          <p:nvPr>
+            <p:ph type="title"/>
+          </p:nvPr>
+        </p:nvSpPr>
+        <p:spPr>
+          <a:xfrm>
+            <a:off x="2208213" y="304799"/>
+            <a:ext cx="9372600" cy="1649507"/>
+          </a:xfrm>
+        </p:spPr>
+        <p:txBody>
+          <a:bodyPr anchor="ctr">
+            <a:normAutofit/>
+          </a:bodyPr>
+          <a:lstStyle/>
+          <a:p>
+            <a:r>
+              <a:rPr lang="en-US" sz="4000" dirty="0">
+                <a:latin typeface="HarmonyOS Sans Black" panose="00000A00000000000000" pitchFamily="2" charset="0"/>
+              </a:rPr>
+              <a:t>Create GUI with Python</a:t>
+            </a:r>
+            <a:br>
+              <a:rPr lang="en-US" dirty="0">
+                <a:latin typeface="HarmonyOS Sans" panose="00000500000000000000" pitchFamily="2" charset="0"/>
+              </a:rPr>
+            </a:br>
+            <a:r>
+              <a:rPr lang="en-US" sz="4900" dirty="0">
+                <a:latin typeface="HarmonyOS Sans" panose="00000500000000000000" pitchFamily="2" charset="0"/>
+              </a:rPr>
+              <a:t>016 Ch09 Emoji Match</a:t>
+            </a:r>
+            <a:endParaRPr lang="en-US" dirty="0">
+              <a:latin typeface="HarmonyOS Sans" panose="00000500000000000000" pitchFamily="2" charset="0"/>
+            </a:endParaRPr>
+          </a:p>
+        </p:txBody>
+      </p:sp>
+      <p:pic>
+        <p:nvPicPr>
+          <p:cNvPr id="6" name="Picture 5">
+            <a:extLst>
+              <a:ext uri="{FF2B5EF4-FFF2-40B4-BE49-F238E27FC236}">
+                <a16:creationId xmlns:a16="http://schemas.microsoft.com/office/drawing/2014/main" id="{28525CF1-7DD8-7F22-12CB-14807078F0D7}"/>
+              </a:ext>
+            </a:extLst>
+          </p:cNvPr>
+          <p:cNvPicPr>
+            <a:picLocks noChangeAspect="1"/>
+          </p:cNvPicPr>
+          <p:nvPr/>
+        </p:nvPicPr>
+        <p:blipFill>
+          <a:blip r:embed="rId2"/>
+          <a:stretch>
+            <a:fillRect/>
+          </a:stretch>
+        </p:blipFill>
+        <p:spPr>
+          <a:xfrm>
+            <a:off x="119268" y="59634"/>
+            <a:ext cx="611187" cy="671551"/>
+          </a:xfrm>
+          <a:prstGeom prst="rect">
+            <a:avLst/>
+          </a:prstGeom>
+          <a:ln>
+            <a:noFill/>
+          </a:ln>
+          <a:effectLst>
+            <a:outerShdw blurRad="292100" dist="139700" dir="2700000" algn="tl" rotWithShape="0">
+              <a:srgbClr val="333333">
+                <a:alpha val="65000"/>
+              </a:srgbClr>
+            </a:outerShdw>
+          </a:effectLst>
+        </p:spPr>
+      </p:pic>
+      <p:pic>
+        <p:nvPicPr>
+          <p:cNvPr id="7" name="Picture 6">
+            <a:extLst>
+              <a:ext uri="{FF2B5EF4-FFF2-40B4-BE49-F238E27FC236}">
+                <a16:creationId xmlns:a16="http://schemas.microsoft.com/office/drawing/2014/main" id="{ACE06191-4455-E539-6992-17D338C10648}"/>
+              </a:ext>
+            </a:extLst>
+          </p:cNvPr>
+          <p:cNvPicPr>
+            <a:picLocks noChangeAspect="1"/>
+          </p:cNvPicPr>
+          <p:nvPr/>
+        </p:nvPicPr>
+        <p:blipFill>
+          <a:blip r:embed="rId3"/>
+          <a:stretch>
+            <a:fillRect/>
+          </a:stretch>
+        </p:blipFill>
+        <p:spPr>
+          <a:xfrm>
+            <a:off x="0" y="6471564"/>
+            <a:ext cx="1855694" cy="386435"/>
+          </a:xfrm>
+          <a:prstGeom prst="rect">
+            <a:avLst/>
+          </a:prstGeom>
+          <a:ln>
+            <a:noFill/>
+          </a:ln>
+          <a:effectLst>
+            <a:outerShdw blurRad="292100" dist="139700" dir="2700000" algn="tl" rotWithShape="0">
+              <a:srgbClr val="333333">
+                <a:alpha val="65000"/>
+              </a:srgbClr>
+            </a:outerShdw>
+          </a:effectLst>
+        </p:spPr>
+      </p:pic>
+      <p:pic>
+        <p:nvPicPr>
+          <p:cNvPr id="8" name="Picture 7">
+            <a:extLst>
+              <a:ext uri="{FF2B5EF4-FFF2-40B4-BE49-F238E27FC236}">
+                <a16:creationId xmlns:a16="http://schemas.microsoft.com/office/drawing/2014/main" id="{E815D6CC-086C-CEEA-B605-CC7A17A0C652}"/>
+              </a:ext>
+            </a:extLst>
+          </p:cNvPr>
+          <p:cNvPicPr>
+            <a:picLocks noChangeAspect="1"/>
+          </p:cNvPicPr>
+          <p:nvPr/>
+        </p:nvPicPr>
+        <p:blipFill>
+          <a:blip r:embed="rId4"/>
+          <a:stretch>
+            <a:fillRect/>
+          </a:stretch>
+        </p:blipFill>
+        <p:spPr>
+          <a:xfrm>
+            <a:off x="119268" y="863897"/>
+            <a:ext cx="1374374" cy="2071274"/>
+          </a:xfrm>
+          <a:prstGeom prst="rect">
+            <a:avLst/>
+          </a:prstGeom>
+          <a:ln>
+            <a:noFill/>
+          </a:ln>
+          <a:effectLst>
+            <a:outerShdw blurRad="292100" dist="139700" dir="2700000" algn="tl" rotWithShape="0">
+              <a:srgbClr val="333333">
+                <a:alpha val="65000"/>
+              </a:srgbClr>
+            </a:outerShdw>
+          </a:effectLst>
+        </p:spPr>
+      </p:pic>
+      <p:sp>
+        <p:nvSpPr>
+          <p:cNvPr id="9" name="Subtitle 5">
+            <a:extLst>
+              <a:ext uri="{FF2B5EF4-FFF2-40B4-BE49-F238E27FC236}">
+                <a16:creationId xmlns:a16="http://schemas.microsoft.com/office/drawing/2014/main" id="{B98C3EDB-7ABC-5858-0198-A6F89107DC04}"/>
+              </a:ext>
+            </a:extLst>
+          </p:cNvPr>
+          <p:cNvSpPr txBox="1">
+            <a:spLocks/>
+          </p:cNvSpPr>
+          <p:nvPr/>
+        </p:nvSpPr>
+        <p:spPr>
+          <a:xfrm>
+            <a:off x="2747347" y="6471564"/>
+            <a:ext cx="7704856" cy="367591"/>
+          </a:xfrm>
+          <a:prstGeom prst="rect">
+            <a:avLst/>
+          </a:prstGeom>
+        </p:spPr>
+        <p:txBody>
+          <a:bodyPr vert="horz" lIns="91440" tIns="45720" rIns="91440" bIns="45720" rtlCol="0">
+            <a:normAutofit lnSpcReduction="10000"/>
+          </a:bodyPr>
+          <a:lstStyle>
+            <a:lvl1pPr marL="0" indent="0" algn="l" defTabSz="914400" rtl="0" eaLnBrk="1" latinLnBrk="0" hangingPunct="1">
+              <a:lnSpc>
+                <a:spcPct val="90000"/>
+              </a:lnSpc>
+              <a:spcBef>
+                <a:spcPts val="0"/>
+              </a:spcBef>
+              <a:buSzPct val="80000"/>
+              <a:buFont typeface="Wingdings" panose="05000000000000000000" pitchFamily="2" charset="2"/>
+              <a:buNone/>
+              <a:defRPr sz="2400" kern="1200">
+                <a:solidFill>
+                  <a:schemeClr val="accent2"/>
+                </a:solidFill>
+                <a:latin typeface="+mn-lt"/>
+                <a:ea typeface="+mn-ea"/>
+                <a:cs typeface="+mn-cs"/>
+              </a:defRPr>
+            </a:lvl1pPr>
+            <a:lvl2pPr marL="457200" indent="0" algn="ctr" defTabSz="914400" rtl="0" eaLnBrk="1" latinLnBrk="0" hangingPunct="1">
+              <a:lnSpc>
+                <a:spcPct val="90000"/>
+              </a:lnSpc>
+              <a:spcBef>
+                <a:spcPts val="1000"/>
+              </a:spcBef>
+              <a:buSzPct val="80000"/>
+              <a:buFont typeface="Wingdings" panose="05000000000000000000" pitchFamily="2" charset="2"/>
+              <a:buNone/>
+              <a:defRPr sz="2000" kern="1200">
+                <a:solidFill>
+                  <a:schemeClr val="tx1"/>
+                </a:solidFill>
+                <a:latin typeface="+mn-lt"/>
+                <a:ea typeface="+mn-ea"/>
+                <a:cs typeface="+mn-cs"/>
+              </a:defRPr>
+            </a:lvl2pPr>
+            <a:lvl3pPr marL="914400" indent="0" algn="ctr" defTabSz="914400" rtl="0" eaLnBrk="1" latinLnBrk="0" hangingPunct="1">
+              <a:lnSpc>
+                <a:spcPct val="90000"/>
+              </a:lnSpc>
+              <a:spcBef>
+                <a:spcPts val="800"/>
+              </a:spcBef>
+              <a:buSzPct val="80000"/>
+              <a:buFont typeface="Wingdings" panose="05000000000000000000" pitchFamily="2" charset="2"/>
+              <a:buNone/>
+              <a:defRPr sz="1800" kern="1200">
+                <a:solidFill>
+                  <a:schemeClr val="tx1"/>
+                </a:solidFill>
+                <a:latin typeface="+mn-lt"/>
+                <a:ea typeface="+mn-ea"/>
+                <a:cs typeface="+mn-cs"/>
+              </a:defRPr>
+            </a:lvl3pPr>
+            <a:lvl4pPr marL="1371600" indent="0" algn="ctr" defTabSz="914400" rtl="0" eaLnBrk="1" latinLnBrk="0" hangingPunct="1">
+              <a:lnSpc>
+                <a:spcPct val="90000"/>
+              </a:lnSpc>
+              <a:spcBef>
+                <a:spcPts val="800"/>
+              </a:spcBef>
+              <a:buSzPct val="80000"/>
+              <a:buFont typeface="Wingdings" panose="05000000000000000000" pitchFamily="2" charset="2"/>
+              <a:buNone/>
+              <a:defRPr sz="1600" kern="1200">
+                <a:solidFill>
+                  <a:schemeClr val="tx1"/>
+                </a:solidFill>
+                <a:latin typeface="+mn-lt"/>
+                <a:ea typeface="+mn-ea"/>
+                <a:cs typeface="+mn-cs"/>
+              </a:defRPr>
+            </a:lvl4pPr>
+            <a:lvl5pPr marL="1828800" indent="0" algn="ctr" defTabSz="914400" rtl="0" eaLnBrk="1" latinLnBrk="0" hangingPunct="1">
+              <a:lnSpc>
+                <a:spcPct val="90000"/>
+              </a:lnSpc>
+              <a:spcBef>
+                <a:spcPts val="800"/>
+              </a:spcBef>
+              <a:buSzPct val="80000"/>
+              <a:buFont typeface="Wingdings" panose="05000000000000000000" pitchFamily="2" charset="2"/>
+              <a:buNone/>
+              <a:defRPr sz="1600" kern="1200">
+                <a:solidFill>
+                  <a:schemeClr val="tx1"/>
+                </a:solidFill>
+                <a:latin typeface="+mn-lt"/>
+                <a:ea typeface="+mn-ea"/>
+                <a:cs typeface="+mn-cs"/>
+              </a:defRPr>
+            </a:lvl5pPr>
+            <a:lvl6pPr marL="2286000" indent="0" algn="ctr" defTabSz="914400" rtl="0" eaLnBrk="1" latinLnBrk="0" hangingPunct="1">
+              <a:lnSpc>
+                <a:spcPct val="90000"/>
+              </a:lnSpc>
+              <a:spcBef>
+                <a:spcPts val="800"/>
+              </a:spcBef>
+              <a:buSzPct val="80000"/>
+              <a:buFont typeface="Wingdings" panose="05000000000000000000" pitchFamily="2" charset="2"/>
+              <a:buNone/>
+              <a:defRPr sz="1600" kern="1200">
+                <a:solidFill>
+                  <a:schemeClr val="tx1"/>
+                </a:solidFill>
+                <a:latin typeface="+mn-lt"/>
+                <a:ea typeface="+mn-ea"/>
+                <a:cs typeface="+mn-cs"/>
+              </a:defRPr>
+            </a:lvl6pPr>
+            <a:lvl7pPr marL="2743200" indent="0" algn="ctr" defTabSz="914400" rtl="0" eaLnBrk="1" latinLnBrk="0" hangingPunct="1">
+              <a:lnSpc>
+                <a:spcPct val="90000"/>
+              </a:lnSpc>
+              <a:spcBef>
+                <a:spcPts val="800"/>
+              </a:spcBef>
+              <a:buSzPct val="80000"/>
+              <a:buFont typeface="Wingdings" panose="05000000000000000000" pitchFamily="2" charset="2"/>
+              <a:buNone/>
+              <a:defRPr sz="1600" kern="1200">
+                <a:solidFill>
+                  <a:schemeClr val="tx1"/>
+                </a:solidFill>
+                <a:latin typeface="+mn-lt"/>
+                <a:ea typeface="+mn-ea"/>
+                <a:cs typeface="+mn-cs"/>
+              </a:defRPr>
+            </a:lvl7pPr>
+            <a:lvl8pPr marL="3200400" indent="0" algn="ctr" defTabSz="914400" rtl="0" eaLnBrk="1" latinLnBrk="0" hangingPunct="1">
+              <a:lnSpc>
+                <a:spcPct val="90000"/>
+              </a:lnSpc>
+              <a:spcBef>
+                <a:spcPts val="800"/>
+              </a:spcBef>
+              <a:buSzPct val="80000"/>
+              <a:buFont typeface="Wingdings" panose="05000000000000000000" pitchFamily="2" charset="2"/>
+              <a:buNone/>
+              <a:defRPr sz="1600" kern="1200">
+                <a:solidFill>
+                  <a:schemeClr val="tx1"/>
+                </a:solidFill>
+                <a:latin typeface="+mn-lt"/>
+                <a:ea typeface="+mn-ea"/>
+                <a:cs typeface="+mn-cs"/>
+              </a:defRPr>
+            </a:lvl8pPr>
+            <a:lvl9pPr marL="3657600" indent="0" algn="ctr" defTabSz="914400" rtl="0" eaLnBrk="1" latinLnBrk="0" hangingPunct="1">
+              <a:lnSpc>
+                <a:spcPct val="90000"/>
+              </a:lnSpc>
+              <a:spcBef>
+                <a:spcPts val="800"/>
+              </a:spcBef>
+              <a:buSzPct val="80000"/>
+              <a:buFont typeface="Wingdings" panose="05000000000000000000" pitchFamily="2" charset="2"/>
+              <a:buNone/>
+              <a:defRPr sz="1600" kern="1200">
+                <a:solidFill>
+                  <a:schemeClr val="tx1"/>
+                </a:solidFill>
+                <a:latin typeface="+mn-lt"/>
+                <a:ea typeface="+mn-ea"/>
+                <a:cs typeface="+mn-cs"/>
+              </a:defRPr>
+            </a:lvl9pPr>
+          </a:lstStyle>
+          <a:p>
+            <a:pPr>
+              <a:lnSpc>
+                <a:spcPct val="120000"/>
+              </a:lnSpc>
+            </a:pPr>
+            <a:r>
+              <a:rPr lang="en-US" sz="1800" b="1" dirty="0">
+                <a:solidFill>
+                  <a:schemeClr val="accent2">
+                    <a:lumMod val="75000"/>
+                  </a:schemeClr>
+                </a:solidFill>
+                <a:hlinkClick r:id="rId5">
+                  <a:extLst>
+                    <a:ext uri="{A12FA001-AC4F-418D-AE19-62706E023703}">
+                      <ahyp:hlinkClr xmlns:ahyp="http://schemas.microsoft.com/office/drawing/2018/hyperlinkcolor" val="tx"/>
+                    </a:ext>
+                  </a:extLst>
+                </a:hlinkClick>
+              </a:rPr>
+              <a:t>https://github.com/yasenstar/python/tree/master/GUI_Python</a:t>
+            </a:r>
+            <a:endParaRPr lang="en-US" sz="1800" b="1" dirty="0">
+              <a:solidFill>
+                <a:schemeClr val="accent2">
+                  <a:lumMod val="75000"/>
+                </a:schemeClr>
+              </a:solidFill>
+            </a:endParaRPr>
+          </a:p>
+        </p:txBody>
+      </p:sp>
+      <p:pic>
+        <p:nvPicPr>
+          <p:cNvPr id="4" name="Picture 3">
+            <a:extLst>
+              <a:ext uri="{FF2B5EF4-FFF2-40B4-BE49-F238E27FC236}">
+                <a16:creationId xmlns:a16="http://schemas.microsoft.com/office/drawing/2014/main" id="{92C42876-5D84-9444-1AA9-7956CC90F1E8}"/>
+              </a:ext>
+            </a:extLst>
+          </p:cNvPr>
+          <p:cNvPicPr>
+            <a:picLocks noChangeAspect="1"/>
+          </p:cNvPicPr>
+          <p:nvPr/>
+        </p:nvPicPr>
+        <p:blipFill>
+          <a:blip r:embed="rId6"/>
+          <a:stretch>
+            <a:fillRect/>
+          </a:stretch>
+        </p:blipFill>
+        <p:spPr>
+          <a:xfrm>
+            <a:off x="7801373" y="2635624"/>
+            <a:ext cx="3989456" cy="2024062"/>
+          </a:xfrm>
+          <a:prstGeom prst="rect">
+            <a:avLst/>
+          </a:prstGeom>
+          <a:ln>
+            <a:noFill/>
+          </a:ln>
+          <a:effectLst>
+            <a:outerShdw blurRad="292100" dist="139700" dir="2700000" algn="tl" rotWithShape="0">
+              <a:srgbClr val="333333">
+                <a:alpha val="65000"/>
+              </a:srgbClr>
+            </a:outerShdw>
+          </a:effectLst>
+        </p:spPr>
+      </p:pic>
+      <p:sp>
+        <p:nvSpPr>
+          <p:cNvPr id="12" name="Content Placeholder 11">
+            <a:extLst>
+              <a:ext uri="{FF2B5EF4-FFF2-40B4-BE49-F238E27FC236}">
+                <a16:creationId xmlns:a16="http://schemas.microsoft.com/office/drawing/2014/main" id="{EFD81142-B13F-8A55-9C50-53DBB587017B}"/>
+              </a:ext>
+            </a:extLst>
+          </p:cNvPr>
+          <p:cNvSpPr>
+            <a:spLocks noGrp="1"/>
+          </p:cNvSpPr>
+          <p:nvPr>
+            <p:ph idx="1"/>
+          </p:nvPr>
+        </p:nvSpPr>
+        <p:spPr/>
+        <p:txBody>
+          <a:bodyPr/>
+          <a:lstStyle/>
+          <a:p>
+            <a:endParaRPr lang="en-US"/>
+          </a:p>
+        </p:txBody>
+      </p:sp>
+    </p:spTree>
+    <p:extLst>
+      <p:ext uri="{BB962C8B-B14F-4D97-AF65-F5344CB8AC3E}">
+        <p14:creationId xmlns:p14="http://schemas.microsoft.com/office/powerpoint/2010/main" val="2157623215"/>
+      </p:ext>
+    </p:extLst>
+  </p:cSld>
+  <p:clrMapOvr>
+    <a:masterClrMapping/>
+  </p:clrMapOvr>
+</p:sld>
+</file>
+
+<file path=ppt/slides/slide17.xml><?xml version="1.0" encoding="utf-8"?>
 <p:sld xmlns:a="http://schemas.openxmlformats.org/drawingml/2006/main" xmlns:r="http://schemas.openxmlformats.org/officeDocument/2006/relationships" xmlns:p="http://schemas.openxmlformats.org/presentationml/2006/main">
   <p:cSld>
     <p:spTree>

--- a/GUI_Python/Create_GUI_with_Python.pptx
+++ b/GUI_Python/Create_GUI_with_Python.pptx
@@ -5,10 +5,10 @@
     <p:sldMasterId id="2147483648" r:id="rId1"/>
   </p:sldMasterIdLst>
   <p:notesMasterIdLst>
-    <p:notesMasterId r:id="rId19"/>
+    <p:notesMasterId r:id="rId24"/>
   </p:notesMasterIdLst>
   <p:handoutMasterIdLst>
-    <p:handoutMasterId r:id="rId20"/>
+    <p:handoutMasterId r:id="rId25"/>
   </p:handoutMasterIdLst>
   <p:sldIdLst>
     <p:sldId id="256" r:id="rId2"/>
@@ -27,7 +27,12 @@
     <p:sldId id="270" r:id="rId15"/>
     <p:sldId id="271" r:id="rId16"/>
     <p:sldId id="272" r:id="rId17"/>
-    <p:sldId id="260" r:id="rId18"/>
+    <p:sldId id="273" r:id="rId18"/>
+    <p:sldId id="274" r:id="rId19"/>
+    <p:sldId id="275" r:id="rId20"/>
+    <p:sldId id="276" r:id="rId21"/>
+    <p:sldId id="277" r:id="rId22"/>
+    <p:sldId id="260" r:id="rId23"/>
   </p:sldIdLst>
   <p:sldSz cx="12192000" cy="6858000"/>
   <p:notesSz cx="6858000" cy="9144000"/>
@@ -795,7 +800,7 @@
           <a:p>
             <a:fld id="{935E2820-AFE1-45FA-949E-17BDB534E1DC}" type="slidenum">
               <a:rPr lang="en-US" smtClean="0"/>
-              <a:t>17</a:t>
+              <a:t>22</a:t>
             </a:fld>
             <a:endParaRPr lang="en-US"/>
           </a:p>
@@ -7623,7 +7628,7 @@
               <a:rPr lang="en-US" sz="4900" dirty="0">
                 <a:latin typeface="HarmonyOS Sans" panose="00000500000000000000" pitchFamily="2" charset="0"/>
               </a:rPr>
-              <a:t>016 Ch09 Emoji Match</a:t>
+              <a:t>016 Ch09 Emoji Match (part 1)</a:t>
             </a:r>
             <a:endParaRPr lang="en-US" dirty="0">
               <a:latin typeface="HarmonyOS Sans" panose="00000500000000000000" pitchFamily="2" charset="0"/>
@@ -8024,31 +8029,48 @@
           </a:effectLst>
         </p:spPr>
       </p:pic>
-      <p:sp>
-        <p:nvSpPr>
-          <p:cNvPr id="12" name="Content Placeholder 11">
+      <p:pic>
+        <p:nvPicPr>
+          <p:cNvPr id="14" name="Content Placeholder 13">
             <a:extLst>
               <a:ext uri="{FF2B5EF4-FFF2-40B4-BE49-F238E27FC236}">
-                <a16:creationId xmlns:a16="http://schemas.microsoft.com/office/drawing/2014/main" id="{EFD81142-B13F-8A55-9C50-53DBB587017B}"/>
+                <a16:creationId xmlns:a16="http://schemas.microsoft.com/office/drawing/2014/main" id="{4649793A-C855-0143-D592-8170073D0CE7}"/>
               </a:ext>
             </a:extLst>
           </p:cNvPr>
-          <p:cNvSpPr>
-            <a:spLocks noGrp="1"/>
-          </p:cNvSpPr>
+          <p:cNvPicPr>
+            <a:picLocks noGrp="1" noChangeAspect="1"/>
+          </p:cNvPicPr>
           <p:nvPr>
             <p:ph idx="1"/>
           </p:nvPr>
-        </p:nvSpPr>
-        <p:spPr/>
-        <p:txBody>
-          <a:bodyPr/>
-          <a:lstStyle/>
-          <a:p>
-            <a:endParaRPr lang="en-US"/>
-          </a:p>
-        </p:txBody>
-      </p:sp>
+        </p:nvPicPr>
+        <p:blipFill>
+          <a:blip r:embed="rId7"/>
+          <a:stretch>
+            <a:fillRect/>
+          </a:stretch>
+        </p:blipFill>
+        <p:spPr>
+          <a:xfrm>
+            <a:off x="2294746" y="1797423"/>
+            <a:ext cx="5172854" cy="4299824"/>
+          </a:xfrm>
+          <a:prstGeom prst="rect">
+            <a:avLst/>
+          </a:prstGeom>
+          <a:ln>
+            <a:noFill/>
+          </a:ln>
+          <a:effectLst>
+            <a:outerShdw blurRad="292100" dist="139700" dir="2700000" algn="tl" rotWithShape="0">
+              <a:srgbClr val="333333">
+                <a:alpha val="65000"/>
+              </a:srgbClr>
+            </a:outerShdw>
+          </a:effectLst>
+        </p:spPr>
+      </p:pic>
     </p:spTree>
     <p:extLst>
       <p:ext uri="{BB962C8B-B14F-4D97-AF65-F5344CB8AC3E}">
@@ -8079,12 +8101,103 @@
           <a:chExt cx="0" cy="0"/>
         </a:xfrm>
       </p:grpSpPr>
+      <p:sp>
+        <p:nvSpPr>
+          <p:cNvPr id="2" name="Title 1">
+            <a:extLst>
+              <a:ext uri="{FF2B5EF4-FFF2-40B4-BE49-F238E27FC236}">
+                <a16:creationId xmlns:a16="http://schemas.microsoft.com/office/drawing/2014/main" id="{60BDC9E0-4942-655E-4150-9691AA9C765B}"/>
+              </a:ext>
+            </a:extLst>
+          </p:cNvPr>
+          <p:cNvSpPr>
+            <a:spLocks noGrp="1"/>
+          </p:cNvSpPr>
+          <p:nvPr>
+            <p:ph type="title"/>
+          </p:nvPr>
+        </p:nvSpPr>
+        <p:spPr>
+          <a:xfrm>
+            <a:off x="2208213" y="304799"/>
+            <a:ext cx="9372600" cy="1649507"/>
+          </a:xfrm>
+        </p:spPr>
+        <p:txBody>
+          <a:bodyPr anchor="ctr">
+            <a:normAutofit/>
+          </a:bodyPr>
+          <a:lstStyle/>
+          <a:p>
+            <a:r>
+              <a:rPr lang="en-US" sz="4000" dirty="0">
+                <a:latin typeface="HarmonyOS Sans Black" panose="00000A00000000000000" pitchFamily="2" charset="0"/>
+              </a:rPr>
+              <a:t>Create GUI with Python</a:t>
+            </a:r>
+            <a:br>
+              <a:rPr lang="en-US" dirty="0">
+                <a:latin typeface="HarmonyOS Sans" panose="00000500000000000000" pitchFamily="2" charset="0"/>
+              </a:rPr>
+            </a:br>
+            <a:r>
+              <a:rPr lang="en-US" sz="4900" dirty="0">
+                <a:latin typeface="HarmonyOS Sans" panose="00000500000000000000" pitchFamily="2" charset="0"/>
+              </a:rPr>
+              <a:t>017 Ch09 Emoji Match (part 2)</a:t>
+            </a:r>
+            <a:endParaRPr lang="en-US" dirty="0">
+              <a:latin typeface="HarmonyOS Sans" panose="00000500000000000000" pitchFamily="2" charset="0"/>
+            </a:endParaRPr>
+          </a:p>
+        </p:txBody>
+      </p:sp>
       <p:pic>
         <p:nvPicPr>
-          <p:cNvPr id="11" name="Picture 10">
+          <p:cNvPr id="6" name="Picture 5">
             <a:extLst>
               <a:ext uri="{FF2B5EF4-FFF2-40B4-BE49-F238E27FC236}">
-                <a16:creationId xmlns:a16="http://schemas.microsoft.com/office/drawing/2014/main" id="{BF4DE56A-A05C-7309-2D6F-330E857B24E5}"/>
+                <a16:creationId xmlns:a16="http://schemas.microsoft.com/office/drawing/2014/main" id="{28525CF1-7DD8-7F22-12CB-14807078F0D7}"/>
+              </a:ext>
+            </a:extLst>
+          </p:cNvPr>
+          <p:cNvPicPr>
+            <a:picLocks noChangeAspect="1"/>
+          </p:cNvPicPr>
+          <p:nvPr/>
+        </p:nvPicPr>
+        <p:blipFill>
+          <a:blip r:embed="rId2"/>
+          <a:stretch>
+            <a:fillRect/>
+          </a:stretch>
+        </p:blipFill>
+        <p:spPr>
+          <a:xfrm>
+            <a:off x="119268" y="59634"/>
+            <a:ext cx="611187" cy="671551"/>
+          </a:xfrm>
+          <a:prstGeom prst="rect">
+            <a:avLst/>
+          </a:prstGeom>
+          <a:ln>
+            <a:noFill/>
+          </a:ln>
+          <a:effectLst>
+            <a:outerShdw blurRad="292100" dist="139700" dir="2700000" algn="tl" rotWithShape="0">
+              <a:srgbClr val="333333">
+                <a:alpha val="65000"/>
+              </a:srgbClr>
+            </a:outerShdw>
+          </a:effectLst>
+        </p:spPr>
+      </p:pic>
+      <p:pic>
+        <p:nvPicPr>
+          <p:cNvPr id="7" name="Picture 6">
+            <a:extLst>
+              <a:ext uri="{FF2B5EF4-FFF2-40B4-BE49-F238E27FC236}">
+                <a16:creationId xmlns:a16="http://schemas.microsoft.com/office/drawing/2014/main" id="{ACE06191-4455-E539-6992-17D338C10648}"/>
               </a:ext>
             </a:extLst>
           </p:cNvPr>
@@ -8101,8 +8214,8 @@
         </p:blipFill>
         <p:spPr>
           <a:xfrm>
-            <a:off x="8088198" y="2149311"/>
-            <a:ext cx="840047" cy="923015"/>
+            <a:off x="0" y="6471564"/>
+            <a:ext cx="1855694" cy="386435"/>
           </a:xfrm>
           <a:prstGeom prst="rect">
             <a:avLst/>
@@ -8121,10 +8234,10 @@
       </p:pic>
       <p:pic>
         <p:nvPicPr>
-          <p:cNvPr id="14" name="Picture 13">
+          <p:cNvPr id="8" name="Picture 7">
             <a:extLst>
               <a:ext uri="{FF2B5EF4-FFF2-40B4-BE49-F238E27FC236}">
-                <a16:creationId xmlns:a16="http://schemas.microsoft.com/office/drawing/2014/main" id="{D3D28456-A684-E69E-6EE3-D2884B45CC44}"/>
+                <a16:creationId xmlns:a16="http://schemas.microsoft.com/office/drawing/2014/main" id="{E815D6CC-086C-CEEA-B605-CC7A17A0C652}"/>
               </a:ext>
             </a:extLst>
           </p:cNvPr>
@@ -8141,18 +8254,1375 @@
         </p:blipFill>
         <p:spPr>
           <a:xfrm>
-            <a:off x="3345680" y="1186304"/>
-            <a:ext cx="4124325" cy="3486150"/>
+            <a:off x="119268" y="863897"/>
+            <a:ext cx="1374374" cy="2071274"/>
           </a:xfrm>
           <a:prstGeom prst="rect">
             <a:avLst/>
           </a:prstGeom>
+          <a:ln>
+            <a:noFill/>
+          </a:ln>
+          <a:effectLst>
+            <a:outerShdw blurRad="292100" dist="139700" dir="2700000" algn="tl" rotWithShape="0">
+              <a:srgbClr val="333333">
+                <a:alpha val="65000"/>
+              </a:srgbClr>
+            </a:outerShdw>
+          </a:effectLst>
+        </p:spPr>
+      </p:pic>
+      <p:sp>
+        <p:nvSpPr>
+          <p:cNvPr id="9" name="Subtitle 5">
+            <a:extLst>
+              <a:ext uri="{FF2B5EF4-FFF2-40B4-BE49-F238E27FC236}">
+                <a16:creationId xmlns:a16="http://schemas.microsoft.com/office/drawing/2014/main" id="{B98C3EDB-7ABC-5858-0198-A6F89107DC04}"/>
+              </a:ext>
+            </a:extLst>
+          </p:cNvPr>
+          <p:cNvSpPr txBox="1">
+            <a:spLocks/>
+          </p:cNvSpPr>
+          <p:nvPr/>
+        </p:nvSpPr>
+        <p:spPr>
+          <a:xfrm>
+            <a:off x="2747347" y="6471564"/>
+            <a:ext cx="7704856" cy="367591"/>
+          </a:xfrm>
+          <a:prstGeom prst="rect">
+            <a:avLst/>
+          </a:prstGeom>
+        </p:spPr>
+        <p:txBody>
+          <a:bodyPr vert="horz" lIns="91440" tIns="45720" rIns="91440" bIns="45720" rtlCol="0">
+            <a:normAutofit lnSpcReduction="10000"/>
+          </a:bodyPr>
+          <a:lstStyle>
+            <a:lvl1pPr marL="0" indent="0" algn="l" defTabSz="914400" rtl="0" eaLnBrk="1" latinLnBrk="0" hangingPunct="1">
+              <a:lnSpc>
+                <a:spcPct val="90000"/>
+              </a:lnSpc>
+              <a:spcBef>
+                <a:spcPts val="0"/>
+              </a:spcBef>
+              <a:buSzPct val="80000"/>
+              <a:buFont typeface="Wingdings" panose="05000000000000000000" pitchFamily="2" charset="2"/>
+              <a:buNone/>
+              <a:defRPr sz="2400" kern="1200">
+                <a:solidFill>
+                  <a:schemeClr val="accent2"/>
+                </a:solidFill>
+                <a:latin typeface="+mn-lt"/>
+                <a:ea typeface="+mn-ea"/>
+                <a:cs typeface="+mn-cs"/>
+              </a:defRPr>
+            </a:lvl1pPr>
+            <a:lvl2pPr marL="457200" indent="0" algn="ctr" defTabSz="914400" rtl="0" eaLnBrk="1" latinLnBrk="0" hangingPunct="1">
+              <a:lnSpc>
+                <a:spcPct val="90000"/>
+              </a:lnSpc>
+              <a:spcBef>
+                <a:spcPts val="1000"/>
+              </a:spcBef>
+              <a:buSzPct val="80000"/>
+              <a:buFont typeface="Wingdings" panose="05000000000000000000" pitchFamily="2" charset="2"/>
+              <a:buNone/>
+              <a:defRPr sz="2000" kern="1200">
+                <a:solidFill>
+                  <a:schemeClr val="tx1"/>
+                </a:solidFill>
+                <a:latin typeface="+mn-lt"/>
+                <a:ea typeface="+mn-ea"/>
+                <a:cs typeface="+mn-cs"/>
+              </a:defRPr>
+            </a:lvl2pPr>
+            <a:lvl3pPr marL="914400" indent="0" algn="ctr" defTabSz="914400" rtl="0" eaLnBrk="1" latinLnBrk="0" hangingPunct="1">
+              <a:lnSpc>
+                <a:spcPct val="90000"/>
+              </a:lnSpc>
+              <a:spcBef>
+                <a:spcPts val="800"/>
+              </a:spcBef>
+              <a:buSzPct val="80000"/>
+              <a:buFont typeface="Wingdings" panose="05000000000000000000" pitchFamily="2" charset="2"/>
+              <a:buNone/>
+              <a:defRPr sz="1800" kern="1200">
+                <a:solidFill>
+                  <a:schemeClr val="tx1"/>
+                </a:solidFill>
+                <a:latin typeface="+mn-lt"/>
+                <a:ea typeface="+mn-ea"/>
+                <a:cs typeface="+mn-cs"/>
+              </a:defRPr>
+            </a:lvl3pPr>
+            <a:lvl4pPr marL="1371600" indent="0" algn="ctr" defTabSz="914400" rtl="0" eaLnBrk="1" latinLnBrk="0" hangingPunct="1">
+              <a:lnSpc>
+                <a:spcPct val="90000"/>
+              </a:lnSpc>
+              <a:spcBef>
+                <a:spcPts val="800"/>
+              </a:spcBef>
+              <a:buSzPct val="80000"/>
+              <a:buFont typeface="Wingdings" panose="05000000000000000000" pitchFamily="2" charset="2"/>
+              <a:buNone/>
+              <a:defRPr sz="1600" kern="1200">
+                <a:solidFill>
+                  <a:schemeClr val="tx1"/>
+                </a:solidFill>
+                <a:latin typeface="+mn-lt"/>
+                <a:ea typeface="+mn-ea"/>
+                <a:cs typeface="+mn-cs"/>
+              </a:defRPr>
+            </a:lvl4pPr>
+            <a:lvl5pPr marL="1828800" indent="0" algn="ctr" defTabSz="914400" rtl="0" eaLnBrk="1" latinLnBrk="0" hangingPunct="1">
+              <a:lnSpc>
+                <a:spcPct val="90000"/>
+              </a:lnSpc>
+              <a:spcBef>
+                <a:spcPts val="800"/>
+              </a:spcBef>
+              <a:buSzPct val="80000"/>
+              <a:buFont typeface="Wingdings" panose="05000000000000000000" pitchFamily="2" charset="2"/>
+              <a:buNone/>
+              <a:defRPr sz="1600" kern="1200">
+                <a:solidFill>
+                  <a:schemeClr val="tx1"/>
+                </a:solidFill>
+                <a:latin typeface="+mn-lt"/>
+                <a:ea typeface="+mn-ea"/>
+                <a:cs typeface="+mn-cs"/>
+              </a:defRPr>
+            </a:lvl5pPr>
+            <a:lvl6pPr marL="2286000" indent="0" algn="ctr" defTabSz="914400" rtl="0" eaLnBrk="1" latinLnBrk="0" hangingPunct="1">
+              <a:lnSpc>
+                <a:spcPct val="90000"/>
+              </a:lnSpc>
+              <a:spcBef>
+                <a:spcPts val="800"/>
+              </a:spcBef>
+              <a:buSzPct val="80000"/>
+              <a:buFont typeface="Wingdings" panose="05000000000000000000" pitchFamily="2" charset="2"/>
+              <a:buNone/>
+              <a:defRPr sz="1600" kern="1200">
+                <a:solidFill>
+                  <a:schemeClr val="tx1"/>
+                </a:solidFill>
+                <a:latin typeface="+mn-lt"/>
+                <a:ea typeface="+mn-ea"/>
+                <a:cs typeface="+mn-cs"/>
+              </a:defRPr>
+            </a:lvl6pPr>
+            <a:lvl7pPr marL="2743200" indent="0" algn="ctr" defTabSz="914400" rtl="0" eaLnBrk="1" latinLnBrk="0" hangingPunct="1">
+              <a:lnSpc>
+                <a:spcPct val="90000"/>
+              </a:lnSpc>
+              <a:spcBef>
+                <a:spcPts val="800"/>
+              </a:spcBef>
+              <a:buSzPct val="80000"/>
+              <a:buFont typeface="Wingdings" panose="05000000000000000000" pitchFamily="2" charset="2"/>
+              <a:buNone/>
+              <a:defRPr sz="1600" kern="1200">
+                <a:solidFill>
+                  <a:schemeClr val="tx1"/>
+                </a:solidFill>
+                <a:latin typeface="+mn-lt"/>
+                <a:ea typeface="+mn-ea"/>
+                <a:cs typeface="+mn-cs"/>
+              </a:defRPr>
+            </a:lvl7pPr>
+            <a:lvl8pPr marL="3200400" indent="0" algn="ctr" defTabSz="914400" rtl="0" eaLnBrk="1" latinLnBrk="0" hangingPunct="1">
+              <a:lnSpc>
+                <a:spcPct val="90000"/>
+              </a:lnSpc>
+              <a:spcBef>
+                <a:spcPts val="800"/>
+              </a:spcBef>
+              <a:buSzPct val="80000"/>
+              <a:buFont typeface="Wingdings" panose="05000000000000000000" pitchFamily="2" charset="2"/>
+              <a:buNone/>
+              <a:defRPr sz="1600" kern="1200">
+                <a:solidFill>
+                  <a:schemeClr val="tx1"/>
+                </a:solidFill>
+                <a:latin typeface="+mn-lt"/>
+                <a:ea typeface="+mn-ea"/>
+                <a:cs typeface="+mn-cs"/>
+              </a:defRPr>
+            </a:lvl8pPr>
+            <a:lvl9pPr marL="3657600" indent="0" algn="ctr" defTabSz="914400" rtl="0" eaLnBrk="1" latinLnBrk="0" hangingPunct="1">
+              <a:lnSpc>
+                <a:spcPct val="90000"/>
+              </a:lnSpc>
+              <a:spcBef>
+                <a:spcPts val="800"/>
+              </a:spcBef>
+              <a:buSzPct val="80000"/>
+              <a:buFont typeface="Wingdings" panose="05000000000000000000" pitchFamily="2" charset="2"/>
+              <a:buNone/>
+              <a:defRPr sz="1600" kern="1200">
+                <a:solidFill>
+                  <a:schemeClr val="tx1"/>
+                </a:solidFill>
+                <a:latin typeface="+mn-lt"/>
+                <a:ea typeface="+mn-ea"/>
+                <a:cs typeface="+mn-cs"/>
+              </a:defRPr>
+            </a:lvl9pPr>
+          </a:lstStyle>
+          <a:p>
+            <a:pPr>
+              <a:lnSpc>
+                <a:spcPct val="120000"/>
+              </a:lnSpc>
+            </a:pPr>
+            <a:r>
+              <a:rPr lang="en-US" sz="1800" b="1" dirty="0">
+                <a:solidFill>
+                  <a:schemeClr val="accent2">
+                    <a:lumMod val="75000"/>
+                  </a:schemeClr>
+                </a:solidFill>
+                <a:hlinkClick r:id="rId5">
+                  <a:extLst>
+                    <a:ext uri="{A12FA001-AC4F-418D-AE19-62706E023703}">
+                      <ahyp:hlinkClr xmlns:ahyp="http://schemas.microsoft.com/office/drawing/2018/hyperlinkcolor" val="tx"/>
+                    </a:ext>
+                  </a:extLst>
+                </a:hlinkClick>
+              </a:rPr>
+              <a:t>https://github.com/yasenstar/python/tree/master/GUI_Python</a:t>
+            </a:r>
+            <a:endParaRPr lang="en-US" sz="1800" b="1" dirty="0">
+              <a:solidFill>
+                <a:schemeClr val="accent2">
+                  <a:lumMod val="75000"/>
+                </a:schemeClr>
+              </a:solidFill>
+            </a:endParaRPr>
+          </a:p>
+        </p:txBody>
+      </p:sp>
+      <p:pic>
+        <p:nvPicPr>
+          <p:cNvPr id="4" name="Picture 3">
+            <a:extLst>
+              <a:ext uri="{FF2B5EF4-FFF2-40B4-BE49-F238E27FC236}">
+                <a16:creationId xmlns:a16="http://schemas.microsoft.com/office/drawing/2014/main" id="{92C42876-5D84-9444-1AA9-7956CC90F1E8}"/>
+              </a:ext>
+            </a:extLst>
+          </p:cNvPr>
+          <p:cNvPicPr>
+            <a:picLocks noChangeAspect="1"/>
+          </p:cNvPicPr>
+          <p:nvPr/>
+        </p:nvPicPr>
+        <p:blipFill>
+          <a:blip r:embed="rId6"/>
+          <a:stretch>
+            <a:fillRect/>
+          </a:stretch>
+        </p:blipFill>
+        <p:spPr>
+          <a:xfrm>
+            <a:off x="7801373" y="2635624"/>
+            <a:ext cx="3989456" cy="2024062"/>
+          </a:xfrm>
+          <a:prstGeom prst="rect">
+            <a:avLst/>
+          </a:prstGeom>
+          <a:ln>
+            <a:noFill/>
+          </a:ln>
+          <a:effectLst>
+            <a:outerShdw blurRad="292100" dist="139700" dir="2700000" algn="tl" rotWithShape="0">
+              <a:srgbClr val="333333">
+                <a:alpha val="65000"/>
+              </a:srgbClr>
+            </a:outerShdw>
+          </a:effectLst>
+        </p:spPr>
+      </p:pic>
+      <p:pic>
+        <p:nvPicPr>
+          <p:cNvPr id="11" name="Content Placeholder 10">
+            <a:extLst>
+              <a:ext uri="{FF2B5EF4-FFF2-40B4-BE49-F238E27FC236}">
+                <a16:creationId xmlns:a16="http://schemas.microsoft.com/office/drawing/2014/main" id="{9144FE84-8F61-3E95-DF9B-2DC5F171BE3C}"/>
+              </a:ext>
+            </a:extLst>
+          </p:cNvPr>
+          <p:cNvPicPr>
+            <a:picLocks noGrp="1" noChangeAspect="1"/>
+          </p:cNvPicPr>
+          <p:nvPr>
+            <p:ph idx="1"/>
+          </p:nvPr>
+        </p:nvPicPr>
+        <p:blipFill>
+          <a:blip r:embed="rId7"/>
+          <a:stretch>
+            <a:fillRect/>
+          </a:stretch>
+        </p:blipFill>
+        <p:spPr>
+          <a:xfrm>
+            <a:off x="2355646" y="1806388"/>
+            <a:ext cx="5088442" cy="4114800"/>
+          </a:xfrm>
+          <a:prstGeom prst="rect">
+            <a:avLst/>
+          </a:prstGeom>
+          <a:ln>
+            <a:noFill/>
+          </a:ln>
+          <a:effectLst>
+            <a:outerShdw blurRad="292100" dist="139700" dir="2700000" algn="tl" rotWithShape="0">
+              <a:srgbClr val="333333">
+                <a:alpha val="65000"/>
+              </a:srgbClr>
+            </a:outerShdw>
+          </a:effectLst>
         </p:spPr>
       </p:pic>
     </p:spTree>
     <p:extLst>
       <p:ext uri="{BB962C8B-B14F-4D97-AF65-F5344CB8AC3E}">
-        <p14:creationId xmlns:p14="http://schemas.microsoft.com/office/powerpoint/2010/main" val="1950194442"/>
+        <p14:creationId xmlns:p14="http://schemas.microsoft.com/office/powerpoint/2010/main" val="1475874587"/>
+      </p:ext>
+    </p:extLst>
+  </p:cSld>
+  <p:clrMapOvr>
+    <a:masterClrMapping/>
+  </p:clrMapOvr>
+</p:sld>
+</file>
+
+<file path=ppt/slides/slide18.xml><?xml version="1.0" encoding="utf-8"?>
+<p:sld xmlns:a="http://schemas.openxmlformats.org/drawingml/2006/main" xmlns:r="http://schemas.openxmlformats.org/officeDocument/2006/relationships" xmlns:p="http://schemas.openxmlformats.org/presentationml/2006/main">
+  <p:cSld>
+    <p:spTree>
+      <p:nvGrpSpPr>
+        <p:cNvPr id="1" name=""/>
+        <p:cNvGrpSpPr/>
+        <p:nvPr/>
+      </p:nvGrpSpPr>
+      <p:grpSpPr>
+        <a:xfrm>
+          <a:off x="0" y="0"/>
+          <a:ext cx="0" cy="0"/>
+          <a:chOff x="0" y="0"/>
+          <a:chExt cx="0" cy="0"/>
+        </a:xfrm>
+      </p:grpSpPr>
+      <p:sp>
+        <p:nvSpPr>
+          <p:cNvPr id="2" name="Title 1">
+            <a:extLst>
+              <a:ext uri="{FF2B5EF4-FFF2-40B4-BE49-F238E27FC236}">
+                <a16:creationId xmlns:a16="http://schemas.microsoft.com/office/drawing/2014/main" id="{60BDC9E0-4942-655E-4150-9691AA9C765B}"/>
+              </a:ext>
+            </a:extLst>
+          </p:cNvPr>
+          <p:cNvSpPr>
+            <a:spLocks noGrp="1"/>
+          </p:cNvSpPr>
+          <p:nvPr>
+            <p:ph type="title"/>
+          </p:nvPr>
+        </p:nvSpPr>
+        <p:spPr>
+          <a:xfrm>
+            <a:off x="2208213" y="304799"/>
+            <a:ext cx="9372600" cy="1649507"/>
+          </a:xfrm>
+        </p:spPr>
+        <p:txBody>
+          <a:bodyPr anchor="ctr">
+            <a:normAutofit/>
+          </a:bodyPr>
+          <a:lstStyle/>
+          <a:p>
+            <a:r>
+              <a:rPr lang="en-US" sz="4000" dirty="0">
+                <a:latin typeface="HarmonyOS Sans Black" panose="00000A00000000000000" pitchFamily="2" charset="0"/>
+              </a:rPr>
+              <a:t>Create GUI with Python</a:t>
+            </a:r>
+            <a:br>
+              <a:rPr lang="en-US" dirty="0">
+                <a:latin typeface="HarmonyOS Sans" panose="00000500000000000000" pitchFamily="2" charset="0"/>
+              </a:rPr>
+            </a:br>
+            <a:r>
+              <a:rPr lang="en-US" sz="4900" dirty="0">
+                <a:latin typeface="HarmonyOS Sans" panose="00000500000000000000" pitchFamily="2" charset="0"/>
+              </a:rPr>
+              <a:t>018 Ch10 Paint (part 1)</a:t>
+            </a:r>
+            <a:endParaRPr lang="en-US" dirty="0">
+              <a:latin typeface="HarmonyOS Sans" panose="00000500000000000000" pitchFamily="2" charset="0"/>
+            </a:endParaRPr>
+          </a:p>
+        </p:txBody>
+      </p:sp>
+      <p:pic>
+        <p:nvPicPr>
+          <p:cNvPr id="6" name="Picture 5">
+            <a:extLst>
+              <a:ext uri="{FF2B5EF4-FFF2-40B4-BE49-F238E27FC236}">
+                <a16:creationId xmlns:a16="http://schemas.microsoft.com/office/drawing/2014/main" id="{28525CF1-7DD8-7F22-12CB-14807078F0D7}"/>
+              </a:ext>
+            </a:extLst>
+          </p:cNvPr>
+          <p:cNvPicPr>
+            <a:picLocks noChangeAspect="1"/>
+          </p:cNvPicPr>
+          <p:nvPr/>
+        </p:nvPicPr>
+        <p:blipFill>
+          <a:blip r:embed="rId2"/>
+          <a:stretch>
+            <a:fillRect/>
+          </a:stretch>
+        </p:blipFill>
+        <p:spPr>
+          <a:xfrm>
+            <a:off x="119268" y="59634"/>
+            <a:ext cx="611187" cy="671551"/>
+          </a:xfrm>
+          <a:prstGeom prst="rect">
+            <a:avLst/>
+          </a:prstGeom>
+          <a:ln>
+            <a:noFill/>
+          </a:ln>
+          <a:effectLst>
+            <a:outerShdw blurRad="292100" dist="139700" dir="2700000" algn="tl" rotWithShape="0">
+              <a:srgbClr val="333333">
+                <a:alpha val="65000"/>
+              </a:srgbClr>
+            </a:outerShdw>
+          </a:effectLst>
+        </p:spPr>
+      </p:pic>
+      <p:pic>
+        <p:nvPicPr>
+          <p:cNvPr id="7" name="Picture 6">
+            <a:extLst>
+              <a:ext uri="{FF2B5EF4-FFF2-40B4-BE49-F238E27FC236}">
+                <a16:creationId xmlns:a16="http://schemas.microsoft.com/office/drawing/2014/main" id="{ACE06191-4455-E539-6992-17D338C10648}"/>
+              </a:ext>
+            </a:extLst>
+          </p:cNvPr>
+          <p:cNvPicPr>
+            <a:picLocks noChangeAspect="1"/>
+          </p:cNvPicPr>
+          <p:nvPr/>
+        </p:nvPicPr>
+        <p:blipFill>
+          <a:blip r:embed="rId3"/>
+          <a:stretch>
+            <a:fillRect/>
+          </a:stretch>
+        </p:blipFill>
+        <p:spPr>
+          <a:xfrm>
+            <a:off x="0" y="6471564"/>
+            <a:ext cx="1855694" cy="386435"/>
+          </a:xfrm>
+          <a:prstGeom prst="rect">
+            <a:avLst/>
+          </a:prstGeom>
+          <a:ln>
+            <a:noFill/>
+          </a:ln>
+          <a:effectLst>
+            <a:outerShdw blurRad="292100" dist="139700" dir="2700000" algn="tl" rotWithShape="0">
+              <a:srgbClr val="333333">
+                <a:alpha val="65000"/>
+              </a:srgbClr>
+            </a:outerShdw>
+          </a:effectLst>
+        </p:spPr>
+      </p:pic>
+      <p:pic>
+        <p:nvPicPr>
+          <p:cNvPr id="8" name="Picture 7">
+            <a:extLst>
+              <a:ext uri="{FF2B5EF4-FFF2-40B4-BE49-F238E27FC236}">
+                <a16:creationId xmlns:a16="http://schemas.microsoft.com/office/drawing/2014/main" id="{E815D6CC-086C-CEEA-B605-CC7A17A0C652}"/>
+              </a:ext>
+            </a:extLst>
+          </p:cNvPr>
+          <p:cNvPicPr>
+            <a:picLocks noChangeAspect="1"/>
+          </p:cNvPicPr>
+          <p:nvPr/>
+        </p:nvPicPr>
+        <p:blipFill>
+          <a:blip r:embed="rId4"/>
+          <a:stretch>
+            <a:fillRect/>
+          </a:stretch>
+        </p:blipFill>
+        <p:spPr>
+          <a:xfrm>
+            <a:off x="119268" y="863897"/>
+            <a:ext cx="1374374" cy="2071274"/>
+          </a:xfrm>
+          <a:prstGeom prst="rect">
+            <a:avLst/>
+          </a:prstGeom>
+          <a:ln>
+            <a:noFill/>
+          </a:ln>
+          <a:effectLst>
+            <a:outerShdw blurRad="292100" dist="139700" dir="2700000" algn="tl" rotWithShape="0">
+              <a:srgbClr val="333333">
+                <a:alpha val="65000"/>
+              </a:srgbClr>
+            </a:outerShdw>
+          </a:effectLst>
+        </p:spPr>
+      </p:pic>
+      <p:sp>
+        <p:nvSpPr>
+          <p:cNvPr id="9" name="Subtitle 5">
+            <a:extLst>
+              <a:ext uri="{FF2B5EF4-FFF2-40B4-BE49-F238E27FC236}">
+                <a16:creationId xmlns:a16="http://schemas.microsoft.com/office/drawing/2014/main" id="{B98C3EDB-7ABC-5858-0198-A6F89107DC04}"/>
+              </a:ext>
+            </a:extLst>
+          </p:cNvPr>
+          <p:cNvSpPr txBox="1">
+            <a:spLocks/>
+          </p:cNvSpPr>
+          <p:nvPr/>
+        </p:nvSpPr>
+        <p:spPr>
+          <a:xfrm>
+            <a:off x="2747347" y="6471564"/>
+            <a:ext cx="7704856" cy="367591"/>
+          </a:xfrm>
+          <a:prstGeom prst="rect">
+            <a:avLst/>
+          </a:prstGeom>
+        </p:spPr>
+        <p:txBody>
+          <a:bodyPr vert="horz" lIns="91440" tIns="45720" rIns="91440" bIns="45720" rtlCol="0">
+            <a:normAutofit lnSpcReduction="10000"/>
+          </a:bodyPr>
+          <a:lstStyle>
+            <a:lvl1pPr marL="0" indent="0" algn="l" defTabSz="914400" rtl="0" eaLnBrk="1" latinLnBrk="0" hangingPunct="1">
+              <a:lnSpc>
+                <a:spcPct val="90000"/>
+              </a:lnSpc>
+              <a:spcBef>
+                <a:spcPts val="0"/>
+              </a:spcBef>
+              <a:buSzPct val="80000"/>
+              <a:buFont typeface="Wingdings" panose="05000000000000000000" pitchFamily="2" charset="2"/>
+              <a:buNone/>
+              <a:defRPr sz="2400" kern="1200">
+                <a:solidFill>
+                  <a:schemeClr val="accent2"/>
+                </a:solidFill>
+                <a:latin typeface="+mn-lt"/>
+                <a:ea typeface="+mn-ea"/>
+                <a:cs typeface="+mn-cs"/>
+              </a:defRPr>
+            </a:lvl1pPr>
+            <a:lvl2pPr marL="457200" indent="0" algn="ctr" defTabSz="914400" rtl="0" eaLnBrk="1" latinLnBrk="0" hangingPunct="1">
+              <a:lnSpc>
+                <a:spcPct val="90000"/>
+              </a:lnSpc>
+              <a:spcBef>
+                <a:spcPts val="1000"/>
+              </a:spcBef>
+              <a:buSzPct val="80000"/>
+              <a:buFont typeface="Wingdings" panose="05000000000000000000" pitchFamily="2" charset="2"/>
+              <a:buNone/>
+              <a:defRPr sz="2000" kern="1200">
+                <a:solidFill>
+                  <a:schemeClr val="tx1"/>
+                </a:solidFill>
+                <a:latin typeface="+mn-lt"/>
+                <a:ea typeface="+mn-ea"/>
+                <a:cs typeface="+mn-cs"/>
+              </a:defRPr>
+            </a:lvl2pPr>
+            <a:lvl3pPr marL="914400" indent="0" algn="ctr" defTabSz="914400" rtl="0" eaLnBrk="1" latinLnBrk="0" hangingPunct="1">
+              <a:lnSpc>
+                <a:spcPct val="90000"/>
+              </a:lnSpc>
+              <a:spcBef>
+                <a:spcPts val="800"/>
+              </a:spcBef>
+              <a:buSzPct val="80000"/>
+              <a:buFont typeface="Wingdings" panose="05000000000000000000" pitchFamily="2" charset="2"/>
+              <a:buNone/>
+              <a:defRPr sz="1800" kern="1200">
+                <a:solidFill>
+                  <a:schemeClr val="tx1"/>
+                </a:solidFill>
+                <a:latin typeface="+mn-lt"/>
+                <a:ea typeface="+mn-ea"/>
+                <a:cs typeface="+mn-cs"/>
+              </a:defRPr>
+            </a:lvl3pPr>
+            <a:lvl4pPr marL="1371600" indent="0" algn="ctr" defTabSz="914400" rtl="0" eaLnBrk="1" latinLnBrk="0" hangingPunct="1">
+              <a:lnSpc>
+                <a:spcPct val="90000"/>
+              </a:lnSpc>
+              <a:spcBef>
+                <a:spcPts val="800"/>
+              </a:spcBef>
+              <a:buSzPct val="80000"/>
+              <a:buFont typeface="Wingdings" panose="05000000000000000000" pitchFamily="2" charset="2"/>
+              <a:buNone/>
+              <a:defRPr sz="1600" kern="1200">
+                <a:solidFill>
+                  <a:schemeClr val="tx1"/>
+                </a:solidFill>
+                <a:latin typeface="+mn-lt"/>
+                <a:ea typeface="+mn-ea"/>
+                <a:cs typeface="+mn-cs"/>
+              </a:defRPr>
+            </a:lvl4pPr>
+            <a:lvl5pPr marL="1828800" indent="0" algn="ctr" defTabSz="914400" rtl="0" eaLnBrk="1" latinLnBrk="0" hangingPunct="1">
+              <a:lnSpc>
+                <a:spcPct val="90000"/>
+              </a:lnSpc>
+              <a:spcBef>
+                <a:spcPts val="800"/>
+              </a:spcBef>
+              <a:buSzPct val="80000"/>
+              <a:buFont typeface="Wingdings" panose="05000000000000000000" pitchFamily="2" charset="2"/>
+              <a:buNone/>
+              <a:defRPr sz="1600" kern="1200">
+                <a:solidFill>
+                  <a:schemeClr val="tx1"/>
+                </a:solidFill>
+                <a:latin typeface="+mn-lt"/>
+                <a:ea typeface="+mn-ea"/>
+                <a:cs typeface="+mn-cs"/>
+              </a:defRPr>
+            </a:lvl5pPr>
+            <a:lvl6pPr marL="2286000" indent="0" algn="ctr" defTabSz="914400" rtl="0" eaLnBrk="1" latinLnBrk="0" hangingPunct="1">
+              <a:lnSpc>
+                <a:spcPct val="90000"/>
+              </a:lnSpc>
+              <a:spcBef>
+                <a:spcPts val="800"/>
+              </a:spcBef>
+              <a:buSzPct val="80000"/>
+              <a:buFont typeface="Wingdings" panose="05000000000000000000" pitchFamily="2" charset="2"/>
+              <a:buNone/>
+              <a:defRPr sz="1600" kern="1200">
+                <a:solidFill>
+                  <a:schemeClr val="tx1"/>
+                </a:solidFill>
+                <a:latin typeface="+mn-lt"/>
+                <a:ea typeface="+mn-ea"/>
+                <a:cs typeface="+mn-cs"/>
+              </a:defRPr>
+            </a:lvl6pPr>
+            <a:lvl7pPr marL="2743200" indent="0" algn="ctr" defTabSz="914400" rtl="0" eaLnBrk="1" latinLnBrk="0" hangingPunct="1">
+              <a:lnSpc>
+                <a:spcPct val="90000"/>
+              </a:lnSpc>
+              <a:spcBef>
+                <a:spcPts val="800"/>
+              </a:spcBef>
+              <a:buSzPct val="80000"/>
+              <a:buFont typeface="Wingdings" panose="05000000000000000000" pitchFamily="2" charset="2"/>
+              <a:buNone/>
+              <a:defRPr sz="1600" kern="1200">
+                <a:solidFill>
+                  <a:schemeClr val="tx1"/>
+                </a:solidFill>
+                <a:latin typeface="+mn-lt"/>
+                <a:ea typeface="+mn-ea"/>
+                <a:cs typeface="+mn-cs"/>
+              </a:defRPr>
+            </a:lvl7pPr>
+            <a:lvl8pPr marL="3200400" indent="0" algn="ctr" defTabSz="914400" rtl="0" eaLnBrk="1" latinLnBrk="0" hangingPunct="1">
+              <a:lnSpc>
+                <a:spcPct val="90000"/>
+              </a:lnSpc>
+              <a:spcBef>
+                <a:spcPts val="800"/>
+              </a:spcBef>
+              <a:buSzPct val="80000"/>
+              <a:buFont typeface="Wingdings" panose="05000000000000000000" pitchFamily="2" charset="2"/>
+              <a:buNone/>
+              <a:defRPr sz="1600" kern="1200">
+                <a:solidFill>
+                  <a:schemeClr val="tx1"/>
+                </a:solidFill>
+                <a:latin typeface="+mn-lt"/>
+                <a:ea typeface="+mn-ea"/>
+                <a:cs typeface="+mn-cs"/>
+              </a:defRPr>
+            </a:lvl8pPr>
+            <a:lvl9pPr marL="3657600" indent="0" algn="ctr" defTabSz="914400" rtl="0" eaLnBrk="1" latinLnBrk="0" hangingPunct="1">
+              <a:lnSpc>
+                <a:spcPct val="90000"/>
+              </a:lnSpc>
+              <a:spcBef>
+                <a:spcPts val="800"/>
+              </a:spcBef>
+              <a:buSzPct val="80000"/>
+              <a:buFont typeface="Wingdings" panose="05000000000000000000" pitchFamily="2" charset="2"/>
+              <a:buNone/>
+              <a:defRPr sz="1600" kern="1200">
+                <a:solidFill>
+                  <a:schemeClr val="tx1"/>
+                </a:solidFill>
+                <a:latin typeface="+mn-lt"/>
+                <a:ea typeface="+mn-ea"/>
+                <a:cs typeface="+mn-cs"/>
+              </a:defRPr>
+            </a:lvl9pPr>
+          </a:lstStyle>
+          <a:p>
+            <a:pPr>
+              <a:lnSpc>
+                <a:spcPct val="120000"/>
+              </a:lnSpc>
+            </a:pPr>
+            <a:r>
+              <a:rPr lang="en-US" sz="1800" b="1" dirty="0">
+                <a:solidFill>
+                  <a:schemeClr val="accent2">
+                    <a:lumMod val="75000"/>
+                  </a:schemeClr>
+                </a:solidFill>
+                <a:hlinkClick r:id="rId5">
+                  <a:extLst>
+                    <a:ext uri="{A12FA001-AC4F-418D-AE19-62706E023703}">
+                      <ahyp:hlinkClr xmlns:ahyp="http://schemas.microsoft.com/office/drawing/2018/hyperlinkcolor" val="tx"/>
+                    </a:ext>
+                  </a:extLst>
+                </a:hlinkClick>
+              </a:rPr>
+              <a:t>https://github.com/yasenstar/python/tree/master/GUI_Python</a:t>
+            </a:r>
+            <a:endParaRPr lang="en-US" sz="1800" b="1" dirty="0">
+              <a:solidFill>
+                <a:schemeClr val="accent2">
+                  <a:lumMod val="75000"/>
+                </a:schemeClr>
+              </a:solidFill>
+            </a:endParaRPr>
+          </a:p>
+        </p:txBody>
+      </p:sp>
+      <p:pic>
+        <p:nvPicPr>
+          <p:cNvPr id="14" name="Content Placeholder 13">
+            <a:extLst>
+              <a:ext uri="{FF2B5EF4-FFF2-40B4-BE49-F238E27FC236}">
+                <a16:creationId xmlns:a16="http://schemas.microsoft.com/office/drawing/2014/main" id="{D2991F17-C484-C613-80F5-D7D46C7C6841}"/>
+              </a:ext>
+            </a:extLst>
+          </p:cNvPr>
+          <p:cNvPicPr>
+            <a:picLocks noGrp="1" noChangeAspect="1"/>
+          </p:cNvPicPr>
+          <p:nvPr>
+            <p:ph idx="1"/>
+          </p:nvPr>
+        </p:nvPicPr>
+        <p:blipFill>
+          <a:blip r:embed="rId6"/>
+          <a:stretch>
+            <a:fillRect/>
+          </a:stretch>
+        </p:blipFill>
+        <p:spPr>
+          <a:xfrm>
+            <a:off x="2109121" y="1899534"/>
+            <a:ext cx="5339442" cy="4114800"/>
+          </a:xfrm>
+          <a:prstGeom prst="rect">
+            <a:avLst/>
+          </a:prstGeom>
+          <a:ln>
+            <a:noFill/>
+          </a:ln>
+          <a:effectLst>
+            <a:outerShdw blurRad="292100" dist="139700" dir="2700000" algn="tl" rotWithShape="0">
+              <a:srgbClr val="333333">
+                <a:alpha val="65000"/>
+              </a:srgbClr>
+            </a:outerShdw>
+          </a:effectLst>
+        </p:spPr>
+      </p:pic>
+      <p:pic>
+        <p:nvPicPr>
+          <p:cNvPr id="12" name="Picture 11">
+            <a:extLst>
+              <a:ext uri="{FF2B5EF4-FFF2-40B4-BE49-F238E27FC236}">
+                <a16:creationId xmlns:a16="http://schemas.microsoft.com/office/drawing/2014/main" id="{53DC5482-1D89-C939-C7A7-7968F2E68888}"/>
+              </a:ext>
+            </a:extLst>
+          </p:cNvPr>
+          <p:cNvPicPr>
+            <a:picLocks noChangeAspect="1"/>
+          </p:cNvPicPr>
+          <p:nvPr/>
+        </p:nvPicPr>
+        <p:blipFill>
+          <a:blip r:embed="rId7"/>
+          <a:stretch>
+            <a:fillRect/>
+          </a:stretch>
+        </p:blipFill>
+        <p:spPr>
+          <a:xfrm>
+            <a:off x="7633062" y="2841248"/>
+            <a:ext cx="4341263" cy="2231371"/>
+          </a:xfrm>
+          <a:prstGeom prst="rect">
+            <a:avLst/>
+          </a:prstGeom>
+          <a:ln>
+            <a:noFill/>
+          </a:ln>
+          <a:effectLst>
+            <a:outerShdw blurRad="292100" dist="139700" dir="2700000" algn="tl" rotWithShape="0">
+              <a:srgbClr val="333333">
+                <a:alpha val="65000"/>
+              </a:srgbClr>
+            </a:outerShdw>
+          </a:effectLst>
+        </p:spPr>
+      </p:pic>
+    </p:spTree>
+    <p:extLst>
+      <p:ext uri="{BB962C8B-B14F-4D97-AF65-F5344CB8AC3E}">
+        <p14:creationId xmlns:p14="http://schemas.microsoft.com/office/powerpoint/2010/main" val="2724297535"/>
+      </p:ext>
+    </p:extLst>
+  </p:cSld>
+  <p:clrMapOvr>
+    <a:masterClrMapping/>
+  </p:clrMapOvr>
+</p:sld>
+</file>
+
+<file path=ppt/slides/slide19.xml><?xml version="1.0" encoding="utf-8"?>
+<p:sld xmlns:a="http://schemas.openxmlformats.org/drawingml/2006/main" xmlns:r="http://schemas.openxmlformats.org/officeDocument/2006/relationships" xmlns:p="http://schemas.openxmlformats.org/presentationml/2006/main">
+  <p:cSld>
+    <p:spTree>
+      <p:nvGrpSpPr>
+        <p:cNvPr id="1" name=""/>
+        <p:cNvGrpSpPr/>
+        <p:nvPr/>
+      </p:nvGrpSpPr>
+      <p:grpSpPr>
+        <a:xfrm>
+          <a:off x="0" y="0"/>
+          <a:ext cx="0" cy="0"/>
+          <a:chOff x="0" y="0"/>
+          <a:chExt cx="0" cy="0"/>
+        </a:xfrm>
+      </p:grpSpPr>
+      <p:sp>
+        <p:nvSpPr>
+          <p:cNvPr id="2" name="Title 1">
+            <a:extLst>
+              <a:ext uri="{FF2B5EF4-FFF2-40B4-BE49-F238E27FC236}">
+                <a16:creationId xmlns:a16="http://schemas.microsoft.com/office/drawing/2014/main" id="{60BDC9E0-4942-655E-4150-9691AA9C765B}"/>
+              </a:ext>
+            </a:extLst>
+          </p:cNvPr>
+          <p:cNvSpPr>
+            <a:spLocks noGrp="1"/>
+          </p:cNvSpPr>
+          <p:nvPr>
+            <p:ph type="title"/>
+          </p:nvPr>
+        </p:nvSpPr>
+        <p:spPr>
+          <a:xfrm>
+            <a:off x="2208213" y="304799"/>
+            <a:ext cx="9372600" cy="1649507"/>
+          </a:xfrm>
+        </p:spPr>
+        <p:txBody>
+          <a:bodyPr anchor="ctr">
+            <a:normAutofit/>
+          </a:bodyPr>
+          <a:lstStyle/>
+          <a:p>
+            <a:r>
+              <a:rPr lang="en-US" sz="4000" dirty="0">
+                <a:latin typeface="HarmonyOS Sans Black" panose="00000A00000000000000" pitchFamily="2" charset="0"/>
+              </a:rPr>
+              <a:t>Create GUI with Python</a:t>
+            </a:r>
+            <a:br>
+              <a:rPr lang="en-US" dirty="0">
+                <a:latin typeface="HarmonyOS Sans" panose="00000500000000000000" pitchFamily="2" charset="0"/>
+              </a:rPr>
+            </a:br>
+            <a:r>
+              <a:rPr lang="en-US" sz="4900" dirty="0">
+                <a:latin typeface="HarmonyOS Sans" panose="00000500000000000000" pitchFamily="2" charset="0"/>
+              </a:rPr>
+              <a:t>019 Ch10 Paint (part 2)</a:t>
+            </a:r>
+            <a:endParaRPr lang="en-US" dirty="0">
+              <a:latin typeface="HarmonyOS Sans" panose="00000500000000000000" pitchFamily="2" charset="0"/>
+            </a:endParaRPr>
+          </a:p>
+        </p:txBody>
+      </p:sp>
+      <p:pic>
+        <p:nvPicPr>
+          <p:cNvPr id="6" name="Picture 5">
+            <a:extLst>
+              <a:ext uri="{FF2B5EF4-FFF2-40B4-BE49-F238E27FC236}">
+                <a16:creationId xmlns:a16="http://schemas.microsoft.com/office/drawing/2014/main" id="{28525CF1-7DD8-7F22-12CB-14807078F0D7}"/>
+              </a:ext>
+            </a:extLst>
+          </p:cNvPr>
+          <p:cNvPicPr>
+            <a:picLocks noChangeAspect="1"/>
+          </p:cNvPicPr>
+          <p:nvPr/>
+        </p:nvPicPr>
+        <p:blipFill>
+          <a:blip r:embed="rId2"/>
+          <a:stretch>
+            <a:fillRect/>
+          </a:stretch>
+        </p:blipFill>
+        <p:spPr>
+          <a:xfrm>
+            <a:off x="119268" y="59634"/>
+            <a:ext cx="611187" cy="671551"/>
+          </a:xfrm>
+          <a:prstGeom prst="rect">
+            <a:avLst/>
+          </a:prstGeom>
+          <a:ln>
+            <a:noFill/>
+          </a:ln>
+          <a:effectLst>
+            <a:outerShdw blurRad="292100" dist="139700" dir="2700000" algn="tl" rotWithShape="0">
+              <a:srgbClr val="333333">
+                <a:alpha val="65000"/>
+              </a:srgbClr>
+            </a:outerShdw>
+          </a:effectLst>
+        </p:spPr>
+      </p:pic>
+      <p:pic>
+        <p:nvPicPr>
+          <p:cNvPr id="7" name="Picture 6">
+            <a:extLst>
+              <a:ext uri="{FF2B5EF4-FFF2-40B4-BE49-F238E27FC236}">
+                <a16:creationId xmlns:a16="http://schemas.microsoft.com/office/drawing/2014/main" id="{ACE06191-4455-E539-6992-17D338C10648}"/>
+              </a:ext>
+            </a:extLst>
+          </p:cNvPr>
+          <p:cNvPicPr>
+            <a:picLocks noChangeAspect="1"/>
+          </p:cNvPicPr>
+          <p:nvPr/>
+        </p:nvPicPr>
+        <p:blipFill>
+          <a:blip r:embed="rId3"/>
+          <a:stretch>
+            <a:fillRect/>
+          </a:stretch>
+        </p:blipFill>
+        <p:spPr>
+          <a:xfrm>
+            <a:off x="0" y="6471564"/>
+            <a:ext cx="1855694" cy="386435"/>
+          </a:xfrm>
+          <a:prstGeom prst="rect">
+            <a:avLst/>
+          </a:prstGeom>
+          <a:ln>
+            <a:noFill/>
+          </a:ln>
+          <a:effectLst>
+            <a:outerShdw blurRad="292100" dist="139700" dir="2700000" algn="tl" rotWithShape="0">
+              <a:srgbClr val="333333">
+                <a:alpha val="65000"/>
+              </a:srgbClr>
+            </a:outerShdw>
+          </a:effectLst>
+        </p:spPr>
+      </p:pic>
+      <p:pic>
+        <p:nvPicPr>
+          <p:cNvPr id="8" name="Picture 7">
+            <a:extLst>
+              <a:ext uri="{FF2B5EF4-FFF2-40B4-BE49-F238E27FC236}">
+                <a16:creationId xmlns:a16="http://schemas.microsoft.com/office/drawing/2014/main" id="{E815D6CC-086C-CEEA-B605-CC7A17A0C652}"/>
+              </a:ext>
+            </a:extLst>
+          </p:cNvPr>
+          <p:cNvPicPr>
+            <a:picLocks noChangeAspect="1"/>
+          </p:cNvPicPr>
+          <p:nvPr/>
+        </p:nvPicPr>
+        <p:blipFill>
+          <a:blip r:embed="rId4"/>
+          <a:stretch>
+            <a:fillRect/>
+          </a:stretch>
+        </p:blipFill>
+        <p:spPr>
+          <a:xfrm>
+            <a:off x="119268" y="863897"/>
+            <a:ext cx="1374374" cy="2071274"/>
+          </a:xfrm>
+          <a:prstGeom prst="rect">
+            <a:avLst/>
+          </a:prstGeom>
+          <a:ln>
+            <a:noFill/>
+          </a:ln>
+          <a:effectLst>
+            <a:outerShdw blurRad="292100" dist="139700" dir="2700000" algn="tl" rotWithShape="0">
+              <a:srgbClr val="333333">
+                <a:alpha val="65000"/>
+              </a:srgbClr>
+            </a:outerShdw>
+          </a:effectLst>
+        </p:spPr>
+      </p:pic>
+      <p:sp>
+        <p:nvSpPr>
+          <p:cNvPr id="9" name="Subtitle 5">
+            <a:extLst>
+              <a:ext uri="{FF2B5EF4-FFF2-40B4-BE49-F238E27FC236}">
+                <a16:creationId xmlns:a16="http://schemas.microsoft.com/office/drawing/2014/main" id="{B98C3EDB-7ABC-5858-0198-A6F89107DC04}"/>
+              </a:ext>
+            </a:extLst>
+          </p:cNvPr>
+          <p:cNvSpPr txBox="1">
+            <a:spLocks/>
+          </p:cNvSpPr>
+          <p:nvPr/>
+        </p:nvSpPr>
+        <p:spPr>
+          <a:xfrm>
+            <a:off x="2747347" y="6471564"/>
+            <a:ext cx="7704856" cy="367591"/>
+          </a:xfrm>
+          <a:prstGeom prst="rect">
+            <a:avLst/>
+          </a:prstGeom>
+        </p:spPr>
+        <p:txBody>
+          <a:bodyPr vert="horz" lIns="91440" tIns="45720" rIns="91440" bIns="45720" rtlCol="0">
+            <a:normAutofit lnSpcReduction="10000"/>
+          </a:bodyPr>
+          <a:lstStyle>
+            <a:lvl1pPr marL="0" indent="0" algn="l" defTabSz="914400" rtl="0" eaLnBrk="1" latinLnBrk="0" hangingPunct="1">
+              <a:lnSpc>
+                <a:spcPct val="90000"/>
+              </a:lnSpc>
+              <a:spcBef>
+                <a:spcPts val="0"/>
+              </a:spcBef>
+              <a:buSzPct val="80000"/>
+              <a:buFont typeface="Wingdings" panose="05000000000000000000" pitchFamily="2" charset="2"/>
+              <a:buNone/>
+              <a:defRPr sz="2400" kern="1200">
+                <a:solidFill>
+                  <a:schemeClr val="accent2"/>
+                </a:solidFill>
+                <a:latin typeface="+mn-lt"/>
+                <a:ea typeface="+mn-ea"/>
+                <a:cs typeface="+mn-cs"/>
+              </a:defRPr>
+            </a:lvl1pPr>
+            <a:lvl2pPr marL="457200" indent="0" algn="ctr" defTabSz="914400" rtl="0" eaLnBrk="1" latinLnBrk="0" hangingPunct="1">
+              <a:lnSpc>
+                <a:spcPct val="90000"/>
+              </a:lnSpc>
+              <a:spcBef>
+                <a:spcPts val="1000"/>
+              </a:spcBef>
+              <a:buSzPct val="80000"/>
+              <a:buFont typeface="Wingdings" panose="05000000000000000000" pitchFamily="2" charset="2"/>
+              <a:buNone/>
+              <a:defRPr sz="2000" kern="1200">
+                <a:solidFill>
+                  <a:schemeClr val="tx1"/>
+                </a:solidFill>
+                <a:latin typeface="+mn-lt"/>
+                <a:ea typeface="+mn-ea"/>
+                <a:cs typeface="+mn-cs"/>
+              </a:defRPr>
+            </a:lvl2pPr>
+            <a:lvl3pPr marL="914400" indent="0" algn="ctr" defTabSz="914400" rtl="0" eaLnBrk="1" latinLnBrk="0" hangingPunct="1">
+              <a:lnSpc>
+                <a:spcPct val="90000"/>
+              </a:lnSpc>
+              <a:spcBef>
+                <a:spcPts val="800"/>
+              </a:spcBef>
+              <a:buSzPct val="80000"/>
+              <a:buFont typeface="Wingdings" panose="05000000000000000000" pitchFamily="2" charset="2"/>
+              <a:buNone/>
+              <a:defRPr sz="1800" kern="1200">
+                <a:solidFill>
+                  <a:schemeClr val="tx1"/>
+                </a:solidFill>
+                <a:latin typeface="+mn-lt"/>
+                <a:ea typeface="+mn-ea"/>
+                <a:cs typeface="+mn-cs"/>
+              </a:defRPr>
+            </a:lvl3pPr>
+            <a:lvl4pPr marL="1371600" indent="0" algn="ctr" defTabSz="914400" rtl="0" eaLnBrk="1" latinLnBrk="0" hangingPunct="1">
+              <a:lnSpc>
+                <a:spcPct val="90000"/>
+              </a:lnSpc>
+              <a:spcBef>
+                <a:spcPts val="800"/>
+              </a:spcBef>
+              <a:buSzPct val="80000"/>
+              <a:buFont typeface="Wingdings" panose="05000000000000000000" pitchFamily="2" charset="2"/>
+              <a:buNone/>
+              <a:defRPr sz="1600" kern="1200">
+                <a:solidFill>
+                  <a:schemeClr val="tx1"/>
+                </a:solidFill>
+                <a:latin typeface="+mn-lt"/>
+                <a:ea typeface="+mn-ea"/>
+                <a:cs typeface="+mn-cs"/>
+              </a:defRPr>
+            </a:lvl4pPr>
+            <a:lvl5pPr marL="1828800" indent="0" algn="ctr" defTabSz="914400" rtl="0" eaLnBrk="1" latinLnBrk="0" hangingPunct="1">
+              <a:lnSpc>
+                <a:spcPct val="90000"/>
+              </a:lnSpc>
+              <a:spcBef>
+                <a:spcPts val="800"/>
+              </a:spcBef>
+              <a:buSzPct val="80000"/>
+              <a:buFont typeface="Wingdings" panose="05000000000000000000" pitchFamily="2" charset="2"/>
+              <a:buNone/>
+              <a:defRPr sz="1600" kern="1200">
+                <a:solidFill>
+                  <a:schemeClr val="tx1"/>
+                </a:solidFill>
+                <a:latin typeface="+mn-lt"/>
+                <a:ea typeface="+mn-ea"/>
+                <a:cs typeface="+mn-cs"/>
+              </a:defRPr>
+            </a:lvl5pPr>
+            <a:lvl6pPr marL="2286000" indent="0" algn="ctr" defTabSz="914400" rtl="0" eaLnBrk="1" latinLnBrk="0" hangingPunct="1">
+              <a:lnSpc>
+                <a:spcPct val="90000"/>
+              </a:lnSpc>
+              <a:spcBef>
+                <a:spcPts val="800"/>
+              </a:spcBef>
+              <a:buSzPct val="80000"/>
+              <a:buFont typeface="Wingdings" panose="05000000000000000000" pitchFamily="2" charset="2"/>
+              <a:buNone/>
+              <a:defRPr sz="1600" kern="1200">
+                <a:solidFill>
+                  <a:schemeClr val="tx1"/>
+                </a:solidFill>
+                <a:latin typeface="+mn-lt"/>
+                <a:ea typeface="+mn-ea"/>
+                <a:cs typeface="+mn-cs"/>
+              </a:defRPr>
+            </a:lvl6pPr>
+            <a:lvl7pPr marL="2743200" indent="0" algn="ctr" defTabSz="914400" rtl="0" eaLnBrk="1" latinLnBrk="0" hangingPunct="1">
+              <a:lnSpc>
+                <a:spcPct val="90000"/>
+              </a:lnSpc>
+              <a:spcBef>
+                <a:spcPts val="800"/>
+              </a:spcBef>
+              <a:buSzPct val="80000"/>
+              <a:buFont typeface="Wingdings" panose="05000000000000000000" pitchFamily="2" charset="2"/>
+              <a:buNone/>
+              <a:defRPr sz="1600" kern="1200">
+                <a:solidFill>
+                  <a:schemeClr val="tx1"/>
+                </a:solidFill>
+                <a:latin typeface="+mn-lt"/>
+                <a:ea typeface="+mn-ea"/>
+                <a:cs typeface="+mn-cs"/>
+              </a:defRPr>
+            </a:lvl7pPr>
+            <a:lvl8pPr marL="3200400" indent="0" algn="ctr" defTabSz="914400" rtl="0" eaLnBrk="1" latinLnBrk="0" hangingPunct="1">
+              <a:lnSpc>
+                <a:spcPct val="90000"/>
+              </a:lnSpc>
+              <a:spcBef>
+                <a:spcPts val="800"/>
+              </a:spcBef>
+              <a:buSzPct val="80000"/>
+              <a:buFont typeface="Wingdings" panose="05000000000000000000" pitchFamily="2" charset="2"/>
+              <a:buNone/>
+              <a:defRPr sz="1600" kern="1200">
+                <a:solidFill>
+                  <a:schemeClr val="tx1"/>
+                </a:solidFill>
+                <a:latin typeface="+mn-lt"/>
+                <a:ea typeface="+mn-ea"/>
+                <a:cs typeface="+mn-cs"/>
+              </a:defRPr>
+            </a:lvl8pPr>
+            <a:lvl9pPr marL="3657600" indent="0" algn="ctr" defTabSz="914400" rtl="0" eaLnBrk="1" latinLnBrk="0" hangingPunct="1">
+              <a:lnSpc>
+                <a:spcPct val="90000"/>
+              </a:lnSpc>
+              <a:spcBef>
+                <a:spcPts val="800"/>
+              </a:spcBef>
+              <a:buSzPct val="80000"/>
+              <a:buFont typeface="Wingdings" panose="05000000000000000000" pitchFamily="2" charset="2"/>
+              <a:buNone/>
+              <a:defRPr sz="1600" kern="1200">
+                <a:solidFill>
+                  <a:schemeClr val="tx1"/>
+                </a:solidFill>
+                <a:latin typeface="+mn-lt"/>
+                <a:ea typeface="+mn-ea"/>
+                <a:cs typeface="+mn-cs"/>
+              </a:defRPr>
+            </a:lvl9pPr>
+          </a:lstStyle>
+          <a:p>
+            <a:pPr>
+              <a:lnSpc>
+                <a:spcPct val="120000"/>
+              </a:lnSpc>
+            </a:pPr>
+            <a:r>
+              <a:rPr lang="en-US" sz="1800" b="1" dirty="0">
+                <a:solidFill>
+                  <a:schemeClr val="accent2">
+                    <a:lumMod val="75000"/>
+                  </a:schemeClr>
+                </a:solidFill>
+                <a:hlinkClick r:id="rId5">
+                  <a:extLst>
+                    <a:ext uri="{A12FA001-AC4F-418D-AE19-62706E023703}">
+                      <ahyp:hlinkClr xmlns:ahyp="http://schemas.microsoft.com/office/drawing/2018/hyperlinkcolor" val="tx"/>
+                    </a:ext>
+                  </a:extLst>
+                </a:hlinkClick>
+              </a:rPr>
+              <a:t>https://github.com/yasenstar/python/tree/master/GUI_Python</a:t>
+            </a:r>
+            <a:endParaRPr lang="en-US" sz="1800" b="1" dirty="0">
+              <a:solidFill>
+                <a:schemeClr val="accent2">
+                  <a:lumMod val="75000"/>
+                </a:schemeClr>
+              </a:solidFill>
+            </a:endParaRPr>
+          </a:p>
+        </p:txBody>
+      </p:sp>
+      <p:pic>
+        <p:nvPicPr>
+          <p:cNvPr id="12" name="Picture 11">
+            <a:extLst>
+              <a:ext uri="{FF2B5EF4-FFF2-40B4-BE49-F238E27FC236}">
+                <a16:creationId xmlns:a16="http://schemas.microsoft.com/office/drawing/2014/main" id="{53DC5482-1D89-C939-C7A7-7968F2E68888}"/>
+              </a:ext>
+            </a:extLst>
+          </p:cNvPr>
+          <p:cNvPicPr>
+            <a:picLocks noChangeAspect="1"/>
+          </p:cNvPicPr>
+          <p:nvPr/>
+        </p:nvPicPr>
+        <p:blipFill>
+          <a:blip r:embed="rId6"/>
+          <a:stretch>
+            <a:fillRect/>
+          </a:stretch>
+        </p:blipFill>
+        <p:spPr>
+          <a:xfrm>
+            <a:off x="7633062" y="2841248"/>
+            <a:ext cx="4341263" cy="2231371"/>
+          </a:xfrm>
+          <a:prstGeom prst="rect">
+            <a:avLst/>
+          </a:prstGeom>
+          <a:ln>
+            <a:noFill/>
+          </a:ln>
+          <a:effectLst>
+            <a:outerShdw blurRad="292100" dist="139700" dir="2700000" algn="tl" rotWithShape="0">
+              <a:srgbClr val="333333">
+                <a:alpha val="65000"/>
+              </a:srgbClr>
+            </a:outerShdw>
+          </a:effectLst>
+        </p:spPr>
+      </p:pic>
+      <p:pic>
+        <p:nvPicPr>
+          <p:cNvPr id="13" name="Content Placeholder 12">
+            <a:extLst>
+              <a:ext uri="{FF2B5EF4-FFF2-40B4-BE49-F238E27FC236}">
+                <a16:creationId xmlns:a16="http://schemas.microsoft.com/office/drawing/2014/main" id="{B0F10DBC-0BA4-F2AB-F401-5EA8422F0714}"/>
+              </a:ext>
+            </a:extLst>
+          </p:cNvPr>
+          <p:cNvPicPr>
+            <a:picLocks noGrp="1" noChangeAspect="1"/>
+          </p:cNvPicPr>
+          <p:nvPr>
+            <p:ph idx="1"/>
+          </p:nvPr>
+        </p:nvPicPr>
+        <p:blipFill>
+          <a:blip r:embed="rId7"/>
+          <a:stretch>
+            <a:fillRect/>
+          </a:stretch>
+        </p:blipFill>
+        <p:spPr>
+          <a:xfrm>
+            <a:off x="2089652" y="1954306"/>
+            <a:ext cx="5409829" cy="4011705"/>
+          </a:xfrm>
+          <a:prstGeom prst="rect">
+            <a:avLst/>
+          </a:prstGeom>
+          <a:ln>
+            <a:noFill/>
+          </a:ln>
+          <a:effectLst>
+            <a:outerShdw blurRad="292100" dist="139700" dir="2700000" algn="tl" rotWithShape="0">
+              <a:srgbClr val="333333">
+                <a:alpha val="65000"/>
+              </a:srgbClr>
+            </a:outerShdw>
+          </a:effectLst>
+        </p:spPr>
+      </p:pic>
+    </p:spTree>
+    <p:extLst>
+      <p:ext uri="{BB962C8B-B14F-4D97-AF65-F5344CB8AC3E}">
+        <p14:creationId xmlns:p14="http://schemas.microsoft.com/office/powerpoint/2010/main" val="1516138884"/>
       </p:ext>
     </p:extLst>
   </p:cSld>
@@ -8709,6 +10179,1138 @@
     <p:extLst>
       <p:ext uri="{BB962C8B-B14F-4D97-AF65-F5344CB8AC3E}">
         <p14:creationId xmlns:p14="http://schemas.microsoft.com/office/powerpoint/2010/main" val="3572012654"/>
+      </p:ext>
+    </p:extLst>
+  </p:cSld>
+  <p:clrMapOvr>
+    <a:masterClrMapping/>
+  </p:clrMapOvr>
+</p:sld>
+</file>
+
+<file path=ppt/slides/slide20.xml><?xml version="1.0" encoding="utf-8"?>
+<p:sld xmlns:a="http://schemas.openxmlformats.org/drawingml/2006/main" xmlns:r="http://schemas.openxmlformats.org/officeDocument/2006/relationships" xmlns:p="http://schemas.openxmlformats.org/presentationml/2006/main">
+  <p:cSld>
+    <p:spTree>
+      <p:nvGrpSpPr>
+        <p:cNvPr id="1" name=""/>
+        <p:cNvGrpSpPr/>
+        <p:nvPr/>
+      </p:nvGrpSpPr>
+      <p:grpSpPr>
+        <a:xfrm>
+          <a:off x="0" y="0"/>
+          <a:ext cx="0" cy="0"/>
+          <a:chOff x="0" y="0"/>
+          <a:chExt cx="0" cy="0"/>
+        </a:xfrm>
+      </p:grpSpPr>
+      <p:sp>
+        <p:nvSpPr>
+          <p:cNvPr id="2" name="Title 1">
+            <a:extLst>
+              <a:ext uri="{FF2B5EF4-FFF2-40B4-BE49-F238E27FC236}">
+                <a16:creationId xmlns:a16="http://schemas.microsoft.com/office/drawing/2014/main" id="{60BDC9E0-4942-655E-4150-9691AA9C765B}"/>
+              </a:ext>
+            </a:extLst>
+          </p:cNvPr>
+          <p:cNvSpPr>
+            <a:spLocks noGrp="1"/>
+          </p:cNvSpPr>
+          <p:nvPr>
+            <p:ph type="title"/>
+          </p:nvPr>
+        </p:nvSpPr>
+        <p:spPr>
+          <a:xfrm>
+            <a:off x="2208213" y="304799"/>
+            <a:ext cx="9372600" cy="1649507"/>
+          </a:xfrm>
+        </p:spPr>
+        <p:txBody>
+          <a:bodyPr anchor="ctr">
+            <a:normAutofit fontScale="90000"/>
+          </a:bodyPr>
+          <a:lstStyle/>
+          <a:p>
+            <a:r>
+              <a:rPr lang="en-US" sz="4000" dirty="0">
+                <a:latin typeface="HarmonyOS Sans Black" panose="00000A00000000000000" pitchFamily="2" charset="0"/>
+              </a:rPr>
+              <a:t>Create GUI with Python</a:t>
+            </a:r>
+            <a:br>
+              <a:rPr lang="en-US" dirty="0">
+                <a:latin typeface="HarmonyOS Sans" panose="00000500000000000000" pitchFamily="2" charset="0"/>
+              </a:rPr>
+            </a:br>
+            <a:r>
+              <a:rPr lang="en-US" sz="4000" dirty="0">
+                <a:latin typeface="HarmonyOS Sans" panose="00000500000000000000" pitchFamily="2" charset="0"/>
+              </a:rPr>
+              <a:t>020 Ch11 Stop-frame Animation (Part 1)</a:t>
+            </a:r>
+            <a:endParaRPr lang="en-US" dirty="0">
+              <a:latin typeface="HarmonyOS Sans" panose="00000500000000000000" pitchFamily="2" charset="0"/>
+            </a:endParaRPr>
+          </a:p>
+        </p:txBody>
+      </p:sp>
+      <p:pic>
+        <p:nvPicPr>
+          <p:cNvPr id="6" name="Picture 5">
+            <a:extLst>
+              <a:ext uri="{FF2B5EF4-FFF2-40B4-BE49-F238E27FC236}">
+                <a16:creationId xmlns:a16="http://schemas.microsoft.com/office/drawing/2014/main" id="{28525CF1-7DD8-7F22-12CB-14807078F0D7}"/>
+              </a:ext>
+            </a:extLst>
+          </p:cNvPr>
+          <p:cNvPicPr>
+            <a:picLocks noChangeAspect="1"/>
+          </p:cNvPicPr>
+          <p:nvPr/>
+        </p:nvPicPr>
+        <p:blipFill>
+          <a:blip r:embed="rId2"/>
+          <a:stretch>
+            <a:fillRect/>
+          </a:stretch>
+        </p:blipFill>
+        <p:spPr>
+          <a:xfrm>
+            <a:off x="119268" y="59634"/>
+            <a:ext cx="611187" cy="671551"/>
+          </a:xfrm>
+          <a:prstGeom prst="rect">
+            <a:avLst/>
+          </a:prstGeom>
+          <a:ln>
+            <a:noFill/>
+          </a:ln>
+          <a:effectLst>
+            <a:outerShdw blurRad="292100" dist="139700" dir="2700000" algn="tl" rotWithShape="0">
+              <a:srgbClr val="333333">
+                <a:alpha val="65000"/>
+              </a:srgbClr>
+            </a:outerShdw>
+          </a:effectLst>
+        </p:spPr>
+      </p:pic>
+      <p:pic>
+        <p:nvPicPr>
+          <p:cNvPr id="7" name="Picture 6">
+            <a:extLst>
+              <a:ext uri="{FF2B5EF4-FFF2-40B4-BE49-F238E27FC236}">
+                <a16:creationId xmlns:a16="http://schemas.microsoft.com/office/drawing/2014/main" id="{ACE06191-4455-E539-6992-17D338C10648}"/>
+              </a:ext>
+            </a:extLst>
+          </p:cNvPr>
+          <p:cNvPicPr>
+            <a:picLocks noChangeAspect="1"/>
+          </p:cNvPicPr>
+          <p:nvPr/>
+        </p:nvPicPr>
+        <p:blipFill>
+          <a:blip r:embed="rId3"/>
+          <a:stretch>
+            <a:fillRect/>
+          </a:stretch>
+        </p:blipFill>
+        <p:spPr>
+          <a:xfrm>
+            <a:off x="0" y="6471564"/>
+            <a:ext cx="1855694" cy="386435"/>
+          </a:xfrm>
+          <a:prstGeom prst="rect">
+            <a:avLst/>
+          </a:prstGeom>
+          <a:ln>
+            <a:noFill/>
+          </a:ln>
+          <a:effectLst>
+            <a:outerShdw blurRad="292100" dist="139700" dir="2700000" algn="tl" rotWithShape="0">
+              <a:srgbClr val="333333">
+                <a:alpha val="65000"/>
+              </a:srgbClr>
+            </a:outerShdw>
+          </a:effectLst>
+        </p:spPr>
+      </p:pic>
+      <p:pic>
+        <p:nvPicPr>
+          <p:cNvPr id="8" name="Picture 7">
+            <a:extLst>
+              <a:ext uri="{FF2B5EF4-FFF2-40B4-BE49-F238E27FC236}">
+                <a16:creationId xmlns:a16="http://schemas.microsoft.com/office/drawing/2014/main" id="{E815D6CC-086C-CEEA-B605-CC7A17A0C652}"/>
+              </a:ext>
+            </a:extLst>
+          </p:cNvPr>
+          <p:cNvPicPr>
+            <a:picLocks noChangeAspect="1"/>
+          </p:cNvPicPr>
+          <p:nvPr/>
+        </p:nvPicPr>
+        <p:blipFill>
+          <a:blip r:embed="rId4"/>
+          <a:stretch>
+            <a:fillRect/>
+          </a:stretch>
+        </p:blipFill>
+        <p:spPr>
+          <a:xfrm>
+            <a:off x="119268" y="863897"/>
+            <a:ext cx="1374374" cy="2071274"/>
+          </a:xfrm>
+          <a:prstGeom prst="rect">
+            <a:avLst/>
+          </a:prstGeom>
+          <a:ln>
+            <a:noFill/>
+          </a:ln>
+          <a:effectLst>
+            <a:outerShdw blurRad="292100" dist="139700" dir="2700000" algn="tl" rotWithShape="0">
+              <a:srgbClr val="333333">
+                <a:alpha val="65000"/>
+              </a:srgbClr>
+            </a:outerShdw>
+          </a:effectLst>
+        </p:spPr>
+      </p:pic>
+      <p:sp>
+        <p:nvSpPr>
+          <p:cNvPr id="9" name="Subtitle 5">
+            <a:extLst>
+              <a:ext uri="{FF2B5EF4-FFF2-40B4-BE49-F238E27FC236}">
+                <a16:creationId xmlns:a16="http://schemas.microsoft.com/office/drawing/2014/main" id="{B98C3EDB-7ABC-5858-0198-A6F89107DC04}"/>
+              </a:ext>
+            </a:extLst>
+          </p:cNvPr>
+          <p:cNvSpPr txBox="1">
+            <a:spLocks/>
+          </p:cNvSpPr>
+          <p:nvPr/>
+        </p:nvSpPr>
+        <p:spPr>
+          <a:xfrm>
+            <a:off x="2747347" y="6471564"/>
+            <a:ext cx="7704856" cy="367591"/>
+          </a:xfrm>
+          <a:prstGeom prst="rect">
+            <a:avLst/>
+          </a:prstGeom>
+        </p:spPr>
+        <p:txBody>
+          <a:bodyPr vert="horz" lIns="91440" tIns="45720" rIns="91440" bIns="45720" rtlCol="0">
+            <a:normAutofit lnSpcReduction="10000"/>
+          </a:bodyPr>
+          <a:lstStyle>
+            <a:lvl1pPr marL="0" indent="0" algn="l" defTabSz="914400" rtl="0" eaLnBrk="1" latinLnBrk="0" hangingPunct="1">
+              <a:lnSpc>
+                <a:spcPct val="90000"/>
+              </a:lnSpc>
+              <a:spcBef>
+                <a:spcPts val="0"/>
+              </a:spcBef>
+              <a:buSzPct val="80000"/>
+              <a:buFont typeface="Wingdings" panose="05000000000000000000" pitchFamily="2" charset="2"/>
+              <a:buNone/>
+              <a:defRPr sz="2400" kern="1200">
+                <a:solidFill>
+                  <a:schemeClr val="accent2"/>
+                </a:solidFill>
+                <a:latin typeface="+mn-lt"/>
+                <a:ea typeface="+mn-ea"/>
+                <a:cs typeface="+mn-cs"/>
+              </a:defRPr>
+            </a:lvl1pPr>
+            <a:lvl2pPr marL="457200" indent="0" algn="ctr" defTabSz="914400" rtl="0" eaLnBrk="1" latinLnBrk="0" hangingPunct="1">
+              <a:lnSpc>
+                <a:spcPct val="90000"/>
+              </a:lnSpc>
+              <a:spcBef>
+                <a:spcPts val="1000"/>
+              </a:spcBef>
+              <a:buSzPct val="80000"/>
+              <a:buFont typeface="Wingdings" panose="05000000000000000000" pitchFamily="2" charset="2"/>
+              <a:buNone/>
+              <a:defRPr sz="2000" kern="1200">
+                <a:solidFill>
+                  <a:schemeClr val="tx1"/>
+                </a:solidFill>
+                <a:latin typeface="+mn-lt"/>
+                <a:ea typeface="+mn-ea"/>
+                <a:cs typeface="+mn-cs"/>
+              </a:defRPr>
+            </a:lvl2pPr>
+            <a:lvl3pPr marL="914400" indent="0" algn="ctr" defTabSz="914400" rtl="0" eaLnBrk="1" latinLnBrk="0" hangingPunct="1">
+              <a:lnSpc>
+                <a:spcPct val="90000"/>
+              </a:lnSpc>
+              <a:spcBef>
+                <a:spcPts val="800"/>
+              </a:spcBef>
+              <a:buSzPct val="80000"/>
+              <a:buFont typeface="Wingdings" panose="05000000000000000000" pitchFamily="2" charset="2"/>
+              <a:buNone/>
+              <a:defRPr sz="1800" kern="1200">
+                <a:solidFill>
+                  <a:schemeClr val="tx1"/>
+                </a:solidFill>
+                <a:latin typeface="+mn-lt"/>
+                <a:ea typeface="+mn-ea"/>
+                <a:cs typeface="+mn-cs"/>
+              </a:defRPr>
+            </a:lvl3pPr>
+            <a:lvl4pPr marL="1371600" indent="0" algn="ctr" defTabSz="914400" rtl="0" eaLnBrk="1" latinLnBrk="0" hangingPunct="1">
+              <a:lnSpc>
+                <a:spcPct val="90000"/>
+              </a:lnSpc>
+              <a:spcBef>
+                <a:spcPts val="800"/>
+              </a:spcBef>
+              <a:buSzPct val="80000"/>
+              <a:buFont typeface="Wingdings" panose="05000000000000000000" pitchFamily="2" charset="2"/>
+              <a:buNone/>
+              <a:defRPr sz="1600" kern="1200">
+                <a:solidFill>
+                  <a:schemeClr val="tx1"/>
+                </a:solidFill>
+                <a:latin typeface="+mn-lt"/>
+                <a:ea typeface="+mn-ea"/>
+                <a:cs typeface="+mn-cs"/>
+              </a:defRPr>
+            </a:lvl4pPr>
+            <a:lvl5pPr marL="1828800" indent="0" algn="ctr" defTabSz="914400" rtl="0" eaLnBrk="1" latinLnBrk="0" hangingPunct="1">
+              <a:lnSpc>
+                <a:spcPct val="90000"/>
+              </a:lnSpc>
+              <a:spcBef>
+                <a:spcPts val="800"/>
+              </a:spcBef>
+              <a:buSzPct val="80000"/>
+              <a:buFont typeface="Wingdings" panose="05000000000000000000" pitchFamily="2" charset="2"/>
+              <a:buNone/>
+              <a:defRPr sz="1600" kern="1200">
+                <a:solidFill>
+                  <a:schemeClr val="tx1"/>
+                </a:solidFill>
+                <a:latin typeface="+mn-lt"/>
+                <a:ea typeface="+mn-ea"/>
+                <a:cs typeface="+mn-cs"/>
+              </a:defRPr>
+            </a:lvl5pPr>
+            <a:lvl6pPr marL="2286000" indent="0" algn="ctr" defTabSz="914400" rtl="0" eaLnBrk="1" latinLnBrk="0" hangingPunct="1">
+              <a:lnSpc>
+                <a:spcPct val="90000"/>
+              </a:lnSpc>
+              <a:spcBef>
+                <a:spcPts val="800"/>
+              </a:spcBef>
+              <a:buSzPct val="80000"/>
+              <a:buFont typeface="Wingdings" panose="05000000000000000000" pitchFamily="2" charset="2"/>
+              <a:buNone/>
+              <a:defRPr sz="1600" kern="1200">
+                <a:solidFill>
+                  <a:schemeClr val="tx1"/>
+                </a:solidFill>
+                <a:latin typeface="+mn-lt"/>
+                <a:ea typeface="+mn-ea"/>
+                <a:cs typeface="+mn-cs"/>
+              </a:defRPr>
+            </a:lvl6pPr>
+            <a:lvl7pPr marL="2743200" indent="0" algn="ctr" defTabSz="914400" rtl="0" eaLnBrk="1" latinLnBrk="0" hangingPunct="1">
+              <a:lnSpc>
+                <a:spcPct val="90000"/>
+              </a:lnSpc>
+              <a:spcBef>
+                <a:spcPts val="800"/>
+              </a:spcBef>
+              <a:buSzPct val="80000"/>
+              <a:buFont typeface="Wingdings" panose="05000000000000000000" pitchFamily="2" charset="2"/>
+              <a:buNone/>
+              <a:defRPr sz="1600" kern="1200">
+                <a:solidFill>
+                  <a:schemeClr val="tx1"/>
+                </a:solidFill>
+                <a:latin typeface="+mn-lt"/>
+                <a:ea typeface="+mn-ea"/>
+                <a:cs typeface="+mn-cs"/>
+              </a:defRPr>
+            </a:lvl7pPr>
+            <a:lvl8pPr marL="3200400" indent="0" algn="ctr" defTabSz="914400" rtl="0" eaLnBrk="1" latinLnBrk="0" hangingPunct="1">
+              <a:lnSpc>
+                <a:spcPct val="90000"/>
+              </a:lnSpc>
+              <a:spcBef>
+                <a:spcPts val="800"/>
+              </a:spcBef>
+              <a:buSzPct val="80000"/>
+              <a:buFont typeface="Wingdings" panose="05000000000000000000" pitchFamily="2" charset="2"/>
+              <a:buNone/>
+              <a:defRPr sz="1600" kern="1200">
+                <a:solidFill>
+                  <a:schemeClr val="tx1"/>
+                </a:solidFill>
+                <a:latin typeface="+mn-lt"/>
+                <a:ea typeface="+mn-ea"/>
+                <a:cs typeface="+mn-cs"/>
+              </a:defRPr>
+            </a:lvl8pPr>
+            <a:lvl9pPr marL="3657600" indent="0" algn="ctr" defTabSz="914400" rtl="0" eaLnBrk="1" latinLnBrk="0" hangingPunct="1">
+              <a:lnSpc>
+                <a:spcPct val="90000"/>
+              </a:lnSpc>
+              <a:spcBef>
+                <a:spcPts val="800"/>
+              </a:spcBef>
+              <a:buSzPct val="80000"/>
+              <a:buFont typeface="Wingdings" panose="05000000000000000000" pitchFamily="2" charset="2"/>
+              <a:buNone/>
+              <a:defRPr sz="1600" kern="1200">
+                <a:solidFill>
+                  <a:schemeClr val="tx1"/>
+                </a:solidFill>
+                <a:latin typeface="+mn-lt"/>
+                <a:ea typeface="+mn-ea"/>
+                <a:cs typeface="+mn-cs"/>
+              </a:defRPr>
+            </a:lvl9pPr>
+          </a:lstStyle>
+          <a:p>
+            <a:pPr>
+              <a:lnSpc>
+                <a:spcPct val="120000"/>
+              </a:lnSpc>
+            </a:pPr>
+            <a:r>
+              <a:rPr lang="en-US" sz="1800" b="1" dirty="0">
+                <a:solidFill>
+                  <a:schemeClr val="accent2">
+                    <a:lumMod val="75000"/>
+                  </a:schemeClr>
+                </a:solidFill>
+                <a:hlinkClick r:id="rId5">
+                  <a:extLst>
+                    <a:ext uri="{A12FA001-AC4F-418D-AE19-62706E023703}">
+                      <ahyp:hlinkClr xmlns:ahyp="http://schemas.microsoft.com/office/drawing/2018/hyperlinkcolor" val="tx"/>
+                    </a:ext>
+                  </a:extLst>
+                </a:hlinkClick>
+              </a:rPr>
+              <a:t>https://github.com/yasenstar/python/tree/master/GUI_Python</a:t>
+            </a:r>
+            <a:endParaRPr lang="en-US" sz="1800" b="1" dirty="0">
+              <a:solidFill>
+                <a:schemeClr val="accent2">
+                  <a:lumMod val="75000"/>
+                </a:schemeClr>
+              </a:solidFill>
+            </a:endParaRPr>
+          </a:p>
+        </p:txBody>
+      </p:sp>
+      <p:pic>
+        <p:nvPicPr>
+          <p:cNvPr id="4" name="Picture 3">
+            <a:extLst>
+              <a:ext uri="{FF2B5EF4-FFF2-40B4-BE49-F238E27FC236}">
+                <a16:creationId xmlns:a16="http://schemas.microsoft.com/office/drawing/2014/main" id="{255673B8-254E-B13A-31F6-5C296344CB2F}"/>
+              </a:ext>
+            </a:extLst>
+          </p:cNvPr>
+          <p:cNvPicPr>
+            <a:picLocks noChangeAspect="1"/>
+          </p:cNvPicPr>
+          <p:nvPr/>
+        </p:nvPicPr>
+        <p:blipFill>
+          <a:blip r:embed="rId6"/>
+          <a:stretch>
+            <a:fillRect/>
+          </a:stretch>
+        </p:blipFill>
+        <p:spPr>
+          <a:xfrm>
+            <a:off x="7754471" y="2898169"/>
+            <a:ext cx="4198844" cy="2123977"/>
+          </a:xfrm>
+          <a:prstGeom prst="rect">
+            <a:avLst/>
+          </a:prstGeom>
+          <a:ln>
+            <a:noFill/>
+          </a:ln>
+          <a:effectLst>
+            <a:outerShdw blurRad="292100" dist="139700" dir="2700000" algn="tl" rotWithShape="0">
+              <a:srgbClr val="333333">
+                <a:alpha val="65000"/>
+              </a:srgbClr>
+            </a:outerShdw>
+          </a:effectLst>
+        </p:spPr>
+      </p:pic>
+      <p:pic>
+        <p:nvPicPr>
+          <p:cNvPr id="14" name="Content Placeholder 13">
+            <a:extLst>
+              <a:ext uri="{FF2B5EF4-FFF2-40B4-BE49-F238E27FC236}">
+                <a16:creationId xmlns:a16="http://schemas.microsoft.com/office/drawing/2014/main" id="{C6B78139-4E89-467B-2767-A5480928344D}"/>
+              </a:ext>
+            </a:extLst>
+          </p:cNvPr>
+          <p:cNvPicPr>
+            <a:picLocks noGrp="1" noChangeAspect="1"/>
+          </p:cNvPicPr>
+          <p:nvPr>
+            <p:ph idx="1"/>
+          </p:nvPr>
+        </p:nvPicPr>
+        <p:blipFill>
+          <a:blip r:embed="rId7"/>
+          <a:stretch>
+            <a:fillRect/>
+          </a:stretch>
+        </p:blipFill>
+        <p:spPr>
+          <a:xfrm>
+            <a:off x="2020240" y="1716741"/>
+            <a:ext cx="5606852" cy="4114800"/>
+          </a:xfrm>
+          <a:prstGeom prst="rect">
+            <a:avLst/>
+          </a:prstGeom>
+          <a:ln>
+            <a:noFill/>
+          </a:ln>
+          <a:effectLst>
+            <a:outerShdw blurRad="292100" dist="139700" dir="2700000" algn="tl" rotWithShape="0">
+              <a:srgbClr val="333333">
+                <a:alpha val="65000"/>
+              </a:srgbClr>
+            </a:outerShdw>
+          </a:effectLst>
+        </p:spPr>
+      </p:pic>
+    </p:spTree>
+    <p:extLst>
+      <p:ext uri="{BB962C8B-B14F-4D97-AF65-F5344CB8AC3E}">
+        <p14:creationId xmlns:p14="http://schemas.microsoft.com/office/powerpoint/2010/main" val="3655313974"/>
+      </p:ext>
+    </p:extLst>
+  </p:cSld>
+  <p:clrMapOvr>
+    <a:masterClrMapping/>
+  </p:clrMapOvr>
+</p:sld>
+</file>
+
+<file path=ppt/slides/slide21.xml><?xml version="1.0" encoding="utf-8"?>
+<p:sld xmlns:a="http://schemas.openxmlformats.org/drawingml/2006/main" xmlns:r="http://schemas.openxmlformats.org/officeDocument/2006/relationships" xmlns:p="http://schemas.openxmlformats.org/presentationml/2006/main">
+  <p:cSld>
+    <p:spTree>
+      <p:nvGrpSpPr>
+        <p:cNvPr id="1" name=""/>
+        <p:cNvGrpSpPr/>
+        <p:nvPr/>
+      </p:nvGrpSpPr>
+      <p:grpSpPr>
+        <a:xfrm>
+          <a:off x="0" y="0"/>
+          <a:ext cx="0" cy="0"/>
+          <a:chOff x="0" y="0"/>
+          <a:chExt cx="0" cy="0"/>
+        </a:xfrm>
+      </p:grpSpPr>
+      <p:sp>
+        <p:nvSpPr>
+          <p:cNvPr id="2" name="Title 1">
+            <a:extLst>
+              <a:ext uri="{FF2B5EF4-FFF2-40B4-BE49-F238E27FC236}">
+                <a16:creationId xmlns:a16="http://schemas.microsoft.com/office/drawing/2014/main" id="{60BDC9E0-4942-655E-4150-9691AA9C765B}"/>
+              </a:ext>
+            </a:extLst>
+          </p:cNvPr>
+          <p:cNvSpPr>
+            <a:spLocks noGrp="1"/>
+          </p:cNvSpPr>
+          <p:nvPr>
+            <p:ph type="title"/>
+          </p:nvPr>
+        </p:nvSpPr>
+        <p:spPr>
+          <a:xfrm>
+            <a:off x="2208213" y="304799"/>
+            <a:ext cx="9372600" cy="1649507"/>
+          </a:xfrm>
+        </p:spPr>
+        <p:txBody>
+          <a:bodyPr anchor="ctr">
+            <a:normAutofit fontScale="90000"/>
+          </a:bodyPr>
+          <a:lstStyle/>
+          <a:p>
+            <a:r>
+              <a:rPr lang="en-US" sz="4000" dirty="0">
+                <a:latin typeface="HarmonyOS Sans Black" panose="00000A00000000000000" pitchFamily="2" charset="0"/>
+              </a:rPr>
+              <a:t>Create GUI with Python</a:t>
+            </a:r>
+            <a:br>
+              <a:rPr lang="en-US" dirty="0">
+                <a:latin typeface="HarmonyOS Sans" panose="00000500000000000000" pitchFamily="2" charset="0"/>
+              </a:rPr>
+            </a:br>
+            <a:r>
+              <a:rPr lang="en-US" sz="4000" dirty="0">
+                <a:latin typeface="HarmonyOS Sans" panose="00000500000000000000" pitchFamily="2" charset="0"/>
+              </a:rPr>
+              <a:t>021 Ch11 Stop-frame Animation (Part 2)</a:t>
+            </a:r>
+            <a:endParaRPr lang="en-US" dirty="0">
+              <a:latin typeface="HarmonyOS Sans" panose="00000500000000000000" pitchFamily="2" charset="0"/>
+            </a:endParaRPr>
+          </a:p>
+        </p:txBody>
+      </p:sp>
+      <p:pic>
+        <p:nvPicPr>
+          <p:cNvPr id="6" name="Picture 5">
+            <a:extLst>
+              <a:ext uri="{FF2B5EF4-FFF2-40B4-BE49-F238E27FC236}">
+                <a16:creationId xmlns:a16="http://schemas.microsoft.com/office/drawing/2014/main" id="{28525CF1-7DD8-7F22-12CB-14807078F0D7}"/>
+              </a:ext>
+            </a:extLst>
+          </p:cNvPr>
+          <p:cNvPicPr>
+            <a:picLocks noChangeAspect="1"/>
+          </p:cNvPicPr>
+          <p:nvPr/>
+        </p:nvPicPr>
+        <p:blipFill>
+          <a:blip r:embed="rId2"/>
+          <a:stretch>
+            <a:fillRect/>
+          </a:stretch>
+        </p:blipFill>
+        <p:spPr>
+          <a:xfrm>
+            <a:off x="119268" y="59634"/>
+            <a:ext cx="611187" cy="671551"/>
+          </a:xfrm>
+          <a:prstGeom prst="rect">
+            <a:avLst/>
+          </a:prstGeom>
+          <a:ln>
+            <a:noFill/>
+          </a:ln>
+          <a:effectLst>
+            <a:outerShdw blurRad="292100" dist="139700" dir="2700000" algn="tl" rotWithShape="0">
+              <a:srgbClr val="333333">
+                <a:alpha val="65000"/>
+              </a:srgbClr>
+            </a:outerShdw>
+          </a:effectLst>
+        </p:spPr>
+      </p:pic>
+      <p:pic>
+        <p:nvPicPr>
+          <p:cNvPr id="7" name="Picture 6">
+            <a:extLst>
+              <a:ext uri="{FF2B5EF4-FFF2-40B4-BE49-F238E27FC236}">
+                <a16:creationId xmlns:a16="http://schemas.microsoft.com/office/drawing/2014/main" id="{ACE06191-4455-E539-6992-17D338C10648}"/>
+              </a:ext>
+            </a:extLst>
+          </p:cNvPr>
+          <p:cNvPicPr>
+            <a:picLocks noChangeAspect="1"/>
+          </p:cNvPicPr>
+          <p:nvPr/>
+        </p:nvPicPr>
+        <p:blipFill>
+          <a:blip r:embed="rId3"/>
+          <a:stretch>
+            <a:fillRect/>
+          </a:stretch>
+        </p:blipFill>
+        <p:spPr>
+          <a:xfrm>
+            <a:off x="0" y="6471564"/>
+            <a:ext cx="1855694" cy="386435"/>
+          </a:xfrm>
+          <a:prstGeom prst="rect">
+            <a:avLst/>
+          </a:prstGeom>
+          <a:ln>
+            <a:noFill/>
+          </a:ln>
+          <a:effectLst>
+            <a:outerShdw blurRad="292100" dist="139700" dir="2700000" algn="tl" rotWithShape="0">
+              <a:srgbClr val="333333">
+                <a:alpha val="65000"/>
+              </a:srgbClr>
+            </a:outerShdw>
+          </a:effectLst>
+        </p:spPr>
+      </p:pic>
+      <p:pic>
+        <p:nvPicPr>
+          <p:cNvPr id="8" name="Picture 7">
+            <a:extLst>
+              <a:ext uri="{FF2B5EF4-FFF2-40B4-BE49-F238E27FC236}">
+                <a16:creationId xmlns:a16="http://schemas.microsoft.com/office/drawing/2014/main" id="{E815D6CC-086C-CEEA-B605-CC7A17A0C652}"/>
+              </a:ext>
+            </a:extLst>
+          </p:cNvPr>
+          <p:cNvPicPr>
+            <a:picLocks noChangeAspect="1"/>
+          </p:cNvPicPr>
+          <p:nvPr/>
+        </p:nvPicPr>
+        <p:blipFill>
+          <a:blip r:embed="rId4"/>
+          <a:stretch>
+            <a:fillRect/>
+          </a:stretch>
+        </p:blipFill>
+        <p:spPr>
+          <a:xfrm>
+            <a:off x="119268" y="863897"/>
+            <a:ext cx="1374374" cy="2071274"/>
+          </a:xfrm>
+          <a:prstGeom prst="rect">
+            <a:avLst/>
+          </a:prstGeom>
+          <a:ln>
+            <a:noFill/>
+          </a:ln>
+          <a:effectLst>
+            <a:outerShdw blurRad="292100" dist="139700" dir="2700000" algn="tl" rotWithShape="0">
+              <a:srgbClr val="333333">
+                <a:alpha val="65000"/>
+              </a:srgbClr>
+            </a:outerShdw>
+          </a:effectLst>
+        </p:spPr>
+      </p:pic>
+      <p:sp>
+        <p:nvSpPr>
+          <p:cNvPr id="9" name="Subtitle 5">
+            <a:extLst>
+              <a:ext uri="{FF2B5EF4-FFF2-40B4-BE49-F238E27FC236}">
+                <a16:creationId xmlns:a16="http://schemas.microsoft.com/office/drawing/2014/main" id="{B98C3EDB-7ABC-5858-0198-A6F89107DC04}"/>
+              </a:ext>
+            </a:extLst>
+          </p:cNvPr>
+          <p:cNvSpPr txBox="1">
+            <a:spLocks/>
+          </p:cNvSpPr>
+          <p:nvPr/>
+        </p:nvSpPr>
+        <p:spPr>
+          <a:xfrm>
+            <a:off x="2747347" y="6471564"/>
+            <a:ext cx="7704856" cy="367591"/>
+          </a:xfrm>
+          <a:prstGeom prst="rect">
+            <a:avLst/>
+          </a:prstGeom>
+        </p:spPr>
+        <p:txBody>
+          <a:bodyPr vert="horz" lIns="91440" tIns="45720" rIns="91440" bIns="45720" rtlCol="0">
+            <a:normAutofit lnSpcReduction="10000"/>
+          </a:bodyPr>
+          <a:lstStyle>
+            <a:lvl1pPr marL="0" indent="0" algn="l" defTabSz="914400" rtl="0" eaLnBrk="1" latinLnBrk="0" hangingPunct="1">
+              <a:lnSpc>
+                <a:spcPct val="90000"/>
+              </a:lnSpc>
+              <a:spcBef>
+                <a:spcPts val="0"/>
+              </a:spcBef>
+              <a:buSzPct val="80000"/>
+              <a:buFont typeface="Wingdings" panose="05000000000000000000" pitchFamily="2" charset="2"/>
+              <a:buNone/>
+              <a:defRPr sz="2400" kern="1200">
+                <a:solidFill>
+                  <a:schemeClr val="accent2"/>
+                </a:solidFill>
+                <a:latin typeface="+mn-lt"/>
+                <a:ea typeface="+mn-ea"/>
+                <a:cs typeface="+mn-cs"/>
+              </a:defRPr>
+            </a:lvl1pPr>
+            <a:lvl2pPr marL="457200" indent="0" algn="ctr" defTabSz="914400" rtl="0" eaLnBrk="1" latinLnBrk="0" hangingPunct="1">
+              <a:lnSpc>
+                <a:spcPct val="90000"/>
+              </a:lnSpc>
+              <a:spcBef>
+                <a:spcPts val="1000"/>
+              </a:spcBef>
+              <a:buSzPct val="80000"/>
+              <a:buFont typeface="Wingdings" panose="05000000000000000000" pitchFamily="2" charset="2"/>
+              <a:buNone/>
+              <a:defRPr sz="2000" kern="1200">
+                <a:solidFill>
+                  <a:schemeClr val="tx1"/>
+                </a:solidFill>
+                <a:latin typeface="+mn-lt"/>
+                <a:ea typeface="+mn-ea"/>
+                <a:cs typeface="+mn-cs"/>
+              </a:defRPr>
+            </a:lvl2pPr>
+            <a:lvl3pPr marL="914400" indent="0" algn="ctr" defTabSz="914400" rtl="0" eaLnBrk="1" latinLnBrk="0" hangingPunct="1">
+              <a:lnSpc>
+                <a:spcPct val="90000"/>
+              </a:lnSpc>
+              <a:spcBef>
+                <a:spcPts val="800"/>
+              </a:spcBef>
+              <a:buSzPct val="80000"/>
+              <a:buFont typeface="Wingdings" panose="05000000000000000000" pitchFamily="2" charset="2"/>
+              <a:buNone/>
+              <a:defRPr sz="1800" kern="1200">
+                <a:solidFill>
+                  <a:schemeClr val="tx1"/>
+                </a:solidFill>
+                <a:latin typeface="+mn-lt"/>
+                <a:ea typeface="+mn-ea"/>
+                <a:cs typeface="+mn-cs"/>
+              </a:defRPr>
+            </a:lvl3pPr>
+            <a:lvl4pPr marL="1371600" indent="0" algn="ctr" defTabSz="914400" rtl="0" eaLnBrk="1" latinLnBrk="0" hangingPunct="1">
+              <a:lnSpc>
+                <a:spcPct val="90000"/>
+              </a:lnSpc>
+              <a:spcBef>
+                <a:spcPts val="800"/>
+              </a:spcBef>
+              <a:buSzPct val="80000"/>
+              <a:buFont typeface="Wingdings" panose="05000000000000000000" pitchFamily="2" charset="2"/>
+              <a:buNone/>
+              <a:defRPr sz="1600" kern="1200">
+                <a:solidFill>
+                  <a:schemeClr val="tx1"/>
+                </a:solidFill>
+                <a:latin typeface="+mn-lt"/>
+                <a:ea typeface="+mn-ea"/>
+                <a:cs typeface="+mn-cs"/>
+              </a:defRPr>
+            </a:lvl4pPr>
+            <a:lvl5pPr marL="1828800" indent="0" algn="ctr" defTabSz="914400" rtl="0" eaLnBrk="1" latinLnBrk="0" hangingPunct="1">
+              <a:lnSpc>
+                <a:spcPct val="90000"/>
+              </a:lnSpc>
+              <a:spcBef>
+                <a:spcPts val="800"/>
+              </a:spcBef>
+              <a:buSzPct val="80000"/>
+              <a:buFont typeface="Wingdings" panose="05000000000000000000" pitchFamily="2" charset="2"/>
+              <a:buNone/>
+              <a:defRPr sz="1600" kern="1200">
+                <a:solidFill>
+                  <a:schemeClr val="tx1"/>
+                </a:solidFill>
+                <a:latin typeface="+mn-lt"/>
+                <a:ea typeface="+mn-ea"/>
+                <a:cs typeface="+mn-cs"/>
+              </a:defRPr>
+            </a:lvl5pPr>
+            <a:lvl6pPr marL="2286000" indent="0" algn="ctr" defTabSz="914400" rtl="0" eaLnBrk="1" latinLnBrk="0" hangingPunct="1">
+              <a:lnSpc>
+                <a:spcPct val="90000"/>
+              </a:lnSpc>
+              <a:spcBef>
+                <a:spcPts val="800"/>
+              </a:spcBef>
+              <a:buSzPct val="80000"/>
+              <a:buFont typeface="Wingdings" panose="05000000000000000000" pitchFamily="2" charset="2"/>
+              <a:buNone/>
+              <a:defRPr sz="1600" kern="1200">
+                <a:solidFill>
+                  <a:schemeClr val="tx1"/>
+                </a:solidFill>
+                <a:latin typeface="+mn-lt"/>
+                <a:ea typeface="+mn-ea"/>
+                <a:cs typeface="+mn-cs"/>
+              </a:defRPr>
+            </a:lvl6pPr>
+            <a:lvl7pPr marL="2743200" indent="0" algn="ctr" defTabSz="914400" rtl="0" eaLnBrk="1" latinLnBrk="0" hangingPunct="1">
+              <a:lnSpc>
+                <a:spcPct val="90000"/>
+              </a:lnSpc>
+              <a:spcBef>
+                <a:spcPts val="800"/>
+              </a:spcBef>
+              <a:buSzPct val="80000"/>
+              <a:buFont typeface="Wingdings" panose="05000000000000000000" pitchFamily="2" charset="2"/>
+              <a:buNone/>
+              <a:defRPr sz="1600" kern="1200">
+                <a:solidFill>
+                  <a:schemeClr val="tx1"/>
+                </a:solidFill>
+                <a:latin typeface="+mn-lt"/>
+                <a:ea typeface="+mn-ea"/>
+                <a:cs typeface="+mn-cs"/>
+              </a:defRPr>
+            </a:lvl7pPr>
+            <a:lvl8pPr marL="3200400" indent="0" algn="ctr" defTabSz="914400" rtl="0" eaLnBrk="1" latinLnBrk="0" hangingPunct="1">
+              <a:lnSpc>
+                <a:spcPct val="90000"/>
+              </a:lnSpc>
+              <a:spcBef>
+                <a:spcPts val="800"/>
+              </a:spcBef>
+              <a:buSzPct val="80000"/>
+              <a:buFont typeface="Wingdings" panose="05000000000000000000" pitchFamily="2" charset="2"/>
+              <a:buNone/>
+              <a:defRPr sz="1600" kern="1200">
+                <a:solidFill>
+                  <a:schemeClr val="tx1"/>
+                </a:solidFill>
+                <a:latin typeface="+mn-lt"/>
+                <a:ea typeface="+mn-ea"/>
+                <a:cs typeface="+mn-cs"/>
+              </a:defRPr>
+            </a:lvl8pPr>
+            <a:lvl9pPr marL="3657600" indent="0" algn="ctr" defTabSz="914400" rtl="0" eaLnBrk="1" latinLnBrk="0" hangingPunct="1">
+              <a:lnSpc>
+                <a:spcPct val="90000"/>
+              </a:lnSpc>
+              <a:spcBef>
+                <a:spcPts val="800"/>
+              </a:spcBef>
+              <a:buSzPct val="80000"/>
+              <a:buFont typeface="Wingdings" panose="05000000000000000000" pitchFamily="2" charset="2"/>
+              <a:buNone/>
+              <a:defRPr sz="1600" kern="1200">
+                <a:solidFill>
+                  <a:schemeClr val="tx1"/>
+                </a:solidFill>
+                <a:latin typeface="+mn-lt"/>
+                <a:ea typeface="+mn-ea"/>
+                <a:cs typeface="+mn-cs"/>
+              </a:defRPr>
+            </a:lvl9pPr>
+          </a:lstStyle>
+          <a:p>
+            <a:pPr>
+              <a:lnSpc>
+                <a:spcPct val="120000"/>
+              </a:lnSpc>
+            </a:pPr>
+            <a:r>
+              <a:rPr lang="en-US" sz="1800" b="1" dirty="0">
+                <a:solidFill>
+                  <a:schemeClr val="accent2">
+                    <a:lumMod val="75000"/>
+                  </a:schemeClr>
+                </a:solidFill>
+                <a:hlinkClick r:id="rId5">
+                  <a:extLst>
+                    <a:ext uri="{A12FA001-AC4F-418D-AE19-62706E023703}">
+                      <ahyp:hlinkClr xmlns:ahyp="http://schemas.microsoft.com/office/drawing/2018/hyperlinkcolor" val="tx"/>
+                    </a:ext>
+                  </a:extLst>
+                </a:hlinkClick>
+              </a:rPr>
+              <a:t>https://github.com/yasenstar/python/tree/master/GUI_Python</a:t>
+            </a:r>
+            <a:endParaRPr lang="en-US" sz="1800" b="1" dirty="0">
+              <a:solidFill>
+                <a:schemeClr val="accent2">
+                  <a:lumMod val="75000"/>
+                </a:schemeClr>
+              </a:solidFill>
+            </a:endParaRPr>
+          </a:p>
+        </p:txBody>
+      </p:sp>
+      <p:pic>
+        <p:nvPicPr>
+          <p:cNvPr id="4" name="Picture 3">
+            <a:extLst>
+              <a:ext uri="{FF2B5EF4-FFF2-40B4-BE49-F238E27FC236}">
+                <a16:creationId xmlns:a16="http://schemas.microsoft.com/office/drawing/2014/main" id="{255673B8-254E-B13A-31F6-5C296344CB2F}"/>
+              </a:ext>
+            </a:extLst>
+          </p:cNvPr>
+          <p:cNvPicPr>
+            <a:picLocks noChangeAspect="1"/>
+          </p:cNvPicPr>
+          <p:nvPr/>
+        </p:nvPicPr>
+        <p:blipFill>
+          <a:blip r:embed="rId6"/>
+          <a:stretch>
+            <a:fillRect/>
+          </a:stretch>
+        </p:blipFill>
+        <p:spPr>
+          <a:xfrm>
+            <a:off x="7754471" y="2898169"/>
+            <a:ext cx="4198844" cy="2123977"/>
+          </a:xfrm>
+          <a:prstGeom prst="rect">
+            <a:avLst/>
+          </a:prstGeom>
+          <a:ln>
+            <a:noFill/>
+          </a:ln>
+          <a:effectLst>
+            <a:outerShdw blurRad="292100" dist="139700" dir="2700000" algn="tl" rotWithShape="0">
+              <a:srgbClr val="333333">
+                <a:alpha val="65000"/>
+              </a:srgbClr>
+            </a:outerShdw>
+          </a:effectLst>
+        </p:spPr>
+      </p:pic>
+      <p:pic>
+        <p:nvPicPr>
+          <p:cNvPr id="11" name="Content Placeholder 10">
+            <a:extLst>
+              <a:ext uri="{FF2B5EF4-FFF2-40B4-BE49-F238E27FC236}">
+                <a16:creationId xmlns:a16="http://schemas.microsoft.com/office/drawing/2014/main" id="{60FBA541-8F52-50E0-CAEB-D7DF56F71728}"/>
+              </a:ext>
+            </a:extLst>
+          </p:cNvPr>
+          <p:cNvPicPr>
+            <a:picLocks noGrp="1" noChangeAspect="1"/>
+          </p:cNvPicPr>
+          <p:nvPr>
+            <p:ph idx="1"/>
+          </p:nvPr>
+        </p:nvPicPr>
+        <p:blipFill>
+          <a:blip r:embed="rId7"/>
+          <a:stretch>
+            <a:fillRect/>
+          </a:stretch>
+        </p:blipFill>
+        <p:spPr>
+          <a:xfrm>
+            <a:off x="2013403" y="1734670"/>
+            <a:ext cx="5656384" cy="4114800"/>
+          </a:xfrm>
+          <a:prstGeom prst="rect">
+            <a:avLst/>
+          </a:prstGeom>
+          <a:ln>
+            <a:noFill/>
+          </a:ln>
+          <a:effectLst>
+            <a:outerShdw blurRad="292100" dist="139700" dir="2700000" algn="tl" rotWithShape="0">
+              <a:srgbClr val="333333">
+                <a:alpha val="65000"/>
+              </a:srgbClr>
+            </a:outerShdw>
+          </a:effectLst>
+        </p:spPr>
+      </p:pic>
+    </p:spTree>
+    <p:extLst>
+      <p:ext uri="{BB962C8B-B14F-4D97-AF65-F5344CB8AC3E}">
+        <p14:creationId xmlns:p14="http://schemas.microsoft.com/office/powerpoint/2010/main" val="4180243434"/>
+      </p:ext>
+    </p:extLst>
+  </p:cSld>
+  <p:clrMapOvr>
+    <a:masterClrMapping/>
+  </p:clrMapOvr>
+</p:sld>
+</file>
+
+<file path=ppt/slides/slide22.xml><?xml version="1.0" encoding="utf-8"?>
+<p:sld xmlns:a="http://schemas.openxmlformats.org/drawingml/2006/main" xmlns:r="http://schemas.openxmlformats.org/officeDocument/2006/relationships" xmlns:p="http://schemas.openxmlformats.org/presentationml/2006/main">
+  <p:cSld>
+    <p:spTree>
+      <p:nvGrpSpPr>
+        <p:cNvPr id="1" name=""/>
+        <p:cNvGrpSpPr/>
+        <p:nvPr/>
+      </p:nvGrpSpPr>
+      <p:grpSpPr>
+        <a:xfrm>
+          <a:off x="0" y="0"/>
+          <a:ext cx="0" cy="0"/>
+          <a:chOff x="0" y="0"/>
+          <a:chExt cx="0" cy="0"/>
+        </a:xfrm>
+      </p:grpSpPr>
+      <p:pic>
+        <p:nvPicPr>
+          <p:cNvPr id="11" name="Picture 10">
+            <a:extLst>
+              <a:ext uri="{FF2B5EF4-FFF2-40B4-BE49-F238E27FC236}">
+                <a16:creationId xmlns:a16="http://schemas.microsoft.com/office/drawing/2014/main" id="{BF4DE56A-A05C-7309-2D6F-330E857B24E5}"/>
+              </a:ext>
+            </a:extLst>
+          </p:cNvPr>
+          <p:cNvPicPr>
+            <a:picLocks noChangeAspect="1"/>
+          </p:cNvPicPr>
+          <p:nvPr/>
+        </p:nvPicPr>
+        <p:blipFill>
+          <a:blip r:embed="rId3"/>
+          <a:stretch>
+            <a:fillRect/>
+          </a:stretch>
+        </p:blipFill>
+        <p:spPr>
+          <a:xfrm>
+            <a:off x="8088198" y="2149311"/>
+            <a:ext cx="840047" cy="923015"/>
+          </a:xfrm>
+          <a:prstGeom prst="rect">
+            <a:avLst/>
+          </a:prstGeom>
+          <a:ln>
+            <a:noFill/>
+          </a:ln>
+          <a:effectLst>
+            <a:outerShdw blurRad="292100" dist="139700" dir="2700000" algn="tl" rotWithShape="0">
+              <a:srgbClr val="333333">
+                <a:alpha val="65000"/>
+              </a:srgbClr>
+            </a:outerShdw>
+          </a:effectLst>
+        </p:spPr>
+      </p:pic>
+      <p:pic>
+        <p:nvPicPr>
+          <p:cNvPr id="14" name="Picture 13">
+            <a:extLst>
+              <a:ext uri="{FF2B5EF4-FFF2-40B4-BE49-F238E27FC236}">
+                <a16:creationId xmlns:a16="http://schemas.microsoft.com/office/drawing/2014/main" id="{D3D28456-A684-E69E-6EE3-D2884B45CC44}"/>
+              </a:ext>
+            </a:extLst>
+          </p:cNvPr>
+          <p:cNvPicPr>
+            <a:picLocks noChangeAspect="1"/>
+          </p:cNvPicPr>
+          <p:nvPr/>
+        </p:nvPicPr>
+        <p:blipFill>
+          <a:blip r:embed="rId4"/>
+          <a:stretch>
+            <a:fillRect/>
+          </a:stretch>
+        </p:blipFill>
+        <p:spPr>
+          <a:xfrm>
+            <a:off x="3345680" y="1186304"/>
+            <a:ext cx="4124325" cy="3486150"/>
+          </a:xfrm>
+          <a:prstGeom prst="rect">
+            <a:avLst/>
+          </a:prstGeom>
+        </p:spPr>
+      </p:pic>
+    </p:spTree>
+    <p:extLst>
+      <p:ext uri="{BB962C8B-B14F-4D97-AF65-F5344CB8AC3E}">
+        <p14:creationId xmlns:p14="http://schemas.microsoft.com/office/powerpoint/2010/main" val="1950194442"/>
       </p:ext>
     </p:extLst>
   </p:cSld>
